--- a/ltr/images/ltr_images.pptx
+++ b/ltr/images/ltr_images.pptx
@@ -4,6 +4,9 @@
   <p:sldMasterIdLst>
     <p:sldMasterId id="2147483648" r:id="rId1"/>
   </p:sldMasterIdLst>
+  <p:sldIdLst>
+    <p:sldId id="256" r:id="rId2"/>
+  </p:sldIdLst>
   <p:sldSz cx="9144000" cy="6858000" type="screen4x3"/>
   <p:notesSz cx="6858000" cy="9144000"/>
   <p:defaultTextStyle>
@@ -101,6 +104,22 @@
       </a:defRPr>
     </a:lvl9pPr>
   </p:defaultTextStyle>
+  <p:extLst>
+    <p:ext uri="{EFAFB233-063F-42B5-8137-9DF3F51BA10A}">
+      <p15:sldGuideLst xmlns:p15="http://schemas.microsoft.com/office/powerpoint/2012/main">
+        <p15:guide id="1" orient="horz" pos="2160">
+          <p15:clr>
+            <a:srgbClr val="A4A3A4"/>
+          </p15:clr>
+        </p15:guide>
+        <p15:guide id="2" pos="2880">
+          <p15:clr>
+            <a:srgbClr val="A4A3A4"/>
+          </p15:clr>
+        </p15:guide>
+      </p15:sldGuideLst>
+    </p:ext>
+  </p:extLst>
 </p:presentation>
 </file>
 
@@ -285,7 +304,7 @@
           <a:p>
             <a:fld id="{E90ED720-0104-4369-84BC-D37694168613}" type="datetimeFigureOut">
               <a:rPr kumimoji="1" lang="ja-JP" altLang="en-US" smtClean="0"/>
-              <a:t>2016/8/16</a:t>
+              <a:t>2016/8/22</a:t>
             </a:fld>
             <a:endParaRPr kumimoji="1" lang="ja-JP" altLang="en-US"/>
           </a:p>
@@ -482,7 +501,7 @@
           <a:p>
             <a:fld id="{E90ED720-0104-4369-84BC-D37694168613}" type="datetimeFigureOut">
               <a:rPr kumimoji="1" lang="ja-JP" altLang="en-US" smtClean="0"/>
-              <a:t>2016/8/16</a:t>
+              <a:t>2016/8/22</a:t>
             </a:fld>
             <a:endParaRPr kumimoji="1" lang="ja-JP" altLang="en-US"/>
           </a:p>
@@ -689,7 +708,7 @@
           <a:p>
             <a:fld id="{E90ED720-0104-4369-84BC-D37694168613}" type="datetimeFigureOut">
               <a:rPr kumimoji="1" lang="ja-JP" altLang="en-US" smtClean="0"/>
-              <a:t>2016/8/16</a:t>
+              <a:t>2016/8/22</a:t>
             </a:fld>
             <a:endParaRPr kumimoji="1" lang="ja-JP" altLang="en-US"/>
           </a:p>
@@ -886,7 +905,7 @@
           <a:p>
             <a:fld id="{E90ED720-0104-4369-84BC-D37694168613}" type="datetimeFigureOut">
               <a:rPr kumimoji="1" lang="ja-JP" altLang="en-US" smtClean="0"/>
-              <a:t>2016/8/16</a:t>
+              <a:t>2016/8/22</a:t>
             </a:fld>
             <a:endParaRPr kumimoji="1" lang="ja-JP" altLang="en-US"/>
           </a:p>
@@ -1127,7 +1146,7 @@
           <a:p>
             <a:fld id="{E90ED720-0104-4369-84BC-D37694168613}" type="datetimeFigureOut">
               <a:rPr kumimoji="1" lang="ja-JP" altLang="en-US" smtClean="0"/>
-              <a:t>2016/8/16</a:t>
+              <a:t>2016/8/22</a:t>
             </a:fld>
             <a:endParaRPr kumimoji="1" lang="ja-JP" altLang="en-US"/>
           </a:p>
@@ -1474,7 +1493,7 @@
           <a:p>
             <a:fld id="{E90ED720-0104-4369-84BC-D37694168613}" type="datetimeFigureOut">
               <a:rPr kumimoji="1" lang="ja-JP" altLang="en-US" smtClean="0"/>
-              <a:t>2016/8/16</a:t>
+              <a:t>2016/8/22</a:t>
             </a:fld>
             <a:endParaRPr kumimoji="1" lang="ja-JP" altLang="en-US"/>
           </a:p>
@@ -1955,7 +1974,7 @@
           <a:p>
             <a:fld id="{E90ED720-0104-4369-84BC-D37694168613}" type="datetimeFigureOut">
               <a:rPr kumimoji="1" lang="ja-JP" altLang="en-US" smtClean="0"/>
-              <a:t>2016/8/16</a:t>
+              <a:t>2016/8/22</a:t>
             </a:fld>
             <a:endParaRPr kumimoji="1" lang="ja-JP" altLang="en-US"/>
           </a:p>
@@ -2068,7 +2087,7 @@
           <a:p>
             <a:fld id="{E90ED720-0104-4369-84BC-D37694168613}" type="datetimeFigureOut">
               <a:rPr kumimoji="1" lang="ja-JP" altLang="en-US" smtClean="0"/>
-              <a:t>2016/8/16</a:t>
+              <a:t>2016/8/22</a:t>
             </a:fld>
             <a:endParaRPr kumimoji="1" lang="ja-JP" altLang="en-US"/>
           </a:p>
@@ -2158,7 +2177,7 @@
           <a:p>
             <a:fld id="{E90ED720-0104-4369-84BC-D37694168613}" type="datetimeFigureOut">
               <a:rPr kumimoji="1" lang="ja-JP" altLang="en-US" smtClean="0"/>
-              <a:t>2016/8/16</a:t>
+              <a:t>2016/8/22</a:t>
             </a:fld>
             <a:endParaRPr kumimoji="1" lang="ja-JP" altLang="en-US"/>
           </a:p>
@@ -2462,7 +2481,7 @@
           <a:p>
             <a:fld id="{E90ED720-0104-4369-84BC-D37694168613}" type="datetimeFigureOut">
               <a:rPr kumimoji="1" lang="ja-JP" altLang="en-US" smtClean="0"/>
-              <a:t>2016/8/16</a:t>
+              <a:t>2016/8/22</a:t>
             </a:fld>
             <a:endParaRPr kumimoji="1" lang="ja-JP" altLang="en-US"/>
           </a:p>
@@ -2710,7 +2729,7 @@
           <a:p>
             <a:fld id="{E90ED720-0104-4369-84BC-D37694168613}" type="datetimeFigureOut">
               <a:rPr kumimoji="1" lang="ja-JP" altLang="en-US" smtClean="0"/>
-              <a:t>2016/8/16</a:t>
+              <a:t>2016/8/22</a:t>
             </a:fld>
             <a:endParaRPr kumimoji="1" lang="ja-JP" altLang="en-US"/>
           </a:p>
@@ -2950,7 +2969,7 @@
           <a:p>
             <a:fld id="{E90ED720-0104-4369-84BC-D37694168613}" type="datetimeFigureOut">
               <a:rPr kumimoji="1" lang="ja-JP" altLang="en-US" smtClean="0"/>
-              <a:t>2016/8/16</a:t>
+              <a:t>2016/8/22</a:t>
             </a:fld>
             <a:endParaRPr kumimoji="1" lang="ja-JP" altLang="en-US"/>
           </a:p>
@@ -3301,6 +3320,1723 @@
     </p:otherStyle>
   </p:txStyles>
 </p:sldMaster>
+</file>
+
+<file path=ppt/slides/slide1.xml><?xml version="1.0" encoding="utf-8"?>
+<p:sld xmlns:a="http://schemas.openxmlformats.org/drawingml/2006/main" xmlns:r="http://schemas.openxmlformats.org/officeDocument/2006/relationships" xmlns:p="http://schemas.openxmlformats.org/presentationml/2006/main">
+  <p:cSld>
+    <p:spTree>
+      <p:nvGrpSpPr>
+        <p:cNvPr id="1" name=""/>
+        <p:cNvGrpSpPr/>
+        <p:nvPr/>
+      </p:nvGrpSpPr>
+      <p:grpSpPr>
+        <a:xfrm>
+          <a:off x="0" y="0"/>
+          <a:ext cx="0" cy="0"/>
+          <a:chOff x="0" y="0"/>
+          <a:chExt cx="0" cy="0"/>
+        </a:xfrm>
+      </p:grpSpPr>
+      <p:sp>
+        <p:nvSpPr>
+          <p:cNvPr id="5" name="Shape 66"/>
+          <p:cNvSpPr/>
+          <p:nvPr/>
+        </p:nvSpPr>
+        <p:spPr>
+          <a:xfrm>
+            <a:off x="1612030" y="1631704"/>
+            <a:ext cx="7193158" cy="1427700"/>
+          </a:xfrm>
+          <a:prstGeom prst="rect">
+            <a:avLst/>
+          </a:prstGeom>
+          <a:solidFill>
+            <a:srgbClr val="F9CB9C"/>
+          </a:solidFill>
+          <a:ln w="9525" cap="flat" cmpd="sng">
+            <a:solidFill>
+              <a:schemeClr val="dk2"/>
+            </a:solidFill>
+            <a:prstDash val="solid"/>
+            <a:round/>
+            <a:headEnd type="none" w="med" len="med"/>
+            <a:tailEnd type="none" w="med" len="med"/>
+          </a:ln>
+        </p:spPr>
+        <p:txBody>
+          <a:bodyPr lIns="91425" tIns="91425" rIns="91425" bIns="91425" anchor="t" anchorCtr="0">
+            <a:noAutofit/>
+          </a:bodyPr>
+          <a:lstStyle/>
+          <a:p>
+            <a:pPr lvl="0" algn="ctr" rtl="0">
+              <a:spcBef>
+                <a:spcPts val="0"/>
+              </a:spcBef>
+              <a:buNone/>
+            </a:pPr>
+            <a:r>
+              <a:rPr lang="ja"/>
+              <a:t>NLP4L-LTR</a:t>
+            </a:r>
+          </a:p>
+        </p:txBody>
+      </p:sp>
+      <p:sp>
+        <p:nvSpPr>
+          <p:cNvPr id="6" name="Shape 67"/>
+          <p:cNvSpPr/>
+          <p:nvPr/>
+        </p:nvSpPr>
+        <p:spPr>
+          <a:xfrm>
+            <a:off x="171870" y="2563754"/>
+            <a:ext cx="1223100" cy="724134"/>
+          </a:xfrm>
+          <a:prstGeom prst="foldedCorner">
+            <a:avLst>
+              <a:gd name="adj" fmla="val 16667"/>
+            </a:avLst>
+          </a:prstGeom>
+          <a:solidFill>
+            <a:schemeClr val="lt2"/>
+          </a:solidFill>
+          <a:ln w="9525" cap="flat" cmpd="sng">
+            <a:solidFill>
+              <a:schemeClr val="dk2"/>
+            </a:solidFill>
+            <a:prstDash val="solid"/>
+            <a:round/>
+            <a:headEnd type="none" w="med" len="med"/>
+            <a:tailEnd type="none" w="med" len="med"/>
+          </a:ln>
+        </p:spPr>
+        <p:txBody>
+          <a:bodyPr lIns="91425" tIns="91425" rIns="91425" bIns="91425" anchor="ctr" anchorCtr="0">
+            <a:noAutofit/>
+          </a:bodyPr>
+          <a:lstStyle/>
+          <a:p>
+            <a:pPr lvl="0" rtl="0">
+              <a:spcBef>
+                <a:spcPts val="0"/>
+              </a:spcBef>
+              <a:buNone/>
+            </a:pPr>
+            <a:r>
+              <a:rPr lang="ja"/>
+              <a:t>Query for evaluation</a:t>
+            </a:r>
+          </a:p>
+        </p:txBody>
+      </p:sp>
+      <p:sp>
+        <p:nvSpPr>
+          <p:cNvPr id="7" name="Shape 68"/>
+          <p:cNvSpPr/>
+          <p:nvPr/>
+        </p:nvSpPr>
+        <p:spPr>
+          <a:xfrm>
+            <a:off x="1619672" y="4365104"/>
+            <a:ext cx="7193157" cy="1083024"/>
+          </a:xfrm>
+          <a:prstGeom prst="rect">
+            <a:avLst/>
+          </a:prstGeom>
+          <a:solidFill>
+            <a:srgbClr val="C9DAF8"/>
+          </a:solidFill>
+          <a:ln w="9525" cap="flat" cmpd="sng">
+            <a:solidFill>
+              <a:schemeClr val="dk2"/>
+            </a:solidFill>
+            <a:prstDash val="solid"/>
+            <a:round/>
+            <a:headEnd type="none" w="med" len="med"/>
+            <a:tailEnd type="none" w="med" len="med"/>
+          </a:ln>
+        </p:spPr>
+        <p:txBody>
+          <a:bodyPr lIns="91425" tIns="91425" rIns="91425" bIns="91425" anchor="b" anchorCtr="0">
+            <a:noAutofit/>
+          </a:bodyPr>
+          <a:lstStyle/>
+          <a:p>
+            <a:pPr lvl="0" algn="ctr" rtl="0">
+              <a:spcBef>
+                <a:spcPts val="0"/>
+              </a:spcBef>
+              <a:buNone/>
+            </a:pPr>
+            <a:r>
+              <a:rPr lang="ja"/>
+              <a:t>Solr / </a:t>
+            </a:r>
+          </a:p>
+          <a:p>
+            <a:pPr lvl="0" algn="ctr" rtl="0">
+              <a:spcBef>
+                <a:spcPts val="0"/>
+              </a:spcBef>
+              <a:buNone/>
+            </a:pPr>
+            <a:r>
+              <a:rPr lang="ja"/>
+              <a:t>Elasticsearch</a:t>
+            </a:r>
+          </a:p>
+        </p:txBody>
+      </p:sp>
+      <p:sp>
+        <p:nvSpPr>
+          <p:cNvPr id="8" name="Shape 69"/>
+          <p:cNvSpPr/>
+          <p:nvPr/>
+        </p:nvSpPr>
+        <p:spPr>
+          <a:xfrm>
+            <a:off x="7084638" y="2906679"/>
+            <a:ext cx="357900" cy="1596750"/>
+          </a:xfrm>
+          <a:prstGeom prst="downArrow">
+            <a:avLst>
+              <a:gd name="adj1" fmla="val 50000"/>
+              <a:gd name="adj2" fmla="val 50000"/>
+            </a:avLst>
+          </a:prstGeom>
+          <a:solidFill>
+            <a:schemeClr val="lt2"/>
+          </a:solidFill>
+          <a:ln w="9525" cap="flat" cmpd="sng">
+            <a:solidFill>
+              <a:schemeClr val="dk2"/>
+            </a:solidFill>
+            <a:prstDash val="solid"/>
+            <a:round/>
+            <a:headEnd type="none" w="med" len="med"/>
+            <a:tailEnd type="none" w="med" len="med"/>
+          </a:ln>
+        </p:spPr>
+        <p:txBody>
+          <a:bodyPr lIns="91425" tIns="91425" rIns="91425" bIns="91425" anchor="ctr" anchorCtr="0">
+            <a:noAutofit/>
+          </a:bodyPr>
+          <a:lstStyle/>
+          <a:p>
+            <a:pPr lvl="0">
+              <a:spcBef>
+                <a:spcPts val="0"/>
+              </a:spcBef>
+              <a:buNone/>
+            </a:pPr>
+            <a:endParaRPr/>
+          </a:p>
+        </p:txBody>
+      </p:sp>
+      <p:sp>
+        <p:nvSpPr>
+          <p:cNvPr id="9" name="Shape 70"/>
+          <p:cNvSpPr txBox="1"/>
+          <p:nvPr/>
+        </p:nvSpPr>
+        <p:spPr>
+          <a:xfrm>
+            <a:off x="6592987" y="3391454"/>
+            <a:ext cx="1355747" cy="400490"/>
+          </a:xfrm>
+          <a:prstGeom prst="rect">
+            <a:avLst/>
+          </a:prstGeom>
+          <a:noFill/>
+          <a:ln w="9525" cap="flat" cmpd="sng">
+            <a:solidFill>
+              <a:srgbClr val="000000"/>
+            </a:solidFill>
+            <a:prstDash val="solid"/>
+            <a:round/>
+            <a:headEnd type="none" w="med" len="med"/>
+            <a:tailEnd type="none" w="med" len="med"/>
+          </a:ln>
+        </p:spPr>
+        <p:txBody>
+          <a:bodyPr lIns="91425" tIns="91425" rIns="91425" bIns="91425" anchor="t" anchorCtr="0">
+            <a:noAutofit/>
+          </a:bodyPr>
+          <a:lstStyle/>
+          <a:p>
+            <a:pPr lvl="0" rtl="0">
+              <a:spcBef>
+                <a:spcPts val="0"/>
+              </a:spcBef>
+              <a:buNone/>
+            </a:pPr>
+            <a:r>
+              <a:rPr lang="ja"/>
+              <a:t>Mode</a:t>
+            </a:r>
+            <a:r>
+              <a:rPr lang="en-US" altLang="ja"/>
+              <a:t>l</a:t>
+            </a:r>
+            <a:r>
+              <a:rPr lang="ja"/>
+              <a:t> data</a:t>
+            </a:r>
+          </a:p>
+        </p:txBody>
+      </p:sp>
+      <p:sp>
+        <p:nvSpPr>
+          <p:cNvPr id="10" name="Shape 71"/>
+          <p:cNvSpPr txBox="1"/>
+          <p:nvPr/>
+        </p:nvSpPr>
+        <p:spPr>
+          <a:xfrm>
+            <a:off x="6580582" y="4556128"/>
+            <a:ext cx="1369395" cy="720717"/>
+          </a:xfrm>
+          <a:prstGeom prst="rect">
+            <a:avLst/>
+          </a:prstGeom>
+          <a:solidFill>
+            <a:srgbClr val="F9CB9C"/>
+          </a:solidFill>
+          <a:ln w="9525" cap="flat" cmpd="sng">
+            <a:solidFill>
+              <a:srgbClr val="000000"/>
+            </a:solidFill>
+            <a:prstDash val="solid"/>
+            <a:round/>
+            <a:headEnd type="none" w="med" len="med"/>
+            <a:tailEnd type="none" w="med" len="med"/>
+          </a:ln>
+        </p:spPr>
+        <p:txBody>
+          <a:bodyPr lIns="91425" tIns="91425" rIns="91425" bIns="91425" anchor="t" anchorCtr="0">
+            <a:noAutofit/>
+          </a:bodyPr>
+          <a:lstStyle/>
+          <a:p>
+            <a:pPr lvl="0" rtl="0">
+              <a:spcBef>
+                <a:spcPts val="0"/>
+              </a:spcBef>
+              <a:buNone/>
+            </a:pPr>
+            <a:r>
+              <a:rPr lang="ja"/>
+              <a:t>LTR-Rerank</a:t>
+            </a:r>
+          </a:p>
+          <a:p>
+            <a:pPr lvl="0" rtl="0">
+              <a:spcBef>
+                <a:spcPts val="0"/>
+              </a:spcBef>
+              <a:buNone/>
+            </a:pPr>
+            <a:r>
+              <a:rPr lang="ja"/>
+              <a:t>module</a:t>
+            </a:r>
+          </a:p>
+        </p:txBody>
+      </p:sp>
+      <p:cxnSp>
+        <p:nvCxnSpPr>
+          <p:cNvPr id="11" name="Shape 72"/>
+          <p:cNvCxnSpPr>
+            <a:stCxn id="6" idx="0"/>
+          </p:cNvCxnSpPr>
+          <p:nvPr/>
+        </p:nvCxnSpPr>
+        <p:spPr>
+          <a:xfrm rot="5400000" flipH="1" flipV="1">
+            <a:off x="1232371" y="1944403"/>
+            <a:ext cx="170400" cy="1068302"/>
+          </a:xfrm>
+          <a:prstGeom prst="bentConnector2">
+            <a:avLst/>
+          </a:prstGeom>
+          <a:noFill/>
+          <a:ln w="9525" cap="flat" cmpd="sng">
+            <a:solidFill>
+              <a:schemeClr val="dk2"/>
+            </a:solidFill>
+            <a:prstDash val="solid"/>
+            <a:round/>
+            <a:headEnd type="none" w="lg" len="lg"/>
+            <a:tailEnd type="triangle" w="lg" len="lg"/>
+          </a:ln>
+        </p:spPr>
+      </p:cxnSp>
+      <p:sp>
+        <p:nvSpPr>
+          <p:cNvPr id="12" name="Shape 73"/>
+          <p:cNvSpPr/>
+          <p:nvPr/>
+        </p:nvSpPr>
+        <p:spPr>
+          <a:xfrm>
+            <a:off x="1851597" y="2014779"/>
+            <a:ext cx="1299500" cy="757200"/>
+          </a:xfrm>
+          <a:prstGeom prst="homePlate">
+            <a:avLst>
+              <a:gd name="adj" fmla="val 28601"/>
+            </a:avLst>
+          </a:prstGeom>
+          <a:solidFill>
+            <a:srgbClr val="93C47D"/>
+          </a:solidFill>
+          <a:ln w="9525" cap="flat" cmpd="sng">
+            <a:solidFill>
+              <a:schemeClr val="dk2"/>
+            </a:solidFill>
+            <a:prstDash val="solid"/>
+            <a:round/>
+            <a:headEnd type="none" w="med" len="med"/>
+            <a:tailEnd type="none" w="med" len="med"/>
+          </a:ln>
+        </p:spPr>
+        <p:txBody>
+          <a:bodyPr lIns="91425" tIns="91425" rIns="91425" bIns="91425" anchor="ctr" anchorCtr="0">
+            <a:noAutofit/>
+          </a:bodyPr>
+          <a:lstStyle/>
+          <a:p>
+            <a:pPr marL="0" marR="0" lvl="0" indent="0" algn="l" rtl="0">
+              <a:lnSpc>
+                <a:spcPct val="100000"/>
+              </a:lnSpc>
+              <a:spcBef>
+                <a:spcPts val="0"/>
+              </a:spcBef>
+              <a:spcAft>
+                <a:spcPts val="0"/>
+              </a:spcAft>
+              <a:buNone/>
+            </a:pPr>
+            <a:r>
+              <a:rPr lang="ja"/>
+              <a:t>Supervise</a:t>
+            </a:r>
+          </a:p>
+        </p:txBody>
+      </p:sp>
+      <p:sp>
+        <p:nvSpPr>
+          <p:cNvPr id="13" name="Shape 74"/>
+          <p:cNvSpPr/>
+          <p:nvPr/>
+        </p:nvSpPr>
+        <p:spPr>
+          <a:xfrm rot="10800000" flipH="1">
+            <a:off x="2146447" y="2866329"/>
+            <a:ext cx="688800" cy="1637100"/>
+          </a:xfrm>
+          <a:prstGeom prst="uturnArrow">
+            <a:avLst>
+              <a:gd name="adj1" fmla="val 25000"/>
+              <a:gd name="adj2" fmla="val 24171"/>
+              <a:gd name="adj3" fmla="val 25000"/>
+              <a:gd name="adj4" fmla="val 44165"/>
+              <a:gd name="adj5" fmla="val 100000"/>
+            </a:avLst>
+          </a:prstGeom>
+          <a:solidFill>
+            <a:schemeClr val="lt2"/>
+          </a:solidFill>
+          <a:ln w="9525" cap="flat" cmpd="sng">
+            <a:solidFill>
+              <a:schemeClr val="dk2"/>
+            </a:solidFill>
+            <a:prstDash val="solid"/>
+            <a:round/>
+            <a:headEnd type="none" w="med" len="med"/>
+            <a:tailEnd type="none" w="med" len="med"/>
+          </a:ln>
+        </p:spPr>
+        <p:txBody>
+          <a:bodyPr lIns="91425" tIns="91425" rIns="91425" bIns="91425" anchor="t" anchorCtr="0">
+            <a:noAutofit/>
+          </a:bodyPr>
+          <a:lstStyle/>
+          <a:p>
+            <a:pPr lvl="0">
+              <a:spcBef>
+                <a:spcPts val="0"/>
+              </a:spcBef>
+              <a:buNone/>
+            </a:pPr>
+            <a:endParaRPr/>
+          </a:p>
+        </p:txBody>
+      </p:sp>
+      <p:sp>
+        <p:nvSpPr>
+          <p:cNvPr id="14" name="Shape 75"/>
+          <p:cNvSpPr txBox="1"/>
+          <p:nvPr/>
+        </p:nvSpPr>
+        <p:spPr>
+          <a:xfrm>
+            <a:off x="1394970" y="3389897"/>
+            <a:ext cx="1721991" cy="402045"/>
+          </a:xfrm>
+          <a:prstGeom prst="rect">
+            <a:avLst/>
+          </a:prstGeom>
+          <a:noFill/>
+          <a:ln w="9525" cap="flat" cmpd="sng">
+            <a:solidFill>
+              <a:srgbClr val="000000"/>
+            </a:solidFill>
+            <a:prstDash val="solid"/>
+            <a:round/>
+            <a:headEnd type="none" w="med" len="med"/>
+            <a:tailEnd type="none" w="med" len="med"/>
+          </a:ln>
+        </p:spPr>
+        <p:txBody>
+          <a:bodyPr lIns="91425" tIns="91425" rIns="91425" bIns="91425" anchor="t" anchorCtr="0">
+            <a:noAutofit/>
+          </a:bodyPr>
+          <a:lstStyle/>
+          <a:p>
+            <a:pPr lvl="0" algn="ctr">
+              <a:spcBef>
+                <a:spcPts val="0"/>
+              </a:spcBef>
+              <a:buNone/>
+            </a:pPr>
+            <a:r>
+              <a:rPr lang="ja"/>
+              <a:t>Search result</a:t>
+            </a:r>
+          </a:p>
+        </p:txBody>
+      </p:sp>
+      <p:sp>
+        <p:nvSpPr>
+          <p:cNvPr id="15" name="Shape 76"/>
+          <p:cNvSpPr txBox="1"/>
+          <p:nvPr/>
+        </p:nvSpPr>
+        <p:spPr>
+          <a:xfrm>
+            <a:off x="2980182" y="4571517"/>
+            <a:ext cx="1501550" cy="705329"/>
+          </a:xfrm>
+          <a:prstGeom prst="rect">
+            <a:avLst/>
+          </a:prstGeom>
+          <a:solidFill>
+            <a:srgbClr val="F9CB9C"/>
+          </a:solidFill>
+          <a:ln w="9525" cap="flat" cmpd="sng">
+            <a:solidFill>
+              <a:srgbClr val="000000"/>
+            </a:solidFill>
+            <a:prstDash val="solid"/>
+            <a:round/>
+            <a:headEnd type="none" w="med" len="med"/>
+            <a:tailEnd type="none" w="med" len="med"/>
+          </a:ln>
+        </p:spPr>
+        <p:txBody>
+          <a:bodyPr lIns="91425" tIns="91425" rIns="91425" bIns="91425" anchor="t" anchorCtr="0">
+            <a:noAutofit/>
+          </a:bodyPr>
+          <a:lstStyle/>
+          <a:p>
+            <a:pPr lvl="0" rtl="0">
+              <a:spcBef>
+                <a:spcPts val="0"/>
+              </a:spcBef>
+              <a:buNone/>
+            </a:pPr>
+            <a:r>
+              <a:rPr lang="ja"/>
+              <a:t>LTR-Feature</a:t>
+            </a:r>
+          </a:p>
+          <a:p>
+            <a:pPr lvl="0" rtl="0">
+              <a:spcBef>
+                <a:spcPts val="0"/>
+              </a:spcBef>
+              <a:buNone/>
+            </a:pPr>
+            <a:r>
+              <a:rPr lang="ja"/>
+              <a:t>module</a:t>
+            </a:r>
+          </a:p>
+        </p:txBody>
+      </p:sp>
+      <p:sp>
+        <p:nvSpPr>
+          <p:cNvPr id="16" name="Shape 77"/>
+          <p:cNvSpPr/>
+          <p:nvPr/>
+        </p:nvSpPr>
+        <p:spPr>
+          <a:xfrm rot="10800000" flipH="1">
+            <a:off x="3612122" y="2917104"/>
+            <a:ext cx="357900" cy="1533600"/>
+          </a:xfrm>
+          <a:prstGeom prst="downArrow">
+            <a:avLst>
+              <a:gd name="adj1" fmla="val 50000"/>
+              <a:gd name="adj2" fmla="val 50000"/>
+            </a:avLst>
+          </a:prstGeom>
+          <a:solidFill>
+            <a:schemeClr val="lt2"/>
+          </a:solidFill>
+          <a:ln w="9525" cap="flat" cmpd="sng">
+            <a:solidFill>
+              <a:schemeClr val="dk2"/>
+            </a:solidFill>
+            <a:prstDash val="solid"/>
+            <a:round/>
+            <a:headEnd type="none" w="med" len="med"/>
+            <a:tailEnd type="none" w="med" len="med"/>
+          </a:ln>
+        </p:spPr>
+        <p:txBody>
+          <a:bodyPr lIns="91425" tIns="91425" rIns="91425" bIns="91425" anchor="ctr" anchorCtr="0">
+            <a:noAutofit/>
+          </a:bodyPr>
+          <a:lstStyle/>
+          <a:p>
+            <a:pPr lvl="0">
+              <a:spcBef>
+                <a:spcPts val="0"/>
+              </a:spcBef>
+              <a:buNone/>
+            </a:pPr>
+            <a:endParaRPr/>
+          </a:p>
+        </p:txBody>
+      </p:sp>
+      <p:sp>
+        <p:nvSpPr>
+          <p:cNvPr id="17" name="Shape 78"/>
+          <p:cNvSpPr txBox="1"/>
+          <p:nvPr/>
+        </p:nvSpPr>
+        <p:spPr>
+          <a:xfrm>
+            <a:off x="3157845" y="3398578"/>
+            <a:ext cx="1493751" cy="393365"/>
+          </a:xfrm>
+          <a:prstGeom prst="rect">
+            <a:avLst/>
+          </a:prstGeom>
+          <a:noFill/>
+          <a:ln w="9525" cap="flat" cmpd="sng">
+            <a:solidFill>
+              <a:srgbClr val="000000"/>
+            </a:solidFill>
+            <a:prstDash val="solid"/>
+            <a:round/>
+            <a:headEnd type="none" w="med" len="med"/>
+            <a:tailEnd type="none" w="med" len="med"/>
+          </a:ln>
+        </p:spPr>
+        <p:txBody>
+          <a:bodyPr lIns="91425" tIns="91425" rIns="91425" bIns="91425" anchor="t" anchorCtr="0">
+            <a:noAutofit/>
+          </a:bodyPr>
+          <a:lstStyle/>
+          <a:p>
+            <a:pPr lvl="0" rtl="0">
+              <a:spcBef>
+                <a:spcPts val="0"/>
+              </a:spcBef>
+              <a:buNone/>
+            </a:pPr>
+            <a:r>
+              <a:rPr lang="ja"/>
+              <a:t>Feature value</a:t>
+            </a:r>
+          </a:p>
+        </p:txBody>
+      </p:sp>
+      <p:sp>
+        <p:nvSpPr>
+          <p:cNvPr id="18" name="Shape 79"/>
+          <p:cNvSpPr/>
+          <p:nvPr/>
+        </p:nvSpPr>
+        <p:spPr>
+          <a:xfrm>
+            <a:off x="3302997" y="2014754"/>
+            <a:ext cx="1348600" cy="757200"/>
+          </a:xfrm>
+          <a:prstGeom prst="homePlate">
+            <a:avLst>
+              <a:gd name="adj" fmla="val 28601"/>
+            </a:avLst>
+          </a:prstGeom>
+          <a:solidFill>
+            <a:srgbClr val="93C47D"/>
+          </a:solidFill>
+          <a:ln w="9525" cap="flat" cmpd="sng">
+            <a:solidFill>
+              <a:schemeClr val="dk2"/>
+            </a:solidFill>
+            <a:prstDash val="solid"/>
+            <a:round/>
+            <a:headEnd type="none" w="med" len="med"/>
+            <a:tailEnd type="none" w="med" len="med"/>
+          </a:ln>
+        </p:spPr>
+        <p:txBody>
+          <a:bodyPr lIns="91425" tIns="91425" rIns="91425" bIns="91425" anchor="ctr" anchorCtr="0">
+            <a:noAutofit/>
+          </a:bodyPr>
+          <a:lstStyle/>
+          <a:p>
+            <a:pPr marL="0" marR="0" lvl="0" indent="0" algn="l" rtl="0">
+              <a:lnSpc>
+                <a:spcPct val="100000"/>
+              </a:lnSpc>
+              <a:spcBef>
+                <a:spcPts val="0"/>
+              </a:spcBef>
+              <a:spcAft>
+                <a:spcPts val="0"/>
+              </a:spcAft>
+              <a:buNone/>
+            </a:pPr>
+            <a:r>
+              <a:rPr lang="ja"/>
+              <a:t>Feature extraction</a:t>
+            </a:r>
+          </a:p>
+        </p:txBody>
+      </p:sp>
+      <p:sp>
+        <p:nvSpPr>
+          <p:cNvPr id="19" name="Shape 80"/>
+          <p:cNvSpPr/>
+          <p:nvPr/>
+        </p:nvSpPr>
+        <p:spPr>
+          <a:xfrm>
+            <a:off x="4780382" y="2014754"/>
+            <a:ext cx="1730100" cy="757200"/>
+          </a:xfrm>
+          <a:prstGeom prst="homePlate">
+            <a:avLst>
+              <a:gd name="adj" fmla="val 28601"/>
+            </a:avLst>
+          </a:prstGeom>
+          <a:solidFill>
+            <a:srgbClr val="93C47D"/>
+          </a:solidFill>
+          <a:ln w="9525" cap="flat" cmpd="sng">
+            <a:solidFill>
+              <a:schemeClr val="dk2"/>
+            </a:solidFill>
+            <a:prstDash val="solid"/>
+            <a:round/>
+            <a:headEnd type="none" w="med" len="med"/>
+            <a:tailEnd type="none" w="med" len="med"/>
+          </a:ln>
+        </p:spPr>
+        <p:txBody>
+          <a:bodyPr lIns="91425" tIns="91425" rIns="91425" bIns="91425" anchor="ctr" anchorCtr="0">
+            <a:noAutofit/>
+          </a:bodyPr>
+          <a:lstStyle/>
+          <a:p>
+            <a:pPr marL="0" marR="0" lvl="0" indent="0" algn="l" rtl="0">
+              <a:lnSpc>
+                <a:spcPct val="100000"/>
+              </a:lnSpc>
+              <a:spcBef>
+                <a:spcPts val="0"/>
+              </a:spcBef>
+              <a:spcAft>
+                <a:spcPts val="0"/>
+              </a:spcAft>
+              <a:buNone/>
+            </a:pPr>
+            <a:r>
+              <a:rPr lang="ja"/>
+              <a:t>Model creation</a:t>
+            </a:r>
+          </a:p>
+        </p:txBody>
+      </p:sp>
+      <p:sp>
+        <p:nvSpPr>
+          <p:cNvPr id="20" name="Shape 81"/>
+          <p:cNvSpPr/>
+          <p:nvPr/>
+        </p:nvSpPr>
+        <p:spPr>
+          <a:xfrm>
+            <a:off x="6638650" y="2000504"/>
+            <a:ext cx="1454100" cy="757200"/>
+          </a:xfrm>
+          <a:prstGeom prst="homePlate">
+            <a:avLst>
+              <a:gd name="adj" fmla="val 28601"/>
+            </a:avLst>
+          </a:prstGeom>
+          <a:solidFill>
+            <a:srgbClr val="93C47D"/>
+          </a:solidFill>
+          <a:ln w="9525" cap="flat" cmpd="sng">
+            <a:solidFill>
+              <a:schemeClr val="dk2"/>
+            </a:solidFill>
+            <a:prstDash val="solid"/>
+            <a:round/>
+            <a:headEnd type="none" w="med" len="med"/>
+            <a:tailEnd type="none" w="med" len="med"/>
+          </a:ln>
+        </p:spPr>
+        <p:txBody>
+          <a:bodyPr lIns="91425" tIns="91425" rIns="91425" bIns="91425" anchor="ctr" anchorCtr="0">
+            <a:noAutofit/>
+          </a:bodyPr>
+          <a:lstStyle/>
+          <a:p>
+            <a:pPr marL="0" marR="0" lvl="0" indent="0" algn="l" rtl="0">
+              <a:lnSpc>
+                <a:spcPct val="100000"/>
+              </a:lnSpc>
+              <a:spcBef>
+                <a:spcPts val="0"/>
+              </a:spcBef>
+              <a:spcAft>
+                <a:spcPts val="0"/>
+              </a:spcAft>
+              <a:buNone/>
+            </a:pPr>
+            <a:r>
+              <a:rPr lang="ja"/>
+              <a:t>Model deploy</a:t>
+            </a:r>
+          </a:p>
+        </p:txBody>
+      </p:sp>
+      <p:grpSp>
+        <p:nvGrpSpPr>
+          <p:cNvPr id="36" name="図形グループ 35"/>
+          <p:cNvGrpSpPr/>
+          <p:nvPr/>
+        </p:nvGrpSpPr>
+        <p:grpSpPr>
+          <a:xfrm>
+            <a:off x="2067805" y="751422"/>
+            <a:ext cx="332073" cy="472905"/>
+            <a:chOff x="1246221" y="332656"/>
+            <a:chExt cx="525873" cy="748896"/>
+          </a:xfrm>
+        </p:grpSpPr>
+        <p:sp>
+          <p:nvSpPr>
+            <p:cNvPr id="23" name="円/楕円 22"/>
+            <p:cNvSpPr/>
+            <p:nvPr/>
+          </p:nvSpPr>
+          <p:spPr>
+            <a:xfrm>
+              <a:off x="1394970" y="332656"/>
+              <a:ext cx="224702" cy="218130"/>
+            </a:xfrm>
+            <a:prstGeom prst="ellipse">
+              <a:avLst/>
+            </a:prstGeom>
+            <a:noFill/>
+            <a:ln>
+              <a:solidFill>
+                <a:schemeClr val="tx1"/>
+              </a:solidFill>
+            </a:ln>
+          </p:spPr>
+          <p:style>
+            <a:lnRef idx="2">
+              <a:schemeClr val="accent1">
+                <a:shade val="50000"/>
+              </a:schemeClr>
+            </a:lnRef>
+            <a:fillRef idx="1">
+              <a:schemeClr val="accent1"/>
+            </a:fillRef>
+            <a:effectRef idx="0">
+              <a:schemeClr val="accent1"/>
+            </a:effectRef>
+            <a:fontRef idx="minor">
+              <a:schemeClr val="lt1"/>
+            </a:fontRef>
+          </p:style>
+          <p:txBody>
+            <a:bodyPr rtlCol="0" anchor="ctr"/>
+            <a:lstStyle/>
+            <a:p>
+              <a:pPr algn="ctr"/>
+              <a:endParaRPr kumimoji="1" lang="ja-JP" altLang="en-US"/>
+            </a:p>
+          </p:txBody>
+        </p:sp>
+        <p:cxnSp>
+          <p:nvCxnSpPr>
+            <p:cNvPr id="25" name="直線コネクタ 24"/>
+            <p:cNvCxnSpPr/>
+            <p:nvPr/>
+          </p:nvCxnSpPr>
+          <p:spPr>
+            <a:xfrm>
+              <a:off x="1252137" y="620688"/>
+              <a:ext cx="519957" cy="0"/>
+            </a:xfrm>
+            <a:prstGeom prst="line">
+              <a:avLst/>
+            </a:prstGeom>
+            <a:ln w="19050">
+              <a:solidFill>
+                <a:schemeClr val="tx1"/>
+              </a:solidFill>
+            </a:ln>
+          </p:spPr>
+          <p:style>
+            <a:lnRef idx="1">
+              <a:schemeClr val="accent1"/>
+            </a:lnRef>
+            <a:fillRef idx="0">
+              <a:schemeClr val="accent1"/>
+            </a:fillRef>
+            <a:effectRef idx="0">
+              <a:schemeClr val="accent1"/>
+            </a:effectRef>
+            <a:fontRef idx="minor">
+              <a:schemeClr val="tx1"/>
+            </a:fontRef>
+          </p:style>
+        </p:cxnSp>
+        <p:cxnSp>
+          <p:nvCxnSpPr>
+            <p:cNvPr id="32" name="直線コネクタ 31"/>
+            <p:cNvCxnSpPr/>
+            <p:nvPr/>
+          </p:nvCxnSpPr>
+          <p:spPr>
+            <a:xfrm>
+              <a:off x="1498141" y="550786"/>
+              <a:ext cx="0" cy="285926"/>
+            </a:xfrm>
+            <a:prstGeom prst="line">
+              <a:avLst/>
+            </a:prstGeom>
+            <a:ln w="19050">
+              <a:solidFill>
+                <a:schemeClr val="tx1"/>
+              </a:solidFill>
+            </a:ln>
+          </p:spPr>
+          <p:style>
+            <a:lnRef idx="1">
+              <a:schemeClr val="accent1"/>
+            </a:lnRef>
+            <a:fillRef idx="0">
+              <a:schemeClr val="accent1"/>
+            </a:fillRef>
+            <a:effectRef idx="0">
+              <a:schemeClr val="accent1"/>
+            </a:effectRef>
+            <a:fontRef idx="minor">
+              <a:schemeClr val="tx1"/>
+            </a:fontRef>
+          </p:style>
+        </p:cxnSp>
+        <p:cxnSp>
+          <p:nvCxnSpPr>
+            <p:cNvPr id="34" name="直線コネクタ 33"/>
+            <p:cNvCxnSpPr/>
+            <p:nvPr/>
+          </p:nvCxnSpPr>
+          <p:spPr>
+            <a:xfrm rot="2700000">
+              <a:off x="1389184" y="792085"/>
+              <a:ext cx="0" cy="285926"/>
+            </a:xfrm>
+            <a:prstGeom prst="line">
+              <a:avLst/>
+            </a:prstGeom>
+            <a:ln w="19050">
+              <a:solidFill>
+                <a:schemeClr val="tx1"/>
+              </a:solidFill>
+            </a:ln>
+          </p:spPr>
+          <p:style>
+            <a:lnRef idx="1">
+              <a:schemeClr val="accent1"/>
+            </a:lnRef>
+            <a:fillRef idx="0">
+              <a:schemeClr val="accent1"/>
+            </a:fillRef>
+            <a:effectRef idx="0">
+              <a:schemeClr val="accent1"/>
+            </a:effectRef>
+            <a:fontRef idx="minor">
+              <a:schemeClr val="tx1"/>
+            </a:fontRef>
+          </p:style>
+        </p:cxnSp>
+        <p:cxnSp>
+          <p:nvCxnSpPr>
+            <p:cNvPr id="35" name="直線コネクタ 34"/>
+            <p:cNvCxnSpPr/>
+            <p:nvPr/>
+          </p:nvCxnSpPr>
+          <p:spPr>
+            <a:xfrm rot="18900000">
+              <a:off x="1608071" y="795626"/>
+              <a:ext cx="0" cy="285926"/>
+            </a:xfrm>
+            <a:prstGeom prst="line">
+              <a:avLst/>
+            </a:prstGeom>
+            <a:ln w="19050">
+              <a:solidFill>
+                <a:schemeClr val="tx1"/>
+              </a:solidFill>
+            </a:ln>
+          </p:spPr>
+          <p:style>
+            <a:lnRef idx="1">
+              <a:schemeClr val="accent1"/>
+            </a:lnRef>
+            <a:fillRef idx="0">
+              <a:schemeClr val="accent1"/>
+            </a:fillRef>
+            <a:effectRef idx="0">
+              <a:schemeClr val="accent1"/>
+            </a:effectRef>
+            <a:fontRef idx="minor">
+              <a:schemeClr val="tx1"/>
+            </a:fontRef>
+          </p:style>
+        </p:cxnSp>
+      </p:grpSp>
+      <p:sp>
+        <p:nvSpPr>
+          <p:cNvPr id="37" name="テキスト ボックス 36"/>
+          <p:cNvSpPr txBox="1"/>
+          <p:nvPr/>
+        </p:nvSpPr>
+        <p:spPr>
+          <a:xfrm>
+            <a:off x="1994275" y="1192068"/>
+            <a:ext cx="996846" cy="276999"/>
+          </a:xfrm>
+          <a:prstGeom prst="rect">
+            <a:avLst/>
+          </a:prstGeom>
+          <a:noFill/>
+        </p:spPr>
+        <p:txBody>
+          <a:bodyPr wrap="square" rtlCol="0">
+            <a:spAutoFit/>
+          </a:bodyPr>
+          <a:lstStyle/>
+          <a:p>
+            <a:r>
+              <a:rPr kumimoji="1" lang="en-US" altLang="ja-JP" sz="1200"/>
+              <a:t>Supervisers</a:t>
+            </a:r>
+            <a:endParaRPr kumimoji="1" lang="ja-JP" altLang="en-US" sz="1200"/>
+          </a:p>
+        </p:txBody>
+      </p:sp>
+      <p:grpSp>
+        <p:nvGrpSpPr>
+          <p:cNvPr id="38" name="図形グループ 37"/>
+          <p:cNvGrpSpPr/>
+          <p:nvPr/>
+        </p:nvGrpSpPr>
+        <p:grpSpPr>
+          <a:xfrm>
+            <a:off x="2452550" y="753922"/>
+            <a:ext cx="332073" cy="472905"/>
+            <a:chOff x="1246221" y="332656"/>
+            <a:chExt cx="525873" cy="748896"/>
+          </a:xfrm>
+        </p:grpSpPr>
+        <p:sp>
+          <p:nvSpPr>
+            <p:cNvPr id="39" name="円/楕円 38"/>
+            <p:cNvSpPr/>
+            <p:nvPr/>
+          </p:nvSpPr>
+          <p:spPr>
+            <a:xfrm>
+              <a:off x="1394970" y="332656"/>
+              <a:ext cx="224702" cy="218130"/>
+            </a:xfrm>
+            <a:prstGeom prst="ellipse">
+              <a:avLst/>
+            </a:prstGeom>
+            <a:noFill/>
+            <a:ln>
+              <a:solidFill>
+                <a:schemeClr val="tx1"/>
+              </a:solidFill>
+            </a:ln>
+          </p:spPr>
+          <p:style>
+            <a:lnRef idx="2">
+              <a:schemeClr val="accent1">
+                <a:shade val="50000"/>
+              </a:schemeClr>
+            </a:lnRef>
+            <a:fillRef idx="1">
+              <a:schemeClr val="accent1"/>
+            </a:fillRef>
+            <a:effectRef idx="0">
+              <a:schemeClr val="accent1"/>
+            </a:effectRef>
+            <a:fontRef idx="minor">
+              <a:schemeClr val="lt1"/>
+            </a:fontRef>
+          </p:style>
+          <p:txBody>
+            <a:bodyPr rtlCol="0" anchor="ctr"/>
+            <a:lstStyle/>
+            <a:p>
+              <a:pPr algn="ctr"/>
+              <a:endParaRPr kumimoji="1" lang="ja-JP" altLang="en-US"/>
+            </a:p>
+          </p:txBody>
+        </p:sp>
+        <p:cxnSp>
+          <p:nvCxnSpPr>
+            <p:cNvPr id="40" name="直線コネクタ 39"/>
+            <p:cNvCxnSpPr/>
+            <p:nvPr/>
+          </p:nvCxnSpPr>
+          <p:spPr>
+            <a:xfrm>
+              <a:off x="1252137" y="620688"/>
+              <a:ext cx="519957" cy="0"/>
+            </a:xfrm>
+            <a:prstGeom prst="line">
+              <a:avLst/>
+            </a:prstGeom>
+            <a:ln w="19050">
+              <a:solidFill>
+                <a:schemeClr val="tx1"/>
+              </a:solidFill>
+            </a:ln>
+          </p:spPr>
+          <p:style>
+            <a:lnRef idx="1">
+              <a:schemeClr val="accent1"/>
+            </a:lnRef>
+            <a:fillRef idx="0">
+              <a:schemeClr val="accent1"/>
+            </a:fillRef>
+            <a:effectRef idx="0">
+              <a:schemeClr val="accent1"/>
+            </a:effectRef>
+            <a:fontRef idx="minor">
+              <a:schemeClr val="tx1"/>
+            </a:fontRef>
+          </p:style>
+        </p:cxnSp>
+        <p:cxnSp>
+          <p:nvCxnSpPr>
+            <p:cNvPr id="41" name="直線コネクタ 40"/>
+            <p:cNvCxnSpPr/>
+            <p:nvPr/>
+          </p:nvCxnSpPr>
+          <p:spPr>
+            <a:xfrm>
+              <a:off x="1498141" y="550786"/>
+              <a:ext cx="0" cy="285926"/>
+            </a:xfrm>
+            <a:prstGeom prst="line">
+              <a:avLst/>
+            </a:prstGeom>
+            <a:ln w="19050">
+              <a:solidFill>
+                <a:schemeClr val="tx1"/>
+              </a:solidFill>
+            </a:ln>
+          </p:spPr>
+          <p:style>
+            <a:lnRef idx="1">
+              <a:schemeClr val="accent1"/>
+            </a:lnRef>
+            <a:fillRef idx="0">
+              <a:schemeClr val="accent1"/>
+            </a:fillRef>
+            <a:effectRef idx="0">
+              <a:schemeClr val="accent1"/>
+            </a:effectRef>
+            <a:fontRef idx="minor">
+              <a:schemeClr val="tx1"/>
+            </a:fontRef>
+          </p:style>
+        </p:cxnSp>
+        <p:cxnSp>
+          <p:nvCxnSpPr>
+            <p:cNvPr id="42" name="直線コネクタ 41"/>
+            <p:cNvCxnSpPr/>
+            <p:nvPr/>
+          </p:nvCxnSpPr>
+          <p:spPr>
+            <a:xfrm rot="2700000">
+              <a:off x="1389184" y="792085"/>
+              <a:ext cx="0" cy="285926"/>
+            </a:xfrm>
+            <a:prstGeom prst="line">
+              <a:avLst/>
+            </a:prstGeom>
+            <a:ln w="19050">
+              <a:solidFill>
+                <a:schemeClr val="tx1"/>
+              </a:solidFill>
+            </a:ln>
+          </p:spPr>
+          <p:style>
+            <a:lnRef idx="1">
+              <a:schemeClr val="accent1"/>
+            </a:lnRef>
+            <a:fillRef idx="0">
+              <a:schemeClr val="accent1"/>
+            </a:fillRef>
+            <a:effectRef idx="0">
+              <a:schemeClr val="accent1"/>
+            </a:effectRef>
+            <a:fontRef idx="minor">
+              <a:schemeClr val="tx1"/>
+            </a:fontRef>
+          </p:style>
+        </p:cxnSp>
+        <p:cxnSp>
+          <p:nvCxnSpPr>
+            <p:cNvPr id="43" name="直線コネクタ 42"/>
+            <p:cNvCxnSpPr/>
+            <p:nvPr/>
+          </p:nvCxnSpPr>
+          <p:spPr>
+            <a:xfrm rot="18900000">
+              <a:off x="1608071" y="795626"/>
+              <a:ext cx="0" cy="285926"/>
+            </a:xfrm>
+            <a:prstGeom prst="line">
+              <a:avLst/>
+            </a:prstGeom>
+            <a:ln w="19050">
+              <a:solidFill>
+                <a:schemeClr val="tx1"/>
+              </a:solidFill>
+            </a:ln>
+          </p:spPr>
+          <p:style>
+            <a:lnRef idx="1">
+              <a:schemeClr val="accent1"/>
+            </a:lnRef>
+            <a:fillRef idx="0">
+              <a:schemeClr val="accent1"/>
+            </a:fillRef>
+            <a:effectRef idx="0">
+              <a:schemeClr val="accent1"/>
+            </a:effectRef>
+            <a:fontRef idx="minor">
+              <a:schemeClr val="tx1"/>
+            </a:fontRef>
+          </p:style>
+        </p:cxnSp>
+      </p:grpSp>
+      <p:grpSp>
+        <p:nvGrpSpPr>
+          <p:cNvPr id="45" name="図形グループ 44"/>
+          <p:cNvGrpSpPr/>
+          <p:nvPr/>
+        </p:nvGrpSpPr>
+        <p:grpSpPr>
+          <a:xfrm>
+            <a:off x="4546176" y="752760"/>
+            <a:ext cx="332073" cy="472905"/>
+            <a:chOff x="1246221" y="332656"/>
+            <a:chExt cx="525873" cy="748896"/>
+          </a:xfrm>
+        </p:grpSpPr>
+        <p:sp>
+          <p:nvSpPr>
+            <p:cNvPr id="46" name="円/楕円 45"/>
+            <p:cNvSpPr/>
+            <p:nvPr/>
+          </p:nvSpPr>
+          <p:spPr>
+            <a:xfrm>
+              <a:off x="1394970" y="332656"/>
+              <a:ext cx="224702" cy="218130"/>
+            </a:xfrm>
+            <a:prstGeom prst="ellipse">
+              <a:avLst/>
+            </a:prstGeom>
+            <a:noFill/>
+            <a:ln>
+              <a:solidFill>
+                <a:schemeClr val="tx1"/>
+              </a:solidFill>
+            </a:ln>
+          </p:spPr>
+          <p:style>
+            <a:lnRef idx="2">
+              <a:schemeClr val="accent1">
+                <a:shade val="50000"/>
+              </a:schemeClr>
+            </a:lnRef>
+            <a:fillRef idx="1">
+              <a:schemeClr val="accent1"/>
+            </a:fillRef>
+            <a:effectRef idx="0">
+              <a:schemeClr val="accent1"/>
+            </a:effectRef>
+            <a:fontRef idx="minor">
+              <a:schemeClr val="lt1"/>
+            </a:fontRef>
+          </p:style>
+          <p:txBody>
+            <a:bodyPr rtlCol="0" anchor="ctr"/>
+            <a:lstStyle/>
+            <a:p>
+              <a:pPr algn="ctr"/>
+              <a:endParaRPr kumimoji="1" lang="ja-JP" altLang="en-US"/>
+            </a:p>
+          </p:txBody>
+        </p:sp>
+        <p:cxnSp>
+          <p:nvCxnSpPr>
+            <p:cNvPr id="47" name="直線コネクタ 46"/>
+            <p:cNvCxnSpPr/>
+            <p:nvPr/>
+          </p:nvCxnSpPr>
+          <p:spPr>
+            <a:xfrm>
+              <a:off x="1252137" y="620688"/>
+              <a:ext cx="519957" cy="0"/>
+            </a:xfrm>
+            <a:prstGeom prst="line">
+              <a:avLst/>
+            </a:prstGeom>
+            <a:ln w="19050">
+              <a:solidFill>
+                <a:schemeClr val="tx1"/>
+              </a:solidFill>
+            </a:ln>
+          </p:spPr>
+          <p:style>
+            <a:lnRef idx="1">
+              <a:schemeClr val="accent1"/>
+            </a:lnRef>
+            <a:fillRef idx="0">
+              <a:schemeClr val="accent1"/>
+            </a:fillRef>
+            <a:effectRef idx="0">
+              <a:schemeClr val="accent1"/>
+            </a:effectRef>
+            <a:fontRef idx="minor">
+              <a:schemeClr val="tx1"/>
+            </a:fontRef>
+          </p:style>
+        </p:cxnSp>
+        <p:cxnSp>
+          <p:nvCxnSpPr>
+            <p:cNvPr id="48" name="直線コネクタ 47"/>
+            <p:cNvCxnSpPr/>
+            <p:nvPr/>
+          </p:nvCxnSpPr>
+          <p:spPr>
+            <a:xfrm>
+              <a:off x="1498141" y="550786"/>
+              <a:ext cx="0" cy="285926"/>
+            </a:xfrm>
+            <a:prstGeom prst="line">
+              <a:avLst/>
+            </a:prstGeom>
+            <a:ln w="19050">
+              <a:solidFill>
+                <a:schemeClr val="tx1"/>
+              </a:solidFill>
+            </a:ln>
+          </p:spPr>
+          <p:style>
+            <a:lnRef idx="1">
+              <a:schemeClr val="accent1"/>
+            </a:lnRef>
+            <a:fillRef idx="0">
+              <a:schemeClr val="accent1"/>
+            </a:fillRef>
+            <a:effectRef idx="0">
+              <a:schemeClr val="accent1"/>
+            </a:effectRef>
+            <a:fontRef idx="minor">
+              <a:schemeClr val="tx1"/>
+            </a:fontRef>
+          </p:style>
+        </p:cxnSp>
+        <p:cxnSp>
+          <p:nvCxnSpPr>
+            <p:cNvPr id="49" name="直線コネクタ 48"/>
+            <p:cNvCxnSpPr/>
+            <p:nvPr/>
+          </p:nvCxnSpPr>
+          <p:spPr>
+            <a:xfrm rot="2700000">
+              <a:off x="1389184" y="792085"/>
+              <a:ext cx="0" cy="285926"/>
+            </a:xfrm>
+            <a:prstGeom prst="line">
+              <a:avLst/>
+            </a:prstGeom>
+            <a:ln w="19050">
+              <a:solidFill>
+                <a:schemeClr val="tx1"/>
+              </a:solidFill>
+            </a:ln>
+          </p:spPr>
+          <p:style>
+            <a:lnRef idx="1">
+              <a:schemeClr val="accent1"/>
+            </a:lnRef>
+            <a:fillRef idx="0">
+              <a:schemeClr val="accent1"/>
+            </a:fillRef>
+            <a:effectRef idx="0">
+              <a:schemeClr val="accent1"/>
+            </a:effectRef>
+            <a:fontRef idx="minor">
+              <a:schemeClr val="tx1"/>
+            </a:fontRef>
+          </p:style>
+        </p:cxnSp>
+        <p:cxnSp>
+          <p:nvCxnSpPr>
+            <p:cNvPr id="50" name="直線コネクタ 49"/>
+            <p:cNvCxnSpPr/>
+            <p:nvPr/>
+          </p:nvCxnSpPr>
+          <p:spPr>
+            <a:xfrm rot="18900000">
+              <a:off x="1608071" y="795626"/>
+              <a:ext cx="0" cy="285926"/>
+            </a:xfrm>
+            <a:prstGeom prst="line">
+              <a:avLst/>
+            </a:prstGeom>
+            <a:ln w="19050">
+              <a:solidFill>
+                <a:schemeClr val="tx1"/>
+              </a:solidFill>
+            </a:ln>
+          </p:spPr>
+          <p:style>
+            <a:lnRef idx="1">
+              <a:schemeClr val="accent1"/>
+            </a:lnRef>
+            <a:fillRef idx="0">
+              <a:schemeClr val="accent1"/>
+            </a:fillRef>
+            <a:effectRef idx="0">
+              <a:schemeClr val="accent1"/>
+            </a:effectRef>
+            <a:fontRef idx="minor">
+              <a:schemeClr val="tx1"/>
+            </a:fontRef>
+          </p:style>
+        </p:cxnSp>
+      </p:grpSp>
+      <p:sp>
+        <p:nvSpPr>
+          <p:cNvPr id="51" name="テキスト ボックス 50"/>
+          <p:cNvSpPr txBox="1"/>
+          <p:nvPr/>
+        </p:nvSpPr>
+        <p:spPr>
+          <a:xfrm>
+            <a:off x="4358695" y="1164594"/>
+            <a:ext cx="812911" cy="276999"/>
+          </a:xfrm>
+          <a:prstGeom prst="rect">
+            <a:avLst/>
+          </a:prstGeom>
+          <a:noFill/>
+        </p:spPr>
+        <p:txBody>
+          <a:bodyPr wrap="square" rtlCol="0">
+            <a:spAutoFit/>
+          </a:bodyPr>
+          <a:lstStyle/>
+          <a:p>
+            <a:r>
+              <a:rPr lang="en-US" altLang="ja-JP" sz="1200"/>
+              <a:t>Modeler</a:t>
+            </a:r>
+            <a:endParaRPr kumimoji="1" lang="ja-JP" altLang="en-US" sz="1200"/>
+          </a:p>
+        </p:txBody>
+      </p:sp>
+      <p:grpSp>
+        <p:nvGrpSpPr>
+          <p:cNvPr id="59" name="図形グループ 58"/>
+          <p:cNvGrpSpPr/>
+          <p:nvPr/>
+        </p:nvGrpSpPr>
+        <p:grpSpPr>
+          <a:xfrm>
+            <a:off x="7099194" y="751422"/>
+            <a:ext cx="332073" cy="472905"/>
+            <a:chOff x="1246221" y="332656"/>
+            <a:chExt cx="525873" cy="748896"/>
+          </a:xfrm>
+        </p:grpSpPr>
+        <p:sp>
+          <p:nvSpPr>
+            <p:cNvPr id="60" name="円/楕円 59"/>
+            <p:cNvSpPr/>
+            <p:nvPr/>
+          </p:nvSpPr>
+          <p:spPr>
+            <a:xfrm>
+              <a:off x="1394970" y="332656"/>
+              <a:ext cx="224702" cy="218130"/>
+            </a:xfrm>
+            <a:prstGeom prst="ellipse">
+              <a:avLst/>
+            </a:prstGeom>
+            <a:noFill/>
+            <a:ln>
+              <a:solidFill>
+                <a:schemeClr val="tx1"/>
+              </a:solidFill>
+            </a:ln>
+          </p:spPr>
+          <p:style>
+            <a:lnRef idx="2">
+              <a:schemeClr val="accent1">
+                <a:shade val="50000"/>
+              </a:schemeClr>
+            </a:lnRef>
+            <a:fillRef idx="1">
+              <a:schemeClr val="accent1"/>
+            </a:fillRef>
+            <a:effectRef idx="0">
+              <a:schemeClr val="accent1"/>
+            </a:effectRef>
+            <a:fontRef idx="minor">
+              <a:schemeClr val="lt1"/>
+            </a:fontRef>
+          </p:style>
+          <p:txBody>
+            <a:bodyPr rtlCol="0" anchor="ctr"/>
+            <a:lstStyle/>
+            <a:p>
+              <a:pPr algn="ctr"/>
+              <a:endParaRPr kumimoji="1" lang="ja-JP" altLang="en-US"/>
+            </a:p>
+          </p:txBody>
+        </p:sp>
+        <p:cxnSp>
+          <p:nvCxnSpPr>
+            <p:cNvPr id="61" name="直線コネクタ 60"/>
+            <p:cNvCxnSpPr/>
+            <p:nvPr/>
+          </p:nvCxnSpPr>
+          <p:spPr>
+            <a:xfrm>
+              <a:off x="1252137" y="620688"/>
+              <a:ext cx="519957" cy="0"/>
+            </a:xfrm>
+            <a:prstGeom prst="line">
+              <a:avLst/>
+            </a:prstGeom>
+            <a:ln w="19050">
+              <a:solidFill>
+                <a:schemeClr val="tx1"/>
+              </a:solidFill>
+            </a:ln>
+          </p:spPr>
+          <p:style>
+            <a:lnRef idx="1">
+              <a:schemeClr val="accent1"/>
+            </a:lnRef>
+            <a:fillRef idx="0">
+              <a:schemeClr val="accent1"/>
+            </a:fillRef>
+            <a:effectRef idx="0">
+              <a:schemeClr val="accent1"/>
+            </a:effectRef>
+            <a:fontRef idx="minor">
+              <a:schemeClr val="tx1"/>
+            </a:fontRef>
+          </p:style>
+        </p:cxnSp>
+        <p:cxnSp>
+          <p:nvCxnSpPr>
+            <p:cNvPr id="62" name="直線コネクタ 61"/>
+            <p:cNvCxnSpPr/>
+            <p:nvPr/>
+          </p:nvCxnSpPr>
+          <p:spPr>
+            <a:xfrm>
+              <a:off x="1498141" y="550786"/>
+              <a:ext cx="0" cy="285926"/>
+            </a:xfrm>
+            <a:prstGeom prst="line">
+              <a:avLst/>
+            </a:prstGeom>
+            <a:ln w="19050">
+              <a:solidFill>
+                <a:schemeClr val="tx1"/>
+              </a:solidFill>
+            </a:ln>
+          </p:spPr>
+          <p:style>
+            <a:lnRef idx="1">
+              <a:schemeClr val="accent1"/>
+            </a:lnRef>
+            <a:fillRef idx="0">
+              <a:schemeClr val="accent1"/>
+            </a:fillRef>
+            <a:effectRef idx="0">
+              <a:schemeClr val="accent1"/>
+            </a:effectRef>
+            <a:fontRef idx="minor">
+              <a:schemeClr val="tx1"/>
+            </a:fontRef>
+          </p:style>
+        </p:cxnSp>
+        <p:cxnSp>
+          <p:nvCxnSpPr>
+            <p:cNvPr id="63" name="直線コネクタ 62"/>
+            <p:cNvCxnSpPr/>
+            <p:nvPr/>
+          </p:nvCxnSpPr>
+          <p:spPr>
+            <a:xfrm rot="2700000">
+              <a:off x="1389184" y="792085"/>
+              <a:ext cx="0" cy="285926"/>
+            </a:xfrm>
+            <a:prstGeom prst="line">
+              <a:avLst/>
+            </a:prstGeom>
+            <a:ln w="19050">
+              <a:solidFill>
+                <a:schemeClr val="tx1"/>
+              </a:solidFill>
+            </a:ln>
+          </p:spPr>
+          <p:style>
+            <a:lnRef idx="1">
+              <a:schemeClr val="accent1"/>
+            </a:lnRef>
+            <a:fillRef idx="0">
+              <a:schemeClr val="accent1"/>
+            </a:fillRef>
+            <a:effectRef idx="0">
+              <a:schemeClr val="accent1"/>
+            </a:effectRef>
+            <a:fontRef idx="minor">
+              <a:schemeClr val="tx1"/>
+            </a:fontRef>
+          </p:style>
+        </p:cxnSp>
+        <p:cxnSp>
+          <p:nvCxnSpPr>
+            <p:cNvPr id="64" name="直線コネクタ 63"/>
+            <p:cNvCxnSpPr/>
+            <p:nvPr/>
+          </p:nvCxnSpPr>
+          <p:spPr>
+            <a:xfrm rot="18900000">
+              <a:off x="1608071" y="795626"/>
+              <a:ext cx="0" cy="285926"/>
+            </a:xfrm>
+            <a:prstGeom prst="line">
+              <a:avLst/>
+            </a:prstGeom>
+            <a:ln w="19050">
+              <a:solidFill>
+                <a:schemeClr val="tx1"/>
+              </a:solidFill>
+            </a:ln>
+          </p:spPr>
+          <p:style>
+            <a:lnRef idx="1">
+              <a:schemeClr val="accent1"/>
+            </a:lnRef>
+            <a:fillRef idx="0">
+              <a:schemeClr val="accent1"/>
+            </a:fillRef>
+            <a:effectRef idx="0">
+              <a:schemeClr val="accent1"/>
+            </a:effectRef>
+            <a:fontRef idx="minor">
+              <a:schemeClr val="tx1"/>
+            </a:fontRef>
+          </p:style>
+        </p:cxnSp>
+      </p:grpSp>
+      <p:sp>
+        <p:nvSpPr>
+          <p:cNvPr id="65" name="テキスト ボックス 64"/>
+          <p:cNvSpPr txBox="1"/>
+          <p:nvPr/>
+        </p:nvSpPr>
+        <p:spPr>
+          <a:xfrm>
+            <a:off x="6911713" y="1163256"/>
+            <a:ext cx="812911" cy="276999"/>
+          </a:xfrm>
+          <a:prstGeom prst="rect">
+            <a:avLst/>
+          </a:prstGeom>
+          <a:noFill/>
+        </p:spPr>
+        <p:txBody>
+          <a:bodyPr wrap="square" rtlCol="0">
+            <a:spAutoFit/>
+          </a:bodyPr>
+          <a:lstStyle/>
+          <a:p>
+            <a:r>
+              <a:rPr lang="en-US" altLang="ja-JP" sz="1200"/>
+              <a:t>Deployer</a:t>
+            </a:r>
+            <a:endParaRPr kumimoji="1" lang="ja-JP" altLang="en-US" sz="1200"/>
+          </a:p>
+        </p:txBody>
+      </p:sp>
+    </p:spTree>
+    <p:extLst>
+      <p:ext uri="{BB962C8B-B14F-4D97-AF65-F5344CB8AC3E}">
+        <p14:creationId xmlns:p14="http://schemas.microsoft.com/office/powerpoint/2010/main" val="417644414"/>
+      </p:ext>
+    </p:extLst>
+  </p:cSld>
+  <p:clrMapOvr>
+    <a:masterClrMapping/>
+  </p:clrMapOvr>
+</p:sld>
 </file>
 
 <file path=ppt/theme/theme1.xml><?xml version="1.0" encoding="utf-8"?>

--- a/ltr/images/ltr_images.pptx
+++ b/ltr/images/ltr_images.pptx
@@ -6,6 +6,7 @@
   </p:sldMasterIdLst>
   <p:sldIdLst>
     <p:sldId id="256" r:id="rId2"/>
+    <p:sldId id="257" r:id="rId3"/>
   </p:sldIdLst>
   <p:sldSz cx="9144000" cy="6858000" type="screen4x3"/>
   <p:notesSz cx="6858000" cy="9144000"/>
@@ -106,7 +107,7 @@
   </p:defaultTextStyle>
   <p:extLst>
     <p:ext uri="{EFAFB233-063F-42B5-8137-9DF3F51BA10A}">
-      <p15:sldGuideLst xmlns:p15="http://schemas.microsoft.com/office/powerpoint/2012/main">
+      <p15:sldGuideLst xmlns:p15="http://schemas.microsoft.com/office/powerpoint/2012/main" xmlns="">
         <p15:guide id="1" orient="horz" pos="2160">
           <p15:clr>
             <a:srgbClr val="A4A3A4"/>
@@ -304,7 +305,7 @@
           <a:p>
             <a:fld id="{E90ED720-0104-4369-84BC-D37694168613}" type="datetimeFigureOut">
               <a:rPr kumimoji="1" lang="ja-JP" altLang="en-US" smtClean="0"/>
-              <a:t>2016/8/22</a:t>
+              <a:t>2016/11/15</a:t>
             </a:fld>
             <a:endParaRPr kumimoji="1" lang="ja-JP" altLang="en-US"/>
           </a:p>
@@ -501,7 +502,7 @@
           <a:p>
             <a:fld id="{E90ED720-0104-4369-84BC-D37694168613}" type="datetimeFigureOut">
               <a:rPr kumimoji="1" lang="ja-JP" altLang="en-US" smtClean="0"/>
-              <a:t>2016/8/22</a:t>
+              <a:t>2016/11/15</a:t>
             </a:fld>
             <a:endParaRPr kumimoji="1" lang="ja-JP" altLang="en-US"/>
           </a:p>
@@ -708,7 +709,7 @@
           <a:p>
             <a:fld id="{E90ED720-0104-4369-84BC-D37694168613}" type="datetimeFigureOut">
               <a:rPr kumimoji="1" lang="ja-JP" altLang="en-US" smtClean="0"/>
-              <a:t>2016/8/22</a:t>
+              <a:t>2016/11/15</a:t>
             </a:fld>
             <a:endParaRPr kumimoji="1" lang="ja-JP" altLang="en-US"/>
           </a:p>
@@ -905,7 +906,7 @@
           <a:p>
             <a:fld id="{E90ED720-0104-4369-84BC-D37694168613}" type="datetimeFigureOut">
               <a:rPr kumimoji="1" lang="ja-JP" altLang="en-US" smtClean="0"/>
-              <a:t>2016/8/22</a:t>
+              <a:t>2016/11/15</a:t>
             </a:fld>
             <a:endParaRPr kumimoji="1" lang="ja-JP" altLang="en-US"/>
           </a:p>
@@ -1146,7 +1147,7 @@
           <a:p>
             <a:fld id="{E90ED720-0104-4369-84BC-D37694168613}" type="datetimeFigureOut">
               <a:rPr kumimoji="1" lang="ja-JP" altLang="en-US" smtClean="0"/>
-              <a:t>2016/8/22</a:t>
+              <a:t>2016/11/15</a:t>
             </a:fld>
             <a:endParaRPr kumimoji="1" lang="ja-JP" altLang="en-US"/>
           </a:p>
@@ -1493,7 +1494,7 @@
           <a:p>
             <a:fld id="{E90ED720-0104-4369-84BC-D37694168613}" type="datetimeFigureOut">
               <a:rPr kumimoji="1" lang="ja-JP" altLang="en-US" smtClean="0"/>
-              <a:t>2016/8/22</a:t>
+              <a:t>2016/11/15</a:t>
             </a:fld>
             <a:endParaRPr kumimoji="1" lang="ja-JP" altLang="en-US"/>
           </a:p>
@@ -1974,7 +1975,7 @@
           <a:p>
             <a:fld id="{E90ED720-0104-4369-84BC-D37694168613}" type="datetimeFigureOut">
               <a:rPr kumimoji="1" lang="ja-JP" altLang="en-US" smtClean="0"/>
-              <a:t>2016/8/22</a:t>
+              <a:t>2016/11/15</a:t>
             </a:fld>
             <a:endParaRPr kumimoji="1" lang="ja-JP" altLang="en-US"/>
           </a:p>
@@ -2087,7 +2088,7 @@
           <a:p>
             <a:fld id="{E90ED720-0104-4369-84BC-D37694168613}" type="datetimeFigureOut">
               <a:rPr kumimoji="1" lang="ja-JP" altLang="en-US" smtClean="0"/>
-              <a:t>2016/8/22</a:t>
+              <a:t>2016/11/15</a:t>
             </a:fld>
             <a:endParaRPr kumimoji="1" lang="ja-JP" altLang="en-US"/>
           </a:p>
@@ -2177,7 +2178,7 @@
           <a:p>
             <a:fld id="{E90ED720-0104-4369-84BC-D37694168613}" type="datetimeFigureOut">
               <a:rPr kumimoji="1" lang="ja-JP" altLang="en-US" smtClean="0"/>
-              <a:t>2016/8/22</a:t>
+              <a:t>2016/11/15</a:t>
             </a:fld>
             <a:endParaRPr kumimoji="1" lang="ja-JP" altLang="en-US"/>
           </a:p>
@@ -2481,7 +2482,7 @@
           <a:p>
             <a:fld id="{E90ED720-0104-4369-84BC-D37694168613}" type="datetimeFigureOut">
               <a:rPr kumimoji="1" lang="ja-JP" altLang="en-US" smtClean="0"/>
-              <a:t>2016/8/22</a:t>
+              <a:t>2016/11/15</a:t>
             </a:fld>
             <a:endParaRPr kumimoji="1" lang="ja-JP" altLang="en-US"/>
           </a:p>
@@ -2729,7 +2730,7 @@
           <a:p>
             <a:fld id="{E90ED720-0104-4369-84BC-D37694168613}" type="datetimeFigureOut">
               <a:rPr kumimoji="1" lang="ja-JP" altLang="en-US" smtClean="0"/>
-              <a:t>2016/8/22</a:t>
+              <a:t>2016/11/15</a:t>
             </a:fld>
             <a:endParaRPr kumimoji="1" lang="ja-JP" altLang="en-US"/>
           </a:p>
@@ -2969,7 +2970,7 @@
           <a:p>
             <a:fld id="{E90ED720-0104-4369-84BC-D37694168613}" type="datetimeFigureOut">
               <a:rPr kumimoji="1" lang="ja-JP" altLang="en-US" smtClean="0"/>
-              <a:t>2016/8/22</a:t>
+              <a:t>2016/11/15</a:t>
             </a:fld>
             <a:endParaRPr kumimoji="1" lang="ja-JP" altLang="en-US"/>
           </a:p>
@@ -3683,8 +3684,8 @@
         </p:nvSpPr>
         <p:spPr>
           <a:xfrm>
-            <a:off x="1851597" y="2014779"/>
-            <a:ext cx="1299500" cy="757200"/>
+            <a:off x="1851596" y="2014779"/>
+            <a:ext cx="1362451" cy="757200"/>
           </a:xfrm>
           <a:prstGeom prst="homePlate">
             <a:avLst>
@@ -3723,9 +3724,10 @@
               <a:buNone/>
             </a:pPr>
             <a:r>
-              <a:rPr lang="ja"/>
-              <a:t>Supervise</a:t>
-            </a:r>
+              <a:rPr lang="en-US" altLang="ja" dirty="0" smtClean="0"/>
+              <a:t>Annotation</a:t>
+            </a:r>
+            <a:endParaRPr lang="ja" dirty="0"/>
           </a:p>
         </p:txBody>
       </p:sp>
@@ -4072,8 +4074,12 @@
               <a:buNone/>
             </a:pPr>
             <a:r>
-              <a:rPr lang="ja"/>
-              <a:t>Model creation</a:t>
+              <a:rPr lang="ja" dirty="0" smtClean="0"/>
+              <a:t>Model </a:t>
+            </a:r>
+            <a:r>
+              <a:rPr lang="ja" dirty="0"/>
+              <a:t>creation</a:t>
             </a:r>
           </a:p>
         </p:txBody>
@@ -4356,10 +4362,10 @@
           <a:lstStyle/>
           <a:p>
             <a:r>
-              <a:rPr kumimoji="1" lang="en-US" altLang="ja-JP" sz="1200"/>
-              <a:t>Supervisers</a:t>
-            </a:r>
-            <a:endParaRPr kumimoji="1" lang="ja-JP" altLang="en-US" sz="1200"/>
+              <a:rPr kumimoji="1" lang="en-US" altLang="ja-JP" sz="1200" dirty="0" smtClean="0"/>
+              <a:t>Annotators</a:t>
+            </a:r>
+            <a:endParaRPr kumimoji="1" lang="ja-JP" altLang="en-US" sz="1200" dirty="0"/>
           </a:p>
         </p:txBody>
       </p:sp>
@@ -5036,6 +5042,3099 @@
   <p:clrMapOvr>
     <a:masterClrMapping/>
   </p:clrMapOvr>
+  <p:timing>
+    <p:tnLst>
+      <p:par>
+        <p:cTn id="1" dur="indefinite" restart="never" nodeType="tmRoot"/>
+      </p:par>
+    </p:tnLst>
+  </p:timing>
+</p:sld>
+</file>
+
+<file path=ppt/slides/slide2.xml><?xml version="1.0" encoding="utf-8"?>
+<p:sld xmlns:a="http://schemas.openxmlformats.org/drawingml/2006/main" xmlns:r="http://schemas.openxmlformats.org/officeDocument/2006/relationships" xmlns:p="http://schemas.openxmlformats.org/presentationml/2006/main">
+  <p:cSld>
+    <p:spTree>
+      <p:nvGrpSpPr>
+        <p:cNvPr id="1" name=""/>
+        <p:cNvGrpSpPr/>
+        <p:nvPr/>
+      </p:nvGrpSpPr>
+      <p:grpSpPr>
+        <a:xfrm>
+          <a:off x="0" y="0"/>
+          <a:ext cx="0" cy="0"/>
+          <a:chOff x="0" y="0"/>
+          <a:chExt cx="0" cy="0"/>
+        </a:xfrm>
+      </p:grpSpPr>
+      <p:sp>
+        <p:nvSpPr>
+          <p:cNvPr id="2" name="タイトル 1"/>
+          <p:cNvSpPr>
+            <a:spLocks noGrp="1"/>
+          </p:cNvSpPr>
+          <p:nvPr>
+            <p:ph type="title"/>
+          </p:nvPr>
+        </p:nvSpPr>
+        <p:spPr/>
+        <p:txBody>
+          <a:bodyPr>
+            <a:normAutofit/>
+          </a:bodyPr>
+          <a:lstStyle/>
+          <a:p>
+            <a:r>
+              <a:rPr lang="en-US" altLang="ja-JP" dirty="0" smtClean="0"/>
+              <a:t>LTR</a:t>
+            </a:r>
+            <a:r>
+              <a:rPr kumimoji="1" lang="en-US" altLang="ja-JP" dirty="0" smtClean="0"/>
+              <a:t>: </a:t>
+            </a:r>
+            <a:r>
+              <a:rPr kumimoji="1" lang="en-US" altLang="ja-JP" dirty="0" smtClean="0"/>
+              <a:t>Architecture Overview</a:t>
+            </a:r>
+            <a:endParaRPr kumimoji="1" lang="ja-JP" altLang="en-US" dirty="0"/>
+          </a:p>
+        </p:txBody>
+      </p:sp>
+      <p:sp>
+        <p:nvSpPr>
+          <p:cNvPr id="96" name="正方形/長方形 95"/>
+          <p:cNvSpPr/>
+          <p:nvPr/>
+        </p:nvSpPr>
+        <p:spPr>
+          <a:xfrm>
+            <a:off x="629392" y="2570455"/>
+            <a:ext cx="8063346" cy="2127011"/>
+          </a:xfrm>
+          <a:prstGeom prst="rect">
+            <a:avLst/>
+          </a:prstGeom>
+          <a:solidFill>
+            <a:schemeClr val="bg2"/>
+          </a:solidFill>
+          <a:ln>
+            <a:solidFill>
+              <a:schemeClr val="tx1">
+                <a:lumMod val="75000"/>
+                <a:lumOff val="25000"/>
+              </a:schemeClr>
+            </a:solidFill>
+          </a:ln>
+        </p:spPr>
+        <p:style>
+          <a:lnRef idx="2">
+            <a:schemeClr val="accent1">
+              <a:shade val="50000"/>
+            </a:schemeClr>
+          </a:lnRef>
+          <a:fillRef idx="1">
+            <a:schemeClr val="accent1"/>
+          </a:fillRef>
+          <a:effectRef idx="0">
+            <a:schemeClr val="accent1"/>
+          </a:effectRef>
+          <a:fontRef idx="minor">
+            <a:schemeClr val="lt1"/>
+          </a:fontRef>
+        </p:style>
+        <p:txBody>
+          <a:bodyPr rot="0" spcFirstLastPara="0" vertOverflow="overflow" horzOverflow="overflow" vert="horz" wrap="square" lIns="91440" tIns="45720" rIns="91440" bIns="45720" numCol="1" spcCol="0" rtlCol="0" fromWordArt="0" anchor="ctr" anchorCtr="0" forceAA="0" compatLnSpc="1">
+            <a:prstTxWarp prst="textNoShape">
+              <a:avLst/>
+            </a:prstTxWarp>
+            <a:noAutofit/>
+          </a:bodyPr>
+          <a:lstStyle/>
+          <a:p>
+            <a:pPr algn="ctr"/>
+            <a:endParaRPr kumimoji="1" lang="en-US" altLang="ja-JP" b="1" dirty="0" smtClean="0">
+              <a:solidFill>
+                <a:schemeClr val="tx1">
+                  <a:lumMod val="75000"/>
+                  <a:lumOff val="25000"/>
+                </a:schemeClr>
+              </a:solidFill>
+            </a:endParaRPr>
+          </a:p>
+        </p:txBody>
+      </p:sp>
+      <p:sp>
+        <p:nvSpPr>
+          <p:cNvPr id="98" name="メモ 97"/>
+          <p:cNvSpPr/>
+          <p:nvPr/>
+        </p:nvSpPr>
+        <p:spPr>
+          <a:xfrm>
+            <a:off x="1008177" y="1652795"/>
+            <a:ext cx="1218467" cy="619231"/>
+          </a:xfrm>
+          <a:prstGeom prst="foldedCorner">
+            <a:avLst/>
+          </a:prstGeom>
+          <a:solidFill>
+            <a:schemeClr val="bg2"/>
+          </a:solidFill>
+          <a:ln>
+            <a:solidFill>
+              <a:schemeClr val="tx1">
+                <a:lumMod val="65000"/>
+                <a:lumOff val="35000"/>
+              </a:schemeClr>
+            </a:solidFill>
+          </a:ln>
+        </p:spPr>
+        <p:style>
+          <a:lnRef idx="2">
+            <a:schemeClr val="accent1">
+              <a:shade val="50000"/>
+            </a:schemeClr>
+          </a:lnRef>
+          <a:fillRef idx="1">
+            <a:schemeClr val="accent1"/>
+          </a:fillRef>
+          <a:effectRef idx="0">
+            <a:schemeClr val="accent1"/>
+          </a:effectRef>
+          <a:fontRef idx="minor">
+            <a:schemeClr val="lt1"/>
+          </a:fontRef>
+        </p:style>
+        <p:txBody>
+          <a:bodyPr rtlCol="0" anchor="ctr"/>
+          <a:lstStyle/>
+          <a:p>
+            <a:pPr algn="ctr"/>
+            <a:r>
+              <a:rPr lang="en-US" altLang="ja-JP" sz="1400" dirty="0" smtClean="0">
+                <a:solidFill>
+                  <a:schemeClr val="tx1">
+                    <a:lumMod val="75000"/>
+                    <a:lumOff val="25000"/>
+                  </a:schemeClr>
+                </a:solidFill>
+              </a:rPr>
+              <a:t>Query List</a:t>
+            </a:r>
+          </a:p>
+          <a:p>
+            <a:pPr algn="ctr"/>
+            <a:r>
+              <a:rPr lang="en-US" altLang="ja-JP" sz="1400" dirty="0" smtClean="0">
+                <a:solidFill>
+                  <a:schemeClr val="tx1">
+                    <a:lumMod val="75000"/>
+                    <a:lumOff val="25000"/>
+                  </a:schemeClr>
+                </a:solidFill>
+              </a:rPr>
+              <a:t>for evaluation</a:t>
+            </a:r>
+            <a:endParaRPr lang="en-US" altLang="ja-JP" sz="1400" dirty="0" smtClean="0">
+              <a:solidFill>
+                <a:schemeClr val="tx1">
+                  <a:lumMod val="75000"/>
+                  <a:lumOff val="25000"/>
+                </a:schemeClr>
+              </a:solidFill>
+            </a:endParaRPr>
+          </a:p>
+        </p:txBody>
+      </p:sp>
+      <p:cxnSp>
+        <p:nvCxnSpPr>
+          <p:cNvPr id="99" name="カギ線コネクタ 98"/>
+          <p:cNvCxnSpPr>
+            <a:stCxn id="98" idx="2"/>
+            <a:endCxn id="80" idx="0"/>
+          </p:cNvCxnSpPr>
+          <p:nvPr/>
+        </p:nvCxnSpPr>
+        <p:spPr>
+          <a:xfrm rot="16200000" flipH="1">
+            <a:off x="1477585" y="2411852"/>
+            <a:ext cx="749003" cy="469350"/>
+          </a:xfrm>
+          <a:prstGeom prst="bentConnector3">
+            <a:avLst>
+              <a:gd name="adj1" fmla="val 50000"/>
+            </a:avLst>
+          </a:prstGeom>
+          <a:ln w="15875">
+            <a:solidFill>
+              <a:schemeClr val="tx1">
+                <a:lumMod val="75000"/>
+                <a:lumOff val="25000"/>
+              </a:schemeClr>
+            </a:solidFill>
+            <a:tailEnd type="arrow"/>
+          </a:ln>
+        </p:spPr>
+        <p:style>
+          <a:lnRef idx="1">
+            <a:schemeClr val="accent1"/>
+          </a:lnRef>
+          <a:fillRef idx="0">
+            <a:schemeClr val="accent1"/>
+          </a:fillRef>
+          <a:effectRef idx="0">
+            <a:schemeClr val="accent1"/>
+          </a:effectRef>
+          <a:fontRef idx="minor">
+            <a:schemeClr val="tx1"/>
+          </a:fontRef>
+        </p:style>
+      </p:cxnSp>
+      <p:grpSp>
+        <p:nvGrpSpPr>
+          <p:cNvPr id="103" name="グループ化 102"/>
+          <p:cNvGrpSpPr/>
+          <p:nvPr/>
+        </p:nvGrpSpPr>
+        <p:grpSpPr>
+          <a:xfrm>
+            <a:off x="4143489" y="1676545"/>
+            <a:ext cx="294681" cy="533309"/>
+            <a:chOff x="7229647" y="1574794"/>
+            <a:chExt cx="150665" cy="299283"/>
+          </a:xfrm>
+        </p:grpSpPr>
+        <p:sp>
+          <p:nvSpPr>
+            <p:cNvPr id="104" name="フローチャート : 結合子 103"/>
+            <p:cNvSpPr/>
+            <p:nvPr/>
+          </p:nvSpPr>
+          <p:spPr>
+            <a:xfrm>
+              <a:off x="7229647" y="1574794"/>
+              <a:ext cx="150418" cy="126014"/>
+            </a:xfrm>
+            <a:prstGeom prst="flowChartConnector">
+              <a:avLst/>
+            </a:prstGeom>
+            <a:solidFill>
+              <a:schemeClr val="bg1"/>
+            </a:solidFill>
+            <a:ln w="12700">
+              <a:solidFill>
+                <a:schemeClr val="tx1">
+                  <a:lumMod val="75000"/>
+                  <a:lumOff val="25000"/>
+                </a:schemeClr>
+              </a:solidFill>
+            </a:ln>
+          </p:spPr>
+          <p:style>
+            <a:lnRef idx="2">
+              <a:schemeClr val="accent1">
+                <a:shade val="50000"/>
+              </a:schemeClr>
+            </a:lnRef>
+            <a:fillRef idx="1">
+              <a:schemeClr val="accent1"/>
+            </a:fillRef>
+            <a:effectRef idx="0">
+              <a:schemeClr val="accent1"/>
+            </a:effectRef>
+            <a:fontRef idx="minor">
+              <a:schemeClr val="lt1"/>
+            </a:fontRef>
+          </p:style>
+          <p:txBody>
+            <a:bodyPr rot="0" spcFirstLastPara="0" vertOverflow="overflow" horzOverflow="overflow" vert="horz" wrap="square" lIns="91440" tIns="45720" rIns="91440" bIns="45720" numCol="1" spcCol="0" rtlCol="0" fromWordArt="0" anchor="ctr" anchorCtr="0" forceAA="0" compatLnSpc="1">
+              <a:prstTxWarp prst="textNoShape">
+                <a:avLst/>
+              </a:prstTxWarp>
+              <a:noAutofit/>
+            </a:bodyPr>
+            <a:lstStyle/>
+            <a:p>
+              <a:pPr algn="ctr"/>
+              <a:endParaRPr kumimoji="1" lang="ja-JP" altLang="en-US" dirty="0" smtClean="0">
+                <a:solidFill>
+                  <a:schemeClr val="tx1">
+                    <a:lumMod val="75000"/>
+                    <a:lumOff val="25000"/>
+                  </a:schemeClr>
+                </a:solidFill>
+              </a:endParaRPr>
+            </a:p>
+          </p:txBody>
+        </p:sp>
+        <p:cxnSp>
+          <p:nvCxnSpPr>
+            <p:cNvPr id="105" name="直線コネクタ 104"/>
+            <p:cNvCxnSpPr/>
+            <p:nvPr/>
+          </p:nvCxnSpPr>
+          <p:spPr>
+            <a:xfrm>
+              <a:off x="7229647" y="1759314"/>
+              <a:ext cx="150418" cy="0"/>
+            </a:xfrm>
+            <a:prstGeom prst="line">
+              <a:avLst/>
+            </a:prstGeom>
+            <a:ln w="12700">
+              <a:solidFill>
+                <a:schemeClr val="tx1">
+                  <a:lumMod val="75000"/>
+                  <a:lumOff val="25000"/>
+                </a:schemeClr>
+              </a:solidFill>
+              <a:tailEnd type="none"/>
+            </a:ln>
+          </p:spPr>
+          <p:style>
+            <a:lnRef idx="1">
+              <a:schemeClr val="accent1"/>
+            </a:lnRef>
+            <a:fillRef idx="0">
+              <a:schemeClr val="accent1"/>
+            </a:fillRef>
+            <a:effectRef idx="0">
+              <a:schemeClr val="accent1"/>
+            </a:effectRef>
+            <a:fontRef idx="minor">
+              <a:schemeClr val="tx1"/>
+            </a:fontRef>
+          </p:style>
+        </p:cxnSp>
+        <p:cxnSp>
+          <p:nvCxnSpPr>
+            <p:cNvPr id="106" name="直線コネクタ 105"/>
+            <p:cNvCxnSpPr>
+              <a:stCxn id="104" idx="4"/>
+            </p:cNvCxnSpPr>
+            <p:nvPr/>
+          </p:nvCxnSpPr>
+          <p:spPr>
+            <a:xfrm>
+              <a:off x="7304856" y="1700808"/>
+              <a:ext cx="1" cy="117013"/>
+            </a:xfrm>
+            <a:prstGeom prst="line">
+              <a:avLst/>
+            </a:prstGeom>
+            <a:ln w="12700">
+              <a:solidFill>
+                <a:schemeClr val="tx1">
+                  <a:lumMod val="75000"/>
+                  <a:lumOff val="25000"/>
+                </a:schemeClr>
+              </a:solidFill>
+              <a:tailEnd type="none"/>
+            </a:ln>
+          </p:spPr>
+          <p:style>
+            <a:lnRef idx="1">
+              <a:schemeClr val="accent1"/>
+            </a:lnRef>
+            <a:fillRef idx="0">
+              <a:schemeClr val="accent1"/>
+            </a:fillRef>
+            <a:effectRef idx="0">
+              <a:schemeClr val="accent1"/>
+            </a:effectRef>
+            <a:fontRef idx="minor">
+              <a:schemeClr val="tx1"/>
+            </a:fontRef>
+          </p:style>
+        </p:cxnSp>
+        <p:cxnSp>
+          <p:nvCxnSpPr>
+            <p:cNvPr id="107" name="直線コネクタ 106"/>
+            <p:cNvCxnSpPr/>
+            <p:nvPr/>
+          </p:nvCxnSpPr>
+          <p:spPr>
+            <a:xfrm flipH="1">
+              <a:off x="7229647" y="1808820"/>
+              <a:ext cx="75210" cy="65257"/>
+            </a:xfrm>
+            <a:prstGeom prst="line">
+              <a:avLst/>
+            </a:prstGeom>
+            <a:ln w="12700">
+              <a:solidFill>
+                <a:schemeClr val="tx1">
+                  <a:lumMod val="75000"/>
+                  <a:lumOff val="25000"/>
+                </a:schemeClr>
+              </a:solidFill>
+              <a:tailEnd type="none"/>
+            </a:ln>
+          </p:spPr>
+          <p:style>
+            <a:lnRef idx="1">
+              <a:schemeClr val="accent1"/>
+            </a:lnRef>
+            <a:fillRef idx="0">
+              <a:schemeClr val="accent1"/>
+            </a:fillRef>
+            <a:effectRef idx="0">
+              <a:schemeClr val="accent1"/>
+            </a:effectRef>
+            <a:fontRef idx="minor">
+              <a:schemeClr val="tx1"/>
+            </a:fontRef>
+          </p:style>
+        </p:cxnSp>
+        <p:cxnSp>
+          <p:nvCxnSpPr>
+            <p:cNvPr id="108" name="直線コネクタ 107"/>
+            <p:cNvCxnSpPr/>
+            <p:nvPr/>
+          </p:nvCxnSpPr>
+          <p:spPr>
+            <a:xfrm>
+              <a:off x="7304857" y="1808820"/>
+              <a:ext cx="75455" cy="65257"/>
+            </a:xfrm>
+            <a:prstGeom prst="line">
+              <a:avLst/>
+            </a:prstGeom>
+            <a:ln w="12700">
+              <a:solidFill>
+                <a:schemeClr val="tx1">
+                  <a:lumMod val="75000"/>
+                  <a:lumOff val="25000"/>
+                </a:schemeClr>
+              </a:solidFill>
+              <a:tailEnd type="none"/>
+            </a:ln>
+          </p:spPr>
+          <p:style>
+            <a:lnRef idx="1">
+              <a:schemeClr val="accent1"/>
+            </a:lnRef>
+            <a:fillRef idx="0">
+              <a:schemeClr val="accent1"/>
+            </a:fillRef>
+            <a:effectRef idx="0">
+              <a:schemeClr val="accent1"/>
+            </a:effectRef>
+            <a:fontRef idx="minor">
+              <a:schemeClr val="tx1"/>
+            </a:fontRef>
+          </p:style>
+        </p:cxnSp>
+      </p:grpSp>
+      <p:sp>
+        <p:nvSpPr>
+          <p:cNvPr id="109" name="角丸四角形 108"/>
+          <p:cNvSpPr/>
+          <p:nvPr/>
+        </p:nvSpPr>
+        <p:spPr>
+          <a:xfrm>
+            <a:off x="876783" y="3016044"/>
+            <a:ext cx="639202" cy="532481"/>
+          </a:xfrm>
+          <a:prstGeom prst="roundRect">
+            <a:avLst/>
+          </a:prstGeom>
+          <a:solidFill>
+            <a:schemeClr val="accent3">
+              <a:lumMod val="20000"/>
+              <a:lumOff val="80000"/>
+            </a:schemeClr>
+          </a:solidFill>
+          <a:ln w="9525">
+            <a:solidFill>
+              <a:schemeClr val="tx1">
+                <a:lumMod val="75000"/>
+                <a:lumOff val="25000"/>
+              </a:schemeClr>
+            </a:solidFill>
+          </a:ln>
+        </p:spPr>
+        <p:style>
+          <a:lnRef idx="2">
+            <a:schemeClr val="accent1">
+              <a:shade val="50000"/>
+            </a:schemeClr>
+          </a:lnRef>
+          <a:fillRef idx="1">
+            <a:schemeClr val="accent1"/>
+          </a:fillRef>
+          <a:effectRef idx="0">
+            <a:schemeClr val="accent1"/>
+          </a:effectRef>
+          <a:fontRef idx="minor">
+            <a:schemeClr val="lt1"/>
+          </a:fontRef>
+        </p:style>
+        <p:txBody>
+          <a:bodyPr rot="0" spcFirstLastPara="0" vertOverflow="overflow" horzOverflow="overflow" vert="horz" wrap="square" lIns="91440" tIns="45720" rIns="91440" bIns="45720" numCol="1" spcCol="0" rtlCol="0" fromWordArt="0" anchor="ctr" anchorCtr="0" forceAA="0" compatLnSpc="1">
+            <a:prstTxWarp prst="textNoShape">
+              <a:avLst/>
+            </a:prstTxWarp>
+            <a:noAutofit/>
+          </a:bodyPr>
+          <a:lstStyle/>
+          <a:p>
+            <a:pPr algn="ctr"/>
+            <a:r>
+              <a:rPr kumimoji="1" lang="en-US" altLang="ja-JP" sz="1200" dirty="0" err="1" smtClean="0">
+                <a:solidFill>
+                  <a:schemeClr val="tx1">
+                    <a:lumMod val="75000"/>
+                    <a:lumOff val="25000"/>
+                  </a:schemeClr>
+                </a:solidFill>
+              </a:rPr>
+              <a:t>Config</a:t>
+            </a:r>
+            <a:endParaRPr kumimoji="1" lang="ja-JP" altLang="en-US" sz="1200" dirty="0" smtClean="0">
+              <a:solidFill>
+                <a:schemeClr val="tx1">
+                  <a:lumMod val="75000"/>
+                  <a:lumOff val="25000"/>
+                </a:schemeClr>
+              </a:solidFill>
+            </a:endParaRPr>
+          </a:p>
+        </p:txBody>
+      </p:sp>
+      <p:cxnSp>
+        <p:nvCxnSpPr>
+          <p:cNvPr id="118" name="直線矢印コネクタ 117"/>
+          <p:cNvCxnSpPr/>
+          <p:nvPr/>
+        </p:nvCxnSpPr>
+        <p:spPr>
+          <a:xfrm flipH="1">
+            <a:off x="4287505" y="2277065"/>
+            <a:ext cx="1" cy="191568"/>
+          </a:xfrm>
+          <a:prstGeom prst="straightConnector1">
+            <a:avLst/>
+          </a:prstGeom>
+          <a:ln w="15875">
+            <a:solidFill>
+              <a:schemeClr val="tx1">
+                <a:lumMod val="75000"/>
+                <a:lumOff val="25000"/>
+              </a:schemeClr>
+            </a:solidFill>
+            <a:tailEnd type="arrow"/>
+          </a:ln>
+        </p:spPr>
+        <p:style>
+          <a:lnRef idx="1">
+            <a:schemeClr val="accent1"/>
+          </a:lnRef>
+          <a:fillRef idx="0">
+            <a:schemeClr val="accent1"/>
+          </a:fillRef>
+          <a:effectRef idx="0">
+            <a:schemeClr val="accent1"/>
+          </a:effectRef>
+          <a:fontRef idx="minor">
+            <a:schemeClr val="tx1"/>
+          </a:fontRef>
+        </p:style>
+      </p:cxnSp>
+      <p:sp>
+        <p:nvSpPr>
+          <p:cNvPr id="124" name="正方形/長方形 123"/>
+          <p:cNvSpPr/>
+          <p:nvPr/>
+        </p:nvSpPr>
+        <p:spPr>
+          <a:xfrm>
+            <a:off x="790087" y="4821383"/>
+            <a:ext cx="7810825" cy="1014874"/>
+          </a:xfrm>
+          <a:prstGeom prst="rect">
+            <a:avLst/>
+          </a:prstGeom>
+          <a:solidFill>
+            <a:schemeClr val="bg2"/>
+          </a:solidFill>
+          <a:ln>
+            <a:solidFill>
+              <a:schemeClr val="tx1">
+                <a:lumMod val="75000"/>
+                <a:lumOff val="25000"/>
+              </a:schemeClr>
+            </a:solidFill>
+          </a:ln>
+        </p:spPr>
+        <p:style>
+          <a:lnRef idx="2">
+            <a:schemeClr val="accent1">
+              <a:shade val="50000"/>
+            </a:schemeClr>
+          </a:lnRef>
+          <a:fillRef idx="1">
+            <a:schemeClr val="accent1"/>
+          </a:fillRef>
+          <a:effectRef idx="0">
+            <a:schemeClr val="accent1"/>
+          </a:effectRef>
+          <a:fontRef idx="minor">
+            <a:schemeClr val="lt1"/>
+          </a:fontRef>
+        </p:style>
+        <p:txBody>
+          <a:bodyPr rot="0" spcFirstLastPara="0" vertOverflow="overflow" horzOverflow="overflow" vert="horz" wrap="square" lIns="91440" tIns="45720" rIns="91440" bIns="45720" numCol="1" spcCol="0" rtlCol="0" fromWordArt="0" anchor="ctr" anchorCtr="0" forceAA="0" compatLnSpc="1">
+            <a:prstTxWarp prst="textNoShape">
+              <a:avLst/>
+            </a:prstTxWarp>
+            <a:noAutofit/>
+          </a:bodyPr>
+          <a:lstStyle/>
+          <a:p>
+            <a:pPr algn="ctr"/>
+            <a:endParaRPr lang="en-US" altLang="ja-JP" dirty="0" smtClean="0">
+              <a:solidFill>
+                <a:schemeClr val="tx1">
+                  <a:lumMod val="75000"/>
+                  <a:lumOff val="25000"/>
+                </a:schemeClr>
+              </a:solidFill>
+            </a:endParaRPr>
+          </a:p>
+          <a:p>
+            <a:pPr algn="ctr"/>
+            <a:endParaRPr lang="en-US" altLang="ja-JP" dirty="0">
+              <a:solidFill>
+                <a:schemeClr val="tx1">
+                  <a:lumMod val="75000"/>
+                  <a:lumOff val="25000"/>
+                </a:schemeClr>
+              </a:solidFill>
+            </a:endParaRPr>
+          </a:p>
+        </p:txBody>
+      </p:sp>
+      <p:cxnSp>
+        <p:nvCxnSpPr>
+          <p:cNvPr id="146" name="カギ線コネクタ 145"/>
+          <p:cNvCxnSpPr>
+            <a:stCxn id="75" idx="1"/>
+            <a:endCxn id="109" idx="2"/>
+          </p:cNvCxnSpPr>
+          <p:nvPr/>
+        </p:nvCxnSpPr>
+        <p:spPr>
+          <a:xfrm rot="5400000" flipH="1" flipV="1">
+            <a:off x="885994" y="3758653"/>
+            <a:ext cx="520517" cy="100263"/>
+          </a:xfrm>
+          <a:prstGeom prst="bentConnector3">
+            <a:avLst>
+              <a:gd name="adj1" fmla="val 50000"/>
+            </a:avLst>
+          </a:prstGeom>
+          <a:ln w="12700">
+            <a:solidFill>
+              <a:schemeClr val="tx1">
+                <a:lumMod val="75000"/>
+                <a:lumOff val="25000"/>
+              </a:schemeClr>
+            </a:solidFill>
+            <a:headEnd type="arrow"/>
+            <a:tailEnd type="arrow"/>
+          </a:ln>
+        </p:spPr>
+        <p:style>
+          <a:lnRef idx="1">
+            <a:schemeClr val="accent1"/>
+          </a:lnRef>
+          <a:fillRef idx="0">
+            <a:schemeClr val="accent1"/>
+          </a:fillRef>
+          <a:effectRef idx="0">
+            <a:schemeClr val="accent1"/>
+          </a:effectRef>
+          <a:fontRef idx="minor">
+            <a:schemeClr val="tx1"/>
+          </a:fontRef>
+        </p:style>
+      </p:cxnSp>
+      <p:sp>
+        <p:nvSpPr>
+          <p:cNvPr id="75" name="円柱 74"/>
+          <p:cNvSpPr/>
+          <p:nvPr/>
+        </p:nvSpPr>
+        <p:spPr>
+          <a:xfrm>
+            <a:off x="790087" y="4069042"/>
+            <a:ext cx="612068" cy="504511"/>
+          </a:xfrm>
+          <a:prstGeom prst="can">
+            <a:avLst/>
+          </a:prstGeom>
+          <a:solidFill>
+            <a:schemeClr val="bg2"/>
+          </a:solidFill>
+          <a:ln>
+            <a:solidFill>
+              <a:schemeClr val="tx1">
+                <a:lumMod val="75000"/>
+                <a:lumOff val="25000"/>
+              </a:schemeClr>
+            </a:solidFill>
+          </a:ln>
+        </p:spPr>
+        <p:style>
+          <a:lnRef idx="2">
+            <a:schemeClr val="accent1">
+              <a:shade val="50000"/>
+            </a:schemeClr>
+          </a:lnRef>
+          <a:fillRef idx="1">
+            <a:schemeClr val="accent1"/>
+          </a:fillRef>
+          <a:effectRef idx="0">
+            <a:schemeClr val="accent1"/>
+          </a:effectRef>
+          <a:fontRef idx="minor">
+            <a:schemeClr val="lt1"/>
+          </a:fontRef>
+        </p:style>
+        <p:txBody>
+          <a:bodyPr rtlCol="0" anchor="ctr"/>
+          <a:lstStyle/>
+          <a:p>
+            <a:pPr algn="ctr"/>
+            <a:r>
+              <a:rPr kumimoji="1" lang="en-US" altLang="ja-JP" sz="1200" dirty="0" err="1" smtClean="0">
+                <a:solidFill>
+                  <a:schemeClr val="tx1">
+                    <a:lumMod val="75000"/>
+                    <a:lumOff val="25000"/>
+                  </a:schemeClr>
+                </a:solidFill>
+              </a:rPr>
+              <a:t>Config</a:t>
+            </a:r>
+            <a:endParaRPr kumimoji="1" lang="ja-JP" altLang="en-US" sz="1200" dirty="0">
+              <a:solidFill>
+                <a:schemeClr val="tx1">
+                  <a:lumMod val="75000"/>
+                  <a:lumOff val="25000"/>
+                </a:schemeClr>
+              </a:solidFill>
+            </a:endParaRPr>
+          </a:p>
+        </p:txBody>
+      </p:sp>
+      <p:sp>
+        <p:nvSpPr>
+          <p:cNvPr id="80" name="角丸四角形 79"/>
+          <p:cNvSpPr/>
+          <p:nvPr/>
+        </p:nvSpPr>
+        <p:spPr>
+          <a:xfrm>
+            <a:off x="1767160" y="3021029"/>
+            <a:ext cx="639202" cy="505921"/>
+          </a:xfrm>
+          <a:prstGeom prst="roundRect">
+            <a:avLst/>
+          </a:prstGeom>
+          <a:solidFill>
+            <a:schemeClr val="accent3">
+              <a:lumMod val="20000"/>
+              <a:lumOff val="80000"/>
+            </a:schemeClr>
+          </a:solidFill>
+          <a:ln w="9525">
+            <a:solidFill>
+              <a:schemeClr val="tx1">
+                <a:lumMod val="75000"/>
+                <a:lumOff val="25000"/>
+              </a:schemeClr>
+            </a:solidFill>
+          </a:ln>
+        </p:spPr>
+        <p:style>
+          <a:lnRef idx="2">
+            <a:schemeClr val="accent1">
+              <a:shade val="50000"/>
+            </a:schemeClr>
+          </a:lnRef>
+          <a:fillRef idx="1">
+            <a:schemeClr val="accent1"/>
+          </a:fillRef>
+          <a:effectRef idx="0">
+            <a:schemeClr val="accent1"/>
+          </a:effectRef>
+          <a:fontRef idx="minor">
+            <a:schemeClr val="lt1"/>
+          </a:fontRef>
+        </p:style>
+        <p:txBody>
+          <a:bodyPr rot="0" spcFirstLastPara="0" vertOverflow="overflow" horzOverflow="overflow" vert="horz" wrap="square" lIns="91440" tIns="45720" rIns="91440" bIns="45720" numCol="1" spcCol="0" rtlCol="0" fromWordArt="0" anchor="ctr" anchorCtr="0" forceAA="0" compatLnSpc="1">
+            <a:prstTxWarp prst="textNoShape">
+              <a:avLst/>
+            </a:prstTxWarp>
+            <a:noAutofit/>
+          </a:bodyPr>
+          <a:lstStyle/>
+          <a:p>
+            <a:pPr algn="ctr"/>
+            <a:r>
+              <a:rPr kumimoji="1" lang="en-US" altLang="ja-JP" sz="1200" dirty="0" smtClean="0">
+                <a:solidFill>
+                  <a:schemeClr val="tx1">
+                    <a:lumMod val="75000"/>
+                    <a:lumOff val="25000"/>
+                  </a:schemeClr>
+                </a:solidFill>
+              </a:rPr>
+              <a:t>Query</a:t>
+            </a:r>
+          </a:p>
+          <a:p>
+            <a:pPr algn="ctr"/>
+            <a:r>
+              <a:rPr lang="en-US" altLang="ja-JP" sz="1200" dirty="0" smtClean="0">
+                <a:solidFill>
+                  <a:schemeClr val="tx1">
+                    <a:lumMod val="75000"/>
+                    <a:lumOff val="25000"/>
+                  </a:schemeClr>
+                </a:solidFill>
+              </a:rPr>
+              <a:t>List</a:t>
+            </a:r>
+            <a:endParaRPr kumimoji="1" lang="ja-JP" altLang="en-US" sz="1200" dirty="0" smtClean="0">
+              <a:solidFill>
+                <a:schemeClr val="tx1">
+                  <a:lumMod val="75000"/>
+                  <a:lumOff val="25000"/>
+                </a:schemeClr>
+              </a:solidFill>
+            </a:endParaRPr>
+          </a:p>
+        </p:txBody>
+      </p:sp>
+      <p:sp>
+        <p:nvSpPr>
+          <p:cNvPr id="82" name="角丸四角形 81"/>
+          <p:cNvSpPr/>
+          <p:nvPr/>
+        </p:nvSpPr>
+        <p:spPr>
+          <a:xfrm>
+            <a:off x="2635462" y="3009153"/>
+            <a:ext cx="1259644" cy="532481"/>
+          </a:xfrm>
+          <a:prstGeom prst="roundRect">
+            <a:avLst/>
+          </a:prstGeom>
+          <a:solidFill>
+            <a:schemeClr val="accent3">
+              <a:lumMod val="20000"/>
+              <a:lumOff val="80000"/>
+            </a:schemeClr>
+          </a:solidFill>
+          <a:ln w="9525">
+            <a:solidFill>
+              <a:schemeClr val="tx1">
+                <a:lumMod val="75000"/>
+                <a:lumOff val="25000"/>
+              </a:schemeClr>
+            </a:solidFill>
+          </a:ln>
+        </p:spPr>
+        <p:style>
+          <a:lnRef idx="2">
+            <a:schemeClr val="accent1">
+              <a:shade val="50000"/>
+            </a:schemeClr>
+          </a:lnRef>
+          <a:fillRef idx="1">
+            <a:schemeClr val="accent1"/>
+          </a:fillRef>
+          <a:effectRef idx="0">
+            <a:schemeClr val="accent1"/>
+          </a:effectRef>
+          <a:fontRef idx="minor">
+            <a:schemeClr val="lt1"/>
+          </a:fontRef>
+        </p:style>
+        <p:txBody>
+          <a:bodyPr rot="0" spcFirstLastPara="0" vertOverflow="overflow" horzOverflow="overflow" vert="horz" wrap="square" lIns="91440" tIns="45720" rIns="91440" bIns="45720" numCol="1" spcCol="0" rtlCol="0" fromWordArt="0" anchor="ctr" anchorCtr="0" forceAA="0" compatLnSpc="1">
+            <a:prstTxWarp prst="textNoShape">
+              <a:avLst/>
+            </a:prstTxWarp>
+            <a:noAutofit/>
+          </a:bodyPr>
+          <a:lstStyle/>
+          <a:p>
+            <a:pPr algn="ctr"/>
+            <a:r>
+              <a:rPr kumimoji="1" lang="en-US" altLang="ja-JP" sz="1200" dirty="0" smtClean="0">
+                <a:solidFill>
+                  <a:schemeClr val="tx1">
+                    <a:lumMod val="75000"/>
+                    <a:lumOff val="25000"/>
+                  </a:schemeClr>
+                </a:solidFill>
+              </a:rPr>
+              <a:t>Annotation</a:t>
+            </a:r>
+            <a:endParaRPr kumimoji="1" lang="ja-JP" altLang="en-US" sz="1200" dirty="0" smtClean="0">
+              <a:solidFill>
+                <a:schemeClr val="tx1">
+                  <a:lumMod val="75000"/>
+                  <a:lumOff val="25000"/>
+                </a:schemeClr>
+              </a:solidFill>
+            </a:endParaRPr>
+          </a:p>
+        </p:txBody>
+      </p:sp>
+      <p:sp>
+        <p:nvSpPr>
+          <p:cNvPr id="83" name="角丸四角形 82"/>
+          <p:cNvSpPr/>
+          <p:nvPr/>
+        </p:nvSpPr>
+        <p:spPr>
+          <a:xfrm>
+            <a:off x="4520711" y="3021029"/>
+            <a:ext cx="1256588" cy="505921"/>
+          </a:xfrm>
+          <a:prstGeom prst="roundRect">
+            <a:avLst/>
+          </a:prstGeom>
+          <a:solidFill>
+            <a:schemeClr val="accent3">
+              <a:lumMod val="20000"/>
+              <a:lumOff val="80000"/>
+            </a:schemeClr>
+          </a:solidFill>
+          <a:ln w="9525">
+            <a:solidFill>
+              <a:schemeClr val="tx1">
+                <a:lumMod val="75000"/>
+                <a:lumOff val="25000"/>
+              </a:schemeClr>
+            </a:solidFill>
+          </a:ln>
+        </p:spPr>
+        <p:style>
+          <a:lnRef idx="2">
+            <a:schemeClr val="accent1">
+              <a:shade val="50000"/>
+            </a:schemeClr>
+          </a:lnRef>
+          <a:fillRef idx="1">
+            <a:schemeClr val="accent1"/>
+          </a:fillRef>
+          <a:effectRef idx="0">
+            <a:schemeClr val="accent1"/>
+          </a:effectRef>
+          <a:fontRef idx="minor">
+            <a:schemeClr val="lt1"/>
+          </a:fontRef>
+        </p:style>
+        <p:txBody>
+          <a:bodyPr rot="0" spcFirstLastPara="0" vertOverflow="overflow" horzOverflow="overflow" vert="horz" wrap="square" lIns="91440" tIns="45720" rIns="91440" bIns="45720" numCol="1" spcCol="0" rtlCol="0" fromWordArt="0" anchor="ctr" anchorCtr="0" forceAA="0" compatLnSpc="1">
+            <a:prstTxWarp prst="textNoShape">
+              <a:avLst/>
+            </a:prstTxWarp>
+            <a:noAutofit/>
+          </a:bodyPr>
+          <a:lstStyle/>
+          <a:p>
+            <a:pPr algn="ctr"/>
+            <a:r>
+              <a:rPr kumimoji="1" lang="en-US" altLang="ja-JP" sz="1200" dirty="0" smtClean="0">
+                <a:solidFill>
+                  <a:schemeClr val="tx1">
+                    <a:lumMod val="75000"/>
+                    <a:lumOff val="25000"/>
+                  </a:schemeClr>
+                </a:solidFill>
+              </a:rPr>
+              <a:t>Feature</a:t>
+            </a:r>
+          </a:p>
+          <a:p>
+            <a:pPr algn="ctr"/>
+            <a:r>
+              <a:rPr lang="en-US" altLang="ja-JP" sz="1200" dirty="0" smtClean="0">
+                <a:solidFill>
+                  <a:schemeClr val="tx1">
+                    <a:lumMod val="75000"/>
+                    <a:lumOff val="25000"/>
+                  </a:schemeClr>
+                </a:solidFill>
+              </a:rPr>
+              <a:t>extraction</a:t>
+            </a:r>
+            <a:endParaRPr kumimoji="1" lang="ja-JP" altLang="en-US" sz="1200" dirty="0" smtClean="0">
+              <a:solidFill>
+                <a:schemeClr val="tx1">
+                  <a:lumMod val="75000"/>
+                  <a:lumOff val="25000"/>
+                </a:schemeClr>
+              </a:solidFill>
+            </a:endParaRPr>
+          </a:p>
+        </p:txBody>
+      </p:sp>
+      <p:sp>
+        <p:nvSpPr>
+          <p:cNvPr id="84" name="角丸四角形 83"/>
+          <p:cNvSpPr/>
+          <p:nvPr/>
+        </p:nvSpPr>
+        <p:spPr>
+          <a:xfrm>
+            <a:off x="6171643" y="3021029"/>
+            <a:ext cx="1352475" cy="503745"/>
+          </a:xfrm>
+          <a:prstGeom prst="roundRect">
+            <a:avLst/>
+          </a:prstGeom>
+          <a:solidFill>
+            <a:schemeClr val="accent3">
+              <a:lumMod val="20000"/>
+              <a:lumOff val="80000"/>
+            </a:schemeClr>
+          </a:solidFill>
+          <a:ln w="9525">
+            <a:solidFill>
+              <a:schemeClr val="tx1">
+                <a:lumMod val="75000"/>
+                <a:lumOff val="25000"/>
+              </a:schemeClr>
+            </a:solidFill>
+          </a:ln>
+        </p:spPr>
+        <p:style>
+          <a:lnRef idx="2">
+            <a:schemeClr val="accent1">
+              <a:shade val="50000"/>
+            </a:schemeClr>
+          </a:lnRef>
+          <a:fillRef idx="1">
+            <a:schemeClr val="accent1"/>
+          </a:fillRef>
+          <a:effectRef idx="0">
+            <a:schemeClr val="accent1"/>
+          </a:effectRef>
+          <a:fontRef idx="minor">
+            <a:schemeClr val="lt1"/>
+          </a:fontRef>
+        </p:style>
+        <p:txBody>
+          <a:bodyPr rot="0" spcFirstLastPara="0" vertOverflow="overflow" horzOverflow="overflow" vert="horz" wrap="square" lIns="91440" tIns="45720" rIns="91440" bIns="45720" numCol="1" spcCol="0" rtlCol="0" fromWordArt="0" anchor="ctr" anchorCtr="0" forceAA="0" compatLnSpc="1">
+            <a:prstTxWarp prst="textNoShape">
+              <a:avLst/>
+            </a:prstTxWarp>
+            <a:noAutofit/>
+          </a:bodyPr>
+          <a:lstStyle/>
+          <a:p>
+            <a:pPr algn="ctr"/>
+            <a:r>
+              <a:rPr kumimoji="1" lang="en-US" altLang="ja-JP" sz="1200" dirty="0" smtClean="0">
+                <a:solidFill>
+                  <a:schemeClr val="tx1">
+                    <a:lumMod val="75000"/>
+                    <a:lumOff val="25000"/>
+                  </a:schemeClr>
+                </a:solidFill>
+              </a:rPr>
+              <a:t>Train and</a:t>
+            </a:r>
+          </a:p>
+          <a:p>
+            <a:pPr algn="ctr"/>
+            <a:r>
+              <a:rPr lang="en-US" altLang="ja-JP" sz="1200" dirty="0" smtClean="0">
+                <a:solidFill>
+                  <a:schemeClr val="tx1">
+                    <a:lumMod val="75000"/>
+                    <a:lumOff val="25000"/>
+                  </a:schemeClr>
+                </a:solidFill>
+              </a:rPr>
+              <a:t>Model creation</a:t>
+            </a:r>
+            <a:endParaRPr kumimoji="1" lang="ja-JP" altLang="en-US" sz="1200" dirty="0" smtClean="0">
+              <a:solidFill>
+                <a:schemeClr val="tx1">
+                  <a:lumMod val="75000"/>
+                  <a:lumOff val="25000"/>
+                </a:schemeClr>
+              </a:solidFill>
+            </a:endParaRPr>
+          </a:p>
+        </p:txBody>
+      </p:sp>
+      <p:sp>
+        <p:nvSpPr>
+          <p:cNvPr id="156" name="テキスト ボックス 155"/>
+          <p:cNvSpPr txBox="1"/>
+          <p:nvPr/>
+        </p:nvSpPr>
+        <p:spPr>
+          <a:xfrm>
+            <a:off x="1060438" y="2245891"/>
+            <a:ext cx="1444651" cy="253916"/>
+          </a:xfrm>
+          <a:prstGeom prst="rect">
+            <a:avLst/>
+          </a:prstGeom>
+          <a:noFill/>
+        </p:spPr>
+        <p:txBody>
+          <a:bodyPr wrap="square" rtlCol="0">
+            <a:spAutoFit/>
+          </a:bodyPr>
+          <a:lstStyle/>
+          <a:p>
+            <a:r>
+              <a:rPr lang="en-US" altLang="ja-JP" sz="1050" dirty="0" smtClean="0">
+                <a:solidFill>
+                  <a:schemeClr val="tx1">
+                    <a:lumMod val="75000"/>
+                    <a:lumOff val="25000"/>
+                  </a:schemeClr>
+                </a:solidFill>
+              </a:rPr>
+              <a:t>register</a:t>
+            </a:r>
+            <a:endParaRPr lang="en-US" altLang="ja-JP" sz="1050" dirty="0" smtClean="0">
+              <a:solidFill>
+                <a:schemeClr val="tx1">
+                  <a:lumMod val="75000"/>
+                  <a:lumOff val="25000"/>
+                </a:schemeClr>
+              </a:solidFill>
+            </a:endParaRPr>
+          </a:p>
+        </p:txBody>
+      </p:sp>
+      <p:cxnSp>
+        <p:nvCxnSpPr>
+          <p:cNvPr id="157" name="カギ線コネクタ 156"/>
+          <p:cNvCxnSpPr>
+            <a:stCxn id="80" idx="3"/>
+            <a:endCxn id="82" idx="1"/>
+          </p:cNvCxnSpPr>
+          <p:nvPr/>
+        </p:nvCxnSpPr>
+        <p:spPr>
+          <a:xfrm>
+            <a:off x="2406362" y="3273990"/>
+            <a:ext cx="229100" cy="1404"/>
+          </a:xfrm>
+          <a:prstGeom prst="bentConnector3">
+            <a:avLst>
+              <a:gd name="adj1" fmla="val 50000"/>
+            </a:avLst>
+          </a:prstGeom>
+          <a:ln w="15875">
+            <a:solidFill>
+              <a:schemeClr val="tx1">
+                <a:lumMod val="75000"/>
+                <a:lumOff val="25000"/>
+              </a:schemeClr>
+            </a:solidFill>
+            <a:tailEnd type="arrow"/>
+          </a:ln>
+        </p:spPr>
+        <p:style>
+          <a:lnRef idx="1">
+            <a:schemeClr val="accent1"/>
+          </a:lnRef>
+          <a:fillRef idx="0">
+            <a:schemeClr val="accent1"/>
+          </a:fillRef>
+          <a:effectRef idx="0">
+            <a:schemeClr val="accent1"/>
+          </a:effectRef>
+          <a:fontRef idx="minor">
+            <a:schemeClr val="tx1"/>
+          </a:fontRef>
+        </p:style>
+      </p:cxnSp>
+      <p:sp>
+        <p:nvSpPr>
+          <p:cNvPr id="160" name="テキスト ボックス 159"/>
+          <p:cNvSpPr txBox="1"/>
+          <p:nvPr/>
+        </p:nvSpPr>
+        <p:spPr>
+          <a:xfrm>
+            <a:off x="2442090" y="4234917"/>
+            <a:ext cx="569621" cy="253916"/>
+          </a:xfrm>
+          <a:prstGeom prst="rect">
+            <a:avLst/>
+          </a:prstGeom>
+          <a:noFill/>
+        </p:spPr>
+        <p:txBody>
+          <a:bodyPr wrap="square" rtlCol="0">
+            <a:spAutoFit/>
+          </a:bodyPr>
+          <a:lstStyle/>
+          <a:p>
+            <a:r>
+              <a:rPr lang="en-US" altLang="ja-JP" sz="1050" dirty="0">
+                <a:solidFill>
+                  <a:schemeClr val="tx1">
+                    <a:lumMod val="75000"/>
+                    <a:lumOff val="25000"/>
+                  </a:schemeClr>
+                </a:solidFill>
+              </a:rPr>
+              <a:t>S</a:t>
+            </a:r>
+            <a:r>
+              <a:rPr lang="en-US" altLang="ja-JP" sz="1050" dirty="0" smtClean="0">
+                <a:solidFill>
+                  <a:schemeClr val="tx1">
+                    <a:lumMod val="75000"/>
+                    <a:lumOff val="25000"/>
+                  </a:schemeClr>
+                </a:solidFill>
+              </a:rPr>
+              <a:t>earch</a:t>
+            </a:r>
+            <a:endParaRPr lang="en-US" altLang="ja-JP" sz="1050" dirty="0" smtClean="0">
+              <a:solidFill>
+                <a:schemeClr val="tx1">
+                  <a:lumMod val="75000"/>
+                  <a:lumOff val="25000"/>
+                </a:schemeClr>
+              </a:solidFill>
+            </a:endParaRPr>
+          </a:p>
+        </p:txBody>
+      </p:sp>
+      <p:sp>
+        <p:nvSpPr>
+          <p:cNvPr id="161" name="テキスト ボックス 160"/>
+          <p:cNvSpPr txBox="1"/>
+          <p:nvPr/>
+        </p:nvSpPr>
+        <p:spPr>
+          <a:xfrm>
+            <a:off x="3053447" y="4234877"/>
+            <a:ext cx="569621" cy="253916"/>
+          </a:xfrm>
+          <a:prstGeom prst="rect">
+            <a:avLst/>
+          </a:prstGeom>
+          <a:noFill/>
+        </p:spPr>
+        <p:txBody>
+          <a:bodyPr wrap="square" rtlCol="0">
+            <a:spAutoFit/>
+          </a:bodyPr>
+          <a:lstStyle/>
+          <a:p>
+            <a:r>
+              <a:rPr lang="en-US" altLang="ja-JP" sz="1050" dirty="0" smtClean="0">
+                <a:solidFill>
+                  <a:schemeClr val="tx1">
+                    <a:lumMod val="75000"/>
+                    <a:lumOff val="25000"/>
+                  </a:schemeClr>
+                </a:solidFill>
+              </a:rPr>
+              <a:t>result</a:t>
+            </a:r>
+            <a:endParaRPr lang="en-US" altLang="ja-JP" sz="1050" dirty="0" smtClean="0">
+              <a:solidFill>
+                <a:schemeClr val="tx1">
+                  <a:lumMod val="75000"/>
+                  <a:lumOff val="25000"/>
+                </a:schemeClr>
+              </a:solidFill>
+            </a:endParaRPr>
+          </a:p>
+        </p:txBody>
+      </p:sp>
+      <p:sp>
+        <p:nvSpPr>
+          <p:cNvPr id="162" name="円柱 161"/>
+          <p:cNvSpPr/>
+          <p:nvPr/>
+        </p:nvSpPr>
+        <p:spPr>
+          <a:xfrm>
+            <a:off x="1610916" y="4080681"/>
+            <a:ext cx="612068" cy="504511"/>
+          </a:xfrm>
+          <a:prstGeom prst="can">
+            <a:avLst/>
+          </a:prstGeom>
+          <a:solidFill>
+            <a:schemeClr val="bg2"/>
+          </a:solidFill>
+          <a:ln>
+            <a:solidFill>
+              <a:schemeClr val="tx1">
+                <a:lumMod val="75000"/>
+                <a:lumOff val="25000"/>
+              </a:schemeClr>
+            </a:solidFill>
+          </a:ln>
+        </p:spPr>
+        <p:style>
+          <a:lnRef idx="2">
+            <a:schemeClr val="accent1">
+              <a:shade val="50000"/>
+            </a:schemeClr>
+          </a:lnRef>
+          <a:fillRef idx="1">
+            <a:schemeClr val="accent1"/>
+          </a:fillRef>
+          <a:effectRef idx="0">
+            <a:schemeClr val="accent1"/>
+          </a:effectRef>
+          <a:fontRef idx="minor">
+            <a:schemeClr val="lt1"/>
+          </a:fontRef>
+        </p:style>
+        <p:txBody>
+          <a:bodyPr rtlCol="0" anchor="ctr"/>
+          <a:lstStyle/>
+          <a:p>
+            <a:pPr algn="ctr"/>
+            <a:r>
+              <a:rPr kumimoji="1" lang="en-US" altLang="ja-JP" sz="1200" dirty="0" smtClean="0">
+                <a:solidFill>
+                  <a:schemeClr val="tx1">
+                    <a:lumMod val="75000"/>
+                    <a:lumOff val="25000"/>
+                  </a:schemeClr>
+                </a:solidFill>
+              </a:rPr>
+              <a:t>Query</a:t>
+            </a:r>
+          </a:p>
+          <a:p>
+            <a:pPr algn="ctr"/>
+            <a:r>
+              <a:rPr lang="en-US" altLang="ja-JP" sz="1200" dirty="0" smtClean="0">
+                <a:solidFill>
+                  <a:schemeClr val="tx1">
+                    <a:lumMod val="75000"/>
+                    <a:lumOff val="25000"/>
+                  </a:schemeClr>
+                </a:solidFill>
+              </a:rPr>
+              <a:t>List</a:t>
+            </a:r>
+            <a:endParaRPr kumimoji="1" lang="ja-JP" altLang="en-US" sz="1200" dirty="0">
+              <a:solidFill>
+                <a:schemeClr val="tx1">
+                  <a:lumMod val="75000"/>
+                  <a:lumOff val="25000"/>
+                </a:schemeClr>
+              </a:solidFill>
+            </a:endParaRPr>
+          </a:p>
+        </p:txBody>
+      </p:sp>
+      <p:cxnSp>
+        <p:nvCxnSpPr>
+          <p:cNvPr id="163" name="カギ線コネクタ 162"/>
+          <p:cNvCxnSpPr>
+            <a:stCxn id="162" idx="1"/>
+          </p:cNvCxnSpPr>
+          <p:nvPr/>
+        </p:nvCxnSpPr>
+        <p:spPr>
+          <a:xfrm rot="5400000" flipH="1" flipV="1">
+            <a:off x="1750147" y="3708440"/>
+            <a:ext cx="539045" cy="205439"/>
+          </a:xfrm>
+          <a:prstGeom prst="bentConnector3">
+            <a:avLst>
+              <a:gd name="adj1" fmla="val 50000"/>
+            </a:avLst>
+          </a:prstGeom>
+          <a:ln w="12700">
+            <a:solidFill>
+              <a:schemeClr val="tx1">
+                <a:lumMod val="75000"/>
+                <a:lumOff val="25000"/>
+              </a:schemeClr>
+            </a:solidFill>
+            <a:headEnd type="arrow"/>
+            <a:tailEnd type="arrow"/>
+          </a:ln>
+        </p:spPr>
+        <p:style>
+          <a:lnRef idx="1">
+            <a:schemeClr val="accent1"/>
+          </a:lnRef>
+          <a:fillRef idx="0">
+            <a:schemeClr val="accent1"/>
+          </a:fillRef>
+          <a:effectRef idx="0">
+            <a:schemeClr val="accent1"/>
+          </a:effectRef>
+          <a:fontRef idx="minor">
+            <a:schemeClr val="tx1"/>
+          </a:fontRef>
+        </p:style>
+      </p:cxnSp>
+      <p:sp>
+        <p:nvSpPr>
+          <p:cNvPr id="164" name="テキスト ボックス 163"/>
+          <p:cNvSpPr txBox="1"/>
+          <p:nvPr/>
+        </p:nvSpPr>
+        <p:spPr>
+          <a:xfrm>
+            <a:off x="2222984" y="1588070"/>
+            <a:ext cx="897037" cy="738664"/>
+          </a:xfrm>
+          <a:prstGeom prst="rect">
+            <a:avLst/>
+          </a:prstGeom>
+          <a:noFill/>
+        </p:spPr>
+        <p:txBody>
+          <a:bodyPr wrap="square" rtlCol="0">
+            <a:spAutoFit/>
+          </a:bodyPr>
+          <a:lstStyle/>
+          <a:p>
+            <a:r>
+              <a:rPr lang="ja-JP" altLang="en-US" sz="1050" dirty="0" smtClean="0">
+                <a:solidFill>
+                  <a:schemeClr val="tx1">
+                    <a:lumMod val="75000"/>
+                    <a:lumOff val="25000"/>
+                  </a:schemeClr>
+                </a:solidFill>
+              </a:rPr>
+              <a:t>・</a:t>
+            </a:r>
+            <a:r>
+              <a:rPr lang="en-US" altLang="ja-JP" sz="1050" dirty="0" smtClean="0">
+                <a:solidFill>
+                  <a:schemeClr val="tx1">
+                    <a:lumMod val="75000"/>
+                    <a:lumOff val="25000"/>
+                  </a:schemeClr>
+                </a:solidFill>
+              </a:rPr>
+              <a:t>query a</a:t>
+            </a:r>
+          </a:p>
+          <a:p>
+            <a:r>
+              <a:rPr lang="ja-JP" altLang="en-US" sz="1050" dirty="0" smtClean="0">
+                <a:solidFill>
+                  <a:schemeClr val="tx1">
+                    <a:lumMod val="75000"/>
+                    <a:lumOff val="25000"/>
+                  </a:schemeClr>
+                </a:solidFill>
+              </a:rPr>
+              <a:t>・</a:t>
+            </a:r>
+            <a:r>
+              <a:rPr lang="en-US" altLang="ja-JP" sz="1050" dirty="0" smtClean="0">
+                <a:solidFill>
+                  <a:schemeClr val="tx1">
+                    <a:lumMod val="75000"/>
+                    <a:lumOff val="25000"/>
+                  </a:schemeClr>
+                </a:solidFill>
+              </a:rPr>
+              <a:t>query b</a:t>
+            </a:r>
+          </a:p>
+          <a:p>
+            <a:r>
+              <a:rPr lang="ja-JP" altLang="en-US" sz="1050" dirty="0">
+                <a:solidFill>
+                  <a:schemeClr val="tx1">
+                    <a:lumMod val="75000"/>
+                    <a:lumOff val="25000"/>
+                  </a:schemeClr>
+                </a:solidFill>
+              </a:rPr>
+              <a:t>・</a:t>
+            </a:r>
+            <a:r>
+              <a:rPr lang="en-US" altLang="ja-JP" sz="1050" dirty="0">
+                <a:solidFill>
+                  <a:schemeClr val="tx1">
+                    <a:lumMod val="75000"/>
+                    <a:lumOff val="25000"/>
+                  </a:schemeClr>
+                </a:solidFill>
+              </a:rPr>
+              <a:t>query </a:t>
+            </a:r>
+            <a:r>
+              <a:rPr lang="en-US" altLang="ja-JP" sz="1050" dirty="0" smtClean="0">
+                <a:solidFill>
+                  <a:schemeClr val="tx1">
+                    <a:lumMod val="75000"/>
+                    <a:lumOff val="25000"/>
+                  </a:schemeClr>
+                </a:solidFill>
+              </a:rPr>
+              <a:t>c</a:t>
+            </a:r>
+            <a:endParaRPr lang="en-US" altLang="ja-JP" sz="1050" dirty="0">
+              <a:solidFill>
+                <a:schemeClr val="tx1">
+                  <a:lumMod val="75000"/>
+                  <a:lumOff val="25000"/>
+                </a:schemeClr>
+              </a:solidFill>
+            </a:endParaRPr>
+          </a:p>
+          <a:p>
+            <a:r>
+              <a:rPr lang="ja-JP" altLang="en-US" sz="1050" dirty="0">
+                <a:solidFill>
+                  <a:schemeClr val="tx1">
+                    <a:lumMod val="75000"/>
+                    <a:lumOff val="25000"/>
+                  </a:schemeClr>
+                </a:solidFill>
+              </a:rPr>
+              <a:t>・ </a:t>
+            </a:r>
+            <a:r>
+              <a:rPr lang="en-US" altLang="ja-JP" sz="1050" dirty="0" smtClean="0">
+                <a:solidFill>
+                  <a:schemeClr val="tx1">
+                    <a:lumMod val="75000"/>
+                    <a:lumOff val="25000"/>
+                  </a:schemeClr>
+                </a:solidFill>
+              </a:rPr>
+              <a:t>…</a:t>
+            </a:r>
+            <a:endParaRPr lang="en-US" altLang="ja-JP" sz="1050" dirty="0" smtClean="0">
+              <a:solidFill>
+                <a:schemeClr val="tx1">
+                  <a:lumMod val="75000"/>
+                  <a:lumOff val="25000"/>
+                </a:schemeClr>
+              </a:solidFill>
+            </a:endParaRPr>
+          </a:p>
+        </p:txBody>
+      </p:sp>
+      <p:sp>
+        <p:nvSpPr>
+          <p:cNvPr id="165" name="円柱 164"/>
+          <p:cNvSpPr/>
+          <p:nvPr/>
+        </p:nvSpPr>
+        <p:spPr>
+          <a:xfrm>
+            <a:off x="3649484" y="4110936"/>
+            <a:ext cx="881504" cy="504511"/>
+          </a:xfrm>
+          <a:prstGeom prst="can">
+            <a:avLst/>
+          </a:prstGeom>
+          <a:solidFill>
+            <a:schemeClr val="bg2"/>
+          </a:solidFill>
+          <a:ln>
+            <a:solidFill>
+              <a:schemeClr val="tx1">
+                <a:lumMod val="75000"/>
+                <a:lumOff val="25000"/>
+              </a:schemeClr>
+            </a:solidFill>
+          </a:ln>
+        </p:spPr>
+        <p:style>
+          <a:lnRef idx="2">
+            <a:schemeClr val="accent1">
+              <a:shade val="50000"/>
+            </a:schemeClr>
+          </a:lnRef>
+          <a:fillRef idx="1">
+            <a:schemeClr val="accent1"/>
+          </a:fillRef>
+          <a:effectRef idx="0">
+            <a:schemeClr val="accent1"/>
+          </a:effectRef>
+          <a:fontRef idx="minor">
+            <a:schemeClr val="lt1"/>
+          </a:fontRef>
+        </p:style>
+        <p:txBody>
+          <a:bodyPr rtlCol="0" anchor="ctr"/>
+          <a:lstStyle/>
+          <a:p>
+            <a:pPr algn="ctr"/>
+            <a:r>
+              <a:rPr kumimoji="1" lang="en-US" altLang="ja-JP" sz="1200" dirty="0" smtClean="0">
+                <a:solidFill>
+                  <a:schemeClr val="tx1">
+                    <a:lumMod val="75000"/>
+                    <a:lumOff val="25000"/>
+                  </a:schemeClr>
+                </a:solidFill>
+              </a:rPr>
+              <a:t>Annotation</a:t>
+            </a:r>
+          </a:p>
+          <a:p>
+            <a:pPr algn="ctr"/>
+            <a:r>
+              <a:rPr lang="en-US" altLang="ja-JP" sz="1200" dirty="0" smtClean="0">
+                <a:solidFill>
+                  <a:schemeClr val="tx1">
+                    <a:lumMod val="75000"/>
+                    <a:lumOff val="25000"/>
+                  </a:schemeClr>
+                </a:solidFill>
+              </a:rPr>
+              <a:t>Data</a:t>
+            </a:r>
+            <a:endParaRPr kumimoji="1" lang="ja-JP" altLang="en-US" sz="1200" dirty="0">
+              <a:solidFill>
+                <a:schemeClr val="tx1">
+                  <a:lumMod val="75000"/>
+                  <a:lumOff val="25000"/>
+                </a:schemeClr>
+              </a:solidFill>
+            </a:endParaRPr>
+          </a:p>
+        </p:txBody>
+      </p:sp>
+      <p:cxnSp>
+        <p:nvCxnSpPr>
+          <p:cNvPr id="167" name="カギ線コネクタ 166"/>
+          <p:cNvCxnSpPr>
+            <a:stCxn id="165" idx="1"/>
+            <a:endCxn id="82" idx="2"/>
+          </p:cNvCxnSpPr>
+          <p:nvPr/>
+        </p:nvCxnSpPr>
+        <p:spPr>
+          <a:xfrm rot="16200000" flipV="1">
+            <a:off x="3393109" y="3413809"/>
+            <a:ext cx="569302" cy="824952"/>
+          </a:xfrm>
+          <a:prstGeom prst="bentConnector3">
+            <a:avLst>
+              <a:gd name="adj1" fmla="val 50000"/>
+            </a:avLst>
+          </a:prstGeom>
+          <a:ln w="12700">
+            <a:solidFill>
+              <a:schemeClr val="tx1">
+                <a:lumMod val="75000"/>
+                <a:lumOff val="25000"/>
+              </a:schemeClr>
+            </a:solidFill>
+            <a:headEnd type="arrow"/>
+            <a:tailEnd type="none"/>
+          </a:ln>
+        </p:spPr>
+        <p:style>
+          <a:lnRef idx="1">
+            <a:schemeClr val="accent1"/>
+          </a:lnRef>
+          <a:fillRef idx="0">
+            <a:schemeClr val="accent1"/>
+          </a:fillRef>
+          <a:effectRef idx="0">
+            <a:schemeClr val="accent1"/>
+          </a:effectRef>
+          <a:fontRef idx="minor">
+            <a:schemeClr val="tx1"/>
+          </a:fontRef>
+        </p:style>
+      </p:cxnSp>
+      <p:cxnSp>
+        <p:nvCxnSpPr>
+          <p:cNvPr id="168" name="カギ線コネクタ 167"/>
+          <p:cNvCxnSpPr>
+            <a:stCxn id="82" idx="3"/>
+            <a:endCxn id="83" idx="1"/>
+          </p:cNvCxnSpPr>
+          <p:nvPr/>
+        </p:nvCxnSpPr>
+        <p:spPr>
+          <a:xfrm flipV="1">
+            <a:off x="3895106" y="3273990"/>
+            <a:ext cx="625605" cy="1404"/>
+          </a:xfrm>
+          <a:prstGeom prst="bentConnector3">
+            <a:avLst>
+              <a:gd name="adj1" fmla="val 50000"/>
+            </a:avLst>
+          </a:prstGeom>
+          <a:ln w="15875">
+            <a:solidFill>
+              <a:schemeClr val="tx1">
+                <a:lumMod val="75000"/>
+                <a:lumOff val="25000"/>
+              </a:schemeClr>
+            </a:solidFill>
+            <a:tailEnd type="arrow"/>
+          </a:ln>
+        </p:spPr>
+        <p:style>
+          <a:lnRef idx="1">
+            <a:schemeClr val="accent1"/>
+          </a:lnRef>
+          <a:fillRef idx="0">
+            <a:schemeClr val="accent1"/>
+          </a:fillRef>
+          <a:effectRef idx="0">
+            <a:schemeClr val="accent1"/>
+          </a:effectRef>
+          <a:fontRef idx="minor">
+            <a:schemeClr val="tx1"/>
+          </a:fontRef>
+        </p:style>
+      </p:cxnSp>
+      <p:sp>
+        <p:nvSpPr>
+          <p:cNvPr id="169" name="テキスト ボックス 168"/>
+          <p:cNvSpPr txBox="1"/>
+          <p:nvPr/>
+        </p:nvSpPr>
+        <p:spPr>
+          <a:xfrm>
+            <a:off x="3771209" y="2570455"/>
+            <a:ext cx="1152128" cy="338554"/>
+          </a:xfrm>
+          <a:prstGeom prst="rect">
+            <a:avLst/>
+          </a:prstGeom>
+          <a:noFill/>
+        </p:spPr>
+        <p:txBody>
+          <a:bodyPr wrap="square" rtlCol="0">
+            <a:spAutoFit/>
+          </a:bodyPr>
+          <a:lstStyle/>
+          <a:p>
+            <a:r>
+              <a:rPr lang="en-US" altLang="ja-JP" sz="1600" b="1" dirty="0" smtClean="0">
+                <a:solidFill>
+                  <a:schemeClr val="tx1">
+                    <a:lumMod val="75000"/>
+                    <a:lumOff val="25000"/>
+                  </a:schemeClr>
+                </a:solidFill>
+              </a:rPr>
+              <a:t>NLP4L-LTR </a:t>
+            </a:r>
+            <a:endParaRPr lang="en-US" altLang="ja-JP" sz="1600" b="1" dirty="0" smtClean="0">
+              <a:solidFill>
+                <a:schemeClr val="tx1">
+                  <a:lumMod val="75000"/>
+                  <a:lumOff val="25000"/>
+                </a:schemeClr>
+              </a:solidFill>
+            </a:endParaRPr>
+          </a:p>
+        </p:txBody>
+      </p:sp>
+      <p:sp>
+        <p:nvSpPr>
+          <p:cNvPr id="170" name="テキスト ボックス 169"/>
+          <p:cNvSpPr txBox="1"/>
+          <p:nvPr/>
+        </p:nvSpPr>
+        <p:spPr>
+          <a:xfrm>
+            <a:off x="3322560" y="3589160"/>
+            <a:ext cx="2302919" cy="415498"/>
+          </a:xfrm>
+          <a:prstGeom prst="rect">
+            <a:avLst/>
+          </a:prstGeom>
+          <a:noFill/>
+        </p:spPr>
+        <p:txBody>
+          <a:bodyPr wrap="square" rtlCol="0">
+            <a:spAutoFit/>
+          </a:bodyPr>
+          <a:lstStyle/>
+          <a:p>
+            <a:r>
+              <a:rPr lang="en-US" altLang="ja-JP" sz="1050" dirty="0" smtClean="0">
+                <a:solidFill>
+                  <a:schemeClr val="tx1">
+                    <a:lumMod val="75000"/>
+                    <a:lumOff val="25000"/>
+                  </a:schemeClr>
+                </a:solidFill>
+              </a:rPr>
+              <a:t>Evaluate result </a:t>
+            </a:r>
+          </a:p>
+          <a:p>
+            <a:r>
+              <a:rPr lang="en-US" altLang="ja-JP" sz="1050" dirty="0" smtClean="0">
+                <a:solidFill>
+                  <a:schemeClr val="tx1">
+                    <a:lumMod val="75000"/>
+                    <a:lumOff val="25000"/>
+                  </a:schemeClr>
+                </a:solidFill>
+              </a:rPr>
+              <a:t>and  save annotation</a:t>
+            </a:r>
+            <a:endParaRPr lang="en-US" altLang="ja-JP" sz="1050" dirty="0" smtClean="0">
+              <a:solidFill>
+                <a:schemeClr val="tx1">
+                  <a:lumMod val="75000"/>
+                  <a:lumOff val="25000"/>
+                </a:schemeClr>
+              </a:solidFill>
+            </a:endParaRPr>
+          </a:p>
+        </p:txBody>
+      </p:sp>
+      <p:sp>
+        <p:nvSpPr>
+          <p:cNvPr id="171" name="角丸四角形 170"/>
+          <p:cNvSpPr/>
+          <p:nvPr/>
+        </p:nvSpPr>
+        <p:spPr>
+          <a:xfrm>
+            <a:off x="4053534" y="4957232"/>
+            <a:ext cx="1571945" cy="407785"/>
+          </a:xfrm>
+          <a:prstGeom prst="roundRect">
+            <a:avLst/>
+          </a:prstGeom>
+          <a:solidFill>
+            <a:schemeClr val="accent3">
+              <a:lumMod val="20000"/>
+              <a:lumOff val="80000"/>
+            </a:schemeClr>
+          </a:solidFill>
+          <a:ln w="9525">
+            <a:solidFill>
+              <a:schemeClr val="tx1">
+                <a:lumMod val="75000"/>
+                <a:lumOff val="25000"/>
+              </a:schemeClr>
+            </a:solidFill>
+          </a:ln>
+        </p:spPr>
+        <p:style>
+          <a:lnRef idx="2">
+            <a:schemeClr val="accent1">
+              <a:shade val="50000"/>
+            </a:schemeClr>
+          </a:lnRef>
+          <a:fillRef idx="1">
+            <a:schemeClr val="accent1"/>
+          </a:fillRef>
+          <a:effectRef idx="0">
+            <a:schemeClr val="accent1"/>
+          </a:effectRef>
+          <a:fontRef idx="minor">
+            <a:schemeClr val="lt1"/>
+          </a:fontRef>
+        </p:style>
+        <p:txBody>
+          <a:bodyPr rot="0" spcFirstLastPara="0" vertOverflow="overflow" horzOverflow="overflow" vert="horz" wrap="square" lIns="91440" tIns="45720" rIns="91440" bIns="45720" numCol="1" spcCol="0" rtlCol="0" fromWordArt="0" anchor="ctr" anchorCtr="0" forceAA="0" compatLnSpc="1">
+            <a:prstTxWarp prst="textNoShape">
+              <a:avLst/>
+            </a:prstTxWarp>
+            <a:noAutofit/>
+          </a:bodyPr>
+          <a:lstStyle/>
+          <a:p>
+            <a:pPr algn="ctr"/>
+            <a:r>
+              <a:rPr kumimoji="1" lang="en-US" altLang="ja-JP" sz="1400" dirty="0" smtClean="0">
+                <a:solidFill>
+                  <a:schemeClr val="tx1">
+                    <a:lumMod val="75000"/>
+                    <a:lumOff val="25000"/>
+                  </a:schemeClr>
+                </a:solidFill>
+              </a:rPr>
+              <a:t>LTR Feature extraction module</a:t>
+            </a:r>
+            <a:endParaRPr kumimoji="1" lang="en-US" altLang="ja-JP" sz="1400" dirty="0" smtClean="0">
+              <a:solidFill>
+                <a:schemeClr val="tx1">
+                  <a:lumMod val="75000"/>
+                  <a:lumOff val="25000"/>
+                </a:schemeClr>
+              </a:solidFill>
+            </a:endParaRPr>
+          </a:p>
+        </p:txBody>
+      </p:sp>
+      <p:sp>
+        <p:nvSpPr>
+          <p:cNvPr id="172" name="角丸四角形 171"/>
+          <p:cNvSpPr/>
+          <p:nvPr/>
+        </p:nvSpPr>
+        <p:spPr>
+          <a:xfrm>
+            <a:off x="5932409" y="5294026"/>
+            <a:ext cx="1571945" cy="407785"/>
+          </a:xfrm>
+          <a:prstGeom prst="roundRect">
+            <a:avLst/>
+          </a:prstGeom>
+          <a:solidFill>
+            <a:schemeClr val="accent3">
+              <a:lumMod val="20000"/>
+              <a:lumOff val="80000"/>
+            </a:schemeClr>
+          </a:solidFill>
+          <a:ln w="9525">
+            <a:solidFill>
+              <a:schemeClr val="tx1">
+                <a:lumMod val="75000"/>
+                <a:lumOff val="25000"/>
+              </a:schemeClr>
+            </a:solidFill>
+          </a:ln>
+        </p:spPr>
+        <p:style>
+          <a:lnRef idx="2">
+            <a:schemeClr val="accent1">
+              <a:shade val="50000"/>
+            </a:schemeClr>
+          </a:lnRef>
+          <a:fillRef idx="1">
+            <a:schemeClr val="accent1"/>
+          </a:fillRef>
+          <a:effectRef idx="0">
+            <a:schemeClr val="accent1"/>
+          </a:effectRef>
+          <a:fontRef idx="minor">
+            <a:schemeClr val="lt1"/>
+          </a:fontRef>
+        </p:style>
+        <p:txBody>
+          <a:bodyPr rot="0" spcFirstLastPara="0" vertOverflow="overflow" horzOverflow="overflow" vert="horz" wrap="square" lIns="91440" tIns="45720" rIns="91440" bIns="45720" numCol="1" spcCol="0" rtlCol="0" fromWordArt="0" anchor="ctr" anchorCtr="0" forceAA="0" compatLnSpc="1">
+            <a:prstTxWarp prst="textNoShape">
+              <a:avLst/>
+            </a:prstTxWarp>
+            <a:noAutofit/>
+          </a:bodyPr>
+          <a:lstStyle/>
+          <a:p>
+            <a:pPr algn="ctr"/>
+            <a:r>
+              <a:rPr kumimoji="1" lang="en-US" altLang="ja-JP" sz="1400" dirty="0" smtClean="0">
+                <a:solidFill>
+                  <a:schemeClr val="tx1">
+                    <a:lumMod val="75000"/>
+                    <a:lumOff val="25000"/>
+                  </a:schemeClr>
+                </a:solidFill>
+              </a:rPr>
+              <a:t>LTR </a:t>
+            </a:r>
+            <a:r>
+              <a:rPr kumimoji="1" lang="en-US" altLang="ja-JP" sz="1400" dirty="0" err="1" smtClean="0">
+                <a:solidFill>
+                  <a:schemeClr val="tx1">
+                    <a:lumMod val="75000"/>
+                    <a:lumOff val="25000"/>
+                  </a:schemeClr>
+                </a:solidFill>
+              </a:rPr>
+              <a:t>ReRank</a:t>
+            </a:r>
+            <a:r>
+              <a:rPr kumimoji="1" lang="en-US" altLang="ja-JP" sz="1400" dirty="0" smtClean="0">
+                <a:solidFill>
+                  <a:schemeClr val="tx1">
+                    <a:lumMod val="75000"/>
+                    <a:lumOff val="25000"/>
+                  </a:schemeClr>
+                </a:solidFill>
+              </a:rPr>
+              <a:t> module</a:t>
+            </a:r>
+            <a:endParaRPr kumimoji="1" lang="en-US" altLang="ja-JP" sz="1400" dirty="0" smtClean="0">
+              <a:solidFill>
+                <a:schemeClr val="tx1">
+                  <a:lumMod val="75000"/>
+                  <a:lumOff val="25000"/>
+                </a:schemeClr>
+              </a:solidFill>
+            </a:endParaRPr>
+          </a:p>
+        </p:txBody>
+      </p:sp>
+      <p:grpSp>
+        <p:nvGrpSpPr>
+          <p:cNvPr id="239" name="グループ化 238"/>
+          <p:cNvGrpSpPr/>
+          <p:nvPr/>
+        </p:nvGrpSpPr>
+        <p:grpSpPr>
+          <a:xfrm>
+            <a:off x="2928483" y="3521339"/>
+            <a:ext cx="191538" cy="1511985"/>
+            <a:chOff x="2928483" y="3526950"/>
+            <a:chExt cx="191538" cy="1426864"/>
+          </a:xfrm>
+        </p:grpSpPr>
+        <p:cxnSp>
+          <p:nvCxnSpPr>
+            <p:cNvPr id="158" name="カギ線コネクタ 157"/>
+            <p:cNvCxnSpPr/>
+            <p:nvPr/>
+          </p:nvCxnSpPr>
+          <p:spPr>
+            <a:xfrm rot="5400000">
+              <a:off x="2224356" y="4245761"/>
+              <a:ext cx="1408256" cy="2"/>
+            </a:xfrm>
+            <a:prstGeom prst="bentConnector3">
+              <a:avLst>
+                <a:gd name="adj1" fmla="val 50000"/>
+              </a:avLst>
+            </a:prstGeom>
+            <a:ln w="15875">
+              <a:solidFill>
+                <a:schemeClr val="tx1">
+                  <a:lumMod val="75000"/>
+                  <a:lumOff val="25000"/>
+                </a:schemeClr>
+              </a:solidFill>
+              <a:tailEnd type="none"/>
+            </a:ln>
+          </p:spPr>
+          <p:style>
+            <a:lnRef idx="1">
+              <a:schemeClr val="accent1"/>
+            </a:lnRef>
+            <a:fillRef idx="0">
+              <a:schemeClr val="accent1"/>
+            </a:fillRef>
+            <a:effectRef idx="0">
+              <a:schemeClr val="accent1"/>
+            </a:effectRef>
+            <a:fontRef idx="minor">
+              <a:schemeClr val="tx1"/>
+            </a:fontRef>
+          </p:style>
+        </p:cxnSp>
+        <p:cxnSp>
+          <p:nvCxnSpPr>
+            <p:cNvPr id="159" name="カギ線コネクタ 158"/>
+            <p:cNvCxnSpPr/>
+            <p:nvPr/>
+          </p:nvCxnSpPr>
+          <p:spPr>
+            <a:xfrm rot="5400000">
+              <a:off x="2406046" y="4238419"/>
+              <a:ext cx="1422940" cy="2"/>
+            </a:xfrm>
+            <a:prstGeom prst="bentConnector3">
+              <a:avLst>
+                <a:gd name="adj1" fmla="val 50000"/>
+              </a:avLst>
+            </a:prstGeom>
+            <a:ln w="15875">
+              <a:solidFill>
+                <a:schemeClr val="tx1">
+                  <a:lumMod val="75000"/>
+                  <a:lumOff val="25000"/>
+                </a:schemeClr>
+              </a:solidFill>
+              <a:headEnd type="arrow"/>
+              <a:tailEnd type="none"/>
+            </a:ln>
+          </p:spPr>
+          <p:style>
+            <a:lnRef idx="1">
+              <a:schemeClr val="accent1"/>
+            </a:lnRef>
+            <a:fillRef idx="0">
+              <a:schemeClr val="accent1"/>
+            </a:fillRef>
+            <a:effectRef idx="0">
+              <a:schemeClr val="accent1"/>
+            </a:effectRef>
+            <a:fontRef idx="minor">
+              <a:schemeClr val="tx1"/>
+            </a:fontRef>
+          </p:style>
+        </p:cxnSp>
+        <p:cxnSp>
+          <p:nvCxnSpPr>
+            <p:cNvPr id="93" name="直線コネクタ 92"/>
+            <p:cNvCxnSpPr/>
+            <p:nvPr/>
+          </p:nvCxnSpPr>
+          <p:spPr>
+            <a:xfrm>
+              <a:off x="2928483" y="4953814"/>
+              <a:ext cx="191538" cy="0"/>
+            </a:xfrm>
+            <a:prstGeom prst="line">
+              <a:avLst/>
+            </a:prstGeom>
+            <a:ln w="15875">
+              <a:solidFill>
+                <a:schemeClr val="tx1">
+                  <a:lumMod val="75000"/>
+                  <a:lumOff val="25000"/>
+                </a:schemeClr>
+              </a:solidFill>
+            </a:ln>
+          </p:spPr>
+          <p:style>
+            <a:lnRef idx="1">
+              <a:schemeClr val="accent1"/>
+            </a:lnRef>
+            <a:fillRef idx="0">
+              <a:schemeClr val="accent1"/>
+            </a:fillRef>
+            <a:effectRef idx="0">
+              <a:schemeClr val="accent1"/>
+            </a:effectRef>
+            <a:fontRef idx="minor">
+              <a:schemeClr val="tx1"/>
+            </a:fontRef>
+          </p:style>
+        </p:cxnSp>
+      </p:grpSp>
+      <p:cxnSp>
+        <p:nvCxnSpPr>
+          <p:cNvPr id="190" name="カギ線コネクタ 189"/>
+          <p:cNvCxnSpPr>
+            <a:stCxn id="83" idx="3"/>
+            <a:endCxn id="84" idx="1"/>
+          </p:cNvCxnSpPr>
+          <p:nvPr/>
+        </p:nvCxnSpPr>
+        <p:spPr>
+          <a:xfrm flipV="1">
+            <a:off x="5777299" y="3272902"/>
+            <a:ext cx="394344" cy="1088"/>
+          </a:xfrm>
+          <a:prstGeom prst="bentConnector3">
+            <a:avLst>
+              <a:gd name="adj1" fmla="val 50000"/>
+            </a:avLst>
+          </a:prstGeom>
+          <a:ln w="15875">
+            <a:solidFill>
+              <a:schemeClr val="tx1">
+                <a:lumMod val="75000"/>
+                <a:lumOff val="25000"/>
+              </a:schemeClr>
+            </a:solidFill>
+            <a:tailEnd type="arrow"/>
+          </a:ln>
+        </p:spPr>
+        <p:style>
+          <a:lnRef idx="1">
+            <a:schemeClr val="accent1"/>
+          </a:lnRef>
+          <a:fillRef idx="0">
+            <a:schemeClr val="accent1"/>
+          </a:fillRef>
+          <a:effectRef idx="0">
+            <a:schemeClr val="accent1"/>
+          </a:effectRef>
+          <a:fontRef idx="minor">
+            <a:schemeClr val="tx1"/>
+          </a:fontRef>
+        </p:style>
+      </p:cxnSp>
+      <p:cxnSp>
+        <p:nvCxnSpPr>
+          <p:cNvPr id="201" name="カギ線コネクタ 200"/>
+          <p:cNvCxnSpPr/>
+          <p:nvPr/>
+        </p:nvCxnSpPr>
+        <p:spPr>
+          <a:xfrm rot="5400000">
+            <a:off x="4030178" y="4253103"/>
+            <a:ext cx="1408256" cy="2"/>
+          </a:xfrm>
+          <a:prstGeom prst="bentConnector3">
+            <a:avLst>
+              <a:gd name="adj1" fmla="val 50000"/>
+            </a:avLst>
+          </a:prstGeom>
+          <a:ln w="15875">
+            <a:solidFill>
+              <a:schemeClr val="tx1">
+                <a:lumMod val="75000"/>
+                <a:lumOff val="25000"/>
+              </a:schemeClr>
+            </a:solidFill>
+            <a:tailEnd type="none"/>
+          </a:ln>
+        </p:spPr>
+        <p:style>
+          <a:lnRef idx="1">
+            <a:schemeClr val="accent1"/>
+          </a:lnRef>
+          <a:fillRef idx="0">
+            <a:schemeClr val="accent1"/>
+          </a:fillRef>
+          <a:effectRef idx="0">
+            <a:schemeClr val="accent1"/>
+          </a:effectRef>
+          <a:fontRef idx="minor">
+            <a:schemeClr val="tx1"/>
+          </a:fontRef>
+        </p:style>
+      </p:cxnSp>
+      <p:cxnSp>
+        <p:nvCxnSpPr>
+          <p:cNvPr id="202" name="カギ線コネクタ 201"/>
+          <p:cNvCxnSpPr/>
+          <p:nvPr/>
+        </p:nvCxnSpPr>
+        <p:spPr>
+          <a:xfrm rot="5400000">
+            <a:off x="4211868" y="4245761"/>
+            <a:ext cx="1422940" cy="2"/>
+          </a:xfrm>
+          <a:prstGeom prst="bentConnector3">
+            <a:avLst>
+              <a:gd name="adj1" fmla="val 50000"/>
+            </a:avLst>
+          </a:prstGeom>
+          <a:ln w="15875">
+            <a:solidFill>
+              <a:schemeClr val="tx1">
+                <a:lumMod val="75000"/>
+                <a:lumOff val="25000"/>
+              </a:schemeClr>
+            </a:solidFill>
+            <a:headEnd type="arrow"/>
+            <a:tailEnd type="none"/>
+          </a:ln>
+        </p:spPr>
+        <p:style>
+          <a:lnRef idx="1">
+            <a:schemeClr val="accent1"/>
+          </a:lnRef>
+          <a:fillRef idx="0">
+            <a:schemeClr val="accent1"/>
+          </a:fillRef>
+          <a:effectRef idx="0">
+            <a:schemeClr val="accent1"/>
+          </a:effectRef>
+          <a:fontRef idx="minor">
+            <a:schemeClr val="tx1"/>
+          </a:fontRef>
+        </p:style>
+      </p:cxnSp>
+      <p:cxnSp>
+        <p:nvCxnSpPr>
+          <p:cNvPr id="203" name="直線コネクタ 202"/>
+          <p:cNvCxnSpPr/>
+          <p:nvPr/>
+        </p:nvCxnSpPr>
+        <p:spPr>
+          <a:xfrm>
+            <a:off x="4734305" y="4957232"/>
+            <a:ext cx="191538" cy="0"/>
+          </a:xfrm>
+          <a:prstGeom prst="line">
+            <a:avLst/>
+          </a:prstGeom>
+          <a:ln w="15875">
+            <a:solidFill>
+              <a:schemeClr val="tx1">
+                <a:lumMod val="75000"/>
+                <a:lumOff val="25000"/>
+              </a:schemeClr>
+            </a:solidFill>
+          </a:ln>
+        </p:spPr>
+        <p:style>
+          <a:lnRef idx="1">
+            <a:schemeClr val="accent1"/>
+          </a:lnRef>
+          <a:fillRef idx="0">
+            <a:schemeClr val="accent1"/>
+          </a:fillRef>
+          <a:effectRef idx="0">
+            <a:schemeClr val="accent1"/>
+          </a:effectRef>
+          <a:fontRef idx="minor">
+            <a:schemeClr val="tx1"/>
+          </a:fontRef>
+        </p:style>
+      </p:cxnSp>
+      <p:sp>
+        <p:nvSpPr>
+          <p:cNvPr id="210" name="円柱 209"/>
+          <p:cNvSpPr/>
+          <p:nvPr/>
+        </p:nvSpPr>
+        <p:spPr>
+          <a:xfrm>
+            <a:off x="5276385" y="4118087"/>
+            <a:ext cx="881504" cy="504511"/>
+          </a:xfrm>
+          <a:prstGeom prst="can">
+            <a:avLst/>
+          </a:prstGeom>
+          <a:solidFill>
+            <a:schemeClr val="bg2"/>
+          </a:solidFill>
+          <a:ln>
+            <a:solidFill>
+              <a:schemeClr val="tx1">
+                <a:lumMod val="75000"/>
+                <a:lumOff val="25000"/>
+              </a:schemeClr>
+            </a:solidFill>
+          </a:ln>
+        </p:spPr>
+        <p:style>
+          <a:lnRef idx="2">
+            <a:schemeClr val="accent1">
+              <a:shade val="50000"/>
+            </a:schemeClr>
+          </a:lnRef>
+          <a:fillRef idx="1">
+            <a:schemeClr val="accent1"/>
+          </a:fillRef>
+          <a:effectRef idx="0">
+            <a:schemeClr val="accent1"/>
+          </a:effectRef>
+          <a:fontRef idx="minor">
+            <a:schemeClr val="lt1"/>
+          </a:fontRef>
+        </p:style>
+        <p:txBody>
+          <a:bodyPr rtlCol="0" anchor="ctr"/>
+          <a:lstStyle/>
+          <a:p>
+            <a:pPr algn="ctr"/>
+            <a:r>
+              <a:rPr lang="en-US" altLang="ja-JP" sz="1200" dirty="0">
+                <a:solidFill>
+                  <a:schemeClr val="tx1">
+                    <a:lumMod val="75000"/>
+                    <a:lumOff val="25000"/>
+                  </a:schemeClr>
+                </a:solidFill>
+              </a:rPr>
+              <a:t>F</a:t>
+            </a:r>
+            <a:r>
+              <a:rPr kumimoji="1" lang="en-US" altLang="ja-JP" sz="1200" dirty="0" smtClean="0">
+                <a:solidFill>
+                  <a:schemeClr val="tx1">
+                    <a:lumMod val="75000"/>
+                    <a:lumOff val="25000"/>
+                  </a:schemeClr>
+                </a:solidFill>
+              </a:rPr>
+              <a:t>eature</a:t>
+            </a:r>
+          </a:p>
+          <a:p>
+            <a:pPr algn="ctr"/>
+            <a:r>
+              <a:rPr lang="en-US" altLang="ja-JP" sz="1200" dirty="0" smtClean="0">
+                <a:solidFill>
+                  <a:schemeClr val="tx1">
+                    <a:lumMod val="75000"/>
+                    <a:lumOff val="25000"/>
+                  </a:schemeClr>
+                </a:solidFill>
+              </a:rPr>
+              <a:t>Data</a:t>
+            </a:r>
+            <a:endParaRPr kumimoji="1" lang="ja-JP" altLang="en-US" sz="1200" dirty="0">
+              <a:solidFill>
+                <a:schemeClr val="tx1">
+                  <a:lumMod val="75000"/>
+                  <a:lumOff val="25000"/>
+                </a:schemeClr>
+              </a:solidFill>
+            </a:endParaRPr>
+          </a:p>
+        </p:txBody>
+      </p:sp>
+      <p:cxnSp>
+        <p:nvCxnSpPr>
+          <p:cNvPr id="211" name="カギ線コネクタ 210"/>
+          <p:cNvCxnSpPr>
+            <a:stCxn id="210" idx="1"/>
+          </p:cNvCxnSpPr>
+          <p:nvPr/>
+        </p:nvCxnSpPr>
+        <p:spPr>
+          <a:xfrm rot="16200000" flipV="1">
+            <a:off x="5194412" y="3595362"/>
+            <a:ext cx="604699" cy="440752"/>
+          </a:xfrm>
+          <a:prstGeom prst="bentConnector3">
+            <a:avLst>
+              <a:gd name="adj1" fmla="val 50000"/>
+            </a:avLst>
+          </a:prstGeom>
+          <a:ln w="12700">
+            <a:solidFill>
+              <a:schemeClr val="tx1">
+                <a:lumMod val="75000"/>
+                <a:lumOff val="25000"/>
+              </a:schemeClr>
+            </a:solidFill>
+            <a:headEnd type="arrow"/>
+            <a:tailEnd type="none"/>
+          </a:ln>
+        </p:spPr>
+        <p:style>
+          <a:lnRef idx="1">
+            <a:schemeClr val="accent1"/>
+          </a:lnRef>
+          <a:fillRef idx="0">
+            <a:schemeClr val="accent1"/>
+          </a:fillRef>
+          <a:effectRef idx="0">
+            <a:schemeClr val="accent1"/>
+          </a:effectRef>
+          <a:fontRef idx="minor">
+            <a:schemeClr val="tx1"/>
+          </a:fontRef>
+        </p:style>
+      </p:cxnSp>
+      <p:sp>
+        <p:nvSpPr>
+          <p:cNvPr id="213" name="円柱 212"/>
+          <p:cNvSpPr/>
+          <p:nvPr/>
+        </p:nvSpPr>
+        <p:spPr>
+          <a:xfrm>
+            <a:off x="6425371" y="4109619"/>
+            <a:ext cx="881504" cy="504511"/>
+          </a:xfrm>
+          <a:prstGeom prst="can">
+            <a:avLst/>
+          </a:prstGeom>
+          <a:solidFill>
+            <a:schemeClr val="bg2"/>
+          </a:solidFill>
+          <a:ln>
+            <a:solidFill>
+              <a:schemeClr val="tx1">
+                <a:lumMod val="75000"/>
+                <a:lumOff val="25000"/>
+              </a:schemeClr>
+            </a:solidFill>
+          </a:ln>
+        </p:spPr>
+        <p:style>
+          <a:lnRef idx="2">
+            <a:schemeClr val="accent1">
+              <a:shade val="50000"/>
+            </a:schemeClr>
+          </a:lnRef>
+          <a:fillRef idx="1">
+            <a:schemeClr val="accent1"/>
+          </a:fillRef>
+          <a:effectRef idx="0">
+            <a:schemeClr val="accent1"/>
+          </a:effectRef>
+          <a:fontRef idx="minor">
+            <a:schemeClr val="lt1"/>
+          </a:fontRef>
+        </p:style>
+        <p:txBody>
+          <a:bodyPr rtlCol="0" anchor="ctr"/>
+          <a:lstStyle/>
+          <a:p>
+            <a:pPr algn="ctr"/>
+            <a:r>
+              <a:rPr lang="en-US" altLang="ja-JP" sz="1200" dirty="0" smtClean="0">
+                <a:solidFill>
+                  <a:schemeClr val="tx1">
+                    <a:lumMod val="75000"/>
+                    <a:lumOff val="25000"/>
+                  </a:schemeClr>
+                </a:solidFill>
+              </a:rPr>
+              <a:t>Model</a:t>
+            </a:r>
+            <a:endParaRPr kumimoji="1" lang="en-US" altLang="ja-JP" sz="1200" dirty="0" smtClean="0">
+              <a:solidFill>
+                <a:schemeClr val="tx1">
+                  <a:lumMod val="75000"/>
+                  <a:lumOff val="25000"/>
+                </a:schemeClr>
+              </a:solidFill>
+            </a:endParaRPr>
+          </a:p>
+          <a:p>
+            <a:pPr algn="ctr"/>
+            <a:r>
+              <a:rPr lang="en-US" altLang="ja-JP" sz="1200" dirty="0" smtClean="0">
+                <a:solidFill>
+                  <a:schemeClr val="tx1">
+                    <a:lumMod val="75000"/>
+                    <a:lumOff val="25000"/>
+                  </a:schemeClr>
+                </a:solidFill>
+              </a:rPr>
+              <a:t>Data</a:t>
+            </a:r>
+            <a:endParaRPr kumimoji="1" lang="ja-JP" altLang="en-US" sz="1200" dirty="0">
+              <a:solidFill>
+                <a:schemeClr val="tx1">
+                  <a:lumMod val="75000"/>
+                  <a:lumOff val="25000"/>
+                </a:schemeClr>
+              </a:solidFill>
+            </a:endParaRPr>
+          </a:p>
+        </p:txBody>
+      </p:sp>
+      <p:cxnSp>
+        <p:nvCxnSpPr>
+          <p:cNvPr id="214" name="カギ線コネクタ 213"/>
+          <p:cNvCxnSpPr>
+            <a:stCxn id="213" idx="1"/>
+          </p:cNvCxnSpPr>
+          <p:nvPr/>
+        </p:nvCxnSpPr>
+        <p:spPr>
+          <a:xfrm rot="16200000" flipV="1">
+            <a:off x="6426813" y="3670309"/>
+            <a:ext cx="560643" cy="317978"/>
+          </a:xfrm>
+          <a:prstGeom prst="bentConnector3">
+            <a:avLst>
+              <a:gd name="adj1" fmla="val 50000"/>
+            </a:avLst>
+          </a:prstGeom>
+          <a:ln w="12700">
+            <a:solidFill>
+              <a:schemeClr val="tx1">
+                <a:lumMod val="75000"/>
+                <a:lumOff val="25000"/>
+              </a:schemeClr>
+            </a:solidFill>
+            <a:headEnd type="arrow"/>
+            <a:tailEnd type="none"/>
+          </a:ln>
+        </p:spPr>
+        <p:style>
+          <a:lnRef idx="1">
+            <a:schemeClr val="accent1"/>
+          </a:lnRef>
+          <a:fillRef idx="0">
+            <a:schemeClr val="accent1"/>
+          </a:fillRef>
+          <a:effectRef idx="0">
+            <a:schemeClr val="accent1"/>
+          </a:effectRef>
+          <a:fontRef idx="minor">
+            <a:schemeClr val="tx1"/>
+          </a:fontRef>
+        </p:style>
+      </p:cxnSp>
+      <p:cxnSp>
+        <p:nvCxnSpPr>
+          <p:cNvPr id="219" name="カギ線コネクタ 218"/>
+          <p:cNvCxnSpPr/>
+          <p:nvPr/>
+        </p:nvCxnSpPr>
+        <p:spPr>
+          <a:xfrm rot="16200000" flipV="1">
+            <a:off x="6947241" y="4009723"/>
+            <a:ext cx="1408256" cy="472077"/>
+          </a:xfrm>
+          <a:prstGeom prst="bentConnector3">
+            <a:avLst>
+              <a:gd name="adj1" fmla="val 72768"/>
+            </a:avLst>
+          </a:prstGeom>
+          <a:ln w="12700">
+            <a:solidFill>
+              <a:schemeClr val="tx1">
+                <a:lumMod val="75000"/>
+                <a:lumOff val="25000"/>
+              </a:schemeClr>
+            </a:solidFill>
+            <a:headEnd type="arrow"/>
+            <a:tailEnd type="none"/>
+          </a:ln>
+        </p:spPr>
+        <p:style>
+          <a:lnRef idx="1">
+            <a:schemeClr val="accent1"/>
+          </a:lnRef>
+          <a:fillRef idx="0">
+            <a:schemeClr val="accent1"/>
+          </a:fillRef>
+          <a:effectRef idx="0">
+            <a:schemeClr val="accent1"/>
+          </a:effectRef>
+          <a:fontRef idx="minor">
+            <a:schemeClr val="tx1"/>
+          </a:fontRef>
+        </p:style>
+      </p:cxnSp>
+      <p:sp>
+        <p:nvSpPr>
+          <p:cNvPr id="223" name="円柱 222"/>
+          <p:cNvSpPr/>
+          <p:nvPr/>
+        </p:nvSpPr>
+        <p:spPr>
+          <a:xfrm>
+            <a:off x="7630993" y="4938243"/>
+            <a:ext cx="551106" cy="400754"/>
+          </a:xfrm>
+          <a:prstGeom prst="can">
+            <a:avLst/>
+          </a:prstGeom>
+          <a:solidFill>
+            <a:schemeClr val="bg2"/>
+          </a:solidFill>
+          <a:ln w="12700">
+            <a:solidFill>
+              <a:schemeClr val="tx1">
+                <a:lumMod val="75000"/>
+                <a:lumOff val="25000"/>
+              </a:schemeClr>
+            </a:solidFill>
+          </a:ln>
+        </p:spPr>
+        <p:style>
+          <a:lnRef idx="2">
+            <a:schemeClr val="accent1">
+              <a:shade val="50000"/>
+            </a:schemeClr>
+          </a:lnRef>
+          <a:fillRef idx="1">
+            <a:schemeClr val="accent1"/>
+          </a:fillRef>
+          <a:effectRef idx="0">
+            <a:schemeClr val="accent1"/>
+          </a:effectRef>
+          <a:fontRef idx="minor">
+            <a:schemeClr val="lt1"/>
+          </a:fontRef>
+        </p:style>
+        <p:txBody>
+          <a:bodyPr rtlCol="0" anchor="ctr"/>
+          <a:lstStyle/>
+          <a:p>
+            <a:pPr algn="ctr"/>
+            <a:r>
+              <a:rPr lang="en-US" altLang="ja-JP" sz="1050" dirty="0" smtClean="0">
+                <a:solidFill>
+                  <a:schemeClr val="tx1">
+                    <a:lumMod val="75000"/>
+                    <a:lumOff val="25000"/>
+                  </a:schemeClr>
+                </a:solidFill>
+              </a:rPr>
+              <a:t>Model</a:t>
+            </a:r>
+            <a:endParaRPr kumimoji="1" lang="en-US" altLang="ja-JP" sz="1050" dirty="0" smtClean="0">
+              <a:solidFill>
+                <a:schemeClr val="tx1">
+                  <a:lumMod val="75000"/>
+                  <a:lumOff val="25000"/>
+                </a:schemeClr>
+              </a:solidFill>
+            </a:endParaRPr>
+          </a:p>
+        </p:txBody>
+      </p:sp>
+      <p:sp>
+        <p:nvSpPr>
+          <p:cNvPr id="224" name="テキスト ボックス 223"/>
+          <p:cNvSpPr txBox="1"/>
+          <p:nvPr/>
+        </p:nvSpPr>
+        <p:spPr>
+          <a:xfrm>
+            <a:off x="7415330" y="3669951"/>
+            <a:ext cx="569621" cy="253916"/>
+          </a:xfrm>
+          <a:prstGeom prst="rect">
+            <a:avLst/>
+          </a:prstGeom>
+          <a:noFill/>
+        </p:spPr>
+        <p:txBody>
+          <a:bodyPr wrap="square" rtlCol="0">
+            <a:spAutoFit/>
+          </a:bodyPr>
+          <a:lstStyle/>
+          <a:p>
+            <a:r>
+              <a:rPr lang="en-US" altLang="ja-JP" sz="1050" dirty="0" smtClean="0">
+                <a:solidFill>
+                  <a:schemeClr val="tx1">
+                    <a:lumMod val="75000"/>
+                    <a:lumOff val="25000"/>
+                  </a:schemeClr>
+                </a:solidFill>
+              </a:rPr>
+              <a:t>Deploy</a:t>
+            </a:r>
+            <a:endParaRPr lang="en-US" altLang="ja-JP" sz="1050" dirty="0" smtClean="0">
+              <a:solidFill>
+                <a:schemeClr val="tx1">
+                  <a:lumMod val="75000"/>
+                  <a:lumOff val="25000"/>
+                </a:schemeClr>
+              </a:solidFill>
+            </a:endParaRPr>
+          </a:p>
+        </p:txBody>
+      </p:sp>
+      <p:cxnSp>
+        <p:nvCxnSpPr>
+          <p:cNvPr id="228" name="カギ線コネクタ 227"/>
+          <p:cNvCxnSpPr>
+            <a:stCxn id="172" idx="3"/>
+            <a:endCxn id="223" idx="3"/>
+          </p:cNvCxnSpPr>
+          <p:nvPr/>
+        </p:nvCxnSpPr>
+        <p:spPr>
+          <a:xfrm flipV="1">
+            <a:off x="7504354" y="5338997"/>
+            <a:ext cx="402192" cy="158922"/>
+          </a:xfrm>
+          <a:prstGeom prst="bentConnector2">
+            <a:avLst/>
+          </a:prstGeom>
+          <a:ln w="12700">
+            <a:solidFill>
+              <a:schemeClr val="tx1">
+                <a:lumMod val="75000"/>
+                <a:lumOff val="25000"/>
+              </a:schemeClr>
+            </a:solidFill>
+            <a:headEnd type="arrow"/>
+            <a:tailEnd type="none"/>
+          </a:ln>
+        </p:spPr>
+        <p:style>
+          <a:lnRef idx="1">
+            <a:schemeClr val="accent1"/>
+          </a:lnRef>
+          <a:fillRef idx="0">
+            <a:schemeClr val="accent1"/>
+          </a:fillRef>
+          <a:effectRef idx="0">
+            <a:schemeClr val="accent1"/>
+          </a:effectRef>
+          <a:fontRef idx="minor">
+            <a:schemeClr val="tx1"/>
+          </a:fontRef>
+        </p:style>
+      </p:cxnSp>
+      <p:sp>
+        <p:nvSpPr>
+          <p:cNvPr id="232" name="テキスト ボックス 231"/>
+          <p:cNvSpPr txBox="1"/>
+          <p:nvPr/>
+        </p:nvSpPr>
+        <p:spPr>
+          <a:xfrm>
+            <a:off x="1923645" y="5028789"/>
+            <a:ext cx="1994852" cy="338554"/>
+          </a:xfrm>
+          <a:prstGeom prst="rect">
+            <a:avLst/>
+          </a:prstGeom>
+          <a:noFill/>
+        </p:spPr>
+        <p:txBody>
+          <a:bodyPr wrap="square" rtlCol="0">
+            <a:spAutoFit/>
+          </a:bodyPr>
+          <a:lstStyle/>
+          <a:p>
+            <a:r>
+              <a:rPr lang="en-US" altLang="ja-JP" sz="1600" b="1" dirty="0" err="1">
+                <a:solidFill>
+                  <a:schemeClr val="tx1">
+                    <a:lumMod val="75000"/>
+                    <a:lumOff val="25000"/>
+                  </a:schemeClr>
+                </a:solidFill>
+              </a:rPr>
+              <a:t>Solr</a:t>
+            </a:r>
+            <a:r>
+              <a:rPr lang="en-US" altLang="ja-JP" sz="1600" b="1" dirty="0">
+                <a:solidFill>
+                  <a:schemeClr val="tx1">
+                    <a:lumMod val="75000"/>
+                    <a:lumOff val="25000"/>
+                  </a:schemeClr>
+                </a:solidFill>
+              </a:rPr>
+              <a:t> / </a:t>
+            </a:r>
+            <a:r>
+              <a:rPr lang="en-US" altLang="ja-JP" sz="1600" b="1" dirty="0" err="1">
+                <a:solidFill>
+                  <a:schemeClr val="tx1">
+                    <a:lumMod val="75000"/>
+                    <a:lumOff val="25000"/>
+                  </a:schemeClr>
+                </a:solidFill>
+              </a:rPr>
+              <a:t>Elasticsearch</a:t>
+            </a:r>
+            <a:endParaRPr lang="en-US" altLang="ja-JP" sz="1600" b="1" dirty="0">
+              <a:solidFill>
+                <a:schemeClr val="tx1">
+                  <a:lumMod val="75000"/>
+                  <a:lumOff val="25000"/>
+                </a:schemeClr>
+              </a:solidFill>
+            </a:endParaRPr>
+          </a:p>
+        </p:txBody>
+      </p:sp>
+      <p:sp>
+        <p:nvSpPr>
+          <p:cNvPr id="233" name="テキスト ボックス 232"/>
+          <p:cNvSpPr txBox="1"/>
+          <p:nvPr/>
+        </p:nvSpPr>
+        <p:spPr>
+          <a:xfrm>
+            <a:off x="4719251" y="3796909"/>
+            <a:ext cx="2302919" cy="415498"/>
+          </a:xfrm>
+          <a:prstGeom prst="rect">
+            <a:avLst/>
+          </a:prstGeom>
+          <a:noFill/>
+        </p:spPr>
+        <p:txBody>
+          <a:bodyPr wrap="square" rtlCol="0">
+            <a:spAutoFit/>
+          </a:bodyPr>
+          <a:lstStyle/>
+          <a:p>
+            <a:r>
+              <a:rPr lang="en-US" altLang="ja-JP" sz="1050" dirty="0" smtClean="0">
+                <a:solidFill>
+                  <a:schemeClr val="tx1">
+                    <a:lumMod val="75000"/>
+                    <a:lumOff val="25000"/>
+                  </a:schemeClr>
+                </a:solidFill>
+              </a:rPr>
+              <a:t>Extract</a:t>
+            </a:r>
+          </a:p>
+          <a:p>
+            <a:r>
+              <a:rPr lang="en-US" altLang="ja-JP" sz="1050" dirty="0" smtClean="0">
+                <a:solidFill>
+                  <a:schemeClr val="tx1">
+                    <a:lumMod val="75000"/>
+                    <a:lumOff val="25000"/>
+                  </a:schemeClr>
+                </a:solidFill>
+              </a:rPr>
+              <a:t>features</a:t>
+            </a:r>
+            <a:endParaRPr lang="en-US" altLang="ja-JP" sz="1050" dirty="0" smtClean="0">
+              <a:solidFill>
+                <a:schemeClr val="tx1">
+                  <a:lumMod val="75000"/>
+                  <a:lumOff val="25000"/>
+                </a:schemeClr>
+              </a:solidFill>
+            </a:endParaRPr>
+          </a:p>
+        </p:txBody>
+      </p:sp>
+      <p:cxnSp>
+        <p:nvCxnSpPr>
+          <p:cNvPr id="240" name="カギ線コネクタ 239"/>
+          <p:cNvCxnSpPr>
+            <a:stCxn id="232" idx="2"/>
+            <a:endCxn id="172" idx="1"/>
+          </p:cNvCxnSpPr>
+          <p:nvPr/>
+        </p:nvCxnSpPr>
+        <p:spPr>
+          <a:xfrm rot="16200000" flipH="1">
+            <a:off x="4361452" y="3926962"/>
+            <a:ext cx="130576" cy="3011338"/>
+          </a:xfrm>
+          <a:prstGeom prst="bentConnector2">
+            <a:avLst/>
+          </a:prstGeom>
+          <a:ln w="9525">
+            <a:solidFill>
+              <a:schemeClr val="tx1">
+                <a:lumMod val="75000"/>
+                <a:lumOff val="25000"/>
+              </a:schemeClr>
+            </a:solidFill>
+            <a:prstDash val="sysDash"/>
+            <a:headEnd type="arrow"/>
+            <a:tailEnd type="none"/>
+          </a:ln>
+        </p:spPr>
+        <p:style>
+          <a:lnRef idx="1">
+            <a:schemeClr val="accent1"/>
+          </a:lnRef>
+          <a:fillRef idx="0">
+            <a:schemeClr val="accent1"/>
+          </a:fillRef>
+          <a:effectRef idx="0">
+            <a:schemeClr val="accent1"/>
+          </a:effectRef>
+          <a:fontRef idx="minor">
+            <a:schemeClr val="tx1"/>
+          </a:fontRef>
+        </p:style>
+      </p:cxnSp>
+      <p:sp>
+        <p:nvSpPr>
+          <p:cNvPr id="243" name="テキスト ボックス 242"/>
+          <p:cNvSpPr txBox="1"/>
+          <p:nvPr/>
+        </p:nvSpPr>
+        <p:spPr>
+          <a:xfrm>
+            <a:off x="2889267" y="5441403"/>
+            <a:ext cx="569621" cy="253916"/>
+          </a:xfrm>
+          <a:prstGeom prst="rect">
+            <a:avLst/>
+          </a:prstGeom>
+          <a:noFill/>
+        </p:spPr>
+        <p:txBody>
+          <a:bodyPr wrap="square" rtlCol="0">
+            <a:spAutoFit/>
+          </a:bodyPr>
+          <a:lstStyle/>
+          <a:p>
+            <a:r>
+              <a:rPr lang="en-US" altLang="ja-JP" sz="1050" dirty="0" smtClean="0">
+                <a:solidFill>
+                  <a:schemeClr val="tx1">
+                    <a:lumMod val="75000"/>
+                    <a:lumOff val="25000"/>
+                  </a:schemeClr>
+                </a:solidFill>
+              </a:rPr>
+              <a:t>plugin</a:t>
+            </a:r>
+            <a:endParaRPr lang="en-US" altLang="ja-JP" sz="1050" dirty="0" smtClean="0">
+              <a:solidFill>
+                <a:schemeClr val="tx1">
+                  <a:lumMod val="75000"/>
+                  <a:lumOff val="25000"/>
+                </a:schemeClr>
+              </a:solidFill>
+            </a:endParaRPr>
+          </a:p>
+        </p:txBody>
+      </p:sp>
+      <p:sp>
+        <p:nvSpPr>
+          <p:cNvPr id="246" name="テキスト ボックス 245"/>
+          <p:cNvSpPr txBox="1"/>
+          <p:nvPr/>
+        </p:nvSpPr>
+        <p:spPr>
+          <a:xfrm>
+            <a:off x="5697625" y="5017853"/>
+            <a:ext cx="1152128" cy="261610"/>
+          </a:xfrm>
+          <a:prstGeom prst="rect">
+            <a:avLst/>
+          </a:prstGeom>
+          <a:noFill/>
+        </p:spPr>
+        <p:txBody>
+          <a:bodyPr wrap="square" rtlCol="0">
+            <a:spAutoFit/>
+          </a:bodyPr>
+          <a:lstStyle/>
+          <a:p>
+            <a:r>
+              <a:rPr lang="en-US" altLang="ja-JP" sz="1100" b="1" dirty="0" smtClean="0">
+                <a:solidFill>
+                  <a:schemeClr val="tx1">
+                    <a:lumMod val="75000"/>
+                    <a:lumOff val="25000"/>
+                  </a:schemeClr>
+                </a:solidFill>
+              </a:rPr>
+              <a:t>NLP4L-SOLR</a:t>
+            </a:r>
+            <a:endParaRPr lang="en-US" altLang="ja-JP" sz="1100" b="1" dirty="0" smtClean="0">
+              <a:solidFill>
+                <a:schemeClr val="tx1">
+                  <a:lumMod val="75000"/>
+                  <a:lumOff val="25000"/>
+                </a:schemeClr>
+              </a:solidFill>
+            </a:endParaRPr>
+          </a:p>
+        </p:txBody>
+      </p:sp>
+    </p:spTree>
+    <p:extLst>
+      <p:ext uri="{BB962C8B-B14F-4D97-AF65-F5344CB8AC3E}">
+        <p14:creationId xmlns:p14="http://schemas.microsoft.com/office/powerpoint/2010/main" val="2451759561"/>
+      </p:ext>
+    </p:extLst>
+  </p:cSld>
+  <p:clrMapOvr>
+    <a:masterClrMapping/>
+  </p:clrMapOvr>
+  <p:timing>
+    <p:tnLst>
+      <p:par>
+        <p:cTn id="1" dur="indefinite" restart="never" nodeType="tmRoot"/>
+      </p:par>
+    </p:tnLst>
+  </p:timing>
 </p:sld>
 </file>
 

--- a/ltr/images/ltr_images.pptx
+++ b/ltr/images/ltr_images.pptx
@@ -11,6 +11,8 @@
     <p:sldId id="259" r:id="rId5"/>
     <p:sldId id="260" r:id="rId6"/>
     <p:sldId id="261" r:id="rId7"/>
+    <p:sldId id="262" r:id="rId8"/>
+    <p:sldId id="263" r:id="rId9"/>
   </p:sldIdLst>
   <p:sldSz cx="9144000" cy="6858000" type="screen4x3"/>
   <p:notesSz cx="6858000" cy="9144000"/>
@@ -111,7 +113,7 @@
   </p:defaultTextStyle>
   <p:extLst>
     <p:ext uri="{EFAFB233-063F-42B5-8137-9DF3F51BA10A}">
-      <p15:sldGuideLst xmlns="" xmlns:p15="http://schemas.microsoft.com/office/powerpoint/2012/main">
+      <p15:sldGuideLst xmlns:p15="http://schemas.microsoft.com/office/powerpoint/2012/main" xmlns="">
         <p15:guide id="1" orient="horz" pos="2160">
           <p15:clr>
             <a:srgbClr val="A4A3A4"/>
@@ -309,7 +311,7 @@
           <a:p>
             <a:fld id="{E90ED720-0104-4369-84BC-D37694168613}" type="datetimeFigureOut">
               <a:rPr kumimoji="1" lang="ja-JP" altLang="en-US" smtClean="0"/>
-              <a:t>2016/11/24</a:t>
+              <a:t>2017/1/20</a:t>
             </a:fld>
             <a:endParaRPr kumimoji="1" lang="ja-JP" altLang="en-US"/>
           </a:p>
@@ -506,7 +508,7 @@
           <a:p>
             <a:fld id="{E90ED720-0104-4369-84BC-D37694168613}" type="datetimeFigureOut">
               <a:rPr kumimoji="1" lang="ja-JP" altLang="en-US" smtClean="0"/>
-              <a:t>2016/11/24</a:t>
+              <a:t>2017/1/20</a:t>
             </a:fld>
             <a:endParaRPr kumimoji="1" lang="ja-JP" altLang="en-US"/>
           </a:p>
@@ -713,7 +715,7 @@
           <a:p>
             <a:fld id="{E90ED720-0104-4369-84BC-D37694168613}" type="datetimeFigureOut">
               <a:rPr kumimoji="1" lang="ja-JP" altLang="en-US" smtClean="0"/>
-              <a:t>2016/11/24</a:t>
+              <a:t>2017/1/20</a:t>
             </a:fld>
             <a:endParaRPr kumimoji="1" lang="ja-JP" altLang="en-US"/>
           </a:p>
@@ -910,7 +912,7 @@
           <a:p>
             <a:fld id="{E90ED720-0104-4369-84BC-D37694168613}" type="datetimeFigureOut">
               <a:rPr kumimoji="1" lang="ja-JP" altLang="en-US" smtClean="0"/>
-              <a:t>2016/11/24</a:t>
+              <a:t>2017/1/20</a:t>
             </a:fld>
             <a:endParaRPr kumimoji="1" lang="ja-JP" altLang="en-US"/>
           </a:p>
@@ -1151,7 +1153,7 @@
           <a:p>
             <a:fld id="{E90ED720-0104-4369-84BC-D37694168613}" type="datetimeFigureOut">
               <a:rPr kumimoji="1" lang="ja-JP" altLang="en-US" smtClean="0"/>
-              <a:t>2016/11/24</a:t>
+              <a:t>2017/1/20</a:t>
             </a:fld>
             <a:endParaRPr kumimoji="1" lang="ja-JP" altLang="en-US"/>
           </a:p>
@@ -1498,7 +1500,7 @@
           <a:p>
             <a:fld id="{E90ED720-0104-4369-84BC-D37694168613}" type="datetimeFigureOut">
               <a:rPr kumimoji="1" lang="ja-JP" altLang="en-US" smtClean="0"/>
-              <a:t>2016/11/24</a:t>
+              <a:t>2017/1/20</a:t>
             </a:fld>
             <a:endParaRPr kumimoji="1" lang="ja-JP" altLang="en-US"/>
           </a:p>
@@ -1979,7 +1981,7 @@
           <a:p>
             <a:fld id="{E90ED720-0104-4369-84BC-D37694168613}" type="datetimeFigureOut">
               <a:rPr kumimoji="1" lang="ja-JP" altLang="en-US" smtClean="0"/>
-              <a:t>2016/11/24</a:t>
+              <a:t>2017/1/20</a:t>
             </a:fld>
             <a:endParaRPr kumimoji="1" lang="ja-JP" altLang="en-US"/>
           </a:p>
@@ -2092,7 +2094,7 @@
           <a:p>
             <a:fld id="{E90ED720-0104-4369-84BC-D37694168613}" type="datetimeFigureOut">
               <a:rPr kumimoji="1" lang="ja-JP" altLang="en-US" smtClean="0"/>
-              <a:t>2016/11/24</a:t>
+              <a:t>2017/1/20</a:t>
             </a:fld>
             <a:endParaRPr kumimoji="1" lang="ja-JP" altLang="en-US"/>
           </a:p>
@@ -2182,7 +2184,7 @@
           <a:p>
             <a:fld id="{E90ED720-0104-4369-84BC-D37694168613}" type="datetimeFigureOut">
               <a:rPr kumimoji="1" lang="ja-JP" altLang="en-US" smtClean="0"/>
-              <a:t>2016/11/24</a:t>
+              <a:t>2017/1/20</a:t>
             </a:fld>
             <a:endParaRPr kumimoji="1" lang="ja-JP" altLang="en-US"/>
           </a:p>
@@ -2486,7 +2488,7 @@
           <a:p>
             <a:fld id="{E90ED720-0104-4369-84BC-D37694168613}" type="datetimeFigureOut">
               <a:rPr kumimoji="1" lang="ja-JP" altLang="en-US" smtClean="0"/>
-              <a:t>2016/11/24</a:t>
+              <a:t>2017/1/20</a:t>
             </a:fld>
             <a:endParaRPr kumimoji="1" lang="ja-JP" altLang="en-US"/>
           </a:p>
@@ -2734,7 +2736,7 @@
           <a:p>
             <a:fld id="{E90ED720-0104-4369-84BC-D37694168613}" type="datetimeFigureOut">
               <a:rPr kumimoji="1" lang="ja-JP" altLang="en-US" smtClean="0"/>
-              <a:t>2016/11/24</a:t>
+              <a:t>2017/1/20</a:t>
             </a:fld>
             <a:endParaRPr kumimoji="1" lang="ja-JP" altLang="en-US"/>
           </a:p>
@@ -2974,7 +2976,7 @@
           <a:p>
             <a:fld id="{E90ED720-0104-4369-84BC-D37694168613}" type="datetimeFigureOut">
               <a:rPr kumimoji="1" lang="ja-JP" altLang="en-US" smtClean="0"/>
-              <a:t>2016/11/24</a:t>
+              <a:t>2017/1/20</a:t>
             </a:fld>
             <a:endParaRPr kumimoji="1" lang="ja-JP" altLang="en-US"/>
           </a:p>
@@ -3398,7 +3400,7 @@
         </p:nvSpPr>
         <p:spPr>
           <a:xfrm>
-            <a:off x="171870" y="2563754"/>
+            <a:off x="232252" y="2563754"/>
             <a:ext cx="1223100" cy="724134"/>
           </a:xfrm>
           <a:prstGeom prst="foldedCorner">
@@ -3432,7 +3434,7 @@
               <a:buNone/>
             </a:pPr>
             <a:r>
-              <a:rPr lang="ja"/>
+              <a:rPr lang="ja" dirty="0"/>
               <a:t>Query for evaluation</a:t>
             </a:r>
           </a:p>
@@ -3656,17 +3658,20 @@
         <p:nvCxnSpPr>
           <p:cNvPr id="11" name="Shape 72"/>
           <p:cNvCxnSpPr>
-            <a:stCxn id="6" idx="0"/>
+            <a:stCxn id="6" idx="3"/>
+            <a:endCxn id="12" idx="1"/>
           </p:cNvCxnSpPr>
           <p:nvPr/>
         </p:nvCxnSpPr>
         <p:spPr>
-          <a:xfrm rot="5400000" flipH="1" flipV="1">
-            <a:off x="1232371" y="1944403"/>
-            <a:ext cx="170400" cy="1068302"/>
-          </a:xfrm>
-          <a:prstGeom prst="bentConnector2">
-            <a:avLst/>
+          <a:xfrm flipV="1">
+            <a:off x="1455352" y="2558766"/>
+            <a:ext cx="396244" cy="367055"/>
+          </a:xfrm>
+          <a:prstGeom prst="bentConnector3">
+            <a:avLst>
+              <a:gd name="adj1" fmla="val 50000"/>
+            </a:avLst>
           </a:prstGeom>
           <a:noFill/>
           <a:ln w="9525" cap="flat" cmpd="sng">
@@ -3688,8 +3693,8 @@
         </p:nvSpPr>
         <p:spPr>
           <a:xfrm>
-            <a:off x="1851596" y="2014779"/>
-            <a:ext cx="1362451" cy="757200"/>
+            <a:off x="1851596" y="2345553"/>
+            <a:ext cx="1362451" cy="426425"/>
           </a:xfrm>
           <a:prstGeom prst="homePlate">
             <a:avLst>
@@ -5036,6 +5041,141 @@
           </a:p>
         </p:txBody>
       </p:sp>
+      <p:sp>
+        <p:nvSpPr>
+          <p:cNvPr id="52" name="Shape 73"/>
+          <p:cNvSpPr/>
+          <p:nvPr/>
+        </p:nvSpPr>
+        <p:spPr>
+          <a:xfrm>
+            <a:off x="1840126" y="1787291"/>
+            <a:ext cx="1362451" cy="426425"/>
+          </a:xfrm>
+          <a:prstGeom prst="homePlate">
+            <a:avLst>
+              <a:gd name="adj" fmla="val 28601"/>
+            </a:avLst>
+          </a:prstGeom>
+          <a:solidFill>
+            <a:srgbClr val="93C47D"/>
+          </a:solidFill>
+          <a:ln w="9525" cap="flat" cmpd="sng">
+            <a:solidFill>
+              <a:schemeClr val="dk2"/>
+            </a:solidFill>
+            <a:prstDash val="solid"/>
+            <a:round/>
+            <a:headEnd type="none" w="med" len="med"/>
+            <a:tailEnd type="none" w="med" len="med"/>
+          </a:ln>
+        </p:spPr>
+        <p:txBody>
+          <a:bodyPr lIns="91425" tIns="91425" rIns="91425" bIns="91425" anchor="ctr" anchorCtr="0">
+            <a:noAutofit/>
+          </a:bodyPr>
+          <a:lstStyle/>
+          <a:p>
+            <a:pPr marL="0" marR="0" lvl="0" indent="0" algn="l" rtl="0">
+              <a:lnSpc>
+                <a:spcPct val="100000"/>
+              </a:lnSpc>
+              <a:spcBef>
+                <a:spcPts val="0"/>
+              </a:spcBef>
+              <a:spcAft>
+                <a:spcPts val="0"/>
+              </a:spcAft>
+              <a:buNone/>
+            </a:pPr>
+            <a:r>
+              <a:rPr lang="en-US" altLang="ja" dirty="0" smtClean="0"/>
+              <a:t>Click Model</a:t>
+            </a:r>
+            <a:endParaRPr lang="ja" dirty="0"/>
+          </a:p>
+        </p:txBody>
+      </p:sp>
+      <p:sp>
+        <p:nvSpPr>
+          <p:cNvPr id="53" name="Shape 67"/>
+          <p:cNvSpPr/>
+          <p:nvPr/>
+        </p:nvSpPr>
+        <p:spPr>
+          <a:xfrm>
+            <a:off x="220656" y="1611879"/>
+            <a:ext cx="1223100" cy="724134"/>
+          </a:xfrm>
+          <a:prstGeom prst="foldedCorner">
+            <a:avLst>
+              <a:gd name="adj" fmla="val 16667"/>
+            </a:avLst>
+          </a:prstGeom>
+          <a:solidFill>
+            <a:schemeClr val="lt2"/>
+          </a:solidFill>
+          <a:ln w="9525" cap="flat" cmpd="sng">
+            <a:solidFill>
+              <a:schemeClr val="dk2"/>
+            </a:solidFill>
+            <a:prstDash val="solid"/>
+            <a:round/>
+            <a:headEnd type="none" w="med" len="med"/>
+            <a:tailEnd type="none" w="med" len="med"/>
+          </a:ln>
+        </p:spPr>
+        <p:txBody>
+          <a:bodyPr lIns="91425" tIns="91425" rIns="91425" bIns="91425" anchor="ctr" anchorCtr="0">
+            <a:noAutofit/>
+          </a:bodyPr>
+          <a:lstStyle/>
+          <a:p>
+            <a:pPr lvl="0" rtl="0">
+              <a:spcBef>
+                <a:spcPts val="0"/>
+              </a:spcBef>
+              <a:buNone/>
+            </a:pPr>
+            <a:r>
+              <a:rPr lang="en-US" altLang="ja" dirty="0" smtClean="0"/>
+              <a:t>Impression &amp; Click log</a:t>
+            </a:r>
+            <a:endParaRPr lang="ja" dirty="0"/>
+          </a:p>
+        </p:txBody>
+      </p:sp>
+      <p:cxnSp>
+        <p:nvCxnSpPr>
+          <p:cNvPr id="54" name="Shape 72"/>
+          <p:cNvCxnSpPr>
+            <a:stCxn id="53" idx="3"/>
+            <a:endCxn id="52" idx="1"/>
+          </p:cNvCxnSpPr>
+          <p:nvPr/>
+        </p:nvCxnSpPr>
+        <p:spPr>
+          <a:xfrm>
+            <a:off x="1443756" y="1973946"/>
+            <a:ext cx="396370" cy="26558"/>
+          </a:xfrm>
+          <a:prstGeom prst="bentConnector3">
+            <a:avLst>
+              <a:gd name="adj1" fmla="val 50000"/>
+            </a:avLst>
+          </a:prstGeom>
+          <a:noFill/>
+          <a:ln w="9525" cap="flat" cmpd="sng">
+            <a:solidFill>
+              <a:schemeClr val="dk2"/>
+            </a:solidFill>
+            <a:prstDash val="solid"/>
+            <a:round/>
+            <a:headEnd type="none" w="lg" len="lg"/>
+            <a:tailEnd type="triangle" w="lg" len="lg"/>
+          </a:ln>
+        </p:spPr>
+      </p:cxnSp>
     </p:spTree>
     <p:extLst>
       <p:ext uri="{BB962C8B-B14F-4D97-AF65-F5344CB8AC3E}">
@@ -5110,8 +5250,8 @@
         </p:nvSpPr>
         <p:spPr>
           <a:xfrm>
-            <a:off x="629392" y="2570455"/>
-            <a:ext cx="8063346" cy="2127011"/>
+            <a:off x="285009" y="2570455"/>
+            <a:ext cx="8633360" cy="2127011"/>
           </a:xfrm>
           <a:prstGeom prst="rect">
             <a:avLst/>
@@ -5173,8 +5313,8 @@
         </p:nvSpPr>
         <p:spPr>
           <a:xfrm>
-            <a:off x="1008177" y="1652795"/>
-            <a:ext cx="1218467" cy="619231"/>
+            <a:off x="366927" y="1788820"/>
+            <a:ext cx="1020233" cy="483206"/>
           </a:xfrm>
           <a:prstGeom prst="foldedCorner">
             <a:avLst/>
@@ -5213,7 +5353,7 @@
           <a:p>
             <a:pPr algn="ctr"/>
             <a:r>
-              <a:rPr lang="en-US" altLang="ja-JP" sz="1400" dirty="0" smtClean="0">
+              <a:rPr lang="en-US" altLang="ja-JP" sz="1100" dirty="0" smtClean="0">
                 <a:solidFill>
                   <a:schemeClr val="tx1">
                     <a:lumMod val="75000"/>
@@ -5227,7 +5367,7 @@
           <a:p>
             <a:pPr algn="ctr"/>
             <a:r>
-              <a:rPr lang="en-US" altLang="ja-JP" sz="1400" dirty="0" smtClean="0">
+              <a:rPr lang="en-US" altLang="ja-JP" sz="1100" dirty="0" smtClean="0">
                 <a:solidFill>
                   <a:schemeClr val="tx1">
                     <a:lumMod val="75000"/>
@@ -5251,8 +5391,8 @@
         </p:nvCxnSpPr>
         <p:spPr>
           <a:xfrm rot="16200000" flipH="1">
-            <a:off x="1477585" y="2411852"/>
-            <a:ext cx="749003" cy="469350"/>
+            <a:off x="903944" y="2245126"/>
+            <a:ext cx="744019" cy="797818"/>
           </a:xfrm>
           <a:prstGeom prst="bentConnector3">
             <a:avLst>
@@ -5292,7 +5432,7 @@
         </p:nvGrpSpPr>
         <p:grpSpPr>
           <a:xfrm>
-            <a:off x="4143489" y="1676545"/>
+            <a:off x="4297864" y="1676545"/>
             <a:ext cx="294681" cy="533309"/>
             <a:chOff x="7229647" y="1574794"/>
             <a:chExt cx="150665" cy="299283"/>
@@ -5528,7 +5668,7 @@
         </p:nvSpPr>
         <p:spPr>
           <a:xfrm>
-            <a:off x="876783" y="3016044"/>
+            <a:off x="496783" y="3016044"/>
             <a:ext cx="639202" cy="532481"/>
           </a:xfrm>
           <a:prstGeom prst="roundRect">
@@ -5605,7 +5745,7 @@
         </p:nvCxnSpPr>
         <p:spPr>
           <a:xfrm flipH="1">
-            <a:off x="4287505" y="2277065"/>
+            <a:off x="4441880" y="2277065"/>
             <a:ext cx="1" cy="191568"/>
           </a:xfrm>
           <a:prstGeom prst="straightConnector1">
@@ -5721,7 +5861,7 @@
         </p:nvCxnSpPr>
         <p:spPr>
           <a:xfrm rot="5400000" flipH="1" flipV="1">
-            <a:off x="885994" y="3758653"/>
+            <a:off x="505994" y="3758653"/>
             <a:ext cx="520517" cy="100263"/>
           </a:xfrm>
           <a:prstGeom prst="bentConnector3">
@@ -5763,7 +5903,7 @@
         </p:nvSpPr>
         <p:spPr>
           <a:xfrm>
-            <a:off x="790087" y="4069042"/>
+            <a:off x="410087" y="4069042"/>
             <a:ext cx="612068" cy="504511"/>
           </a:xfrm>
           <a:prstGeom prst="can">
@@ -5832,8 +5972,8 @@
         </p:nvSpPr>
         <p:spPr>
           <a:xfrm>
-            <a:off x="1767160" y="3021029"/>
-            <a:ext cx="639202" cy="505921"/>
+            <a:off x="1355261" y="3016045"/>
+            <a:ext cx="639202" cy="546856"/>
           </a:xfrm>
           <a:prstGeom prst="roundRect">
             <a:avLst/>
@@ -5923,8 +6063,8 @@
         </p:nvSpPr>
         <p:spPr>
           <a:xfrm>
-            <a:off x="2635462" y="3009153"/>
-            <a:ext cx="1259644" cy="532481"/>
+            <a:off x="2438010" y="3246385"/>
+            <a:ext cx="954240" cy="359047"/>
           </a:xfrm>
           <a:prstGeom prst="roundRect">
             <a:avLst/>
@@ -6000,7 +6140,7 @@
         </p:nvSpPr>
         <p:spPr>
           <a:xfrm>
-            <a:off x="4520711" y="3021029"/>
+            <a:off x="4754637" y="3021029"/>
             <a:ext cx="1256588" cy="505921"/>
           </a:xfrm>
           <a:prstGeom prst="roundRect">
@@ -6091,7 +6231,7 @@
         </p:nvSpPr>
         <p:spPr>
           <a:xfrm>
-            <a:off x="6171643" y="3021029"/>
+            <a:off x="6405569" y="3021029"/>
             <a:ext cx="1352475" cy="503745"/>
           </a:xfrm>
           <a:prstGeom prst="roundRect">
@@ -6182,7 +6322,7 @@
         </p:nvSpPr>
         <p:spPr>
           <a:xfrm>
-            <a:off x="1060438" y="2245891"/>
+            <a:off x="340433" y="2245891"/>
             <a:ext cx="1444651" cy="253916"/>
           </a:xfrm>
           <a:prstGeom prst="rect">
@@ -6221,8 +6361,8 @@
         </p:nvCxnSpPr>
         <p:spPr>
           <a:xfrm>
-            <a:off x="2406362" y="3273990"/>
-            <a:ext cx="229100" cy="1404"/>
+            <a:off x="1994463" y="3289473"/>
+            <a:ext cx="443547" cy="136436"/>
           </a:xfrm>
           <a:prstGeom prst="bentConnector3">
             <a:avLst>
@@ -6262,7 +6402,7 @@
         </p:nvSpPr>
         <p:spPr>
           <a:xfrm>
-            <a:off x="2442090" y="4234917"/>
+            <a:off x="2026465" y="4389292"/>
             <a:ext cx="569621" cy="253916"/>
           </a:xfrm>
           <a:prstGeom prst="rect">
@@ -6309,7 +6449,7 @@
         </p:nvSpPr>
         <p:spPr>
           <a:xfrm>
-            <a:off x="3053447" y="4234877"/>
+            <a:off x="2637822" y="4389252"/>
             <a:ext cx="569621" cy="253916"/>
           </a:xfrm>
           <a:prstGeom prst="rect">
@@ -6345,8 +6485,8 @@
         </p:nvSpPr>
         <p:spPr>
           <a:xfrm>
-            <a:off x="1610916" y="4080681"/>
-            <a:ext cx="612068" cy="504511"/>
+            <a:off x="1249965" y="4080681"/>
+            <a:ext cx="744497" cy="504511"/>
           </a:xfrm>
           <a:prstGeom prst="can">
             <a:avLst/>
@@ -6425,13 +6565,14 @@
           <p:cNvPr id="163" name="カギ線コネクタ 162"/>
           <p:cNvCxnSpPr>
             <a:stCxn id="162" idx="1"/>
+            <a:endCxn id="80" idx="2"/>
           </p:cNvCxnSpPr>
           <p:nvPr/>
         </p:nvCxnSpPr>
         <p:spPr>
           <a:xfrm rot="5400000" flipH="1" flipV="1">
-            <a:off x="1750147" y="3708440"/>
-            <a:ext cx="539045" cy="205439"/>
+            <a:off x="1389648" y="3795467"/>
+            <a:ext cx="517780" cy="52648"/>
           </a:xfrm>
           <a:prstGeom prst="bentConnector3">
             <a:avLst>
@@ -6472,7 +6613,7 @@
         </p:nvSpPr>
         <p:spPr>
           <a:xfrm>
-            <a:off x="2222984" y="1588070"/>
+            <a:off x="1367984" y="1754320"/>
             <a:ext cx="897037" cy="738664"/>
           </a:xfrm>
           <a:prstGeom prst="rect">
@@ -6610,7 +6751,7 @@
         </p:nvSpPr>
         <p:spPr>
           <a:xfrm>
-            <a:off x="3649484" y="4110936"/>
+            <a:off x="3457152" y="4110936"/>
             <a:ext cx="881504" cy="504511"/>
           </a:xfrm>
           <a:prstGeom prst="can">
@@ -6696,8 +6837,8 @@
         </p:nvCxnSpPr>
         <p:spPr>
           <a:xfrm rot="16200000" flipV="1">
-            <a:off x="3393109" y="3413809"/>
-            <a:ext cx="569302" cy="824952"/>
+            <a:off x="3153765" y="3366797"/>
+            <a:ext cx="505504" cy="982774"/>
           </a:xfrm>
           <a:prstGeom prst="bentConnector3">
             <a:avLst>
@@ -6741,8 +6882,8 @@
         </p:nvCxnSpPr>
         <p:spPr>
           <a:xfrm flipV="1">
-            <a:off x="3895106" y="3273990"/>
-            <a:ext cx="625605" cy="1404"/>
+            <a:off x="3392250" y="3273990"/>
+            <a:ext cx="1362387" cy="151919"/>
           </a:xfrm>
           <a:prstGeom prst="bentConnector3">
             <a:avLst>
@@ -6818,7 +6959,7 @@
         </p:nvSpPr>
         <p:spPr>
           <a:xfrm>
-            <a:off x="3322560" y="3589160"/>
+            <a:off x="2832504" y="3631692"/>
             <a:ext cx="2302919" cy="415498"/>
           </a:xfrm>
           <a:prstGeom prst="rect">
@@ -6867,7 +7008,7 @@
         </p:nvSpPr>
         <p:spPr>
           <a:xfrm>
-            <a:off x="4053534" y="4957232"/>
+            <a:off x="4149231" y="4957232"/>
             <a:ext cx="1571945" cy="407785"/>
           </a:xfrm>
           <a:prstGeom prst="roundRect">
@@ -6936,7 +7077,7 @@
         </p:nvSpPr>
         <p:spPr>
           <a:xfrm>
-            <a:off x="5932409" y="5294026"/>
+            <a:off x="6028106" y="5294026"/>
             <a:ext cx="1571945" cy="407785"/>
           </a:xfrm>
           <a:prstGeom prst="roundRect">
@@ -7027,7 +7168,7 @@
         </p:nvGrpSpPr>
         <p:grpSpPr>
           <a:xfrm>
-            <a:off x="2928483" y="3521339"/>
+            <a:off x="2512858" y="3585137"/>
             <a:ext cx="191538" cy="1511985"/>
             <a:chOff x="2928483" y="3526950"/>
             <a:chExt cx="191538" cy="1426864"/>
@@ -7049,7 +7190,7 @@
                 <a:gd name="adj1" fmla="val 50000"/>
               </a:avLst>
             </a:prstGeom>
-            <a:ln w="15875">
+            <a:ln w="12700">
               <a:solidFill>
                 <a:schemeClr val="tx1">
                   <a:lumMod val="75000"/>
@@ -7090,7 +7231,7 @@
                 <a:gd name="adj1" fmla="val 50000"/>
               </a:avLst>
             </a:prstGeom>
-            <a:ln w="15875">
+            <a:ln w="12700">
               <a:solidFill>
                 <a:schemeClr val="tx1">
                   <a:lumMod val="75000"/>
@@ -7130,7 +7271,7 @@
             <a:prstGeom prst="line">
               <a:avLst/>
             </a:prstGeom>
-            <a:ln w="15875">
+            <a:ln w="12700">
               <a:solidFill>
                 <a:schemeClr val="tx1">
                   <a:lumMod val="75000"/>
@@ -7166,7 +7307,7 @@
         </p:nvCxnSpPr>
         <p:spPr>
           <a:xfrm flipV="1">
-            <a:off x="5777299" y="3272902"/>
+            <a:off x="6011225" y="3272902"/>
             <a:ext cx="394344" cy="1088"/>
           </a:xfrm>
           <a:prstGeom prst="bentConnector3">
@@ -7207,7 +7348,7 @@
         </p:nvCxnSpPr>
         <p:spPr>
           <a:xfrm rot="5400000">
-            <a:off x="4030178" y="4253103"/>
+            <a:off x="4125875" y="4253103"/>
             <a:ext cx="1408256" cy="2"/>
           </a:xfrm>
           <a:prstGeom prst="bentConnector3">
@@ -7248,7 +7389,7 @@
         </p:nvCxnSpPr>
         <p:spPr>
           <a:xfrm rot="5400000">
-            <a:off x="4211868" y="4245761"/>
+            <a:off x="4307565" y="4245761"/>
             <a:ext cx="1422940" cy="2"/>
           </a:xfrm>
           <a:prstGeom prst="bentConnector3">
@@ -7290,7 +7431,7 @@
         </p:nvCxnSpPr>
         <p:spPr>
           <a:xfrm>
-            <a:off x="4734305" y="4957232"/>
+            <a:off x="4830002" y="4957232"/>
             <a:ext cx="191538" cy="0"/>
           </a:xfrm>
           <a:prstGeom prst="line">
@@ -7328,7 +7469,7 @@
         </p:nvSpPr>
         <p:spPr>
           <a:xfrm>
-            <a:off x="5276385" y="4118087"/>
+            <a:off x="5510311" y="4118087"/>
             <a:ext cx="881504" cy="504511"/>
           </a:xfrm>
           <a:prstGeom prst="can">
@@ -7424,7 +7565,7 @@
         </p:nvCxnSpPr>
         <p:spPr>
           <a:xfrm rot="16200000" flipV="1">
-            <a:off x="5194412" y="3595362"/>
+            <a:off x="5428338" y="3595362"/>
             <a:ext cx="604699" cy="440752"/>
           </a:xfrm>
           <a:prstGeom prst="bentConnector3">
@@ -7466,7 +7607,7 @@
         </p:nvSpPr>
         <p:spPr>
           <a:xfrm>
-            <a:off x="6425371" y="4109619"/>
+            <a:off x="6659297" y="4109619"/>
             <a:ext cx="881504" cy="504511"/>
           </a:xfrm>
           <a:prstGeom prst="can">
@@ -7559,7 +7700,7 @@
         </p:nvCxnSpPr>
         <p:spPr>
           <a:xfrm rot="16200000" flipV="1">
-            <a:off x="6426813" y="3670309"/>
+            <a:off x="6660739" y="3670309"/>
             <a:ext cx="560643" cy="317978"/>
           </a:xfrm>
           <a:prstGeom prst="bentConnector3">
@@ -7601,7 +7742,7 @@
         </p:nvCxnSpPr>
         <p:spPr>
           <a:xfrm rot="16200000" flipV="1">
-            <a:off x="6947241" y="4009723"/>
+            <a:off x="7042938" y="4009723"/>
             <a:ext cx="1408256" cy="472077"/>
           </a:xfrm>
           <a:prstGeom prst="bentConnector3">
@@ -7643,7 +7784,7 @@
         </p:nvSpPr>
         <p:spPr>
           <a:xfrm>
-            <a:off x="7630993" y="4938243"/>
+            <a:off x="7726690" y="4938243"/>
             <a:ext cx="551106" cy="400754"/>
           </a:xfrm>
           <a:prstGeom prst="can">
@@ -7712,7 +7853,7 @@
         </p:nvSpPr>
         <p:spPr>
           <a:xfrm>
-            <a:off x="7415330" y="3669951"/>
+            <a:off x="7649256" y="3669951"/>
             <a:ext cx="569621" cy="253916"/>
           </a:xfrm>
           <a:prstGeom prst="rect">
@@ -7751,7 +7892,7 @@
         </p:nvCxnSpPr>
         <p:spPr>
           <a:xfrm flipV="1">
-            <a:off x="7504354" y="5338997"/>
+            <a:off x="7600051" y="5338997"/>
             <a:ext cx="402192" cy="158922"/>
           </a:xfrm>
           <a:prstGeom prst="bentConnector2">
@@ -7857,7 +7998,7 @@
         </p:nvSpPr>
         <p:spPr>
           <a:xfrm>
-            <a:off x="4719251" y="3796909"/>
+            <a:off x="4953177" y="3796909"/>
             <a:ext cx="2302919" cy="415498"/>
           </a:xfrm>
           <a:prstGeom prst="rect">
@@ -7909,8 +8050,8 @@
         </p:nvCxnSpPr>
         <p:spPr>
           <a:xfrm rot="16200000" flipH="1">
-            <a:off x="4361452" y="3926962"/>
-            <a:ext cx="130576" cy="3011338"/>
+            <a:off x="4409300" y="3879113"/>
+            <a:ext cx="130576" cy="3107035"/>
           </a:xfrm>
           <a:prstGeom prst="bentConnector2">
             <a:avLst/>
@@ -7986,7 +8127,7 @@
         </p:nvSpPr>
         <p:spPr>
           <a:xfrm>
-            <a:off x="5697625" y="5017853"/>
+            <a:off x="5793322" y="5017853"/>
             <a:ext cx="1152128" cy="261610"/>
           </a:xfrm>
           <a:prstGeom prst="rect">
@@ -8010,6 +8151,548 @@
                 </a:solidFill>
               </a:rPr>
               <a:t>NLP4L-SOLR</a:t>
+            </a:r>
+          </a:p>
+        </p:txBody>
+      </p:sp>
+      <p:sp>
+        <p:nvSpPr>
+          <p:cNvPr id="62" name="角丸四角形 61"/>
+          <p:cNvSpPr/>
+          <p:nvPr/>
+        </p:nvSpPr>
+        <p:spPr>
+          <a:xfrm>
+            <a:off x="2422573" y="2729098"/>
+            <a:ext cx="954240" cy="333819"/>
+          </a:xfrm>
+          <a:prstGeom prst="roundRect">
+            <a:avLst/>
+          </a:prstGeom>
+          <a:solidFill>
+            <a:schemeClr val="accent3">
+              <a:lumMod val="20000"/>
+              <a:lumOff val="80000"/>
+            </a:schemeClr>
+          </a:solidFill>
+          <a:ln w="9525">
+            <a:solidFill>
+              <a:schemeClr val="tx1">
+                <a:lumMod val="75000"/>
+                <a:lumOff val="25000"/>
+              </a:schemeClr>
+            </a:solidFill>
+          </a:ln>
+        </p:spPr>
+        <p:style>
+          <a:lnRef idx="2">
+            <a:schemeClr val="accent1">
+              <a:shade val="50000"/>
+            </a:schemeClr>
+          </a:lnRef>
+          <a:fillRef idx="1">
+            <a:schemeClr val="accent1"/>
+          </a:fillRef>
+          <a:effectRef idx="0">
+            <a:schemeClr val="accent1"/>
+          </a:effectRef>
+          <a:fontRef idx="minor">
+            <a:schemeClr val="lt1"/>
+          </a:fontRef>
+        </p:style>
+        <p:txBody>
+          <a:bodyPr rot="0" spcFirstLastPara="0" vertOverflow="overflow" horzOverflow="overflow" vert="horz" wrap="square" lIns="91440" tIns="45720" rIns="91440" bIns="45720" numCol="1" spcCol="0" rtlCol="0" fromWordArt="0" anchor="ctr" anchorCtr="0" forceAA="0" compatLnSpc="1">
+            <a:prstTxWarp prst="textNoShape">
+              <a:avLst/>
+            </a:prstTxWarp>
+            <a:noAutofit/>
+          </a:bodyPr>
+          <a:lstStyle/>
+          <a:p>
+            <a:pPr algn="ctr"/>
+            <a:r>
+              <a:rPr kumimoji="1" lang="en-US" altLang="ja-JP" sz="1200" dirty="0" smtClean="0">
+                <a:solidFill>
+                  <a:schemeClr val="tx1">
+                    <a:lumMod val="75000"/>
+                    <a:lumOff val="25000"/>
+                  </a:schemeClr>
+                </a:solidFill>
+              </a:rPr>
+              <a:t>Click Model</a:t>
+            </a:r>
+            <a:endParaRPr kumimoji="1" lang="ja-JP" altLang="en-US" sz="1200" dirty="0" smtClean="0">
+              <a:solidFill>
+                <a:schemeClr val="tx1">
+                  <a:lumMod val="75000"/>
+                  <a:lumOff val="25000"/>
+                </a:schemeClr>
+              </a:solidFill>
+            </a:endParaRPr>
+          </a:p>
+        </p:txBody>
+      </p:sp>
+      <p:sp>
+        <p:nvSpPr>
+          <p:cNvPr id="77" name="メモ 76"/>
+          <p:cNvSpPr/>
+          <p:nvPr/>
+        </p:nvSpPr>
+        <p:spPr>
+          <a:xfrm>
+            <a:off x="2187210" y="1774843"/>
+            <a:ext cx="1020233" cy="483206"/>
+          </a:xfrm>
+          <a:prstGeom prst="foldedCorner">
+            <a:avLst/>
+          </a:prstGeom>
+          <a:solidFill>
+            <a:schemeClr val="bg2"/>
+          </a:solidFill>
+          <a:ln>
+            <a:solidFill>
+              <a:schemeClr val="tx1">
+                <a:lumMod val="65000"/>
+                <a:lumOff val="35000"/>
+              </a:schemeClr>
+            </a:solidFill>
+          </a:ln>
+        </p:spPr>
+        <p:style>
+          <a:lnRef idx="2">
+            <a:schemeClr val="accent1">
+              <a:shade val="50000"/>
+            </a:schemeClr>
+          </a:lnRef>
+          <a:fillRef idx="1">
+            <a:schemeClr val="accent1"/>
+          </a:fillRef>
+          <a:effectRef idx="0">
+            <a:schemeClr val="accent1"/>
+          </a:effectRef>
+          <a:fontRef idx="minor">
+            <a:schemeClr val="lt1"/>
+          </a:fontRef>
+        </p:style>
+        <p:txBody>
+          <a:bodyPr rtlCol="0" anchor="ctr"/>
+          <a:lstStyle/>
+          <a:p>
+            <a:pPr algn="ctr"/>
+            <a:r>
+              <a:rPr lang="en-US" altLang="ja-JP" sz="1100" dirty="0" smtClean="0">
+                <a:solidFill>
+                  <a:schemeClr val="tx1">
+                    <a:lumMod val="75000"/>
+                    <a:lumOff val="25000"/>
+                  </a:schemeClr>
+                </a:solidFill>
+              </a:rPr>
+              <a:t>Impression &amp; Click Log</a:t>
+            </a:r>
+          </a:p>
+        </p:txBody>
+      </p:sp>
+      <p:cxnSp>
+        <p:nvCxnSpPr>
+          <p:cNvPr id="78" name="カギ線コネクタ 77"/>
+          <p:cNvCxnSpPr>
+            <a:stCxn id="77" idx="2"/>
+            <a:endCxn id="62" idx="0"/>
+          </p:cNvCxnSpPr>
+          <p:nvPr/>
+        </p:nvCxnSpPr>
+        <p:spPr>
+          <a:xfrm rot="16200000" flipH="1">
+            <a:off x="2562986" y="2392390"/>
+            <a:ext cx="471049" cy="202366"/>
+          </a:xfrm>
+          <a:prstGeom prst="bentConnector3">
+            <a:avLst>
+              <a:gd name="adj1" fmla="val 50000"/>
+            </a:avLst>
+          </a:prstGeom>
+          <a:ln w="15875">
+            <a:solidFill>
+              <a:schemeClr val="tx1">
+                <a:lumMod val="75000"/>
+                <a:lumOff val="25000"/>
+              </a:schemeClr>
+            </a:solidFill>
+            <a:tailEnd type="arrow"/>
+          </a:ln>
+        </p:spPr>
+        <p:style>
+          <a:lnRef idx="1">
+            <a:schemeClr val="accent1"/>
+          </a:lnRef>
+          <a:fillRef idx="0">
+            <a:schemeClr val="accent1"/>
+          </a:fillRef>
+          <a:effectRef idx="0">
+            <a:schemeClr val="accent1"/>
+          </a:effectRef>
+          <a:fontRef idx="minor">
+            <a:schemeClr val="tx1"/>
+          </a:fontRef>
+        </p:style>
+      </p:cxnSp>
+      <p:sp>
+        <p:nvSpPr>
+          <p:cNvPr id="85" name="テキスト ボックス 84"/>
+          <p:cNvSpPr txBox="1"/>
+          <p:nvPr/>
+        </p:nvSpPr>
+        <p:spPr>
+          <a:xfrm>
+            <a:off x="3198234" y="1754320"/>
+            <a:ext cx="897037" cy="577081"/>
+          </a:xfrm>
+          <a:prstGeom prst="rect">
+            <a:avLst/>
+          </a:prstGeom>
+          <a:noFill/>
+        </p:spPr>
+        <p:txBody>
+          <a:bodyPr wrap="square" rtlCol="0">
+            <a:spAutoFit/>
+          </a:bodyPr>
+          <a:lstStyle/>
+          <a:p>
+            <a:r>
+              <a:rPr lang="en-US" altLang="ja-JP" sz="1050" dirty="0" smtClean="0">
+                <a:solidFill>
+                  <a:schemeClr val="tx1">
+                    <a:lumMod val="75000"/>
+                    <a:lumOff val="25000"/>
+                  </a:schemeClr>
+                </a:solidFill>
+              </a:rPr>
+              <a:t>query</a:t>
+            </a:r>
+          </a:p>
+          <a:p>
+            <a:r>
+              <a:rPr lang="en-US" altLang="ja-JP" sz="1050" dirty="0">
+                <a:solidFill>
+                  <a:schemeClr val="tx1">
+                    <a:lumMod val="75000"/>
+                    <a:lumOff val="25000"/>
+                  </a:schemeClr>
+                </a:solidFill>
+              </a:rPr>
+              <a:t>i</a:t>
+            </a:r>
+            <a:r>
+              <a:rPr lang="en-US" altLang="ja-JP" sz="1050" dirty="0" smtClean="0">
+                <a:solidFill>
+                  <a:schemeClr val="tx1">
+                    <a:lumMod val="75000"/>
+                    <a:lumOff val="25000"/>
+                  </a:schemeClr>
+                </a:solidFill>
+              </a:rPr>
+              <a:t>mpressions</a:t>
+            </a:r>
+          </a:p>
+          <a:p>
+            <a:r>
+              <a:rPr lang="en-US" altLang="ja-JP" sz="1050" dirty="0" smtClean="0">
+                <a:solidFill>
+                  <a:schemeClr val="tx1">
+                    <a:lumMod val="75000"/>
+                    <a:lumOff val="25000"/>
+                  </a:schemeClr>
+                </a:solidFill>
+              </a:rPr>
+              <a:t>clicks</a:t>
+            </a:r>
+          </a:p>
+        </p:txBody>
+      </p:sp>
+      <p:sp>
+        <p:nvSpPr>
+          <p:cNvPr id="86" name="テキスト ボックス 85"/>
+          <p:cNvSpPr txBox="1"/>
+          <p:nvPr/>
+        </p:nvSpPr>
+        <p:spPr>
+          <a:xfrm>
+            <a:off x="2129006" y="2233181"/>
+            <a:ext cx="1444651" cy="253916"/>
+          </a:xfrm>
+          <a:prstGeom prst="rect">
+            <a:avLst/>
+          </a:prstGeom>
+          <a:noFill/>
+        </p:spPr>
+        <p:txBody>
+          <a:bodyPr wrap="square" rtlCol="0">
+            <a:spAutoFit/>
+          </a:bodyPr>
+          <a:lstStyle/>
+          <a:p>
+            <a:r>
+              <a:rPr lang="en-US" altLang="ja-JP" sz="1050" dirty="0" smtClean="0">
+                <a:solidFill>
+                  <a:schemeClr val="tx1">
+                    <a:lumMod val="75000"/>
+                    <a:lumOff val="25000"/>
+                  </a:schemeClr>
+                </a:solidFill>
+              </a:rPr>
+              <a:t>import</a:t>
+            </a:r>
+          </a:p>
+        </p:txBody>
+      </p:sp>
+      <p:cxnSp>
+        <p:nvCxnSpPr>
+          <p:cNvPr id="97" name="カギ線コネクタ 96"/>
+          <p:cNvCxnSpPr>
+            <a:stCxn id="62" idx="3"/>
+            <a:endCxn id="83" idx="1"/>
+          </p:cNvCxnSpPr>
+          <p:nvPr/>
+        </p:nvCxnSpPr>
+        <p:spPr>
+          <a:xfrm>
+            <a:off x="3376813" y="2896008"/>
+            <a:ext cx="1377824" cy="377982"/>
+          </a:xfrm>
+          <a:prstGeom prst="bentConnector3">
+            <a:avLst>
+              <a:gd name="adj1" fmla="val 50000"/>
+            </a:avLst>
+          </a:prstGeom>
+          <a:ln w="15875">
+            <a:solidFill>
+              <a:schemeClr val="tx1">
+                <a:lumMod val="75000"/>
+                <a:lumOff val="25000"/>
+              </a:schemeClr>
+            </a:solidFill>
+            <a:tailEnd type="arrow"/>
+          </a:ln>
+        </p:spPr>
+        <p:style>
+          <a:lnRef idx="1">
+            <a:schemeClr val="accent1"/>
+          </a:lnRef>
+          <a:fillRef idx="0">
+            <a:schemeClr val="accent1"/>
+          </a:fillRef>
+          <a:effectRef idx="0">
+            <a:schemeClr val="accent1"/>
+          </a:effectRef>
+          <a:fontRef idx="minor">
+            <a:schemeClr val="tx1"/>
+          </a:fontRef>
+        </p:style>
+      </p:cxnSp>
+      <p:cxnSp>
+        <p:nvCxnSpPr>
+          <p:cNvPr id="131" name="カギ線コネクタ 130"/>
+          <p:cNvCxnSpPr/>
+          <p:nvPr/>
+        </p:nvCxnSpPr>
+        <p:spPr>
+          <a:xfrm rot="16200000" flipH="1">
+            <a:off x="3414091" y="3401163"/>
+            <a:ext cx="967798" cy="502477"/>
+          </a:xfrm>
+          <a:prstGeom prst="bentConnector3">
+            <a:avLst>
+              <a:gd name="adj1" fmla="val 42310"/>
+            </a:avLst>
+          </a:prstGeom>
+          <a:ln w="12700">
+            <a:solidFill>
+              <a:schemeClr val="tx1">
+                <a:lumMod val="75000"/>
+                <a:lumOff val="25000"/>
+              </a:schemeClr>
+            </a:solidFill>
+            <a:tailEnd type="arrow"/>
+          </a:ln>
+        </p:spPr>
+        <p:style>
+          <a:lnRef idx="1">
+            <a:schemeClr val="accent1"/>
+          </a:lnRef>
+          <a:fillRef idx="0">
+            <a:schemeClr val="accent1"/>
+          </a:fillRef>
+          <a:effectRef idx="0">
+            <a:schemeClr val="accent1"/>
+          </a:effectRef>
+          <a:fontRef idx="minor">
+            <a:schemeClr val="tx1"/>
+          </a:fontRef>
+        </p:style>
+      </p:cxnSp>
+      <p:cxnSp>
+        <p:nvCxnSpPr>
+          <p:cNvPr id="138" name="直線コネクタ 137"/>
+          <p:cNvCxnSpPr/>
+          <p:nvPr/>
+        </p:nvCxnSpPr>
+        <p:spPr>
+          <a:xfrm>
+            <a:off x="2311279" y="3168502"/>
+            <a:ext cx="1335473" cy="0"/>
+          </a:xfrm>
+          <a:prstGeom prst="line">
+            <a:avLst/>
+          </a:prstGeom>
+          <a:ln w="12700">
+            <a:solidFill>
+              <a:schemeClr val="tx1">
+                <a:lumMod val="75000"/>
+                <a:lumOff val="25000"/>
+              </a:schemeClr>
+            </a:solidFill>
+          </a:ln>
+        </p:spPr>
+        <p:style>
+          <a:lnRef idx="1">
+            <a:schemeClr val="accent1"/>
+          </a:lnRef>
+          <a:fillRef idx="0">
+            <a:schemeClr val="accent1"/>
+          </a:fillRef>
+          <a:effectRef idx="0">
+            <a:schemeClr val="accent1"/>
+          </a:effectRef>
+          <a:fontRef idx="minor">
+            <a:schemeClr val="tx1"/>
+          </a:fontRef>
+        </p:style>
+      </p:cxnSp>
+      <p:cxnSp>
+        <p:nvCxnSpPr>
+          <p:cNvPr id="140" name="直線コネクタ 139"/>
+          <p:cNvCxnSpPr/>
+          <p:nvPr/>
+        </p:nvCxnSpPr>
+        <p:spPr>
+          <a:xfrm flipH="1">
+            <a:off x="2979015" y="3062917"/>
+            <a:ext cx="1" cy="105585"/>
+          </a:xfrm>
+          <a:prstGeom prst="line">
+            <a:avLst/>
+          </a:prstGeom>
+          <a:ln w="12700">
+            <a:solidFill>
+              <a:schemeClr val="tx1">
+                <a:lumMod val="75000"/>
+                <a:lumOff val="25000"/>
+              </a:schemeClr>
+            </a:solidFill>
+          </a:ln>
+        </p:spPr>
+        <p:style>
+          <a:lnRef idx="1">
+            <a:schemeClr val="accent1"/>
+          </a:lnRef>
+          <a:fillRef idx="0">
+            <a:schemeClr val="accent1"/>
+          </a:fillRef>
+          <a:effectRef idx="0">
+            <a:schemeClr val="accent1"/>
+          </a:effectRef>
+          <a:fontRef idx="minor">
+            <a:schemeClr val="tx1"/>
+          </a:fontRef>
+        </p:style>
+      </p:cxnSp>
+      <p:cxnSp>
+        <p:nvCxnSpPr>
+          <p:cNvPr id="166" name="カギ線コネクタ 165"/>
+          <p:cNvCxnSpPr/>
+          <p:nvPr/>
+        </p:nvCxnSpPr>
+        <p:spPr>
+          <a:xfrm rot="5400000">
+            <a:off x="1642669" y="3449480"/>
+            <a:ext cx="949588" cy="387632"/>
+          </a:xfrm>
+          <a:prstGeom prst="bentConnector3">
+            <a:avLst>
+              <a:gd name="adj1" fmla="val 50000"/>
+            </a:avLst>
+          </a:prstGeom>
+          <a:ln w="12700">
+            <a:solidFill>
+              <a:schemeClr val="tx1">
+                <a:lumMod val="75000"/>
+                <a:lumOff val="25000"/>
+              </a:schemeClr>
+            </a:solidFill>
+            <a:tailEnd type="arrow"/>
+          </a:ln>
+        </p:spPr>
+        <p:style>
+          <a:lnRef idx="1">
+            <a:schemeClr val="accent1"/>
+          </a:lnRef>
+          <a:fillRef idx="0">
+            <a:schemeClr val="accent1"/>
+          </a:fillRef>
+          <a:effectRef idx="0">
+            <a:schemeClr val="accent1"/>
+          </a:effectRef>
+          <a:fontRef idx="minor">
+            <a:schemeClr val="tx1"/>
+          </a:fontRef>
+        </p:style>
+      </p:cxnSp>
+      <p:sp>
+        <p:nvSpPr>
+          <p:cNvPr id="175" name="テキスト ボックス 174"/>
+          <p:cNvSpPr txBox="1"/>
+          <p:nvPr/>
+        </p:nvSpPr>
+        <p:spPr>
+          <a:xfrm>
+            <a:off x="3943828" y="3397146"/>
+            <a:ext cx="875274" cy="415498"/>
+          </a:xfrm>
+          <a:prstGeom prst="rect">
+            <a:avLst/>
+          </a:prstGeom>
+          <a:noFill/>
+        </p:spPr>
+        <p:txBody>
+          <a:bodyPr wrap="square" rtlCol="0">
+            <a:spAutoFit/>
+          </a:bodyPr>
+          <a:lstStyle/>
+          <a:p>
+            <a:r>
+              <a:rPr lang="en-US" altLang="ja-JP" sz="1050" dirty="0" smtClean="0">
+                <a:solidFill>
+                  <a:schemeClr val="tx1">
+                    <a:lumMod val="75000"/>
+                    <a:lumOff val="25000"/>
+                  </a:schemeClr>
+                </a:solidFill>
+              </a:rPr>
+              <a:t>Analyze</a:t>
+            </a:r>
+          </a:p>
+          <a:p>
+            <a:r>
+              <a:rPr lang="en-US" altLang="ja-JP" sz="1050" dirty="0" smtClean="0">
+                <a:solidFill>
+                  <a:schemeClr val="tx1">
+                    <a:lumMod val="75000"/>
+                    <a:lumOff val="25000"/>
+                  </a:schemeClr>
+                </a:solidFill>
+              </a:rPr>
+              <a:t>and import</a:t>
             </a:r>
           </a:p>
         </p:txBody>
@@ -19662,14 +20345,6 @@
               </a:rPr>
               <a:t>Trainer</a:t>
             </a:r>
-            <a:endParaRPr lang="en-US" altLang="ja-JP" sz="1600" b="1" dirty="0" smtClean="0">
-              <a:solidFill>
-                <a:schemeClr val="tx1">
-                  <a:lumMod val="75000"/>
-                  <a:lumOff val="25000"/>
-                </a:schemeClr>
-              </a:solidFill>
-            </a:endParaRPr>
           </a:p>
         </p:txBody>
       </p:sp>
@@ -22603,14 +23278,6 @@
               </a:rPr>
               <a:t>learning data</a:t>
             </a:r>
-            <a:endParaRPr lang="en-US" altLang="ja-JP" sz="1200" dirty="0" smtClean="0">
-              <a:solidFill>
-                <a:schemeClr val="tx1">
-                  <a:lumMod val="75000"/>
-                  <a:lumOff val="25000"/>
-                </a:schemeClr>
-              </a:solidFill>
-            </a:endParaRPr>
           </a:p>
           <a:p>
             <a:r>
@@ -22731,14 +23398,6 @@
               </a:rPr>
               <a:t>Trainer</a:t>
             </a:r>
-            <a:endParaRPr lang="en-US" altLang="ja-JP" sz="1600" b="1" dirty="0" smtClean="0">
-              <a:solidFill>
-                <a:schemeClr val="tx1">
-                  <a:lumMod val="75000"/>
-                  <a:lumOff val="25000"/>
-                </a:schemeClr>
-              </a:solidFill>
-            </a:endParaRPr>
           </a:p>
         </p:txBody>
       </p:sp>
@@ -23076,6 +23735,6814 @@
     <p:extLst>
       <p:ext uri="{BB962C8B-B14F-4D97-AF65-F5344CB8AC3E}">
         <p14:creationId xmlns:p14="http://schemas.microsoft.com/office/powerpoint/2010/main" val="2572802797"/>
+      </p:ext>
+    </p:extLst>
+  </p:cSld>
+  <p:clrMapOvr>
+    <a:masterClrMapping/>
+  </p:clrMapOvr>
+  <p:timing>
+    <p:tnLst>
+      <p:par>
+        <p:cTn id="1" dur="indefinite" restart="never" nodeType="tmRoot"/>
+      </p:par>
+    </p:tnLst>
+  </p:timing>
+</p:sld>
+</file>
+
+<file path=ppt/slides/slide7.xml><?xml version="1.0" encoding="utf-8"?>
+<p:sld xmlns:a="http://schemas.openxmlformats.org/drawingml/2006/main" xmlns:r="http://schemas.openxmlformats.org/officeDocument/2006/relationships" xmlns:p="http://schemas.openxmlformats.org/presentationml/2006/main">
+  <p:cSld>
+    <p:spTree>
+      <p:nvGrpSpPr>
+        <p:cNvPr id="1" name=""/>
+        <p:cNvGrpSpPr/>
+        <p:nvPr/>
+      </p:nvGrpSpPr>
+      <p:grpSpPr>
+        <a:xfrm>
+          <a:off x="0" y="0"/>
+          <a:ext cx="0" cy="0"/>
+          <a:chOff x="0" y="0"/>
+          <a:chExt cx="0" cy="0"/>
+        </a:xfrm>
+      </p:grpSpPr>
+      <p:sp>
+        <p:nvSpPr>
+          <p:cNvPr id="96" name="正方形/長方形 95"/>
+          <p:cNvSpPr/>
+          <p:nvPr/>
+        </p:nvSpPr>
+        <p:spPr>
+          <a:xfrm>
+            <a:off x="3930695" y="2090057"/>
+            <a:ext cx="5084863" cy="3265714"/>
+          </a:xfrm>
+          <a:prstGeom prst="rect">
+            <a:avLst/>
+          </a:prstGeom>
+          <a:solidFill>
+            <a:schemeClr val="bg2"/>
+          </a:solidFill>
+          <a:ln>
+            <a:solidFill>
+              <a:schemeClr val="tx1">
+                <a:lumMod val="75000"/>
+                <a:lumOff val="25000"/>
+              </a:schemeClr>
+            </a:solidFill>
+          </a:ln>
+        </p:spPr>
+        <p:style>
+          <a:lnRef idx="2">
+            <a:schemeClr val="accent1">
+              <a:shade val="50000"/>
+            </a:schemeClr>
+          </a:lnRef>
+          <a:fillRef idx="1">
+            <a:schemeClr val="accent1"/>
+          </a:fillRef>
+          <a:effectRef idx="0">
+            <a:schemeClr val="accent1"/>
+          </a:effectRef>
+          <a:fontRef idx="minor">
+            <a:schemeClr val="lt1"/>
+          </a:fontRef>
+        </p:style>
+        <p:txBody>
+          <a:bodyPr rot="0" spcFirstLastPara="0" vertOverflow="overflow" horzOverflow="overflow" vert="horz" wrap="square" lIns="91440" tIns="45720" rIns="91440" bIns="45720" numCol="1" spcCol="0" rtlCol="0" fromWordArt="0" anchor="ctr" anchorCtr="0" forceAA="0" compatLnSpc="1">
+            <a:prstTxWarp prst="textNoShape">
+              <a:avLst/>
+            </a:prstTxWarp>
+            <a:noAutofit/>
+          </a:bodyPr>
+          <a:lstStyle/>
+          <a:p>
+            <a:pPr algn="ctr"/>
+            <a:endParaRPr kumimoji="1" lang="en-US" altLang="ja-JP" b="1" dirty="0" smtClean="0">
+              <a:solidFill>
+                <a:schemeClr val="tx1">
+                  <a:lumMod val="75000"/>
+                  <a:lumOff val="25000"/>
+                </a:schemeClr>
+              </a:solidFill>
+            </a:endParaRPr>
+          </a:p>
+        </p:txBody>
+      </p:sp>
+      <p:sp>
+        <p:nvSpPr>
+          <p:cNvPr id="62" name="角丸四角形 61"/>
+          <p:cNvSpPr/>
+          <p:nvPr/>
+        </p:nvSpPr>
+        <p:spPr>
+          <a:xfrm>
+            <a:off x="4070011" y="2208810"/>
+            <a:ext cx="1879489" cy="2945081"/>
+          </a:xfrm>
+          <a:prstGeom prst="roundRect">
+            <a:avLst/>
+          </a:prstGeom>
+          <a:solidFill>
+            <a:schemeClr val="bg1">
+              <a:lumMod val="95000"/>
+            </a:schemeClr>
+          </a:solidFill>
+          <a:ln w="9525">
+            <a:solidFill>
+              <a:schemeClr val="tx1">
+                <a:lumMod val="75000"/>
+                <a:lumOff val="25000"/>
+              </a:schemeClr>
+            </a:solidFill>
+          </a:ln>
+        </p:spPr>
+        <p:style>
+          <a:lnRef idx="2">
+            <a:schemeClr val="accent1">
+              <a:shade val="50000"/>
+            </a:schemeClr>
+          </a:lnRef>
+          <a:fillRef idx="1">
+            <a:schemeClr val="accent1"/>
+          </a:fillRef>
+          <a:effectRef idx="0">
+            <a:schemeClr val="accent1"/>
+          </a:effectRef>
+          <a:fontRef idx="minor">
+            <a:schemeClr val="lt1"/>
+          </a:fontRef>
+        </p:style>
+        <p:txBody>
+          <a:bodyPr rot="0" spcFirstLastPara="0" vertOverflow="overflow" horzOverflow="overflow" vert="horz" wrap="square" lIns="91440" tIns="45720" rIns="91440" bIns="45720" numCol="1" spcCol="0" rtlCol="0" fromWordArt="0" anchor="ctr" anchorCtr="0" forceAA="0" compatLnSpc="1">
+            <a:prstTxWarp prst="textNoShape">
+              <a:avLst/>
+            </a:prstTxWarp>
+            <a:noAutofit/>
+          </a:bodyPr>
+          <a:lstStyle/>
+          <a:p>
+            <a:pPr algn="ctr"/>
+            <a:endParaRPr kumimoji="1" lang="ja-JP" altLang="en-US" sz="1200" dirty="0" smtClean="0">
+              <a:solidFill>
+                <a:schemeClr val="tx1">
+                  <a:lumMod val="75000"/>
+                  <a:lumOff val="25000"/>
+                </a:schemeClr>
+              </a:solidFill>
+            </a:endParaRPr>
+          </a:p>
+        </p:txBody>
+      </p:sp>
+      <p:sp>
+        <p:nvSpPr>
+          <p:cNvPr id="2" name="タイトル 1"/>
+          <p:cNvSpPr>
+            <a:spLocks noGrp="1"/>
+          </p:cNvSpPr>
+          <p:nvPr>
+            <p:ph type="title"/>
+          </p:nvPr>
+        </p:nvSpPr>
+        <p:spPr/>
+        <p:txBody>
+          <a:bodyPr>
+            <a:normAutofit/>
+          </a:bodyPr>
+          <a:lstStyle/>
+          <a:p>
+            <a:r>
+              <a:rPr lang="en-US" altLang="ja-JP" dirty="0" smtClean="0"/>
+              <a:t>LTR</a:t>
+            </a:r>
+            <a:r>
+              <a:rPr kumimoji="1" lang="en-US" altLang="ja-JP" dirty="0" smtClean="0"/>
+              <a:t>: Import</a:t>
+            </a:r>
+            <a:endParaRPr kumimoji="1" lang="ja-JP" altLang="en-US" dirty="0"/>
+          </a:p>
+        </p:txBody>
+      </p:sp>
+      <p:sp>
+        <p:nvSpPr>
+          <p:cNvPr id="83" name="角丸四角形 82"/>
+          <p:cNvSpPr/>
+          <p:nvPr/>
+        </p:nvSpPr>
+        <p:spPr>
+          <a:xfrm>
+            <a:off x="6626404" y="3021029"/>
+            <a:ext cx="916696" cy="505921"/>
+          </a:xfrm>
+          <a:prstGeom prst="roundRect">
+            <a:avLst/>
+          </a:prstGeom>
+          <a:solidFill>
+            <a:schemeClr val="accent3">
+              <a:lumMod val="20000"/>
+              <a:lumOff val="80000"/>
+            </a:schemeClr>
+          </a:solidFill>
+          <a:ln w="9525">
+            <a:solidFill>
+              <a:schemeClr val="tx1">
+                <a:lumMod val="75000"/>
+                <a:lumOff val="25000"/>
+              </a:schemeClr>
+            </a:solidFill>
+          </a:ln>
+        </p:spPr>
+        <p:style>
+          <a:lnRef idx="2">
+            <a:schemeClr val="accent1">
+              <a:shade val="50000"/>
+            </a:schemeClr>
+          </a:lnRef>
+          <a:fillRef idx="1">
+            <a:schemeClr val="accent1"/>
+          </a:fillRef>
+          <a:effectRef idx="0">
+            <a:schemeClr val="accent1"/>
+          </a:effectRef>
+          <a:fontRef idx="minor">
+            <a:schemeClr val="lt1"/>
+          </a:fontRef>
+        </p:style>
+        <p:txBody>
+          <a:bodyPr rot="0" spcFirstLastPara="0" vertOverflow="overflow" horzOverflow="overflow" vert="horz" wrap="square" lIns="91440" tIns="45720" rIns="91440" bIns="45720" numCol="1" spcCol="0" rtlCol="0" fromWordArt="0" anchor="ctr" anchorCtr="0" forceAA="0" compatLnSpc="1">
+            <a:prstTxWarp prst="textNoShape">
+              <a:avLst/>
+            </a:prstTxWarp>
+            <a:noAutofit/>
+          </a:bodyPr>
+          <a:lstStyle/>
+          <a:p>
+            <a:pPr algn="ctr"/>
+            <a:r>
+              <a:rPr kumimoji="1" lang="en-US" altLang="ja-JP" sz="1200" dirty="0" smtClean="0">
+                <a:solidFill>
+                  <a:schemeClr val="tx1">
+                    <a:lumMod val="75000"/>
+                    <a:lumOff val="25000"/>
+                  </a:schemeClr>
+                </a:solidFill>
+              </a:rPr>
+              <a:t>Feature</a:t>
+            </a:r>
+          </a:p>
+          <a:p>
+            <a:pPr algn="ctr"/>
+            <a:r>
+              <a:rPr lang="en-US" altLang="ja-JP" sz="1200" dirty="0" smtClean="0">
+                <a:solidFill>
+                  <a:schemeClr val="tx1">
+                    <a:lumMod val="75000"/>
+                    <a:lumOff val="25000"/>
+                  </a:schemeClr>
+                </a:solidFill>
+              </a:rPr>
+              <a:t>extraction</a:t>
+            </a:r>
+            <a:endParaRPr kumimoji="1" lang="ja-JP" altLang="en-US" sz="1200" dirty="0" smtClean="0">
+              <a:solidFill>
+                <a:schemeClr val="tx1">
+                  <a:lumMod val="75000"/>
+                  <a:lumOff val="25000"/>
+                </a:schemeClr>
+              </a:solidFill>
+            </a:endParaRPr>
+          </a:p>
+        </p:txBody>
+      </p:sp>
+      <p:sp>
+        <p:nvSpPr>
+          <p:cNvPr id="84" name="角丸四角形 83"/>
+          <p:cNvSpPr/>
+          <p:nvPr/>
+        </p:nvSpPr>
+        <p:spPr>
+          <a:xfrm>
+            <a:off x="7676195" y="3021029"/>
+            <a:ext cx="1242148" cy="503745"/>
+          </a:xfrm>
+          <a:prstGeom prst="roundRect">
+            <a:avLst/>
+          </a:prstGeom>
+          <a:solidFill>
+            <a:schemeClr val="accent3">
+              <a:lumMod val="20000"/>
+              <a:lumOff val="80000"/>
+            </a:schemeClr>
+          </a:solidFill>
+          <a:ln w="9525">
+            <a:solidFill>
+              <a:schemeClr val="tx1">
+                <a:lumMod val="75000"/>
+                <a:lumOff val="25000"/>
+              </a:schemeClr>
+            </a:solidFill>
+          </a:ln>
+        </p:spPr>
+        <p:style>
+          <a:lnRef idx="2">
+            <a:schemeClr val="accent1">
+              <a:shade val="50000"/>
+            </a:schemeClr>
+          </a:lnRef>
+          <a:fillRef idx="1">
+            <a:schemeClr val="accent1"/>
+          </a:fillRef>
+          <a:effectRef idx="0">
+            <a:schemeClr val="accent1"/>
+          </a:effectRef>
+          <a:fontRef idx="minor">
+            <a:schemeClr val="lt1"/>
+          </a:fontRef>
+        </p:style>
+        <p:txBody>
+          <a:bodyPr rot="0" spcFirstLastPara="0" vertOverflow="overflow" horzOverflow="overflow" vert="horz" wrap="square" lIns="91440" tIns="45720" rIns="91440" bIns="45720" numCol="1" spcCol="0" rtlCol="0" fromWordArt="0" anchor="ctr" anchorCtr="0" forceAA="0" compatLnSpc="1">
+            <a:prstTxWarp prst="textNoShape">
+              <a:avLst/>
+            </a:prstTxWarp>
+            <a:noAutofit/>
+          </a:bodyPr>
+          <a:lstStyle/>
+          <a:p>
+            <a:pPr algn="ctr"/>
+            <a:r>
+              <a:rPr kumimoji="1" lang="en-US" altLang="ja-JP" sz="1200" dirty="0" smtClean="0">
+                <a:solidFill>
+                  <a:schemeClr val="tx1">
+                    <a:lumMod val="75000"/>
+                    <a:lumOff val="25000"/>
+                  </a:schemeClr>
+                </a:solidFill>
+              </a:rPr>
+              <a:t>Train and</a:t>
+            </a:r>
+          </a:p>
+          <a:p>
+            <a:pPr algn="ctr"/>
+            <a:r>
+              <a:rPr lang="en-US" altLang="ja-JP" sz="1200" dirty="0" smtClean="0">
+                <a:solidFill>
+                  <a:schemeClr val="tx1">
+                    <a:lumMod val="75000"/>
+                    <a:lumOff val="25000"/>
+                  </a:schemeClr>
+                </a:solidFill>
+              </a:rPr>
+              <a:t>Model creation</a:t>
+            </a:r>
+            <a:endParaRPr kumimoji="1" lang="ja-JP" altLang="en-US" sz="1200" dirty="0" smtClean="0">
+              <a:solidFill>
+                <a:schemeClr val="tx1">
+                  <a:lumMod val="75000"/>
+                  <a:lumOff val="25000"/>
+                </a:schemeClr>
+              </a:solidFill>
+            </a:endParaRPr>
+          </a:p>
+        </p:txBody>
+      </p:sp>
+      <p:sp>
+        <p:nvSpPr>
+          <p:cNvPr id="165" name="円柱 164"/>
+          <p:cNvSpPr/>
+          <p:nvPr/>
+        </p:nvSpPr>
+        <p:spPr>
+          <a:xfrm>
+            <a:off x="4704027" y="4280548"/>
+            <a:ext cx="881504" cy="786149"/>
+          </a:xfrm>
+          <a:prstGeom prst="can">
+            <a:avLst/>
+          </a:prstGeom>
+          <a:solidFill>
+            <a:schemeClr val="bg2"/>
+          </a:solidFill>
+          <a:ln>
+            <a:solidFill>
+              <a:schemeClr val="tx1">
+                <a:lumMod val="75000"/>
+                <a:lumOff val="25000"/>
+              </a:schemeClr>
+            </a:solidFill>
+          </a:ln>
+        </p:spPr>
+        <p:style>
+          <a:lnRef idx="2">
+            <a:schemeClr val="accent1">
+              <a:shade val="50000"/>
+            </a:schemeClr>
+          </a:lnRef>
+          <a:fillRef idx="1">
+            <a:schemeClr val="accent1"/>
+          </a:fillRef>
+          <a:effectRef idx="0">
+            <a:schemeClr val="accent1"/>
+          </a:effectRef>
+          <a:fontRef idx="minor">
+            <a:schemeClr val="lt1"/>
+          </a:fontRef>
+        </p:style>
+        <p:txBody>
+          <a:bodyPr rtlCol="0" anchor="ctr"/>
+          <a:lstStyle/>
+          <a:p>
+            <a:pPr algn="ctr"/>
+            <a:r>
+              <a:rPr kumimoji="1" lang="en-US" altLang="ja-JP" sz="1200" dirty="0" smtClean="0">
+                <a:solidFill>
+                  <a:schemeClr val="tx1">
+                    <a:lumMod val="75000"/>
+                    <a:lumOff val="25000"/>
+                  </a:schemeClr>
+                </a:solidFill>
+              </a:rPr>
+              <a:t>Query &amp;</a:t>
+            </a:r>
+          </a:p>
+          <a:p>
+            <a:pPr algn="ctr"/>
+            <a:r>
+              <a:rPr kumimoji="1" lang="en-US" altLang="ja-JP" sz="1200" dirty="0" smtClean="0">
+                <a:solidFill>
+                  <a:schemeClr val="tx1">
+                    <a:lumMod val="75000"/>
+                    <a:lumOff val="25000"/>
+                  </a:schemeClr>
+                </a:solidFill>
+              </a:rPr>
+              <a:t>Annotation</a:t>
+            </a:r>
+          </a:p>
+          <a:p>
+            <a:pPr algn="ctr"/>
+            <a:r>
+              <a:rPr lang="en-US" altLang="ja-JP" sz="1200" dirty="0" smtClean="0">
+                <a:solidFill>
+                  <a:schemeClr val="tx1">
+                    <a:lumMod val="75000"/>
+                    <a:lumOff val="25000"/>
+                  </a:schemeClr>
+                </a:solidFill>
+              </a:rPr>
+              <a:t>Data</a:t>
+            </a:r>
+            <a:endParaRPr kumimoji="1" lang="ja-JP" altLang="en-US" sz="1200" dirty="0">
+              <a:solidFill>
+                <a:schemeClr val="tx1">
+                  <a:lumMod val="75000"/>
+                  <a:lumOff val="25000"/>
+                </a:schemeClr>
+              </a:solidFill>
+            </a:endParaRPr>
+          </a:p>
+        </p:txBody>
+      </p:sp>
+      <p:cxnSp>
+        <p:nvCxnSpPr>
+          <p:cNvPr id="167" name="カギ線コネクタ 166"/>
+          <p:cNvCxnSpPr>
+            <a:stCxn id="165" idx="2"/>
+            <a:endCxn id="73" idx="3"/>
+          </p:cNvCxnSpPr>
+          <p:nvPr/>
+        </p:nvCxnSpPr>
+        <p:spPr>
+          <a:xfrm rot="10800000">
+            <a:off x="2849197" y="4389029"/>
+            <a:ext cx="1854831" cy="284595"/>
+          </a:xfrm>
+          <a:prstGeom prst="bentConnector3">
+            <a:avLst>
+              <a:gd name="adj1" fmla="val 50000"/>
+            </a:avLst>
+          </a:prstGeom>
+          <a:ln w="12700">
+            <a:solidFill>
+              <a:schemeClr val="tx1">
+                <a:lumMod val="75000"/>
+                <a:lumOff val="25000"/>
+              </a:schemeClr>
+            </a:solidFill>
+            <a:headEnd type="arrow"/>
+            <a:tailEnd type="none"/>
+          </a:ln>
+        </p:spPr>
+        <p:style>
+          <a:lnRef idx="1">
+            <a:schemeClr val="accent1"/>
+          </a:lnRef>
+          <a:fillRef idx="0">
+            <a:schemeClr val="accent1"/>
+          </a:fillRef>
+          <a:effectRef idx="0">
+            <a:schemeClr val="accent1"/>
+          </a:effectRef>
+          <a:fontRef idx="minor">
+            <a:schemeClr val="tx1"/>
+          </a:fontRef>
+        </p:style>
+      </p:cxnSp>
+      <p:sp>
+        <p:nvSpPr>
+          <p:cNvPr id="169" name="テキスト ボックス 168"/>
+          <p:cNvSpPr txBox="1"/>
+          <p:nvPr/>
+        </p:nvSpPr>
+        <p:spPr>
+          <a:xfrm>
+            <a:off x="7863430" y="2122145"/>
+            <a:ext cx="1152128" cy="338554"/>
+          </a:xfrm>
+          <a:prstGeom prst="rect">
+            <a:avLst/>
+          </a:prstGeom>
+          <a:noFill/>
+        </p:spPr>
+        <p:txBody>
+          <a:bodyPr wrap="square" rtlCol="0">
+            <a:spAutoFit/>
+          </a:bodyPr>
+          <a:lstStyle/>
+          <a:p>
+            <a:r>
+              <a:rPr lang="en-US" altLang="ja-JP" sz="1600" b="1" dirty="0" smtClean="0">
+                <a:solidFill>
+                  <a:schemeClr val="tx1">
+                    <a:lumMod val="75000"/>
+                    <a:lumOff val="25000"/>
+                  </a:schemeClr>
+                </a:solidFill>
+              </a:rPr>
+              <a:t>NLP4L-LTR </a:t>
+            </a:r>
+          </a:p>
+        </p:txBody>
+      </p:sp>
+      <p:cxnSp>
+        <p:nvCxnSpPr>
+          <p:cNvPr id="190" name="カギ線コネクタ 189"/>
+          <p:cNvCxnSpPr>
+            <a:stCxn id="83" idx="3"/>
+            <a:endCxn id="84" idx="1"/>
+          </p:cNvCxnSpPr>
+          <p:nvPr/>
+        </p:nvCxnSpPr>
+        <p:spPr>
+          <a:xfrm flipV="1">
+            <a:off x="7543100" y="3272902"/>
+            <a:ext cx="133095" cy="1088"/>
+          </a:xfrm>
+          <a:prstGeom prst="bentConnector3">
+            <a:avLst>
+              <a:gd name="adj1" fmla="val 50000"/>
+            </a:avLst>
+          </a:prstGeom>
+          <a:ln w="15875">
+            <a:solidFill>
+              <a:schemeClr val="tx1">
+                <a:lumMod val="75000"/>
+                <a:lumOff val="25000"/>
+              </a:schemeClr>
+            </a:solidFill>
+            <a:tailEnd type="arrow"/>
+          </a:ln>
+        </p:spPr>
+        <p:style>
+          <a:lnRef idx="1">
+            <a:schemeClr val="accent1"/>
+          </a:lnRef>
+          <a:fillRef idx="0">
+            <a:schemeClr val="accent1"/>
+          </a:fillRef>
+          <a:effectRef idx="0">
+            <a:schemeClr val="accent1"/>
+          </a:effectRef>
+          <a:fontRef idx="minor">
+            <a:schemeClr val="tx1"/>
+          </a:fontRef>
+        </p:style>
+      </p:cxnSp>
+      <p:sp>
+        <p:nvSpPr>
+          <p:cNvPr id="210" name="円柱 209"/>
+          <p:cNvSpPr/>
+          <p:nvPr/>
+        </p:nvSpPr>
+        <p:spPr>
+          <a:xfrm>
+            <a:off x="7398312" y="4367462"/>
+            <a:ext cx="762877" cy="504511"/>
+          </a:xfrm>
+          <a:prstGeom prst="can">
+            <a:avLst/>
+          </a:prstGeom>
+          <a:solidFill>
+            <a:schemeClr val="bg2"/>
+          </a:solidFill>
+          <a:ln>
+            <a:solidFill>
+              <a:schemeClr val="tx1">
+                <a:lumMod val="75000"/>
+                <a:lumOff val="25000"/>
+              </a:schemeClr>
+            </a:solidFill>
+          </a:ln>
+        </p:spPr>
+        <p:style>
+          <a:lnRef idx="2">
+            <a:schemeClr val="accent1">
+              <a:shade val="50000"/>
+            </a:schemeClr>
+          </a:lnRef>
+          <a:fillRef idx="1">
+            <a:schemeClr val="accent1"/>
+          </a:fillRef>
+          <a:effectRef idx="0">
+            <a:schemeClr val="accent1"/>
+          </a:effectRef>
+          <a:fontRef idx="minor">
+            <a:schemeClr val="lt1"/>
+          </a:fontRef>
+        </p:style>
+        <p:txBody>
+          <a:bodyPr rtlCol="0" anchor="ctr"/>
+          <a:lstStyle/>
+          <a:p>
+            <a:pPr algn="ctr"/>
+            <a:r>
+              <a:rPr lang="en-US" altLang="ja-JP" sz="1200" dirty="0">
+                <a:solidFill>
+                  <a:schemeClr val="tx1">
+                    <a:lumMod val="75000"/>
+                    <a:lumOff val="25000"/>
+                  </a:schemeClr>
+                </a:solidFill>
+              </a:rPr>
+              <a:t>F</a:t>
+            </a:r>
+            <a:r>
+              <a:rPr kumimoji="1" lang="en-US" altLang="ja-JP" sz="1200" dirty="0" smtClean="0">
+                <a:solidFill>
+                  <a:schemeClr val="tx1">
+                    <a:lumMod val="75000"/>
+                    <a:lumOff val="25000"/>
+                  </a:schemeClr>
+                </a:solidFill>
+              </a:rPr>
+              <a:t>eature</a:t>
+            </a:r>
+          </a:p>
+          <a:p>
+            <a:pPr algn="ctr"/>
+            <a:r>
+              <a:rPr lang="en-US" altLang="ja-JP" sz="1200" dirty="0" smtClean="0">
+                <a:solidFill>
+                  <a:schemeClr val="tx1">
+                    <a:lumMod val="75000"/>
+                    <a:lumOff val="25000"/>
+                  </a:schemeClr>
+                </a:solidFill>
+              </a:rPr>
+              <a:t>Data</a:t>
+            </a:r>
+            <a:endParaRPr kumimoji="1" lang="ja-JP" altLang="en-US" sz="1200" dirty="0">
+              <a:solidFill>
+                <a:schemeClr val="tx1">
+                  <a:lumMod val="75000"/>
+                  <a:lumOff val="25000"/>
+                </a:schemeClr>
+              </a:solidFill>
+            </a:endParaRPr>
+          </a:p>
+        </p:txBody>
+      </p:sp>
+      <p:cxnSp>
+        <p:nvCxnSpPr>
+          <p:cNvPr id="211" name="カギ線コネクタ 210"/>
+          <p:cNvCxnSpPr>
+            <a:stCxn id="210" idx="1"/>
+          </p:cNvCxnSpPr>
+          <p:nvPr/>
+        </p:nvCxnSpPr>
+        <p:spPr>
+          <a:xfrm rot="16200000" flipV="1">
+            <a:off x="7121138" y="3708849"/>
+            <a:ext cx="817163" cy="500064"/>
+          </a:xfrm>
+          <a:prstGeom prst="bentConnector3">
+            <a:avLst>
+              <a:gd name="adj1" fmla="val 50000"/>
+            </a:avLst>
+          </a:prstGeom>
+          <a:ln w="12700">
+            <a:solidFill>
+              <a:schemeClr val="tx1">
+                <a:lumMod val="75000"/>
+                <a:lumOff val="25000"/>
+              </a:schemeClr>
+            </a:solidFill>
+            <a:headEnd type="arrow"/>
+            <a:tailEnd type="none"/>
+          </a:ln>
+        </p:spPr>
+        <p:style>
+          <a:lnRef idx="1">
+            <a:schemeClr val="accent1"/>
+          </a:lnRef>
+          <a:fillRef idx="0">
+            <a:schemeClr val="accent1"/>
+          </a:fillRef>
+          <a:effectRef idx="0">
+            <a:schemeClr val="accent1"/>
+          </a:effectRef>
+          <a:fontRef idx="minor">
+            <a:schemeClr val="tx1"/>
+          </a:fontRef>
+        </p:style>
+      </p:cxnSp>
+      <p:sp>
+        <p:nvSpPr>
+          <p:cNvPr id="213" name="円柱 212"/>
+          <p:cNvSpPr/>
+          <p:nvPr/>
+        </p:nvSpPr>
+        <p:spPr>
+          <a:xfrm>
+            <a:off x="8226797" y="4358994"/>
+            <a:ext cx="727170" cy="504511"/>
+          </a:xfrm>
+          <a:prstGeom prst="can">
+            <a:avLst/>
+          </a:prstGeom>
+          <a:solidFill>
+            <a:schemeClr val="bg2"/>
+          </a:solidFill>
+          <a:ln>
+            <a:solidFill>
+              <a:schemeClr val="tx1">
+                <a:lumMod val="75000"/>
+                <a:lumOff val="25000"/>
+              </a:schemeClr>
+            </a:solidFill>
+          </a:ln>
+        </p:spPr>
+        <p:style>
+          <a:lnRef idx="2">
+            <a:schemeClr val="accent1">
+              <a:shade val="50000"/>
+            </a:schemeClr>
+          </a:lnRef>
+          <a:fillRef idx="1">
+            <a:schemeClr val="accent1"/>
+          </a:fillRef>
+          <a:effectRef idx="0">
+            <a:schemeClr val="accent1"/>
+          </a:effectRef>
+          <a:fontRef idx="minor">
+            <a:schemeClr val="lt1"/>
+          </a:fontRef>
+        </p:style>
+        <p:txBody>
+          <a:bodyPr rtlCol="0" anchor="ctr"/>
+          <a:lstStyle/>
+          <a:p>
+            <a:pPr algn="ctr"/>
+            <a:r>
+              <a:rPr lang="en-US" altLang="ja-JP" sz="1200" dirty="0" smtClean="0">
+                <a:solidFill>
+                  <a:schemeClr val="tx1">
+                    <a:lumMod val="75000"/>
+                    <a:lumOff val="25000"/>
+                  </a:schemeClr>
+                </a:solidFill>
+              </a:rPr>
+              <a:t>Model</a:t>
+            </a:r>
+            <a:endParaRPr kumimoji="1" lang="en-US" altLang="ja-JP" sz="1200" dirty="0" smtClean="0">
+              <a:solidFill>
+                <a:schemeClr val="tx1">
+                  <a:lumMod val="75000"/>
+                  <a:lumOff val="25000"/>
+                </a:schemeClr>
+              </a:solidFill>
+            </a:endParaRPr>
+          </a:p>
+          <a:p>
+            <a:pPr algn="ctr"/>
+            <a:r>
+              <a:rPr lang="en-US" altLang="ja-JP" sz="1200" dirty="0" smtClean="0">
+                <a:solidFill>
+                  <a:schemeClr val="tx1">
+                    <a:lumMod val="75000"/>
+                    <a:lumOff val="25000"/>
+                  </a:schemeClr>
+                </a:solidFill>
+              </a:rPr>
+              <a:t>Data</a:t>
+            </a:r>
+            <a:endParaRPr kumimoji="1" lang="ja-JP" altLang="en-US" sz="1200" dirty="0">
+              <a:solidFill>
+                <a:schemeClr val="tx1">
+                  <a:lumMod val="75000"/>
+                  <a:lumOff val="25000"/>
+                </a:schemeClr>
+              </a:solidFill>
+            </a:endParaRPr>
+          </a:p>
+        </p:txBody>
+      </p:sp>
+      <p:cxnSp>
+        <p:nvCxnSpPr>
+          <p:cNvPr id="214" name="カギ線コネクタ 213"/>
+          <p:cNvCxnSpPr>
+            <a:stCxn id="213" idx="1"/>
+            <a:endCxn id="84" idx="2"/>
+          </p:cNvCxnSpPr>
+          <p:nvPr/>
+        </p:nvCxnSpPr>
+        <p:spPr>
+          <a:xfrm rot="16200000" flipV="1">
+            <a:off x="8026716" y="3795327"/>
+            <a:ext cx="834220" cy="293113"/>
+          </a:xfrm>
+          <a:prstGeom prst="bentConnector3">
+            <a:avLst>
+              <a:gd name="adj1" fmla="val 50000"/>
+            </a:avLst>
+          </a:prstGeom>
+          <a:ln w="12700">
+            <a:solidFill>
+              <a:schemeClr val="tx1">
+                <a:lumMod val="75000"/>
+                <a:lumOff val="25000"/>
+              </a:schemeClr>
+            </a:solidFill>
+            <a:headEnd type="arrow"/>
+            <a:tailEnd type="none"/>
+          </a:ln>
+        </p:spPr>
+        <p:style>
+          <a:lnRef idx="1">
+            <a:schemeClr val="accent1"/>
+          </a:lnRef>
+          <a:fillRef idx="0">
+            <a:schemeClr val="accent1"/>
+          </a:fillRef>
+          <a:effectRef idx="0">
+            <a:schemeClr val="accent1"/>
+          </a:effectRef>
+          <a:fontRef idx="minor">
+            <a:schemeClr val="tx1"/>
+          </a:fontRef>
+        </p:style>
+      </p:cxnSp>
+      <p:sp>
+        <p:nvSpPr>
+          <p:cNvPr id="77" name="メモ 76"/>
+          <p:cNvSpPr/>
+          <p:nvPr/>
+        </p:nvSpPr>
+        <p:spPr>
+          <a:xfrm>
+            <a:off x="1828964" y="2184520"/>
+            <a:ext cx="1020233" cy="709470"/>
+          </a:xfrm>
+          <a:prstGeom prst="foldedCorner">
+            <a:avLst/>
+          </a:prstGeom>
+          <a:solidFill>
+            <a:schemeClr val="bg2"/>
+          </a:solidFill>
+          <a:ln>
+            <a:solidFill>
+              <a:schemeClr val="tx1">
+                <a:lumMod val="65000"/>
+                <a:lumOff val="35000"/>
+              </a:schemeClr>
+            </a:solidFill>
+          </a:ln>
+        </p:spPr>
+        <p:style>
+          <a:lnRef idx="2">
+            <a:schemeClr val="accent1">
+              <a:shade val="50000"/>
+            </a:schemeClr>
+          </a:lnRef>
+          <a:fillRef idx="1">
+            <a:schemeClr val="accent1"/>
+          </a:fillRef>
+          <a:effectRef idx="0">
+            <a:schemeClr val="accent1"/>
+          </a:effectRef>
+          <a:fontRef idx="minor">
+            <a:schemeClr val="lt1"/>
+          </a:fontRef>
+        </p:style>
+        <p:txBody>
+          <a:bodyPr rtlCol="0" anchor="ctr"/>
+          <a:lstStyle/>
+          <a:p>
+            <a:pPr algn="ctr"/>
+            <a:r>
+              <a:rPr lang="en-US" altLang="ja-JP" sz="1100" dirty="0" smtClean="0">
+                <a:solidFill>
+                  <a:schemeClr val="tx1">
+                    <a:lumMod val="75000"/>
+                    <a:lumOff val="25000"/>
+                  </a:schemeClr>
+                </a:solidFill>
+              </a:rPr>
+              <a:t>Impression Log</a:t>
+            </a:r>
+          </a:p>
+          <a:p>
+            <a:pPr algn="ctr"/>
+            <a:r>
+              <a:rPr lang="en-US" altLang="ja-JP" sz="1100" dirty="0" smtClean="0">
+                <a:solidFill>
+                  <a:schemeClr val="tx1">
+                    <a:lumMod val="75000"/>
+                    <a:lumOff val="25000"/>
+                  </a:schemeClr>
+                </a:solidFill>
+              </a:rPr>
+              <a:t>(</a:t>
+            </a:r>
+            <a:r>
+              <a:rPr lang="en-US" altLang="ja-JP" sz="1100" dirty="0" err="1" smtClean="0">
+                <a:solidFill>
+                  <a:schemeClr val="tx1">
+                    <a:lumMod val="75000"/>
+                    <a:lumOff val="25000"/>
+                  </a:schemeClr>
+                </a:solidFill>
+              </a:rPr>
+              <a:t>json</a:t>
+            </a:r>
+            <a:r>
+              <a:rPr lang="en-US" altLang="ja-JP" sz="1100" dirty="0" smtClean="0">
+                <a:solidFill>
+                  <a:schemeClr val="tx1">
+                    <a:lumMod val="75000"/>
+                    <a:lumOff val="25000"/>
+                  </a:schemeClr>
+                </a:solidFill>
+              </a:rPr>
+              <a:t>)</a:t>
+            </a:r>
+          </a:p>
+        </p:txBody>
+      </p:sp>
+      <p:cxnSp>
+        <p:nvCxnSpPr>
+          <p:cNvPr id="78" name="カギ線コネクタ 77"/>
+          <p:cNvCxnSpPr>
+            <a:stCxn id="77" idx="3"/>
+            <a:endCxn id="101" idx="1"/>
+          </p:cNvCxnSpPr>
+          <p:nvPr/>
+        </p:nvCxnSpPr>
+        <p:spPr>
+          <a:xfrm>
+            <a:off x="2849197" y="2539255"/>
+            <a:ext cx="1344037" cy="396444"/>
+          </a:xfrm>
+          <a:prstGeom prst="bentConnector3">
+            <a:avLst>
+              <a:gd name="adj1" fmla="val 50000"/>
+            </a:avLst>
+          </a:prstGeom>
+          <a:ln w="15875">
+            <a:solidFill>
+              <a:schemeClr val="tx1">
+                <a:lumMod val="75000"/>
+                <a:lumOff val="25000"/>
+              </a:schemeClr>
+            </a:solidFill>
+            <a:tailEnd type="arrow"/>
+          </a:ln>
+        </p:spPr>
+        <p:style>
+          <a:lnRef idx="1">
+            <a:schemeClr val="accent1"/>
+          </a:lnRef>
+          <a:fillRef idx="0">
+            <a:schemeClr val="accent1"/>
+          </a:fillRef>
+          <a:effectRef idx="0">
+            <a:schemeClr val="accent1"/>
+          </a:effectRef>
+          <a:fontRef idx="minor">
+            <a:schemeClr val="tx1"/>
+          </a:fontRef>
+        </p:style>
+      </p:cxnSp>
+      <p:sp>
+        <p:nvSpPr>
+          <p:cNvPr id="86" name="テキスト ボックス 85"/>
+          <p:cNvSpPr txBox="1"/>
+          <p:nvPr/>
+        </p:nvSpPr>
+        <p:spPr>
+          <a:xfrm>
+            <a:off x="3420520" y="2279676"/>
+            <a:ext cx="601991" cy="253916"/>
+          </a:xfrm>
+          <a:prstGeom prst="rect">
+            <a:avLst/>
+          </a:prstGeom>
+          <a:noFill/>
+        </p:spPr>
+        <p:txBody>
+          <a:bodyPr wrap="square" rtlCol="0">
+            <a:spAutoFit/>
+          </a:bodyPr>
+          <a:lstStyle/>
+          <a:p>
+            <a:r>
+              <a:rPr lang="en-US" altLang="ja-JP" sz="1050" dirty="0" smtClean="0">
+                <a:solidFill>
+                  <a:schemeClr val="tx1">
+                    <a:lumMod val="75000"/>
+                    <a:lumOff val="25000"/>
+                  </a:schemeClr>
+                </a:solidFill>
+              </a:rPr>
+              <a:t>import</a:t>
+            </a:r>
+          </a:p>
+        </p:txBody>
+      </p:sp>
+      <p:cxnSp>
+        <p:nvCxnSpPr>
+          <p:cNvPr id="97" name="カギ線コネクタ 96"/>
+          <p:cNvCxnSpPr>
+            <a:stCxn id="165" idx="4"/>
+            <a:endCxn id="83" idx="1"/>
+          </p:cNvCxnSpPr>
+          <p:nvPr/>
+        </p:nvCxnSpPr>
+        <p:spPr>
+          <a:xfrm flipV="1">
+            <a:off x="5585531" y="3273990"/>
+            <a:ext cx="1040873" cy="1399633"/>
+          </a:xfrm>
+          <a:prstGeom prst="bentConnector3">
+            <a:avLst>
+              <a:gd name="adj1" fmla="val 50000"/>
+            </a:avLst>
+          </a:prstGeom>
+          <a:ln w="15875">
+            <a:solidFill>
+              <a:schemeClr val="tx1">
+                <a:lumMod val="75000"/>
+                <a:lumOff val="25000"/>
+              </a:schemeClr>
+            </a:solidFill>
+            <a:tailEnd type="arrow"/>
+          </a:ln>
+        </p:spPr>
+        <p:style>
+          <a:lnRef idx="1">
+            <a:schemeClr val="accent1"/>
+          </a:lnRef>
+          <a:fillRef idx="0">
+            <a:schemeClr val="accent1"/>
+          </a:fillRef>
+          <a:effectRef idx="0">
+            <a:schemeClr val="accent1"/>
+          </a:effectRef>
+          <a:fontRef idx="minor">
+            <a:schemeClr val="tx1"/>
+          </a:fontRef>
+        </p:style>
+      </p:cxnSp>
+      <p:sp>
+        <p:nvSpPr>
+          <p:cNvPr id="175" name="テキスト ボックス 174"/>
+          <p:cNvSpPr txBox="1"/>
+          <p:nvPr/>
+        </p:nvSpPr>
+        <p:spPr>
+          <a:xfrm>
+            <a:off x="6050792" y="3761114"/>
+            <a:ext cx="1830419" cy="461665"/>
+          </a:xfrm>
+          <a:prstGeom prst="rect">
+            <a:avLst/>
+          </a:prstGeom>
+          <a:noFill/>
+        </p:spPr>
+        <p:txBody>
+          <a:bodyPr wrap="square" rtlCol="0">
+            <a:spAutoFit/>
+          </a:bodyPr>
+          <a:lstStyle/>
+          <a:p>
+            <a:r>
+              <a:rPr lang="en-US" altLang="ja-JP" sz="1200" dirty="0" smtClean="0">
+                <a:solidFill>
+                  <a:schemeClr val="tx1">
+                    <a:lumMod val="75000"/>
+                    <a:lumOff val="25000"/>
+                  </a:schemeClr>
+                </a:solidFill>
+              </a:rPr>
+              <a:t>Use </a:t>
+            </a:r>
+            <a:r>
+              <a:rPr lang="en-US" altLang="ja-JP" sz="1200" dirty="0">
+                <a:solidFill>
+                  <a:schemeClr val="tx1">
+                    <a:lumMod val="75000"/>
+                    <a:lumOff val="25000"/>
+                  </a:schemeClr>
+                </a:solidFill>
+              </a:rPr>
+              <a:t>as </a:t>
+            </a:r>
+            <a:endParaRPr lang="en-US" altLang="ja-JP" sz="1200" dirty="0" smtClean="0">
+              <a:solidFill>
+                <a:schemeClr val="tx1">
+                  <a:lumMod val="75000"/>
+                  <a:lumOff val="25000"/>
+                </a:schemeClr>
+              </a:solidFill>
+            </a:endParaRPr>
+          </a:p>
+          <a:p>
+            <a:r>
+              <a:rPr lang="en-US" altLang="ja-JP" sz="1200" dirty="0" smtClean="0">
+                <a:solidFill>
+                  <a:schemeClr val="tx1">
+                    <a:lumMod val="75000"/>
+                    <a:lumOff val="25000"/>
+                  </a:schemeClr>
+                </a:solidFill>
+              </a:rPr>
+              <a:t>supervised learning data</a:t>
+            </a:r>
+          </a:p>
+        </p:txBody>
+      </p:sp>
+      <p:sp>
+        <p:nvSpPr>
+          <p:cNvPr id="73" name="メモ 72"/>
+          <p:cNvSpPr/>
+          <p:nvPr/>
+        </p:nvSpPr>
+        <p:spPr>
+          <a:xfrm>
+            <a:off x="1828963" y="4080681"/>
+            <a:ext cx="1020233" cy="616693"/>
+          </a:xfrm>
+          <a:prstGeom prst="foldedCorner">
+            <a:avLst/>
+          </a:prstGeom>
+          <a:solidFill>
+            <a:schemeClr val="bg2"/>
+          </a:solidFill>
+          <a:ln>
+            <a:solidFill>
+              <a:schemeClr val="tx1">
+                <a:lumMod val="65000"/>
+                <a:lumOff val="35000"/>
+              </a:schemeClr>
+            </a:solidFill>
+          </a:ln>
+        </p:spPr>
+        <p:style>
+          <a:lnRef idx="2">
+            <a:schemeClr val="accent1">
+              <a:shade val="50000"/>
+            </a:schemeClr>
+          </a:lnRef>
+          <a:fillRef idx="1">
+            <a:schemeClr val="accent1"/>
+          </a:fillRef>
+          <a:effectRef idx="0">
+            <a:schemeClr val="accent1"/>
+          </a:effectRef>
+          <a:fontRef idx="minor">
+            <a:schemeClr val="lt1"/>
+          </a:fontRef>
+        </p:style>
+        <p:txBody>
+          <a:bodyPr rtlCol="0" anchor="ctr"/>
+          <a:lstStyle/>
+          <a:p>
+            <a:pPr algn="ctr"/>
+            <a:r>
+              <a:rPr lang="en-US" altLang="ja-JP" sz="1100" dirty="0" smtClean="0">
+                <a:solidFill>
+                  <a:schemeClr val="tx1">
+                    <a:lumMod val="75000"/>
+                    <a:lumOff val="25000"/>
+                  </a:schemeClr>
+                </a:solidFill>
+              </a:rPr>
+              <a:t>Query Annotation Data (csv)</a:t>
+            </a:r>
+          </a:p>
+        </p:txBody>
+      </p:sp>
+      <p:cxnSp>
+        <p:nvCxnSpPr>
+          <p:cNvPr id="89" name="カギ線コネクタ 88"/>
+          <p:cNvCxnSpPr>
+            <a:stCxn id="101" idx="2"/>
+            <a:endCxn id="165" idx="1"/>
+          </p:cNvCxnSpPr>
+          <p:nvPr/>
+        </p:nvCxnSpPr>
+        <p:spPr>
+          <a:xfrm rot="16200000" flipH="1">
+            <a:off x="4428360" y="3564128"/>
+            <a:ext cx="1083989" cy="348849"/>
+          </a:xfrm>
+          <a:prstGeom prst="bentConnector3">
+            <a:avLst>
+              <a:gd name="adj1" fmla="val 50000"/>
+            </a:avLst>
+          </a:prstGeom>
+          <a:ln w="15875">
+            <a:solidFill>
+              <a:schemeClr val="tx1">
+                <a:lumMod val="75000"/>
+                <a:lumOff val="25000"/>
+              </a:schemeClr>
+            </a:solidFill>
+            <a:tailEnd type="arrow"/>
+          </a:ln>
+        </p:spPr>
+        <p:style>
+          <a:lnRef idx="1">
+            <a:schemeClr val="accent1"/>
+          </a:lnRef>
+          <a:fillRef idx="0">
+            <a:schemeClr val="accent1"/>
+          </a:fillRef>
+          <a:effectRef idx="0">
+            <a:schemeClr val="accent1"/>
+          </a:effectRef>
+          <a:fontRef idx="minor">
+            <a:schemeClr val="tx1"/>
+          </a:fontRef>
+        </p:style>
+      </p:cxnSp>
+      <p:sp>
+        <p:nvSpPr>
+          <p:cNvPr id="101" name="角丸四角形 100"/>
+          <p:cNvSpPr/>
+          <p:nvPr/>
+        </p:nvSpPr>
+        <p:spPr>
+          <a:xfrm>
+            <a:off x="4193234" y="2674838"/>
+            <a:ext cx="1205392" cy="521721"/>
+          </a:xfrm>
+          <a:prstGeom prst="roundRect">
+            <a:avLst/>
+          </a:prstGeom>
+          <a:solidFill>
+            <a:schemeClr val="accent3">
+              <a:lumMod val="20000"/>
+              <a:lumOff val="80000"/>
+            </a:schemeClr>
+          </a:solidFill>
+          <a:ln w="9525">
+            <a:solidFill>
+              <a:schemeClr val="tx1">
+                <a:lumMod val="75000"/>
+                <a:lumOff val="25000"/>
+              </a:schemeClr>
+            </a:solidFill>
+          </a:ln>
+        </p:spPr>
+        <p:style>
+          <a:lnRef idx="2">
+            <a:schemeClr val="accent1">
+              <a:shade val="50000"/>
+            </a:schemeClr>
+          </a:lnRef>
+          <a:fillRef idx="1">
+            <a:schemeClr val="accent1"/>
+          </a:fillRef>
+          <a:effectRef idx="0">
+            <a:schemeClr val="accent1"/>
+          </a:effectRef>
+          <a:fontRef idx="minor">
+            <a:schemeClr val="lt1"/>
+          </a:fontRef>
+        </p:style>
+        <p:txBody>
+          <a:bodyPr rot="0" spcFirstLastPara="0" vertOverflow="overflow" horzOverflow="overflow" vert="horz" wrap="square" lIns="91440" tIns="45720" rIns="91440" bIns="45720" numCol="1" spcCol="0" rtlCol="0" fromWordArt="0" anchor="ctr" anchorCtr="0" forceAA="0" compatLnSpc="1">
+            <a:prstTxWarp prst="textNoShape">
+              <a:avLst/>
+            </a:prstTxWarp>
+            <a:noAutofit/>
+          </a:bodyPr>
+          <a:lstStyle/>
+          <a:p>
+            <a:pPr algn="ctr"/>
+            <a:r>
+              <a:rPr kumimoji="1" lang="en-US" altLang="ja-JP" sz="1200" dirty="0" smtClean="0">
+                <a:solidFill>
+                  <a:schemeClr val="tx1">
+                    <a:lumMod val="75000"/>
+                    <a:lumOff val="25000"/>
+                  </a:schemeClr>
+                </a:solidFill>
+              </a:rPr>
+              <a:t>Click Model</a:t>
+            </a:r>
+          </a:p>
+          <a:p>
+            <a:pPr algn="ctr"/>
+            <a:r>
+              <a:rPr kumimoji="1" lang="en-US" altLang="ja-JP" sz="1200" dirty="0" smtClean="0">
+                <a:solidFill>
+                  <a:schemeClr val="tx1">
+                    <a:lumMod val="75000"/>
+                    <a:lumOff val="25000"/>
+                  </a:schemeClr>
+                </a:solidFill>
+              </a:rPr>
+              <a:t>Analyzer</a:t>
+            </a:r>
+            <a:endParaRPr kumimoji="1" lang="ja-JP" altLang="en-US" sz="1200" dirty="0" smtClean="0">
+              <a:solidFill>
+                <a:schemeClr val="tx1">
+                  <a:lumMod val="75000"/>
+                  <a:lumOff val="25000"/>
+                </a:schemeClr>
+              </a:solidFill>
+            </a:endParaRPr>
+          </a:p>
+        </p:txBody>
+      </p:sp>
+      <p:sp>
+        <p:nvSpPr>
+          <p:cNvPr id="112" name="テキスト ボックス 111"/>
+          <p:cNvSpPr txBox="1"/>
+          <p:nvPr/>
+        </p:nvSpPr>
+        <p:spPr>
+          <a:xfrm>
+            <a:off x="4480215" y="2240021"/>
+            <a:ext cx="1239036" cy="276999"/>
+          </a:xfrm>
+          <a:prstGeom prst="rect">
+            <a:avLst/>
+          </a:prstGeom>
+          <a:noFill/>
+        </p:spPr>
+        <p:txBody>
+          <a:bodyPr wrap="square" rtlCol="0">
+            <a:spAutoFit/>
+          </a:bodyPr>
+          <a:lstStyle/>
+          <a:p>
+            <a:r>
+              <a:rPr lang="en-US" altLang="ja-JP" sz="1200" dirty="0" smtClean="0">
+                <a:solidFill>
+                  <a:schemeClr val="tx1">
+                    <a:lumMod val="75000"/>
+                    <a:lumOff val="25000"/>
+                  </a:schemeClr>
+                </a:solidFill>
+              </a:rPr>
+              <a:t>Data Import</a:t>
+            </a:r>
+          </a:p>
+        </p:txBody>
+      </p:sp>
+      <p:sp>
+        <p:nvSpPr>
+          <p:cNvPr id="117" name="テキスト ボックス 116"/>
+          <p:cNvSpPr txBox="1"/>
+          <p:nvPr/>
+        </p:nvSpPr>
+        <p:spPr>
+          <a:xfrm>
+            <a:off x="1986916" y="4730656"/>
+            <a:ext cx="1423386" cy="738664"/>
+          </a:xfrm>
+          <a:prstGeom prst="rect">
+            <a:avLst/>
+          </a:prstGeom>
+          <a:noFill/>
+        </p:spPr>
+        <p:txBody>
+          <a:bodyPr wrap="square" rtlCol="0">
+            <a:spAutoFit/>
+          </a:bodyPr>
+          <a:lstStyle/>
+          <a:p>
+            <a:r>
+              <a:rPr lang="en-US" altLang="ja-JP" sz="1050" dirty="0" smtClean="0">
+                <a:solidFill>
+                  <a:schemeClr val="tx1">
+                    <a:lumMod val="75000"/>
+                    <a:lumOff val="25000"/>
+                  </a:schemeClr>
+                </a:solidFill>
+              </a:rPr>
+              <a:t>q1,iPhone,docA,2</a:t>
+            </a:r>
+          </a:p>
+          <a:p>
+            <a:r>
+              <a:rPr lang="en-US" altLang="ja-JP" sz="1050" dirty="0" smtClean="0">
+                <a:solidFill>
+                  <a:schemeClr val="tx1">
+                    <a:lumMod val="75000"/>
+                    <a:lumOff val="25000"/>
+                  </a:schemeClr>
+                </a:solidFill>
+              </a:rPr>
+              <a:t>q1,iPhone,docB,0</a:t>
+            </a:r>
+            <a:endParaRPr lang="en-US" altLang="ja-JP" sz="1050" dirty="0">
+              <a:solidFill>
+                <a:schemeClr val="tx1">
+                  <a:lumMod val="75000"/>
+                  <a:lumOff val="25000"/>
+                </a:schemeClr>
+              </a:solidFill>
+            </a:endParaRPr>
+          </a:p>
+          <a:p>
+            <a:r>
+              <a:rPr lang="en-US" altLang="ja-JP" sz="1050" dirty="0" smtClean="0">
+                <a:solidFill>
+                  <a:schemeClr val="tx1">
+                    <a:lumMod val="75000"/>
+                    <a:lumOff val="25000"/>
+                  </a:schemeClr>
+                </a:solidFill>
+              </a:rPr>
+              <a:t>q1,iPhone,docC,1</a:t>
+            </a:r>
+          </a:p>
+          <a:p>
+            <a:r>
+              <a:rPr lang="en-US" altLang="ja-JP" sz="1050" dirty="0" smtClean="0">
+                <a:solidFill>
+                  <a:schemeClr val="tx1">
+                    <a:lumMod val="75000"/>
+                    <a:lumOff val="25000"/>
+                  </a:schemeClr>
+                </a:solidFill>
+              </a:rPr>
+              <a:t>…</a:t>
+            </a:r>
+            <a:endParaRPr lang="en-US" altLang="ja-JP" sz="1050" dirty="0">
+              <a:solidFill>
+                <a:schemeClr val="tx1">
+                  <a:lumMod val="75000"/>
+                  <a:lumOff val="25000"/>
+                </a:schemeClr>
+              </a:solidFill>
+            </a:endParaRPr>
+          </a:p>
+        </p:txBody>
+      </p:sp>
+      <p:sp>
+        <p:nvSpPr>
+          <p:cNvPr id="119" name="テキスト ボックス 118"/>
+          <p:cNvSpPr txBox="1"/>
+          <p:nvPr/>
+        </p:nvSpPr>
+        <p:spPr>
+          <a:xfrm>
+            <a:off x="1951288" y="2846878"/>
+            <a:ext cx="2071223" cy="1061829"/>
+          </a:xfrm>
+          <a:prstGeom prst="rect">
+            <a:avLst/>
+          </a:prstGeom>
+          <a:noFill/>
+        </p:spPr>
+        <p:txBody>
+          <a:bodyPr wrap="square" rtlCol="0">
+            <a:spAutoFit/>
+          </a:bodyPr>
+          <a:lstStyle/>
+          <a:p>
+            <a:r>
+              <a:rPr lang="en-US" altLang="ja-JP" sz="1050" dirty="0" smtClean="0">
+                <a:solidFill>
+                  <a:schemeClr val="tx1">
+                    <a:lumMod val="75000"/>
+                    <a:lumOff val="25000"/>
+                  </a:schemeClr>
+                </a:solidFill>
+              </a:rPr>
+              <a:t>{</a:t>
+            </a:r>
+          </a:p>
+          <a:p>
+            <a:r>
+              <a:rPr lang="en-US" altLang="ja-JP" sz="1050" dirty="0" smtClean="0">
+                <a:solidFill>
+                  <a:schemeClr val="tx1">
+                    <a:lumMod val="75000"/>
+                    <a:lumOff val="25000"/>
+                  </a:schemeClr>
+                </a:solidFill>
+              </a:rPr>
+              <a:t>query: iPhone</a:t>
+            </a:r>
+          </a:p>
+          <a:p>
+            <a:r>
+              <a:rPr lang="en-US" altLang="ja-JP" sz="1050" dirty="0">
+                <a:solidFill>
+                  <a:schemeClr val="tx1">
+                    <a:lumMod val="75000"/>
+                    <a:lumOff val="25000"/>
+                  </a:schemeClr>
+                </a:solidFill>
+              </a:rPr>
+              <a:t>i</a:t>
+            </a:r>
+            <a:r>
+              <a:rPr lang="en-US" altLang="ja-JP" sz="1050" dirty="0" smtClean="0">
+                <a:solidFill>
+                  <a:schemeClr val="tx1">
+                    <a:lumMod val="75000"/>
+                    <a:lumOff val="25000"/>
+                  </a:schemeClr>
+                </a:solidFill>
+              </a:rPr>
+              <a:t>mpressions: [</a:t>
+            </a:r>
+            <a:r>
+              <a:rPr lang="en-US" altLang="ja-JP" sz="1050" dirty="0" err="1" smtClean="0">
+                <a:solidFill>
+                  <a:schemeClr val="tx1">
+                    <a:lumMod val="75000"/>
+                    <a:lumOff val="25000"/>
+                  </a:schemeClr>
+                </a:solidFill>
+              </a:rPr>
+              <a:t>docA</a:t>
+            </a:r>
+            <a:r>
+              <a:rPr lang="en-US" altLang="ja-JP" sz="1050" dirty="0" smtClean="0">
+                <a:solidFill>
+                  <a:schemeClr val="tx1">
+                    <a:lumMod val="75000"/>
+                    <a:lumOff val="25000"/>
+                  </a:schemeClr>
+                </a:solidFill>
+              </a:rPr>
+              <a:t>, </a:t>
+            </a:r>
+            <a:r>
+              <a:rPr lang="en-US" altLang="ja-JP" sz="1050" dirty="0" err="1" smtClean="0">
+                <a:solidFill>
+                  <a:schemeClr val="tx1">
+                    <a:lumMod val="75000"/>
+                    <a:lumOff val="25000"/>
+                  </a:schemeClr>
+                </a:solidFill>
+              </a:rPr>
+              <a:t>docB</a:t>
+            </a:r>
+            <a:r>
+              <a:rPr lang="en-US" altLang="ja-JP" sz="1050" dirty="0" smtClean="0">
+                <a:solidFill>
+                  <a:schemeClr val="tx1">
+                    <a:lumMod val="75000"/>
+                    <a:lumOff val="25000"/>
+                  </a:schemeClr>
+                </a:solidFill>
+              </a:rPr>
+              <a:t>, </a:t>
+            </a:r>
+            <a:r>
+              <a:rPr lang="en-US" altLang="ja-JP" sz="1050" dirty="0" err="1" smtClean="0">
+                <a:solidFill>
+                  <a:schemeClr val="tx1">
+                    <a:lumMod val="75000"/>
+                    <a:lumOff val="25000"/>
+                  </a:schemeClr>
+                </a:solidFill>
+              </a:rPr>
+              <a:t>docC</a:t>
+            </a:r>
+            <a:r>
+              <a:rPr lang="en-US" altLang="ja-JP" sz="1050" dirty="0" smtClean="0">
+                <a:solidFill>
+                  <a:schemeClr val="tx1">
+                    <a:lumMod val="75000"/>
+                    <a:lumOff val="25000"/>
+                  </a:schemeClr>
+                </a:solidFill>
+              </a:rPr>
+              <a:t>,..]</a:t>
+            </a:r>
+          </a:p>
+          <a:p>
+            <a:r>
+              <a:rPr lang="en-US" altLang="ja-JP" sz="1050" dirty="0" smtClean="0">
+                <a:solidFill>
+                  <a:schemeClr val="tx1">
+                    <a:lumMod val="75000"/>
+                    <a:lumOff val="25000"/>
+                  </a:schemeClr>
+                </a:solidFill>
+              </a:rPr>
+              <a:t>clicks: </a:t>
+            </a:r>
+            <a:r>
+              <a:rPr lang="en-US" altLang="ja-JP" sz="1050" dirty="0">
+                <a:solidFill>
+                  <a:schemeClr val="tx1">
+                    <a:lumMod val="75000"/>
+                    <a:lumOff val="25000"/>
+                  </a:schemeClr>
+                </a:solidFill>
+              </a:rPr>
+              <a:t>[</a:t>
+            </a:r>
+            <a:r>
+              <a:rPr lang="en-US" altLang="ja-JP" sz="1050" dirty="0" err="1">
+                <a:solidFill>
+                  <a:schemeClr val="tx1">
+                    <a:lumMod val="75000"/>
+                    <a:lumOff val="25000"/>
+                  </a:schemeClr>
+                </a:solidFill>
+              </a:rPr>
+              <a:t>docA</a:t>
+            </a:r>
+            <a:r>
+              <a:rPr lang="en-US" altLang="ja-JP" sz="1050" dirty="0">
+                <a:solidFill>
+                  <a:schemeClr val="tx1">
+                    <a:lumMod val="75000"/>
+                    <a:lumOff val="25000"/>
+                  </a:schemeClr>
+                </a:solidFill>
+              </a:rPr>
+              <a:t>, </a:t>
+            </a:r>
+            <a:r>
+              <a:rPr lang="en-US" altLang="ja-JP" sz="1050" dirty="0" smtClean="0">
+                <a:solidFill>
+                  <a:schemeClr val="tx1">
+                    <a:lumMod val="75000"/>
+                    <a:lumOff val="25000"/>
+                  </a:schemeClr>
+                </a:solidFill>
+              </a:rPr>
+              <a:t> </a:t>
+            </a:r>
+            <a:r>
+              <a:rPr lang="en-US" altLang="ja-JP" sz="1050" dirty="0" err="1">
+                <a:solidFill>
+                  <a:schemeClr val="tx1">
+                    <a:lumMod val="75000"/>
+                    <a:lumOff val="25000"/>
+                  </a:schemeClr>
+                </a:solidFill>
+              </a:rPr>
+              <a:t>docC</a:t>
+            </a:r>
+            <a:r>
+              <a:rPr lang="en-US" altLang="ja-JP" sz="1050" dirty="0" smtClean="0">
+                <a:solidFill>
+                  <a:schemeClr val="tx1">
+                    <a:lumMod val="75000"/>
+                    <a:lumOff val="25000"/>
+                  </a:schemeClr>
+                </a:solidFill>
+              </a:rPr>
+              <a:t>]</a:t>
+            </a:r>
+          </a:p>
+          <a:p>
+            <a:r>
+              <a:rPr lang="en-US" altLang="ja-JP" sz="1050" dirty="0" smtClean="0">
+                <a:solidFill>
+                  <a:schemeClr val="tx1">
+                    <a:lumMod val="75000"/>
+                    <a:lumOff val="25000"/>
+                  </a:schemeClr>
+                </a:solidFill>
+              </a:rPr>
+              <a:t>}</a:t>
+            </a:r>
+          </a:p>
+          <a:p>
+            <a:r>
+              <a:rPr lang="en-US" altLang="ja-JP" sz="1050" dirty="0" smtClean="0">
+                <a:solidFill>
+                  <a:schemeClr val="tx1">
+                    <a:lumMod val="75000"/>
+                    <a:lumOff val="25000"/>
+                  </a:schemeClr>
+                </a:solidFill>
+              </a:rPr>
+              <a:t>… </a:t>
+            </a:r>
+            <a:endParaRPr lang="en-US" altLang="ja-JP" sz="1050" dirty="0">
+              <a:solidFill>
+                <a:schemeClr val="tx1">
+                  <a:lumMod val="75000"/>
+                  <a:lumOff val="25000"/>
+                </a:schemeClr>
+              </a:solidFill>
+            </a:endParaRPr>
+          </a:p>
+        </p:txBody>
+      </p:sp>
+      <p:sp>
+        <p:nvSpPr>
+          <p:cNvPr id="120" name="テキスト ボックス 119"/>
+          <p:cNvSpPr txBox="1"/>
+          <p:nvPr/>
+        </p:nvSpPr>
+        <p:spPr>
+          <a:xfrm>
+            <a:off x="3432395" y="4107958"/>
+            <a:ext cx="601991" cy="253916"/>
+          </a:xfrm>
+          <a:prstGeom prst="rect">
+            <a:avLst/>
+          </a:prstGeom>
+          <a:noFill/>
+        </p:spPr>
+        <p:txBody>
+          <a:bodyPr wrap="square" rtlCol="0">
+            <a:spAutoFit/>
+          </a:bodyPr>
+          <a:lstStyle/>
+          <a:p>
+            <a:r>
+              <a:rPr lang="en-US" altLang="ja-JP" sz="1050" dirty="0" smtClean="0">
+                <a:solidFill>
+                  <a:schemeClr val="tx1">
+                    <a:lumMod val="75000"/>
+                    <a:lumOff val="25000"/>
+                  </a:schemeClr>
+                </a:solidFill>
+              </a:rPr>
+              <a:t>import</a:t>
+            </a:r>
+          </a:p>
+        </p:txBody>
+      </p:sp>
+      <p:sp>
+        <p:nvSpPr>
+          <p:cNvPr id="121" name="テキスト ボックス 120"/>
+          <p:cNvSpPr txBox="1"/>
+          <p:nvPr/>
+        </p:nvSpPr>
+        <p:spPr>
+          <a:xfrm>
+            <a:off x="4748430" y="3161821"/>
+            <a:ext cx="1830419" cy="577081"/>
+          </a:xfrm>
+          <a:prstGeom prst="rect">
+            <a:avLst/>
+          </a:prstGeom>
+          <a:noFill/>
+        </p:spPr>
+        <p:txBody>
+          <a:bodyPr wrap="square" rtlCol="0">
+            <a:spAutoFit/>
+          </a:bodyPr>
+          <a:lstStyle/>
+          <a:p>
+            <a:r>
+              <a:rPr lang="en-US" altLang="ja-JP" sz="1050" dirty="0" smtClean="0">
+                <a:solidFill>
+                  <a:schemeClr val="tx1">
+                    <a:lumMod val="75000"/>
+                    <a:lumOff val="25000"/>
+                  </a:schemeClr>
+                </a:solidFill>
+              </a:rPr>
+              <a:t>Analyze</a:t>
+            </a:r>
+          </a:p>
+          <a:p>
+            <a:r>
+              <a:rPr lang="en-US" altLang="ja-JP" sz="1050" dirty="0" smtClean="0">
+                <a:solidFill>
+                  <a:schemeClr val="tx1">
+                    <a:lumMod val="75000"/>
+                    <a:lumOff val="25000"/>
+                  </a:schemeClr>
+                </a:solidFill>
+              </a:rPr>
+              <a:t>Calculate Rate</a:t>
+            </a:r>
+          </a:p>
+          <a:p>
+            <a:r>
+              <a:rPr lang="en-US" altLang="ja-JP" sz="1050" dirty="0" smtClean="0">
+                <a:solidFill>
+                  <a:schemeClr val="tx1">
+                    <a:lumMod val="75000"/>
+                    <a:lumOff val="25000"/>
+                  </a:schemeClr>
+                </a:solidFill>
+              </a:rPr>
+              <a:t>Convert</a:t>
+            </a:r>
+          </a:p>
+        </p:txBody>
+      </p:sp>
+      <p:sp>
+        <p:nvSpPr>
+          <p:cNvPr id="123" name="テキスト ボックス 122"/>
+          <p:cNvSpPr txBox="1"/>
+          <p:nvPr/>
+        </p:nvSpPr>
+        <p:spPr>
+          <a:xfrm>
+            <a:off x="5387998" y="2708784"/>
+            <a:ext cx="704014" cy="415498"/>
+          </a:xfrm>
+          <a:prstGeom prst="rect">
+            <a:avLst/>
+          </a:prstGeom>
+          <a:noFill/>
+        </p:spPr>
+        <p:txBody>
+          <a:bodyPr wrap="square" rtlCol="0">
+            <a:spAutoFit/>
+          </a:bodyPr>
+          <a:lstStyle/>
+          <a:p>
+            <a:r>
+              <a:rPr lang="ja-JP" altLang="en-US" sz="1050" dirty="0" smtClean="0">
+                <a:solidFill>
+                  <a:schemeClr val="tx1">
+                    <a:lumMod val="75000"/>
+                    <a:lumOff val="25000"/>
+                  </a:schemeClr>
+                </a:solidFill>
+              </a:rPr>
+              <a:t>・</a:t>
+            </a:r>
+            <a:r>
+              <a:rPr lang="en-US" altLang="ja-JP" sz="1050" dirty="0" smtClean="0">
+                <a:solidFill>
+                  <a:schemeClr val="tx1">
+                    <a:lumMod val="75000"/>
+                    <a:lumOff val="25000"/>
+                  </a:schemeClr>
+                </a:solidFill>
+              </a:rPr>
+              <a:t>ICM</a:t>
+            </a:r>
+          </a:p>
+          <a:p>
+            <a:r>
+              <a:rPr lang="ja-JP" altLang="en-US" sz="1050" dirty="0" smtClean="0">
+                <a:solidFill>
+                  <a:schemeClr val="tx1">
+                    <a:lumMod val="75000"/>
+                    <a:lumOff val="25000"/>
+                  </a:schemeClr>
+                </a:solidFill>
+              </a:rPr>
+              <a:t>・</a:t>
+            </a:r>
+            <a:r>
+              <a:rPr lang="en-US" altLang="ja-JP" sz="1050" dirty="0" smtClean="0">
+                <a:solidFill>
+                  <a:schemeClr val="tx1">
+                    <a:lumMod val="75000"/>
+                    <a:lumOff val="25000"/>
+                  </a:schemeClr>
+                </a:solidFill>
+              </a:rPr>
+              <a:t>DCM</a:t>
+            </a:r>
+          </a:p>
+        </p:txBody>
+      </p:sp>
+      <p:grpSp>
+        <p:nvGrpSpPr>
+          <p:cNvPr id="134" name="グループ化 133"/>
+          <p:cNvGrpSpPr/>
+          <p:nvPr/>
+        </p:nvGrpSpPr>
+        <p:grpSpPr>
+          <a:xfrm>
+            <a:off x="554929" y="2173182"/>
+            <a:ext cx="344397" cy="309789"/>
+            <a:chOff x="7229647" y="1574794"/>
+            <a:chExt cx="150665" cy="299283"/>
+          </a:xfrm>
+        </p:grpSpPr>
+        <p:sp>
+          <p:nvSpPr>
+            <p:cNvPr id="135" name="フローチャート : 結合子 134"/>
+            <p:cNvSpPr/>
+            <p:nvPr/>
+          </p:nvSpPr>
+          <p:spPr>
+            <a:xfrm>
+              <a:off x="7229647" y="1574794"/>
+              <a:ext cx="150418" cy="126014"/>
+            </a:xfrm>
+            <a:prstGeom prst="flowChartConnector">
+              <a:avLst/>
+            </a:prstGeom>
+            <a:solidFill>
+              <a:schemeClr val="bg1"/>
+            </a:solidFill>
+            <a:ln w="12700">
+              <a:solidFill>
+                <a:schemeClr val="tx1">
+                  <a:lumMod val="75000"/>
+                  <a:lumOff val="25000"/>
+                </a:schemeClr>
+              </a:solidFill>
+            </a:ln>
+          </p:spPr>
+          <p:style>
+            <a:lnRef idx="2">
+              <a:schemeClr val="accent1">
+                <a:shade val="50000"/>
+              </a:schemeClr>
+            </a:lnRef>
+            <a:fillRef idx="1">
+              <a:schemeClr val="accent1"/>
+            </a:fillRef>
+            <a:effectRef idx="0">
+              <a:schemeClr val="accent1"/>
+            </a:effectRef>
+            <a:fontRef idx="minor">
+              <a:schemeClr val="lt1"/>
+            </a:fontRef>
+          </p:style>
+          <p:txBody>
+            <a:bodyPr rot="0" spcFirstLastPara="0" vertOverflow="overflow" horzOverflow="overflow" vert="horz" wrap="square" lIns="91440" tIns="45720" rIns="91440" bIns="45720" numCol="1" spcCol="0" rtlCol="0" fromWordArt="0" anchor="ctr" anchorCtr="0" forceAA="0" compatLnSpc="1">
+              <a:prstTxWarp prst="textNoShape">
+                <a:avLst/>
+              </a:prstTxWarp>
+              <a:noAutofit/>
+            </a:bodyPr>
+            <a:lstStyle/>
+            <a:p>
+              <a:pPr algn="ctr"/>
+              <a:endParaRPr kumimoji="1" lang="ja-JP" altLang="en-US" dirty="0" smtClean="0">
+                <a:solidFill>
+                  <a:schemeClr val="tx1">
+                    <a:lumMod val="75000"/>
+                    <a:lumOff val="25000"/>
+                  </a:schemeClr>
+                </a:solidFill>
+              </a:endParaRPr>
+            </a:p>
+          </p:txBody>
+        </p:sp>
+        <p:cxnSp>
+          <p:nvCxnSpPr>
+            <p:cNvPr id="136" name="直線コネクタ 135"/>
+            <p:cNvCxnSpPr/>
+            <p:nvPr/>
+          </p:nvCxnSpPr>
+          <p:spPr>
+            <a:xfrm>
+              <a:off x="7229647" y="1759314"/>
+              <a:ext cx="150418" cy="0"/>
+            </a:xfrm>
+            <a:prstGeom prst="line">
+              <a:avLst/>
+            </a:prstGeom>
+            <a:ln w="12700">
+              <a:solidFill>
+                <a:schemeClr val="tx1">
+                  <a:lumMod val="75000"/>
+                  <a:lumOff val="25000"/>
+                </a:schemeClr>
+              </a:solidFill>
+              <a:tailEnd type="none"/>
+            </a:ln>
+          </p:spPr>
+          <p:style>
+            <a:lnRef idx="1">
+              <a:schemeClr val="accent1"/>
+            </a:lnRef>
+            <a:fillRef idx="0">
+              <a:schemeClr val="accent1"/>
+            </a:fillRef>
+            <a:effectRef idx="0">
+              <a:schemeClr val="accent1"/>
+            </a:effectRef>
+            <a:fontRef idx="minor">
+              <a:schemeClr val="tx1"/>
+            </a:fontRef>
+          </p:style>
+        </p:cxnSp>
+        <p:cxnSp>
+          <p:nvCxnSpPr>
+            <p:cNvPr id="137" name="直線コネクタ 136"/>
+            <p:cNvCxnSpPr>
+              <a:stCxn id="135" idx="4"/>
+            </p:cNvCxnSpPr>
+            <p:nvPr/>
+          </p:nvCxnSpPr>
+          <p:spPr>
+            <a:xfrm>
+              <a:off x="7304856" y="1700808"/>
+              <a:ext cx="1" cy="117013"/>
+            </a:xfrm>
+            <a:prstGeom prst="line">
+              <a:avLst/>
+            </a:prstGeom>
+            <a:ln w="12700">
+              <a:solidFill>
+                <a:schemeClr val="tx1">
+                  <a:lumMod val="75000"/>
+                  <a:lumOff val="25000"/>
+                </a:schemeClr>
+              </a:solidFill>
+              <a:tailEnd type="none"/>
+            </a:ln>
+          </p:spPr>
+          <p:style>
+            <a:lnRef idx="1">
+              <a:schemeClr val="accent1"/>
+            </a:lnRef>
+            <a:fillRef idx="0">
+              <a:schemeClr val="accent1"/>
+            </a:fillRef>
+            <a:effectRef idx="0">
+              <a:schemeClr val="accent1"/>
+            </a:effectRef>
+            <a:fontRef idx="minor">
+              <a:schemeClr val="tx1"/>
+            </a:fontRef>
+          </p:style>
+        </p:cxnSp>
+        <p:cxnSp>
+          <p:nvCxnSpPr>
+            <p:cNvPr id="139" name="直線コネクタ 138"/>
+            <p:cNvCxnSpPr/>
+            <p:nvPr/>
+          </p:nvCxnSpPr>
+          <p:spPr>
+            <a:xfrm flipH="1">
+              <a:off x="7229647" y="1808820"/>
+              <a:ext cx="75210" cy="65257"/>
+            </a:xfrm>
+            <a:prstGeom prst="line">
+              <a:avLst/>
+            </a:prstGeom>
+            <a:ln w="12700">
+              <a:solidFill>
+                <a:schemeClr val="tx1">
+                  <a:lumMod val="75000"/>
+                  <a:lumOff val="25000"/>
+                </a:schemeClr>
+              </a:solidFill>
+              <a:tailEnd type="none"/>
+            </a:ln>
+          </p:spPr>
+          <p:style>
+            <a:lnRef idx="1">
+              <a:schemeClr val="accent1"/>
+            </a:lnRef>
+            <a:fillRef idx="0">
+              <a:schemeClr val="accent1"/>
+            </a:fillRef>
+            <a:effectRef idx="0">
+              <a:schemeClr val="accent1"/>
+            </a:effectRef>
+            <a:fontRef idx="minor">
+              <a:schemeClr val="tx1"/>
+            </a:fontRef>
+          </p:style>
+        </p:cxnSp>
+        <p:cxnSp>
+          <p:nvCxnSpPr>
+            <p:cNvPr id="141" name="直線コネクタ 140"/>
+            <p:cNvCxnSpPr/>
+            <p:nvPr/>
+          </p:nvCxnSpPr>
+          <p:spPr>
+            <a:xfrm>
+              <a:off x="7304857" y="1808820"/>
+              <a:ext cx="75455" cy="65257"/>
+            </a:xfrm>
+            <a:prstGeom prst="line">
+              <a:avLst/>
+            </a:prstGeom>
+            <a:ln w="12700">
+              <a:solidFill>
+                <a:schemeClr val="tx1">
+                  <a:lumMod val="75000"/>
+                  <a:lumOff val="25000"/>
+                </a:schemeClr>
+              </a:solidFill>
+              <a:tailEnd type="none"/>
+            </a:ln>
+          </p:spPr>
+          <p:style>
+            <a:lnRef idx="1">
+              <a:schemeClr val="accent1"/>
+            </a:lnRef>
+            <a:fillRef idx="0">
+              <a:schemeClr val="accent1"/>
+            </a:fillRef>
+            <a:effectRef idx="0">
+              <a:schemeClr val="accent1"/>
+            </a:effectRef>
+            <a:fontRef idx="minor">
+              <a:schemeClr val="tx1"/>
+            </a:fontRef>
+          </p:style>
+        </p:cxnSp>
+      </p:grpSp>
+      <p:cxnSp>
+        <p:nvCxnSpPr>
+          <p:cNvPr id="142" name="直線矢印コネクタ 141"/>
+          <p:cNvCxnSpPr/>
+          <p:nvPr/>
+        </p:nvCxnSpPr>
+        <p:spPr>
+          <a:xfrm flipH="1">
+            <a:off x="724910" y="2538307"/>
+            <a:ext cx="1" cy="191568"/>
+          </a:xfrm>
+          <a:prstGeom prst="straightConnector1">
+            <a:avLst/>
+          </a:prstGeom>
+          <a:ln w="15875">
+            <a:solidFill>
+              <a:schemeClr val="tx1">
+                <a:lumMod val="75000"/>
+                <a:lumOff val="25000"/>
+              </a:schemeClr>
+            </a:solidFill>
+            <a:tailEnd type="arrow"/>
+          </a:ln>
+        </p:spPr>
+        <p:style>
+          <a:lnRef idx="1">
+            <a:schemeClr val="accent1"/>
+          </a:lnRef>
+          <a:fillRef idx="0">
+            <a:schemeClr val="accent1"/>
+          </a:fillRef>
+          <a:effectRef idx="0">
+            <a:schemeClr val="accent1"/>
+          </a:effectRef>
+          <a:fontRef idx="minor">
+            <a:schemeClr val="tx1"/>
+          </a:fontRef>
+        </p:style>
+      </p:cxnSp>
+      <p:sp>
+        <p:nvSpPr>
+          <p:cNvPr id="143" name="正方形/長方形 142"/>
+          <p:cNvSpPr/>
+          <p:nvPr/>
+        </p:nvSpPr>
+        <p:spPr>
+          <a:xfrm>
+            <a:off x="266870" y="2821106"/>
+            <a:ext cx="956290" cy="505178"/>
+          </a:xfrm>
+          <a:prstGeom prst="rect">
+            <a:avLst/>
+          </a:prstGeom>
+          <a:solidFill>
+            <a:schemeClr val="bg2"/>
+          </a:solidFill>
+          <a:ln>
+            <a:solidFill>
+              <a:schemeClr val="tx1">
+                <a:lumMod val="75000"/>
+                <a:lumOff val="25000"/>
+              </a:schemeClr>
+            </a:solidFill>
+          </a:ln>
+        </p:spPr>
+        <p:style>
+          <a:lnRef idx="2">
+            <a:schemeClr val="accent1">
+              <a:shade val="50000"/>
+            </a:schemeClr>
+          </a:lnRef>
+          <a:fillRef idx="1">
+            <a:schemeClr val="accent1"/>
+          </a:fillRef>
+          <a:effectRef idx="0">
+            <a:schemeClr val="accent1"/>
+          </a:effectRef>
+          <a:fontRef idx="minor">
+            <a:schemeClr val="lt1"/>
+          </a:fontRef>
+        </p:style>
+        <p:txBody>
+          <a:bodyPr rot="0" spcFirstLastPara="0" vertOverflow="overflow" horzOverflow="overflow" vert="horz" wrap="square" lIns="91440" tIns="45720" rIns="91440" bIns="45720" numCol="1" spcCol="0" rtlCol="0" fromWordArt="0" anchor="ctr" anchorCtr="0" forceAA="0" compatLnSpc="1">
+            <a:prstTxWarp prst="textNoShape">
+              <a:avLst/>
+            </a:prstTxWarp>
+            <a:noAutofit/>
+          </a:bodyPr>
+          <a:lstStyle/>
+          <a:p>
+            <a:pPr algn="ctr"/>
+            <a:r>
+              <a:rPr kumimoji="1" lang="en-US" altLang="ja-JP" sz="1200" dirty="0" smtClean="0">
+                <a:solidFill>
+                  <a:schemeClr val="tx1">
+                    <a:lumMod val="75000"/>
+                    <a:lumOff val="25000"/>
+                  </a:schemeClr>
+                </a:solidFill>
+              </a:rPr>
+              <a:t>User Application</a:t>
+            </a:r>
+          </a:p>
+        </p:txBody>
+      </p:sp>
+      <p:sp>
+        <p:nvSpPr>
+          <p:cNvPr id="147" name="円柱 146"/>
+          <p:cNvSpPr/>
+          <p:nvPr/>
+        </p:nvSpPr>
+        <p:spPr>
+          <a:xfrm>
+            <a:off x="424304" y="3561890"/>
+            <a:ext cx="658567" cy="441027"/>
+          </a:xfrm>
+          <a:prstGeom prst="can">
+            <a:avLst/>
+          </a:prstGeom>
+          <a:solidFill>
+            <a:schemeClr val="bg2"/>
+          </a:solidFill>
+          <a:ln>
+            <a:solidFill>
+              <a:schemeClr val="tx1">
+                <a:lumMod val="75000"/>
+                <a:lumOff val="25000"/>
+              </a:schemeClr>
+            </a:solidFill>
+          </a:ln>
+        </p:spPr>
+        <p:style>
+          <a:lnRef idx="2">
+            <a:schemeClr val="accent1">
+              <a:shade val="50000"/>
+            </a:schemeClr>
+          </a:lnRef>
+          <a:fillRef idx="1">
+            <a:schemeClr val="accent1"/>
+          </a:fillRef>
+          <a:effectRef idx="0">
+            <a:schemeClr val="accent1"/>
+          </a:effectRef>
+          <a:fontRef idx="minor">
+            <a:schemeClr val="lt1"/>
+          </a:fontRef>
+        </p:style>
+        <p:txBody>
+          <a:bodyPr rtlCol="0" anchor="ctr"/>
+          <a:lstStyle/>
+          <a:p>
+            <a:pPr algn="ctr"/>
+            <a:r>
+              <a:rPr kumimoji="1" lang="en-US" altLang="ja-JP" sz="1200" dirty="0" smtClean="0">
+                <a:solidFill>
+                  <a:schemeClr val="tx1">
+                    <a:lumMod val="75000"/>
+                    <a:lumOff val="25000"/>
+                  </a:schemeClr>
+                </a:solidFill>
+              </a:rPr>
+              <a:t>log</a:t>
+            </a:r>
+          </a:p>
+        </p:txBody>
+      </p:sp>
+      <p:cxnSp>
+        <p:nvCxnSpPr>
+          <p:cNvPr id="148" name="カギ線コネクタ 147"/>
+          <p:cNvCxnSpPr>
+            <a:stCxn id="143" idx="2"/>
+            <a:endCxn id="147" idx="1"/>
+          </p:cNvCxnSpPr>
+          <p:nvPr/>
+        </p:nvCxnSpPr>
+        <p:spPr>
+          <a:xfrm rot="16200000" flipH="1">
+            <a:off x="631498" y="3439800"/>
+            <a:ext cx="235606" cy="8573"/>
+          </a:xfrm>
+          <a:prstGeom prst="bentConnector3">
+            <a:avLst>
+              <a:gd name="adj1" fmla="val 50000"/>
+            </a:avLst>
+          </a:prstGeom>
+          <a:ln w="15875">
+            <a:solidFill>
+              <a:schemeClr val="tx1">
+                <a:lumMod val="75000"/>
+                <a:lumOff val="25000"/>
+              </a:schemeClr>
+            </a:solidFill>
+            <a:tailEnd type="arrow"/>
+          </a:ln>
+        </p:spPr>
+        <p:style>
+          <a:lnRef idx="1">
+            <a:schemeClr val="accent1"/>
+          </a:lnRef>
+          <a:fillRef idx="0">
+            <a:schemeClr val="accent1"/>
+          </a:fillRef>
+          <a:effectRef idx="0">
+            <a:schemeClr val="accent1"/>
+          </a:effectRef>
+          <a:fontRef idx="minor">
+            <a:schemeClr val="tx1"/>
+          </a:fontRef>
+        </p:style>
+      </p:cxnSp>
+      <p:cxnSp>
+        <p:nvCxnSpPr>
+          <p:cNvPr id="152" name="カギ線コネクタ 151"/>
+          <p:cNvCxnSpPr>
+            <a:stCxn id="147" idx="4"/>
+            <a:endCxn id="77" idx="1"/>
+          </p:cNvCxnSpPr>
+          <p:nvPr/>
+        </p:nvCxnSpPr>
+        <p:spPr>
+          <a:xfrm flipV="1">
+            <a:off x="1082871" y="2539255"/>
+            <a:ext cx="746093" cy="1243149"/>
+          </a:xfrm>
+          <a:prstGeom prst="bentConnector3">
+            <a:avLst>
+              <a:gd name="adj1" fmla="val 50000"/>
+            </a:avLst>
+          </a:prstGeom>
+          <a:ln w="15875">
+            <a:solidFill>
+              <a:schemeClr val="tx1">
+                <a:lumMod val="75000"/>
+                <a:lumOff val="25000"/>
+              </a:schemeClr>
+            </a:solidFill>
+            <a:tailEnd type="arrow"/>
+          </a:ln>
+        </p:spPr>
+        <p:style>
+          <a:lnRef idx="1">
+            <a:schemeClr val="accent1"/>
+          </a:lnRef>
+          <a:fillRef idx="0">
+            <a:schemeClr val="accent1"/>
+          </a:fillRef>
+          <a:effectRef idx="0">
+            <a:schemeClr val="accent1"/>
+          </a:effectRef>
+          <a:fontRef idx="minor">
+            <a:schemeClr val="tx1"/>
+          </a:fontRef>
+        </p:style>
+      </p:cxnSp>
+      <p:cxnSp>
+        <p:nvCxnSpPr>
+          <p:cNvPr id="155" name="カギ線コネクタ 154"/>
+          <p:cNvCxnSpPr>
+            <a:stCxn id="147" idx="4"/>
+            <a:endCxn id="73" idx="1"/>
+          </p:cNvCxnSpPr>
+          <p:nvPr/>
+        </p:nvCxnSpPr>
+        <p:spPr>
+          <a:xfrm>
+            <a:off x="1082871" y="3782404"/>
+            <a:ext cx="746092" cy="606624"/>
+          </a:xfrm>
+          <a:prstGeom prst="bentConnector3">
+            <a:avLst>
+              <a:gd name="adj1" fmla="val 50000"/>
+            </a:avLst>
+          </a:prstGeom>
+          <a:ln w="15875">
+            <a:solidFill>
+              <a:schemeClr val="tx1">
+                <a:lumMod val="75000"/>
+                <a:lumOff val="25000"/>
+              </a:schemeClr>
+            </a:solidFill>
+            <a:tailEnd type="arrow"/>
+          </a:ln>
+        </p:spPr>
+        <p:style>
+          <a:lnRef idx="1">
+            <a:schemeClr val="accent1"/>
+          </a:lnRef>
+          <a:fillRef idx="0">
+            <a:schemeClr val="accent1"/>
+          </a:fillRef>
+          <a:effectRef idx="0">
+            <a:schemeClr val="accent1"/>
+          </a:effectRef>
+          <a:fontRef idx="minor">
+            <a:schemeClr val="tx1"/>
+          </a:fontRef>
+        </p:style>
+      </p:cxnSp>
+      <p:sp>
+        <p:nvSpPr>
+          <p:cNvPr id="173" name="テキスト ボックス 172"/>
+          <p:cNvSpPr txBox="1"/>
+          <p:nvPr/>
+        </p:nvSpPr>
+        <p:spPr>
+          <a:xfrm>
+            <a:off x="835829" y="4002917"/>
+            <a:ext cx="601991" cy="253916"/>
+          </a:xfrm>
+          <a:prstGeom prst="rect">
+            <a:avLst/>
+          </a:prstGeom>
+          <a:noFill/>
+        </p:spPr>
+        <p:txBody>
+          <a:bodyPr wrap="square" rtlCol="0">
+            <a:spAutoFit/>
+          </a:bodyPr>
+          <a:lstStyle/>
+          <a:p>
+            <a:r>
+              <a:rPr lang="en-US" altLang="ja-JP" sz="1050" dirty="0" smtClean="0">
+                <a:solidFill>
+                  <a:schemeClr val="tx1">
+                    <a:lumMod val="75000"/>
+                    <a:lumOff val="25000"/>
+                  </a:schemeClr>
+                </a:solidFill>
+              </a:rPr>
+              <a:t>convert</a:t>
+            </a:r>
+          </a:p>
+        </p:txBody>
+      </p:sp>
+      <p:sp>
+        <p:nvSpPr>
+          <p:cNvPr id="174" name="テキスト ボックス 173"/>
+          <p:cNvSpPr txBox="1"/>
+          <p:nvPr/>
+        </p:nvSpPr>
+        <p:spPr>
+          <a:xfrm>
+            <a:off x="423914" y="1914691"/>
+            <a:ext cx="760410" cy="253916"/>
+          </a:xfrm>
+          <a:prstGeom prst="rect">
+            <a:avLst/>
+          </a:prstGeom>
+          <a:noFill/>
+        </p:spPr>
+        <p:txBody>
+          <a:bodyPr wrap="square" rtlCol="0">
+            <a:spAutoFit/>
+          </a:bodyPr>
+          <a:lstStyle/>
+          <a:p>
+            <a:r>
+              <a:rPr lang="en-US" altLang="ja-JP" sz="1050" dirty="0" smtClean="0">
+                <a:solidFill>
+                  <a:schemeClr val="tx1">
+                    <a:lumMod val="75000"/>
+                    <a:lumOff val="25000"/>
+                  </a:schemeClr>
+                </a:solidFill>
+              </a:rPr>
+              <a:t>End User</a:t>
+            </a:r>
+          </a:p>
+        </p:txBody>
+      </p:sp>
+    </p:spTree>
+    <p:extLst>
+      <p:ext uri="{BB962C8B-B14F-4D97-AF65-F5344CB8AC3E}">
+        <p14:creationId xmlns:p14="http://schemas.microsoft.com/office/powerpoint/2010/main" val="3529145384"/>
+      </p:ext>
+    </p:extLst>
+  </p:cSld>
+  <p:clrMapOvr>
+    <a:masterClrMapping/>
+  </p:clrMapOvr>
+  <p:timing>
+    <p:tnLst>
+      <p:par>
+        <p:cTn id="1" dur="indefinite" restart="never" nodeType="tmRoot"/>
+      </p:par>
+    </p:tnLst>
+  </p:timing>
+</p:sld>
+</file>
+
+<file path=ppt/slides/slide8.xml><?xml version="1.0" encoding="utf-8"?>
+<p:sld xmlns:a="http://schemas.openxmlformats.org/drawingml/2006/main" xmlns:r="http://schemas.openxmlformats.org/officeDocument/2006/relationships" xmlns:p="http://schemas.openxmlformats.org/presentationml/2006/main">
+  <p:cSld>
+    <p:spTree>
+      <p:nvGrpSpPr>
+        <p:cNvPr id="1" name=""/>
+        <p:cNvGrpSpPr/>
+        <p:nvPr/>
+      </p:nvGrpSpPr>
+      <p:grpSpPr>
+        <a:xfrm>
+          <a:off x="0" y="0"/>
+          <a:ext cx="0" cy="0"/>
+          <a:chOff x="0" y="0"/>
+          <a:chExt cx="0" cy="0"/>
+        </a:xfrm>
+      </p:grpSpPr>
+      <p:sp>
+        <p:nvSpPr>
+          <p:cNvPr id="98" name="テキスト ボックス 97"/>
+          <p:cNvSpPr txBox="1"/>
+          <p:nvPr/>
+        </p:nvSpPr>
+        <p:spPr>
+          <a:xfrm>
+            <a:off x="4564992" y="3666210"/>
+            <a:ext cx="1768862" cy="1061829"/>
+          </a:xfrm>
+          <a:prstGeom prst="rect">
+            <a:avLst/>
+          </a:prstGeom>
+          <a:solidFill>
+            <a:schemeClr val="bg1"/>
+          </a:solidFill>
+          <a:ln w="9525">
+            <a:solidFill>
+              <a:schemeClr val="tx1"/>
+            </a:solidFill>
+          </a:ln>
+        </p:spPr>
+        <p:txBody>
+          <a:bodyPr wrap="square" rtlCol="0">
+            <a:spAutoFit/>
+          </a:bodyPr>
+          <a:lstStyle/>
+          <a:p>
+            <a:endParaRPr lang="en-US" altLang="ja-JP" sz="1050" dirty="0" smtClean="0">
+              <a:solidFill>
+                <a:schemeClr val="tx1">
+                  <a:lumMod val="75000"/>
+                  <a:lumOff val="25000"/>
+                </a:schemeClr>
+              </a:solidFill>
+            </a:endParaRPr>
+          </a:p>
+          <a:p>
+            <a:endParaRPr lang="en-US" altLang="ja-JP" sz="1050" dirty="0">
+              <a:solidFill>
+                <a:schemeClr val="tx1">
+                  <a:lumMod val="75000"/>
+                  <a:lumOff val="25000"/>
+                </a:schemeClr>
+              </a:solidFill>
+            </a:endParaRPr>
+          </a:p>
+          <a:p>
+            <a:endParaRPr lang="en-US" altLang="ja-JP" sz="1050" dirty="0" smtClean="0">
+              <a:solidFill>
+                <a:schemeClr val="tx1">
+                  <a:lumMod val="75000"/>
+                  <a:lumOff val="25000"/>
+                </a:schemeClr>
+              </a:solidFill>
+            </a:endParaRPr>
+          </a:p>
+          <a:p>
+            <a:endParaRPr lang="en-US" altLang="ja-JP" sz="1050" dirty="0">
+              <a:solidFill>
+                <a:schemeClr val="tx1">
+                  <a:lumMod val="75000"/>
+                  <a:lumOff val="25000"/>
+                </a:schemeClr>
+              </a:solidFill>
+            </a:endParaRPr>
+          </a:p>
+          <a:p>
+            <a:endParaRPr lang="en-US" altLang="ja-JP" sz="1050" dirty="0" smtClean="0">
+              <a:solidFill>
+                <a:schemeClr val="tx1">
+                  <a:lumMod val="75000"/>
+                  <a:lumOff val="25000"/>
+                </a:schemeClr>
+              </a:solidFill>
+            </a:endParaRPr>
+          </a:p>
+          <a:p>
+            <a:endParaRPr lang="en-US" altLang="ja-JP" sz="1050" dirty="0">
+              <a:solidFill>
+                <a:schemeClr val="tx1">
+                  <a:lumMod val="75000"/>
+                  <a:lumOff val="25000"/>
+                </a:schemeClr>
+              </a:solidFill>
+            </a:endParaRPr>
+          </a:p>
+        </p:txBody>
+      </p:sp>
+      <p:sp>
+        <p:nvSpPr>
+          <p:cNvPr id="95" name="テキスト ボックス 94"/>
+          <p:cNvSpPr txBox="1"/>
+          <p:nvPr/>
+        </p:nvSpPr>
+        <p:spPr>
+          <a:xfrm>
+            <a:off x="4516104" y="3625948"/>
+            <a:ext cx="1768862" cy="1061829"/>
+          </a:xfrm>
+          <a:prstGeom prst="rect">
+            <a:avLst/>
+          </a:prstGeom>
+          <a:solidFill>
+            <a:schemeClr val="bg1"/>
+          </a:solidFill>
+          <a:ln w="9525">
+            <a:solidFill>
+              <a:schemeClr val="tx1"/>
+            </a:solidFill>
+          </a:ln>
+        </p:spPr>
+        <p:txBody>
+          <a:bodyPr wrap="square" rtlCol="0">
+            <a:spAutoFit/>
+          </a:bodyPr>
+          <a:lstStyle/>
+          <a:p>
+            <a:endParaRPr lang="en-US" altLang="ja-JP" sz="1050" dirty="0" smtClean="0">
+              <a:solidFill>
+                <a:schemeClr val="tx1">
+                  <a:lumMod val="75000"/>
+                  <a:lumOff val="25000"/>
+                </a:schemeClr>
+              </a:solidFill>
+            </a:endParaRPr>
+          </a:p>
+          <a:p>
+            <a:endParaRPr lang="en-US" altLang="ja-JP" sz="1050" dirty="0">
+              <a:solidFill>
+                <a:schemeClr val="tx1">
+                  <a:lumMod val="75000"/>
+                  <a:lumOff val="25000"/>
+                </a:schemeClr>
+              </a:solidFill>
+            </a:endParaRPr>
+          </a:p>
+          <a:p>
+            <a:endParaRPr lang="en-US" altLang="ja-JP" sz="1050" dirty="0" smtClean="0">
+              <a:solidFill>
+                <a:schemeClr val="tx1">
+                  <a:lumMod val="75000"/>
+                  <a:lumOff val="25000"/>
+                </a:schemeClr>
+              </a:solidFill>
+            </a:endParaRPr>
+          </a:p>
+          <a:p>
+            <a:endParaRPr lang="en-US" altLang="ja-JP" sz="1050" dirty="0">
+              <a:solidFill>
+                <a:schemeClr val="tx1">
+                  <a:lumMod val="75000"/>
+                  <a:lumOff val="25000"/>
+                </a:schemeClr>
+              </a:solidFill>
+            </a:endParaRPr>
+          </a:p>
+          <a:p>
+            <a:endParaRPr lang="en-US" altLang="ja-JP" sz="1050" dirty="0" smtClean="0">
+              <a:solidFill>
+                <a:schemeClr val="tx1">
+                  <a:lumMod val="75000"/>
+                  <a:lumOff val="25000"/>
+                </a:schemeClr>
+              </a:solidFill>
+            </a:endParaRPr>
+          </a:p>
+          <a:p>
+            <a:endParaRPr lang="en-US" altLang="ja-JP" sz="1050" dirty="0">
+              <a:solidFill>
+                <a:schemeClr val="tx1">
+                  <a:lumMod val="75000"/>
+                  <a:lumOff val="25000"/>
+                </a:schemeClr>
+              </a:solidFill>
+            </a:endParaRPr>
+          </a:p>
+        </p:txBody>
+      </p:sp>
+      <p:sp>
+        <p:nvSpPr>
+          <p:cNvPr id="94" name="テキスト ボックス 93"/>
+          <p:cNvSpPr txBox="1"/>
+          <p:nvPr/>
+        </p:nvSpPr>
+        <p:spPr>
+          <a:xfrm>
+            <a:off x="3093120" y="1998184"/>
+            <a:ext cx="958416" cy="1708160"/>
+          </a:xfrm>
+          <a:prstGeom prst="rect">
+            <a:avLst/>
+          </a:prstGeom>
+          <a:solidFill>
+            <a:schemeClr val="bg1"/>
+          </a:solidFill>
+          <a:ln w="9525">
+            <a:solidFill>
+              <a:schemeClr val="tx1"/>
+            </a:solidFill>
+          </a:ln>
+        </p:spPr>
+        <p:txBody>
+          <a:bodyPr wrap="square" rtlCol="0">
+            <a:spAutoFit/>
+          </a:bodyPr>
+          <a:lstStyle/>
+          <a:p>
+            <a:endParaRPr lang="en-US" altLang="ja-JP" sz="1050" dirty="0" smtClean="0">
+              <a:solidFill>
+                <a:schemeClr val="tx1">
+                  <a:lumMod val="75000"/>
+                  <a:lumOff val="25000"/>
+                </a:schemeClr>
+              </a:solidFill>
+            </a:endParaRPr>
+          </a:p>
+          <a:p>
+            <a:endParaRPr lang="en-US" altLang="ja-JP" sz="1050" dirty="0">
+              <a:solidFill>
+                <a:schemeClr val="tx1">
+                  <a:lumMod val="75000"/>
+                  <a:lumOff val="25000"/>
+                </a:schemeClr>
+              </a:solidFill>
+            </a:endParaRPr>
+          </a:p>
+          <a:p>
+            <a:endParaRPr lang="en-US" altLang="ja-JP" sz="1050" dirty="0" smtClean="0">
+              <a:solidFill>
+                <a:schemeClr val="tx1">
+                  <a:lumMod val="75000"/>
+                  <a:lumOff val="25000"/>
+                </a:schemeClr>
+              </a:solidFill>
+            </a:endParaRPr>
+          </a:p>
+          <a:p>
+            <a:endParaRPr lang="en-US" altLang="ja-JP" sz="1050" dirty="0">
+              <a:solidFill>
+                <a:schemeClr val="tx1">
+                  <a:lumMod val="75000"/>
+                  <a:lumOff val="25000"/>
+                </a:schemeClr>
+              </a:solidFill>
+            </a:endParaRPr>
+          </a:p>
+          <a:p>
+            <a:endParaRPr lang="en-US" altLang="ja-JP" sz="1050" dirty="0" smtClean="0">
+              <a:solidFill>
+                <a:schemeClr val="tx1">
+                  <a:lumMod val="75000"/>
+                  <a:lumOff val="25000"/>
+                </a:schemeClr>
+              </a:solidFill>
+            </a:endParaRPr>
+          </a:p>
+          <a:p>
+            <a:endParaRPr lang="en-US" altLang="ja-JP" sz="1050" dirty="0">
+              <a:solidFill>
+                <a:schemeClr val="tx1">
+                  <a:lumMod val="75000"/>
+                  <a:lumOff val="25000"/>
+                </a:schemeClr>
+              </a:solidFill>
+            </a:endParaRPr>
+          </a:p>
+          <a:p>
+            <a:endParaRPr lang="en-US" altLang="ja-JP" sz="1050" dirty="0" smtClean="0">
+              <a:solidFill>
+                <a:schemeClr val="tx1">
+                  <a:lumMod val="75000"/>
+                  <a:lumOff val="25000"/>
+                </a:schemeClr>
+              </a:solidFill>
+            </a:endParaRPr>
+          </a:p>
+          <a:p>
+            <a:endParaRPr lang="en-US" altLang="ja-JP" sz="1050" dirty="0">
+              <a:solidFill>
+                <a:schemeClr val="tx1">
+                  <a:lumMod val="75000"/>
+                  <a:lumOff val="25000"/>
+                </a:schemeClr>
+              </a:solidFill>
+            </a:endParaRPr>
+          </a:p>
+          <a:p>
+            <a:endParaRPr lang="en-US" altLang="ja-JP" sz="1050" dirty="0" smtClean="0">
+              <a:solidFill>
+                <a:schemeClr val="tx1">
+                  <a:lumMod val="75000"/>
+                  <a:lumOff val="25000"/>
+                </a:schemeClr>
+              </a:solidFill>
+            </a:endParaRPr>
+          </a:p>
+          <a:p>
+            <a:endParaRPr lang="en-US" altLang="ja-JP" sz="1050" dirty="0" smtClean="0">
+              <a:solidFill>
+                <a:schemeClr val="tx1">
+                  <a:lumMod val="75000"/>
+                  <a:lumOff val="25000"/>
+                </a:schemeClr>
+              </a:solidFill>
+            </a:endParaRPr>
+          </a:p>
+        </p:txBody>
+      </p:sp>
+      <p:sp>
+        <p:nvSpPr>
+          <p:cNvPr id="93" name="テキスト ボックス 92"/>
+          <p:cNvSpPr txBox="1"/>
+          <p:nvPr/>
+        </p:nvSpPr>
+        <p:spPr>
+          <a:xfrm>
+            <a:off x="3035606" y="1949296"/>
+            <a:ext cx="958416" cy="1708160"/>
+          </a:xfrm>
+          <a:prstGeom prst="rect">
+            <a:avLst/>
+          </a:prstGeom>
+          <a:solidFill>
+            <a:schemeClr val="bg1"/>
+          </a:solidFill>
+          <a:ln w="9525">
+            <a:solidFill>
+              <a:schemeClr val="tx1"/>
+            </a:solidFill>
+          </a:ln>
+        </p:spPr>
+        <p:txBody>
+          <a:bodyPr wrap="square" rtlCol="0">
+            <a:spAutoFit/>
+          </a:bodyPr>
+          <a:lstStyle/>
+          <a:p>
+            <a:endParaRPr lang="en-US" altLang="ja-JP" sz="1050" dirty="0" smtClean="0">
+              <a:solidFill>
+                <a:schemeClr val="tx1">
+                  <a:lumMod val="75000"/>
+                  <a:lumOff val="25000"/>
+                </a:schemeClr>
+              </a:solidFill>
+            </a:endParaRPr>
+          </a:p>
+          <a:p>
+            <a:endParaRPr lang="en-US" altLang="ja-JP" sz="1050" dirty="0">
+              <a:solidFill>
+                <a:schemeClr val="tx1">
+                  <a:lumMod val="75000"/>
+                  <a:lumOff val="25000"/>
+                </a:schemeClr>
+              </a:solidFill>
+            </a:endParaRPr>
+          </a:p>
+          <a:p>
+            <a:endParaRPr lang="en-US" altLang="ja-JP" sz="1050" dirty="0" smtClean="0">
+              <a:solidFill>
+                <a:schemeClr val="tx1">
+                  <a:lumMod val="75000"/>
+                  <a:lumOff val="25000"/>
+                </a:schemeClr>
+              </a:solidFill>
+            </a:endParaRPr>
+          </a:p>
+          <a:p>
+            <a:endParaRPr lang="en-US" altLang="ja-JP" sz="1050" dirty="0">
+              <a:solidFill>
+                <a:schemeClr val="tx1">
+                  <a:lumMod val="75000"/>
+                  <a:lumOff val="25000"/>
+                </a:schemeClr>
+              </a:solidFill>
+            </a:endParaRPr>
+          </a:p>
+          <a:p>
+            <a:endParaRPr lang="en-US" altLang="ja-JP" sz="1050" dirty="0" smtClean="0">
+              <a:solidFill>
+                <a:schemeClr val="tx1">
+                  <a:lumMod val="75000"/>
+                  <a:lumOff val="25000"/>
+                </a:schemeClr>
+              </a:solidFill>
+            </a:endParaRPr>
+          </a:p>
+          <a:p>
+            <a:endParaRPr lang="en-US" altLang="ja-JP" sz="1050" dirty="0">
+              <a:solidFill>
+                <a:schemeClr val="tx1">
+                  <a:lumMod val="75000"/>
+                  <a:lumOff val="25000"/>
+                </a:schemeClr>
+              </a:solidFill>
+            </a:endParaRPr>
+          </a:p>
+          <a:p>
+            <a:endParaRPr lang="en-US" altLang="ja-JP" sz="1050" dirty="0" smtClean="0">
+              <a:solidFill>
+                <a:schemeClr val="tx1">
+                  <a:lumMod val="75000"/>
+                  <a:lumOff val="25000"/>
+                </a:schemeClr>
+              </a:solidFill>
+            </a:endParaRPr>
+          </a:p>
+          <a:p>
+            <a:endParaRPr lang="en-US" altLang="ja-JP" sz="1050" dirty="0">
+              <a:solidFill>
+                <a:schemeClr val="tx1">
+                  <a:lumMod val="75000"/>
+                  <a:lumOff val="25000"/>
+                </a:schemeClr>
+              </a:solidFill>
+            </a:endParaRPr>
+          </a:p>
+          <a:p>
+            <a:endParaRPr lang="en-US" altLang="ja-JP" sz="1050" dirty="0" smtClean="0">
+              <a:solidFill>
+                <a:schemeClr val="tx1">
+                  <a:lumMod val="75000"/>
+                  <a:lumOff val="25000"/>
+                </a:schemeClr>
+              </a:solidFill>
+            </a:endParaRPr>
+          </a:p>
+          <a:p>
+            <a:endParaRPr lang="en-US" altLang="ja-JP" sz="1050" dirty="0" smtClean="0">
+              <a:solidFill>
+                <a:schemeClr val="tx1">
+                  <a:lumMod val="75000"/>
+                  <a:lumOff val="25000"/>
+                </a:schemeClr>
+              </a:solidFill>
+            </a:endParaRPr>
+          </a:p>
+        </p:txBody>
+      </p:sp>
+      <p:sp>
+        <p:nvSpPr>
+          <p:cNvPr id="90" name="テキスト ボックス 89"/>
+          <p:cNvSpPr txBox="1"/>
+          <p:nvPr/>
+        </p:nvSpPr>
+        <p:spPr>
+          <a:xfrm>
+            <a:off x="4573618" y="2169699"/>
+            <a:ext cx="1768862" cy="1061829"/>
+          </a:xfrm>
+          <a:prstGeom prst="rect">
+            <a:avLst/>
+          </a:prstGeom>
+          <a:solidFill>
+            <a:schemeClr val="bg1"/>
+          </a:solidFill>
+          <a:ln w="9525">
+            <a:solidFill>
+              <a:schemeClr val="tx1"/>
+            </a:solidFill>
+          </a:ln>
+        </p:spPr>
+        <p:txBody>
+          <a:bodyPr wrap="square" rtlCol="0">
+            <a:spAutoFit/>
+          </a:bodyPr>
+          <a:lstStyle/>
+          <a:p>
+            <a:endParaRPr lang="en-US" altLang="ja-JP" sz="1050" dirty="0" smtClean="0">
+              <a:solidFill>
+                <a:schemeClr val="tx1">
+                  <a:lumMod val="75000"/>
+                  <a:lumOff val="25000"/>
+                </a:schemeClr>
+              </a:solidFill>
+            </a:endParaRPr>
+          </a:p>
+          <a:p>
+            <a:endParaRPr lang="en-US" altLang="ja-JP" sz="1050" dirty="0">
+              <a:solidFill>
+                <a:schemeClr val="tx1">
+                  <a:lumMod val="75000"/>
+                  <a:lumOff val="25000"/>
+                </a:schemeClr>
+              </a:solidFill>
+            </a:endParaRPr>
+          </a:p>
+          <a:p>
+            <a:endParaRPr lang="en-US" altLang="ja-JP" sz="1050" dirty="0" smtClean="0">
+              <a:solidFill>
+                <a:schemeClr val="tx1">
+                  <a:lumMod val="75000"/>
+                  <a:lumOff val="25000"/>
+                </a:schemeClr>
+              </a:solidFill>
+            </a:endParaRPr>
+          </a:p>
+          <a:p>
+            <a:endParaRPr lang="en-US" altLang="ja-JP" sz="1050" dirty="0">
+              <a:solidFill>
+                <a:schemeClr val="tx1">
+                  <a:lumMod val="75000"/>
+                  <a:lumOff val="25000"/>
+                </a:schemeClr>
+              </a:solidFill>
+            </a:endParaRPr>
+          </a:p>
+          <a:p>
+            <a:endParaRPr lang="en-US" altLang="ja-JP" sz="1050" dirty="0" smtClean="0">
+              <a:solidFill>
+                <a:schemeClr val="tx1">
+                  <a:lumMod val="75000"/>
+                  <a:lumOff val="25000"/>
+                </a:schemeClr>
+              </a:solidFill>
+            </a:endParaRPr>
+          </a:p>
+          <a:p>
+            <a:endParaRPr lang="en-US" altLang="ja-JP" sz="1050" dirty="0">
+              <a:solidFill>
+                <a:schemeClr val="tx1">
+                  <a:lumMod val="75000"/>
+                  <a:lumOff val="25000"/>
+                </a:schemeClr>
+              </a:solidFill>
+            </a:endParaRPr>
+          </a:p>
+        </p:txBody>
+      </p:sp>
+      <p:sp>
+        <p:nvSpPr>
+          <p:cNvPr id="88" name="テキスト ボックス 87"/>
+          <p:cNvSpPr txBox="1"/>
+          <p:nvPr/>
+        </p:nvSpPr>
+        <p:spPr>
+          <a:xfrm>
+            <a:off x="4516104" y="2120811"/>
+            <a:ext cx="1768862" cy="1061829"/>
+          </a:xfrm>
+          <a:prstGeom prst="rect">
+            <a:avLst/>
+          </a:prstGeom>
+          <a:solidFill>
+            <a:schemeClr val="bg1"/>
+          </a:solidFill>
+          <a:ln w="9525">
+            <a:solidFill>
+              <a:schemeClr val="tx1"/>
+            </a:solidFill>
+          </a:ln>
+        </p:spPr>
+        <p:txBody>
+          <a:bodyPr wrap="square" rtlCol="0">
+            <a:spAutoFit/>
+          </a:bodyPr>
+          <a:lstStyle/>
+          <a:p>
+            <a:endParaRPr lang="en-US" altLang="ja-JP" sz="1050" dirty="0" smtClean="0">
+              <a:solidFill>
+                <a:schemeClr val="tx1">
+                  <a:lumMod val="75000"/>
+                  <a:lumOff val="25000"/>
+                </a:schemeClr>
+              </a:solidFill>
+            </a:endParaRPr>
+          </a:p>
+          <a:p>
+            <a:endParaRPr lang="en-US" altLang="ja-JP" sz="1050" dirty="0">
+              <a:solidFill>
+                <a:schemeClr val="tx1">
+                  <a:lumMod val="75000"/>
+                  <a:lumOff val="25000"/>
+                </a:schemeClr>
+              </a:solidFill>
+            </a:endParaRPr>
+          </a:p>
+          <a:p>
+            <a:endParaRPr lang="en-US" altLang="ja-JP" sz="1050" dirty="0" smtClean="0">
+              <a:solidFill>
+                <a:schemeClr val="tx1">
+                  <a:lumMod val="75000"/>
+                  <a:lumOff val="25000"/>
+                </a:schemeClr>
+              </a:solidFill>
+            </a:endParaRPr>
+          </a:p>
+          <a:p>
+            <a:endParaRPr lang="en-US" altLang="ja-JP" sz="1050" dirty="0">
+              <a:solidFill>
+                <a:schemeClr val="tx1">
+                  <a:lumMod val="75000"/>
+                  <a:lumOff val="25000"/>
+                </a:schemeClr>
+              </a:solidFill>
+            </a:endParaRPr>
+          </a:p>
+          <a:p>
+            <a:endParaRPr lang="en-US" altLang="ja-JP" sz="1050" dirty="0" smtClean="0">
+              <a:solidFill>
+                <a:schemeClr val="tx1">
+                  <a:lumMod val="75000"/>
+                  <a:lumOff val="25000"/>
+                </a:schemeClr>
+              </a:solidFill>
+            </a:endParaRPr>
+          </a:p>
+          <a:p>
+            <a:endParaRPr lang="en-US" altLang="ja-JP" sz="1050" dirty="0">
+              <a:solidFill>
+                <a:schemeClr val="tx1">
+                  <a:lumMod val="75000"/>
+                  <a:lumOff val="25000"/>
+                </a:schemeClr>
+              </a:solidFill>
+            </a:endParaRPr>
+          </a:p>
+        </p:txBody>
+      </p:sp>
+      <p:sp>
+        <p:nvSpPr>
+          <p:cNvPr id="87" name="正方形/長方形 86"/>
+          <p:cNvSpPr/>
+          <p:nvPr/>
+        </p:nvSpPr>
+        <p:spPr>
+          <a:xfrm>
+            <a:off x="386172" y="1840372"/>
+            <a:ext cx="2517681" cy="3060370"/>
+          </a:xfrm>
+          <a:prstGeom prst="rect">
+            <a:avLst/>
+          </a:prstGeom>
+          <a:solidFill>
+            <a:schemeClr val="bg2"/>
+          </a:solidFill>
+          <a:ln w="12700">
+            <a:solidFill>
+              <a:schemeClr val="tx1">
+                <a:lumMod val="65000"/>
+                <a:lumOff val="35000"/>
+              </a:schemeClr>
+            </a:solidFill>
+          </a:ln>
+        </p:spPr>
+        <p:style>
+          <a:lnRef idx="2">
+            <a:schemeClr val="accent1">
+              <a:shade val="50000"/>
+            </a:schemeClr>
+          </a:lnRef>
+          <a:fillRef idx="1">
+            <a:schemeClr val="accent1"/>
+          </a:fillRef>
+          <a:effectRef idx="0">
+            <a:schemeClr val="accent1"/>
+          </a:effectRef>
+          <a:fontRef idx="minor">
+            <a:schemeClr val="lt1"/>
+          </a:fontRef>
+        </p:style>
+        <p:txBody>
+          <a:bodyPr rtlCol="0" anchor="ctr"/>
+          <a:lstStyle/>
+          <a:p>
+            <a:pPr algn="ctr"/>
+            <a:endParaRPr kumimoji="1" lang="ja-JP" altLang="en-US" sz="1100" dirty="0" smtClean="0">
+              <a:solidFill>
+                <a:schemeClr val="tx1">
+                  <a:lumMod val="75000"/>
+                  <a:lumOff val="25000"/>
+                </a:schemeClr>
+              </a:solidFill>
+            </a:endParaRPr>
+          </a:p>
+        </p:txBody>
+      </p:sp>
+      <p:sp>
+        <p:nvSpPr>
+          <p:cNvPr id="85" name="正方形/長方形 84"/>
+          <p:cNvSpPr/>
+          <p:nvPr/>
+        </p:nvSpPr>
+        <p:spPr>
+          <a:xfrm>
+            <a:off x="299894" y="1756166"/>
+            <a:ext cx="2517681" cy="3060370"/>
+          </a:xfrm>
+          <a:prstGeom prst="rect">
+            <a:avLst/>
+          </a:prstGeom>
+          <a:solidFill>
+            <a:schemeClr val="bg2"/>
+          </a:solidFill>
+          <a:ln w="12700">
+            <a:solidFill>
+              <a:schemeClr val="tx1">
+                <a:lumMod val="65000"/>
+                <a:lumOff val="35000"/>
+              </a:schemeClr>
+            </a:solidFill>
+          </a:ln>
+        </p:spPr>
+        <p:style>
+          <a:lnRef idx="2">
+            <a:schemeClr val="accent1">
+              <a:shade val="50000"/>
+            </a:schemeClr>
+          </a:lnRef>
+          <a:fillRef idx="1">
+            <a:schemeClr val="accent1"/>
+          </a:fillRef>
+          <a:effectRef idx="0">
+            <a:schemeClr val="accent1"/>
+          </a:effectRef>
+          <a:fontRef idx="minor">
+            <a:schemeClr val="lt1"/>
+          </a:fontRef>
+        </p:style>
+        <p:txBody>
+          <a:bodyPr rtlCol="0" anchor="ctr"/>
+          <a:lstStyle/>
+          <a:p>
+            <a:pPr algn="ctr"/>
+            <a:endParaRPr kumimoji="1" lang="ja-JP" altLang="en-US" sz="1100" dirty="0" smtClean="0">
+              <a:solidFill>
+                <a:schemeClr val="tx1">
+                  <a:lumMod val="75000"/>
+                  <a:lumOff val="25000"/>
+                </a:schemeClr>
+              </a:solidFill>
+            </a:endParaRPr>
+          </a:p>
+        </p:txBody>
+      </p:sp>
+      <p:sp>
+        <p:nvSpPr>
+          <p:cNvPr id="2" name="タイトル 1"/>
+          <p:cNvSpPr>
+            <a:spLocks noGrp="1"/>
+          </p:cNvSpPr>
+          <p:nvPr>
+            <p:ph type="title"/>
+          </p:nvPr>
+        </p:nvSpPr>
+        <p:spPr/>
+        <p:txBody>
+          <a:bodyPr>
+            <a:normAutofit/>
+          </a:bodyPr>
+          <a:lstStyle/>
+          <a:p>
+            <a:r>
+              <a:rPr lang="en-US" altLang="ja-JP" dirty="0" smtClean="0"/>
+              <a:t>LTR</a:t>
+            </a:r>
+            <a:r>
+              <a:rPr kumimoji="1" lang="en-US" altLang="ja-JP" dirty="0" smtClean="0"/>
+              <a:t>: </a:t>
+            </a:r>
+            <a:r>
+              <a:rPr kumimoji="1" lang="en-US" altLang="ja-JP" dirty="0" smtClean="0"/>
+              <a:t>ICM/DCM</a:t>
+            </a:r>
+            <a:endParaRPr kumimoji="1" lang="ja-JP" altLang="en-US" dirty="0"/>
+          </a:p>
+        </p:txBody>
+      </p:sp>
+      <p:sp>
+        <p:nvSpPr>
+          <p:cNvPr id="43" name="正方形/長方形 42"/>
+          <p:cNvSpPr/>
+          <p:nvPr/>
+        </p:nvSpPr>
+        <p:spPr>
+          <a:xfrm>
+            <a:off x="198752" y="1684158"/>
+            <a:ext cx="2517681" cy="3060370"/>
+          </a:xfrm>
+          <a:prstGeom prst="rect">
+            <a:avLst/>
+          </a:prstGeom>
+          <a:solidFill>
+            <a:schemeClr val="bg2"/>
+          </a:solidFill>
+          <a:ln w="12700">
+            <a:solidFill>
+              <a:schemeClr val="tx1">
+                <a:lumMod val="65000"/>
+                <a:lumOff val="35000"/>
+              </a:schemeClr>
+            </a:solidFill>
+          </a:ln>
+        </p:spPr>
+        <p:style>
+          <a:lnRef idx="2">
+            <a:schemeClr val="accent1">
+              <a:shade val="50000"/>
+            </a:schemeClr>
+          </a:lnRef>
+          <a:fillRef idx="1">
+            <a:schemeClr val="accent1"/>
+          </a:fillRef>
+          <a:effectRef idx="0">
+            <a:schemeClr val="accent1"/>
+          </a:effectRef>
+          <a:fontRef idx="minor">
+            <a:schemeClr val="lt1"/>
+          </a:fontRef>
+        </p:style>
+        <p:txBody>
+          <a:bodyPr rtlCol="0" anchor="ctr"/>
+          <a:lstStyle/>
+          <a:p>
+            <a:pPr algn="ctr"/>
+            <a:endParaRPr kumimoji="1" lang="ja-JP" altLang="en-US" sz="1100" dirty="0" smtClean="0">
+              <a:solidFill>
+                <a:schemeClr val="tx1">
+                  <a:lumMod val="75000"/>
+                  <a:lumOff val="25000"/>
+                </a:schemeClr>
+              </a:solidFill>
+            </a:endParaRPr>
+          </a:p>
+        </p:txBody>
+      </p:sp>
+      <p:sp>
+        <p:nvSpPr>
+          <p:cNvPr id="44" name="正方形/長方形 43"/>
+          <p:cNvSpPr/>
+          <p:nvPr/>
+        </p:nvSpPr>
+        <p:spPr>
+          <a:xfrm>
+            <a:off x="335526" y="1756166"/>
+            <a:ext cx="1152128" cy="216024"/>
+          </a:xfrm>
+          <a:prstGeom prst="rect">
+            <a:avLst/>
+          </a:prstGeom>
+          <a:solidFill>
+            <a:schemeClr val="bg1"/>
+          </a:solidFill>
+          <a:ln>
+            <a:solidFill>
+              <a:schemeClr val="tx1">
+                <a:lumMod val="65000"/>
+                <a:lumOff val="35000"/>
+              </a:schemeClr>
+            </a:solidFill>
+          </a:ln>
+        </p:spPr>
+        <p:style>
+          <a:lnRef idx="2">
+            <a:schemeClr val="accent1">
+              <a:shade val="50000"/>
+            </a:schemeClr>
+          </a:lnRef>
+          <a:fillRef idx="1">
+            <a:schemeClr val="accent1"/>
+          </a:fillRef>
+          <a:effectRef idx="0">
+            <a:schemeClr val="accent1"/>
+          </a:effectRef>
+          <a:fontRef idx="minor">
+            <a:schemeClr val="lt1"/>
+          </a:fontRef>
+        </p:style>
+        <p:txBody>
+          <a:bodyPr rtlCol="0" anchor="ctr"/>
+          <a:lstStyle/>
+          <a:p>
+            <a:r>
+              <a:rPr kumimoji="1" lang="en-US" altLang="ja-JP" sz="1100" dirty="0" smtClean="0">
+                <a:solidFill>
+                  <a:schemeClr val="tx1">
+                    <a:lumMod val="75000"/>
+                    <a:lumOff val="25000"/>
+                  </a:schemeClr>
+                </a:solidFill>
+              </a:rPr>
+              <a:t>iPhone</a:t>
+            </a:r>
+            <a:endParaRPr kumimoji="1" lang="ja-JP" altLang="en-US" sz="1100" dirty="0" smtClean="0">
+              <a:solidFill>
+                <a:schemeClr val="tx1">
+                  <a:lumMod val="75000"/>
+                  <a:lumOff val="25000"/>
+                </a:schemeClr>
+              </a:solidFill>
+            </a:endParaRPr>
+          </a:p>
+        </p:txBody>
+      </p:sp>
+      <p:sp>
+        <p:nvSpPr>
+          <p:cNvPr id="45" name="角丸四角形 44"/>
+          <p:cNvSpPr/>
+          <p:nvPr/>
+        </p:nvSpPr>
+        <p:spPr>
+          <a:xfrm>
+            <a:off x="1631670" y="1756166"/>
+            <a:ext cx="648072" cy="216024"/>
+          </a:xfrm>
+          <a:prstGeom prst="roundRect">
+            <a:avLst/>
+          </a:prstGeom>
+          <a:solidFill>
+            <a:schemeClr val="bg1"/>
+          </a:solidFill>
+          <a:ln>
+            <a:solidFill>
+              <a:schemeClr val="tx1">
+                <a:lumMod val="65000"/>
+                <a:lumOff val="35000"/>
+              </a:schemeClr>
+            </a:solidFill>
+          </a:ln>
+        </p:spPr>
+        <p:style>
+          <a:lnRef idx="2">
+            <a:schemeClr val="accent1">
+              <a:shade val="50000"/>
+            </a:schemeClr>
+          </a:lnRef>
+          <a:fillRef idx="1">
+            <a:schemeClr val="accent1"/>
+          </a:fillRef>
+          <a:effectRef idx="0">
+            <a:schemeClr val="accent1"/>
+          </a:effectRef>
+          <a:fontRef idx="minor">
+            <a:schemeClr val="lt1"/>
+          </a:fontRef>
+        </p:style>
+        <p:txBody>
+          <a:bodyPr rtlCol="0" anchor="ctr"/>
+          <a:lstStyle/>
+          <a:p>
+            <a:pPr algn="ctr"/>
+            <a:r>
+              <a:rPr kumimoji="1" lang="en-US" altLang="ja-JP" sz="1100" dirty="0" smtClean="0">
+                <a:solidFill>
+                  <a:schemeClr val="tx1">
+                    <a:lumMod val="75000"/>
+                    <a:lumOff val="25000"/>
+                  </a:schemeClr>
+                </a:solidFill>
+              </a:rPr>
+              <a:t>search</a:t>
+            </a:r>
+            <a:endParaRPr kumimoji="1" lang="ja-JP" altLang="en-US" sz="1100" dirty="0" smtClean="0">
+              <a:solidFill>
+                <a:schemeClr val="tx1">
+                  <a:lumMod val="75000"/>
+                  <a:lumOff val="25000"/>
+                </a:schemeClr>
+              </a:solidFill>
+            </a:endParaRPr>
+          </a:p>
+        </p:txBody>
+      </p:sp>
+      <p:sp>
+        <p:nvSpPr>
+          <p:cNvPr id="46" name="正方形/長方形 45"/>
+          <p:cNvSpPr/>
+          <p:nvPr/>
+        </p:nvSpPr>
+        <p:spPr>
+          <a:xfrm>
+            <a:off x="549276" y="2044198"/>
+            <a:ext cx="2072042" cy="529322"/>
+          </a:xfrm>
+          <a:prstGeom prst="rect">
+            <a:avLst/>
+          </a:prstGeom>
+          <a:solidFill>
+            <a:schemeClr val="bg1"/>
+          </a:solidFill>
+          <a:ln w="6350">
+            <a:solidFill>
+              <a:schemeClr val="tx1">
+                <a:lumMod val="65000"/>
+                <a:lumOff val="35000"/>
+              </a:schemeClr>
+            </a:solidFill>
+          </a:ln>
+        </p:spPr>
+        <p:style>
+          <a:lnRef idx="2">
+            <a:schemeClr val="accent1">
+              <a:shade val="50000"/>
+            </a:schemeClr>
+          </a:lnRef>
+          <a:fillRef idx="1">
+            <a:schemeClr val="accent1"/>
+          </a:fillRef>
+          <a:effectRef idx="0">
+            <a:schemeClr val="accent1"/>
+          </a:effectRef>
+          <a:fontRef idx="minor">
+            <a:schemeClr val="lt1"/>
+          </a:fontRef>
+        </p:style>
+        <p:txBody>
+          <a:bodyPr rtlCol="0" anchor="ctr"/>
+          <a:lstStyle/>
+          <a:p>
+            <a:r>
+              <a:rPr kumimoji="1" lang="en-US" altLang="ja-JP" sz="1050" dirty="0" smtClean="0">
+                <a:solidFill>
+                  <a:schemeClr val="tx1">
+                    <a:lumMod val="75000"/>
+                    <a:lumOff val="25000"/>
+                  </a:schemeClr>
+                </a:solidFill>
+              </a:rPr>
+              <a:t>XXXXX</a:t>
+            </a:r>
+            <a:r>
+              <a:rPr kumimoji="1" lang="ja-JP" altLang="en-US" sz="1050" dirty="0" smtClean="0">
+                <a:solidFill>
+                  <a:schemeClr val="tx1">
+                    <a:lumMod val="75000"/>
+                    <a:lumOff val="25000"/>
+                  </a:schemeClr>
+                </a:solidFill>
+              </a:rPr>
+              <a:t> </a:t>
+            </a:r>
+            <a:r>
+              <a:rPr kumimoji="1" lang="en-US" altLang="ja-JP" sz="1050" dirty="0" smtClean="0">
+                <a:solidFill>
+                  <a:schemeClr val="tx1">
+                    <a:lumMod val="75000"/>
+                    <a:lumOff val="25000"/>
+                  </a:schemeClr>
+                </a:solidFill>
+              </a:rPr>
+              <a:t>(</a:t>
+            </a:r>
+            <a:r>
+              <a:rPr kumimoji="1" lang="en-US" altLang="ja-JP" sz="1050" dirty="0" err="1" smtClean="0">
+                <a:solidFill>
+                  <a:schemeClr val="tx1">
+                    <a:lumMod val="75000"/>
+                    <a:lumOff val="25000"/>
+                  </a:schemeClr>
+                </a:solidFill>
+              </a:rPr>
+              <a:t>docA</a:t>
+            </a:r>
+            <a:r>
+              <a:rPr kumimoji="1" lang="en-US" altLang="ja-JP" sz="1050" dirty="0" smtClean="0">
+                <a:solidFill>
+                  <a:schemeClr val="tx1">
+                    <a:lumMod val="75000"/>
+                    <a:lumOff val="25000"/>
+                  </a:schemeClr>
+                </a:solidFill>
+              </a:rPr>
+              <a:t>)</a:t>
+            </a:r>
+            <a:endParaRPr kumimoji="1" lang="en-US" altLang="ja-JP" sz="1050" dirty="0" smtClean="0">
+              <a:solidFill>
+                <a:schemeClr val="tx1">
+                  <a:lumMod val="75000"/>
+                  <a:lumOff val="25000"/>
+                </a:schemeClr>
+              </a:solidFill>
+            </a:endParaRPr>
+          </a:p>
+          <a:p>
+            <a:r>
+              <a:rPr lang="ja-JP" altLang="en-US" sz="900" dirty="0" smtClean="0">
+                <a:solidFill>
+                  <a:schemeClr val="tx1">
+                    <a:lumMod val="75000"/>
+                    <a:lumOff val="25000"/>
+                  </a:schemeClr>
+                </a:solidFill>
+              </a:rPr>
+              <a:t> </a:t>
+            </a:r>
+            <a:r>
+              <a:rPr kumimoji="1" lang="en-US" altLang="ja-JP" sz="900" dirty="0" smtClean="0">
+                <a:solidFill>
+                  <a:schemeClr val="tx1">
+                    <a:lumMod val="75000"/>
+                    <a:lumOff val="25000"/>
+                  </a:schemeClr>
+                </a:solidFill>
+              </a:rPr>
+              <a:t>--  </a:t>
+            </a:r>
+            <a:r>
+              <a:rPr kumimoji="1" lang="en-US" altLang="ja-JP" sz="900" dirty="0" smtClean="0">
+                <a:solidFill>
+                  <a:schemeClr val="tx1">
+                    <a:lumMod val="75000"/>
+                    <a:lumOff val="25000"/>
+                  </a:schemeClr>
+                </a:solidFill>
+              </a:rPr>
+              <a:t>---  ---  ---  ---  ---  --- </a:t>
+            </a:r>
+            <a:endParaRPr kumimoji="1" lang="en-US" altLang="ja-JP" sz="900" dirty="0" smtClean="0">
+              <a:solidFill>
+                <a:schemeClr val="tx1">
+                  <a:lumMod val="75000"/>
+                  <a:lumOff val="25000"/>
+                </a:schemeClr>
+              </a:solidFill>
+            </a:endParaRPr>
+          </a:p>
+          <a:p>
+            <a:r>
+              <a:rPr lang="ja-JP" altLang="en-US" sz="900" dirty="0">
+                <a:solidFill>
+                  <a:schemeClr val="tx1">
+                    <a:lumMod val="75000"/>
+                    <a:lumOff val="25000"/>
+                  </a:schemeClr>
+                </a:solidFill>
+              </a:rPr>
+              <a:t> </a:t>
+            </a:r>
+            <a:r>
+              <a:rPr lang="en-US" altLang="ja-JP" sz="900" dirty="0">
+                <a:solidFill>
+                  <a:schemeClr val="tx1">
+                    <a:lumMod val="75000"/>
+                    <a:lumOff val="25000"/>
+                  </a:schemeClr>
+                </a:solidFill>
+              </a:rPr>
+              <a:t>--  ---  ---  ---  ---  ---  --- </a:t>
+            </a:r>
+            <a:endParaRPr lang="en-US" altLang="ja-JP" sz="900" dirty="0" smtClean="0">
+              <a:solidFill>
+                <a:schemeClr val="tx1">
+                  <a:lumMod val="75000"/>
+                  <a:lumOff val="25000"/>
+                </a:schemeClr>
+              </a:solidFill>
+            </a:endParaRPr>
+          </a:p>
+        </p:txBody>
+      </p:sp>
+      <p:sp>
+        <p:nvSpPr>
+          <p:cNvPr id="47" name="角丸四角形 46"/>
+          <p:cNvSpPr/>
+          <p:nvPr/>
+        </p:nvSpPr>
+        <p:spPr>
+          <a:xfrm>
+            <a:off x="1840830" y="2286246"/>
+            <a:ext cx="648072" cy="216024"/>
+          </a:xfrm>
+          <a:prstGeom prst="roundRect">
+            <a:avLst/>
+          </a:prstGeom>
+          <a:solidFill>
+            <a:schemeClr val="bg1"/>
+          </a:solidFill>
+          <a:ln w="12700">
+            <a:solidFill>
+              <a:schemeClr val="tx1">
+                <a:lumMod val="65000"/>
+                <a:lumOff val="35000"/>
+              </a:schemeClr>
+            </a:solidFill>
+          </a:ln>
+        </p:spPr>
+        <p:style>
+          <a:lnRef idx="2">
+            <a:schemeClr val="accent1">
+              <a:shade val="50000"/>
+            </a:schemeClr>
+          </a:lnRef>
+          <a:fillRef idx="1">
+            <a:schemeClr val="accent1"/>
+          </a:fillRef>
+          <a:effectRef idx="0">
+            <a:schemeClr val="accent1"/>
+          </a:effectRef>
+          <a:fontRef idx="minor">
+            <a:schemeClr val="lt1"/>
+          </a:fontRef>
+        </p:style>
+        <p:txBody>
+          <a:bodyPr rtlCol="0" anchor="ctr"/>
+          <a:lstStyle/>
+          <a:p>
+            <a:pPr algn="ctr"/>
+            <a:r>
+              <a:rPr lang="en-US" altLang="ja-JP" sz="1000" dirty="0" smtClean="0">
+                <a:solidFill>
+                  <a:schemeClr val="tx1">
+                    <a:lumMod val="75000"/>
+                    <a:lumOff val="25000"/>
+                  </a:schemeClr>
+                </a:solidFill>
+              </a:rPr>
+              <a:t>detail</a:t>
+            </a:r>
+            <a:endParaRPr kumimoji="1" lang="ja-JP" altLang="en-US" sz="1000" dirty="0" smtClean="0">
+              <a:solidFill>
+                <a:schemeClr val="tx1">
+                  <a:lumMod val="75000"/>
+                  <a:lumOff val="25000"/>
+                </a:schemeClr>
+              </a:solidFill>
+            </a:endParaRPr>
+          </a:p>
+        </p:txBody>
+      </p:sp>
+      <p:sp>
+        <p:nvSpPr>
+          <p:cNvPr id="52" name="正方形/長方形 51"/>
+          <p:cNvSpPr/>
+          <p:nvPr/>
+        </p:nvSpPr>
+        <p:spPr>
+          <a:xfrm>
+            <a:off x="299894" y="2044198"/>
+            <a:ext cx="249382" cy="529322"/>
+          </a:xfrm>
+          <a:prstGeom prst="rect">
+            <a:avLst/>
+          </a:prstGeom>
+          <a:solidFill>
+            <a:schemeClr val="bg1"/>
+          </a:solidFill>
+          <a:ln w="6350">
+            <a:solidFill>
+              <a:schemeClr val="tx1">
+                <a:lumMod val="65000"/>
+                <a:lumOff val="35000"/>
+              </a:schemeClr>
+            </a:solidFill>
+          </a:ln>
+        </p:spPr>
+        <p:style>
+          <a:lnRef idx="2">
+            <a:schemeClr val="accent1">
+              <a:shade val="50000"/>
+            </a:schemeClr>
+          </a:lnRef>
+          <a:fillRef idx="1">
+            <a:schemeClr val="accent1"/>
+          </a:fillRef>
+          <a:effectRef idx="0">
+            <a:schemeClr val="accent1"/>
+          </a:effectRef>
+          <a:fontRef idx="minor">
+            <a:schemeClr val="lt1"/>
+          </a:fontRef>
+        </p:style>
+        <p:txBody>
+          <a:bodyPr rtlCol="0" anchor="ctr"/>
+          <a:lstStyle/>
+          <a:p>
+            <a:r>
+              <a:rPr kumimoji="1" lang="en-US" altLang="ja-JP" sz="800" dirty="0" smtClean="0">
+                <a:solidFill>
+                  <a:schemeClr val="tx1">
+                    <a:lumMod val="75000"/>
+                    <a:lumOff val="25000"/>
+                  </a:schemeClr>
+                </a:solidFill>
+              </a:rPr>
+              <a:t>1</a:t>
+            </a:r>
+            <a:endParaRPr kumimoji="1" lang="en-US" altLang="ja-JP" sz="800" dirty="0" smtClean="0">
+              <a:solidFill>
+                <a:schemeClr val="tx1">
+                  <a:lumMod val="75000"/>
+                  <a:lumOff val="25000"/>
+                </a:schemeClr>
+              </a:solidFill>
+            </a:endParaRPr>
+          </a:p>
+        </p:txBody>
+      </p:sp>
+      <p:sp>
+        <p:nvSpPr>
+          <p:cNvPr id="53" name="正方形/長方形 52"/>
+          <p:cNvSpPr/>
+          <p:nvPr/>
+        </p:nvSpPr>
+        <p:spPr>
+          <a:xfrm>
+            <a:off x="554953" y="2559670"/>
+            <a:ext cx="2072042" cy="529322"/>
+          </a:xfrm>
+          <a:prstGeom prst="rect">
+            <a:avLst/>
+          </a:prstGeom>
+          <a:solidFill>
+            <a:schemeClr val="bg1"/>
+          </a:solidFill>
+          <a:ln w="6350">
+            <a:solidFill>
+              <a:schemeClr val="tx1">
+                <a:lumMod val="65000"/>
+                <a:lumOff val="35000"/>
+              </a:schemeClr>
+            </a:solidFill>
+          </a:ln>
+        </p:spPr>
+        <p:style>
+          <a:lnRef idx="2">
+            <a:schemeClr val="accent1">
+              <a:shade val="50000"/>
+            </a:schemeClr>
+          </a:lnRef>
+          <a:fillRef idx="1">
+            <a:schemeClr val="accent1"/>
+          </a:fillRef>
+          <a:effectRef idx="0">
+            <a:schemeClr val="accent1"/>
+          </a:effectRef>
+          <a:fontRef idx="minor">
+            <a:schemeClr val="lt1"/>
+          </a:fontRef>
+        </p:style>
+        <p:txBody>
+          <a:bodyPr rtlCol="0" anchor="ctr"/>
+          <a:lstStyle/>
+          <a:p>
+            <a:r>
+              <a:rPr kumimoji="1" lang="en-US" altLang="ja-JP" sz="1050" dirty="0" smtClean="0">
+                <a:solidFill>
+                  <a:schemeClr val="tx1">
+                    <a:lumMod val="75000"/>
+                    <a:lumOff val="25000"/>
+                  </a:schemeClr>
+                </a:solidFill>
+              </a:rPr>
+              <a:t>XXXXX</a:t>
+            </a:r>
+            <a:r>
+              <a:rPr kumimoji="1" lang="ja-JP" altLang="en-US" sz="1050" dirty="0" smtClean="0">
+                <a:solidFill>
+                  <a:schemeClr val="tx1">
+                    <a:lumMod val="75000"/>
+                    <a:lumOff val="25000"/>
+                  </a:schemeClr>
+                </a:solidFill>
+              </a:rPr>
+              <a:t> </a:t>
+            </a:r>
+            <a:r>
+              <a:rPr kumimoji="1" lang="en-US" altLang="ja-JP" sz="1050" dirty="0" smtClean="0">
+                <a:solidFill>
+                  <a:schemeClr val="tx1">
+                    <a:lumMod val="75000"/>
+                    <a:lumOff val="25000"/>
+                  </a:schemeClr>
+                </a:solidFill>
+              </a:rPr>
+              <a:t>(</a:t>
+            </a:r>
+            <a:r>
+              <a:rPr kumimoji="1" lang="en-US" altLang="ja-JP" sz="1050" dirty="0" err="1" smtClean="0">
+                <a:solidFill>
+                  <a:schemeClr val="tx1">
+                    <a:lumMod val="75000"/>
+                    <a:lumOff val="25000"/>
+                  </a:schemeClr>
+                </a:solidFill>
+              </a:rPr>
+              <a:t>docB</a:t>
+            </a:r>
+            <a:r>
+              <a:rPr kumimoji="1" lang="en-US" altLang="ja-JP" sz="1050" dirty="0" smtClean="0">
+                <a:solidFill>
+                  <a:schemeClr val="tx1">
+                    <a:lumMod val="75000"/>
+                    <a:lumOff val="25000"/>
+                  </a:schemeClr>
+                </a:solidFill>
+              </a:rPr>
+              <a:t>)</a:t>
+            </a:r>
+            <a:endParaRPr kumimoji="1" lang="en-US" altLang="ja-JP" sz="1050" dirty="0" smtClean="0">
+              <a:solidFill>
+                <a:schemeClr val="tx1">
+                  <a:lumMod val="75000"/>
+                  <a:lumOff val="25000"/>
+                </a:schemeClr>
+              </a:solidFill>
+            </a:endParaRPr>
+          </a:p>
+          <a:p>
+            <a:r>
+              <a:rPr lang="ja-JP" altLang="en-US" sz="900" dirty="0" smtClean="0">
+                <a:solidFill>
+                  <a:schemeClr val="tx1">
+                    <a:lumMod val="75000"/>
+                    <a:lumOff val="25000"/>
+                  </a:schemeClr>
+                </a:solidFill>
+              </a:rPr>
+              <a:t> </a:t>
+            </a:r>
+            <a:r>
+              <a:rPr kumimoji="1" lang="en-US" altLang="ja-JP" sz="900" dirty="0" smtClean="0">
+                <a:solidFill>
+                  <a:schemeClr val="tx1">
+                    <a:lumMod val="75000"/>
+                    <a:lumOff val="25000"/>
+                  </a:schemeClr>
+                </a:solidFill>
+              </a:rPr>
+              <a:t>--  </a:t>
+            </a:r>
+            <a:r>
+              <a:rPr kumimoji="1" lang="en-US" altLang="ja-JP" sz="900" dirty="0" smtClean="0">
+                <a:solidFill>
+                  <a:schemeClr val="tx1">
+                    <a:lumMod val="75000"/>
+                    <a:lumOff val="25000"/>
+                  </a:schemeClr>
+                </a:solidFill>
+              </a:rPr>
+              <a:t>---  ---  ---  ---  ---  --- </a:t>
+            </a:r>
+            <a:endParaRPr kumimoji="1" lang="en-US" altLang="ja-JP" sz="900" dirty="0" smtClean="0">
+              <a:solidFill>
+                <a:schemeClr val="tx1">
+                  <a:lumMod val="75000"/>
+                  <a:lumOff val="25000"/>
+                </a:schemeClr>
+              </a:solidFill>
+            </a:endParaRPr>
+          </a:p>
+          <a:p>
+            <a:r>
+              <a:rPr lang="ja-JP" altLang="en-US" sz="900" dirty="0">
+                <a:solidFill>
+                  <a:schemeClr val="tx1">
+                    <a:lumMod val="75000"/>
+                    <a:lumOff val="25000"/>
+                  </a:schemeClr>
+                </a:solidFill>
+              </a:rPr>
+              <a:t> </a:t>
+            </a:r>
+            <a:r>
+              <a:rPr lang="en-US" altLang="ja-JP" sz="900" dirty="0">
+                <a:solidFill>
+                  <a:schemeClr val="tx1">
+                    <a:lumMod val="75000"/>
+                    <a:lumOff val="25000"/>
+                  </a:schemeClr>
+                </a:solidFill>
+              </a:rPr>
+              <a:t>--  ---  ---  ---  ---  ---  --- </a:t>
+            </a:r>
+            <a:endParaRPr lang="en-US" altLang="ja-JP" sz="900" dirty="0" smtClean="0">
+              <a:solidFill>
+                <a:schemeClr val="tx1">
+                  <a:lumMod val="75000"/>
+                  <a:lumOff val="25000"/>
+                </a:schemeClr>
+              </a:solidFill>
+            </a:endParaRPr>
+          </a:p>
+        </p:txBody>
+      </p:sp>
+      <p:sp>
+        <p:nvSpPr>
+          <p:cNvPr id="54" name="角丸四角形 53"/>
+          <p:cNvSpPr/>
+          <p:nvPr/>
+        </p:nvSpPr>
+        <p:spPr>
+          <a:xfrm>
+            <a:off x="1846507" y="2801718"/>
+            <a:ext cx="648072" cy="216024"/>
+          </a:xfrm>
+          <a:prstGeom prst="roundRect">
+            <a:avLst/>
+          </a:prstGeom>
+          <a:solidFill>
+            <a:schemeClr val="bg1"/>
+          </a:solidFill>
+          <a:ln w="12700">
+            <a:solidFill>
+              <a:schemeClr val="tx1">
+                <a:lumMod val="65000"/>
+                <a:lumOff val="35000"/>
+              </a:schemeClr>
+            </a:solidFill>
+          </a:ln>
+        </p:spPr>
+        <p:style>
+          <a:lnRef idx="2">
+            <a:schemeClr val="accent1">
+              <a:shade val="50000"/>
+            </a:schemeClr>
+          </a:lnRef>
+          <a:fillRef idx="1">
+            <a:schemeClr val="accent1"/>
+          </a:fillRef>
+          <a:effectRef idx="0">
+            <a:schemeClr val="accent1"/>
+          </a:effectRef>
+          <a:fontRef idx="minor">
+            <a:schemeClr val="lt1"/>
+          </a:fontRef>
+        </p:style>
+        <p:txBody>
+          <a:bodyPr rtlCol="0" anchor="ctr"/>
+          <a:lstStyle/>
+          <a:p>
+            <a:pPr algn="ctr"/>
+            <a:r>
+              <a:rPr lang="en-US" altLang="ja-JP" sz="1000" dirty="0" smtClean="0">
+                <a:solidFill>
+                  <a:schemeClr val="tx1">
+                    <a:lumMod val="75000"/>
+                    <a:lumOff val="25000"/>
+                  </a:schemeClr>
+                </a:solidFill>
+              </a:rPr>
+              <a:t>detail</a:t>
+            </a:r>
+            <a:endParaRPr kumimoji="1" lang="ja-JP" altLang="en-US" sz="1000" dirty="0" smtClean="0">
+              <a:solidFill>
+                <a:schemeClr val="tx1">
+                  <a:lumMod val="75000"/>
+                  <a:lumOff val="25000"/>
+                </a:schemeClr>
+              </a:solidFill>
+            </a:endParaRPr>
+          </a:p>
+        </p:txBody>
+      </p:sp>
+      <p:sp>
+        <p:nvSpPr>
+          <p:cNvPr id="55" name="正方形/長方形 54"/>
+          <p:cNvSpPr/>
+          <p:nvPr/>
+        </p:nvSpPr>
+        <p:spPr>
+          <a:xfrm>
+            <a:off x="305571" y="2559670"/>
+            <a:ext cx="249382" cy="529322"/>
+          </a:xfrm>
+          <a:prstGeom prst="rect">
+            <a:avLst/>
+          </a:prstGeom>
+          <a:solidFill>
+            <a:schemeClr val="bg1"/>
+          </a:solidFill>
+          <a:ln w="6350">
+            <a:solidFill>
+              <a:schemeClr val="tx1">
+                <a:lumMod val="65000"/>
+                <a:lumOff val="35000"/>
+              </a:schemeClr>
+            </a:solidFill>
+          </a:ln>
+        </p:spPr>
+        <p:style>
+          <a:lnRef idx="2">
+            <a:schemeClr val="accent1">
+              <a:shade val="50000"/>
+            </a:schemeClr>
+          </a:lnRef>
+          <a:fillRef idx="1">
+            <a:schemeClr val="accent1"/>
+          </a:fillRef>
+          <a:effectRef idx="0">
+            <a:schemeClr val="accent1"/>
+          </a:effectRef>
+          <a:fontRef idx="minor">
+            <a:schemeClr val="lt1"/>
+          </a:fontRef>
+        </p:style>
+        <p:txBody>
+          <a:bodyPr rtlCol="0" anchor="ctr"/>
+          <a:lstStyle/>
+          <a:p>
+            <a:r>
+              <a:rPr kumimoji="1" lang="en-US" altLang="ja-JP" sz="800" dirty="0" smtClean="0">
+                <a:solidFill>
+                  <a:schemeClr val="tx1">
+                    <a:lumMod val="75000"/>
+                    <a:lumOff val="25000"/>
+                  </a:schemeClr>
+                </a:solidFill>
+              </a:rPr>
+              <a:t>2</a:t>
+            </a:r>
+            <a:endParaRPr kumimoji="1" lang="en-US" altLang="ja-JP" sz="800" dirty="0" smtClean="0">
+              <a:solidFill>
+                <a:schemeClr val="tx1">
+                  <a:lumMod val="75000"/>
+                  <a:lumOff val="25000"/>
+                </a:schemeClr>
+              </a:solidFill>
+            </a:endParaRPr>
+          </a:p>
+        </p:txBody>
+      </p:sp>
+      <p:sp>
+        <p:nvSpPr>
+          <p:cNvPr id="56" name="正方形/長方形 55"/>
+          <p:cNvSpPr/>
+          <p:nvPr/>
+        </p:nvSpPr>
+        <p:spPr>
+          <a:xfrm>
+            <a:off x="549276" y="3090370"/>
+            <a:ext cx="2072042" cy="529322"/>
+          </a:xfrm>
+          <a:prstGeom prst="rect">
+            <a:avLst/>
+          </a:prstGeom>
+          <a:solidFill>
+            <a:schemeClr val="bg1"/>
+          </a:solidFill>
+          <a:ln w="6350">
+            <a:solidFill>
+              <a:schemeClr val="tx1">
+                <a:lumMod val="65000"/>
+                <a:lumOff val="35000"/>
+              </a:schemeClr>
+            </a:solidFill>
+          </a:ln>
+        </p:spPr>
+        <p:style>
+          <a:lnRef idx="2">
+            <a:schemeClr val="accent1">
+              <a:shade val="50000"/>
+            </a:schemeClr>
+          </a:lnRef>
+          <a:fillRef idx="1">
+            <a:schemeClr val="accent1"/>
+          </a:fillRef>
+          <a:effectRef idx="0">
+            <a:schemeClr val="accent1"/>
+          </a:effectRef>
+          <a:fontRef idx="minor">
+            <a:schemeClr val="lt1"/>
+          </a:fontRef>
+        </p:style>
+        <p:txBody>
+          <a:bodyPr rtlCol="0" anchor="ctr"/>
+          <a:lstStyle/>
+          <a:p>
+            <a:r>
+              <a:rPr kumimoji="1" lang="en-US" altLang="ja-JP" sz="1050" dirty="0" smtClean="0">
+                <a:solidFill>
+                  <a:schemeClr val="tx1">
+                    <a:lumMod val="75000"/>
+                    <a:lumOff val="25000"/>
+                  </a:schemeClr>
+                </a:solidFill>
+              </a:rPr>
+              <a:t>XXXXX</a:t>
+            </a:r>
+            <a:r>
+              <a:rPr kumimoji="1" lang="ja-JP" altLang="en-US" sz="1050" dirty="0" smtClean="0">
+                <a:solidFill>
+                  <a:schemeClr val="tx1">
+                    <a:lumMod val="75000"/>
+                    <a:lumOff val="25000"/>
+                  </a:schemeClr>
+                </a:solidFill>
+              </a:rPr>
+              <a:t> </a:t>
+            </a:r>
+            <a:r>
+              <a:rPr kumimoji="1" lang="en-US" altLang="ja-JP" sz="1050" dirty="0" smtClean="0">
+                <a:solidFill>
+                  <a:schemeClr val="tx1">
+                    <a:lumMod val="75000"/>
+                    <a:lumOff val="25000"/>
+                  </a:schemeClr>
+                </a:solidFill>
+              </a:rPr>
+              <a:t>(</a:t>
+            </a:r>
+            <a:r>
+              <a:rPr kumimoji="1" lang="en-US" altLang="ja-JP" sz="1050" dirty="0" err="1" smtClean="0">
+                <a:solidFill>
+                  <a:schemeClr val="tx1">
+                    <a:lumMod val="75000"/>
+                    <a:lumOff val="25000"/>
+                  </a:schemeClr>
+                </a:solidFill>
+              </a:rPr>
+              <a:t>docC</a:t>
+            </a:r>
+            <a:r>
+              <a:rPr kumimoji="1" lang="en-US" altLang="ja-JP" sz="1050" dirty="0" smtClean="0">
+                <a:solidFill>
+                  <a:schemeClr val="tx1">
+                    <a:lumMod val="75000"/>
+                    <a:lumOff val="25000"/>
+                  </a:schemeClr>
+                </a:solidFill>
+              </a:rPr>
+              <a:t>)</a:t>
+            </a:r>
+            <a:endParaRPr kumimoji="1" lang="en-US" altLang="ja-JP" sz="1050" dirty="0" smtClean="0">
+              <a:solidFill>
+                <a:schemeClr val="tx1">
+                  <a:lumMod val="75000"/>
+                  <a:lumOff val="25000"/>
+                </a:schemeClr>
+              </a:solidFill>
+            </a:endParaRPr>
+          </a:p>
+          <a:p>
+            <a:r>
+              <a:rPr lang="ja-JP" altLang="en-US" sz="900" dirty="0" smtClean="0">
+                <a:solidFill>
+                  <a:schemeClr val="tx1">
+                    <a:lumMod val="75000"/>
+                    <a:lumOff val="25000"/>
+                  </a:schemeClr>
+                </a:solidFill>
+              </a:rPr>
+              <a:t> </a:t>
+            </a:r>
+            <a:r>
+              <a:rPr kumimoji="1" lang="en-US" altLang="ja-JP" sz="900" dirty="0" smtClean="0">
+                <a:solidFill>
+                  <a:schemeClr val="tx1">
+                    <a:lumMod val="75000"/>
+                    <a:lumOff val="25000"/>
+                  </a:schemeClr>
+                </a:solidFill>
+              </a:rPr>
+              <a:t>--  </a:t>
+            </a:r>
+            <a:r>
+              <a:rPr kumimoji="1" lang="en-US" altLang="ja-JP" sz="900" dirty="0" smtClean="0">
+                <a:solidFill>
+                  <a:schemeClr val="tx1">
+                    <a:lumMod val="75000"/>
+                    <a:lumOff val="25000"/>
+                  </a:schemeClr>
+                </a:solidFill>
+              </a:rPr>
+              <a:t>---  ---  ---  ---  ---  --- </a:t>
+            </a:r>
+            <a:endParaRPr kumimoji="1" lang="en-US" altLang="ja-JP" sz="900" dirty="0" smtClean="0">
+              <a:solidFill>
+                <a:schemeClr val="tx1">
+                  <a:lumMod val="75000"/>
+                  <a:lumOff val="25000"/>
+                </a:schemeClr>
+              </a:solidFill>
+            </a:endParaRPr>
+          </a:p>
+          <a:p>
+            <a:r>
+              <a:rPr lang="ja-JP" altLang="en-US" sz="900" dirty="0">
+                <a:solidFill>
+                  <a:schemeClr val="tx1">
+                    <a:lumMod val="75000"/>
+                    <a:lumOff val="25000"/>
+                  </a:schemeClr>
+                </a:solidFill>
+              </a:rPr>
+              <a:t> </a:t>
+            </a:r>
+            <a:r>
+              <a:rPr lang="en-US" altLang="ja-JP" sz="900" dirty="0">
+                <a:solidFill>
+                  <a:schemeClr val="tx1">
+                    <a:lumMod val="75000"/>
+                    <a:lumOff val="25000"/>
+                  </a:schemeClr>
+                </a:solidFill>
+              </a:rPr>
+              <a:t>--  ---  ---  ---  ---  ---  --- </a:t>
+            </a:r>
+            <a:endParaRPr lang="en-US" altLang="ja-JP" sz="900" dirty="0" smtClean="0">
+              <a:solidFill>
+                <a:schemeClr val="tx1">
+                  <a:lumMod val="75000"/>
+                  <a:lumOff val="25000"/>
+                </a:schemeClr>
+              </a:solidFill>
+            </a:endParaRPr>
+          </a:p>
+        </p:txBody>
+      </p:sp>
+      <p:sp>
+        <p:nvSpPr>
+          <p:cNvPr id="57" name="角丸四角形 56"/>
+          <p:cNvSpPr/>
+          <p:nvPr/>
+        </p:nvSpPr>
+        <p:spPr>
+          <a:xfrm>
+            <a:off x="1840830" y="3332418"/>
+            <a:ext cx="648072" cy="216024"/>
+          </a:xfrm>
+          <a:prstGeom prst="roundRect">
+            <a:avLst/>
+          </a:prstGeom>
+          <a:solidFill>
+            <a:schemeClr val="bg1"/>
+          </a:solidFill>
+          <a:ln w="12700">
+            <a:solidFill>
+              <a:schemeClr val="tx1">
+                <a:lumMod val="65000"/>
+                <a:lumOff val="35000"/>
+              </a:schemeClr>
+            </a:solidFill>
+          </a:ln>
+        </p:spPr>
+        <p:style>
+          <a:lnRef idx="2">
+            <a:schemeClr val="accent1">
+              <a:shade val="50000"/>
+            </a:schemeClr>
+          </a:lnRef>
+          <a:fillRef idx="1">
+            <a:schemeClr val="accent1"/>
+          </a:fillRef>
+          <a:effectRef idx="0">
+            <a:schemeClr val="accent1"/>
+          </a:effectRef>
+          <a:fontRef idx="minor">
+            <a:schemeClr val="lt1"/>
+          </a:fontRef>
+        </p:style>
+        <p:txBody>
+          <a:bodyPr rtlCol="0" anchor="ctr"/>
+          <a:lstStyle/>
+          <a:p>
+            <a:pPr algn="ctr"/>
+            <a:r>
+              <a:rPr lang="en-US" altLang="ja-JP" sz="1000" dirty="0" smtClean="0">
+                <a:solidFill>
+                  <a:schemeClr val="tx1">
+                    <a:lumMod val="75000"/>
+                    <a:lumOff val="25000"/>
+                  </a:schemeClr>
+                </a:solidFill>
+              </a:rPr>
+              <a:t>detail</a:t>
+            </a:r>
+            <a:endParaRPr kumimoji="1" lang="ja-JP" altLang="en-US" sz="1000" dirty="0" smtClean="0">
+              <a:solidFill>
+                <a:schemeClr val="tx1">
+                  <a:lumMod val="75000"/>
+                  <a:lumOff val="25000"/>
+                </a:schemeClr>
+              </a:solidFill>
+            </a:endParaRPr>
+          </a:p>
+        </p:txBody>
+      </p:sp>
+      <p:sp>
+        <p:nvSpPr>
+          <p:cNvPr id="58" name="正方形/長方形 57"/>
+          <p:cNvSpPr/>
+          <p:nvPr/>
+        </p:nvSpPr>
+        <p:spPr>
+          <a:xfrm>
+            <a:off x="299894" y="3090370"/>
+            <a:ext cx="249382" cy="529322"/>
+          </a:xfrm>
+          <a:prstGeom prst="rect">
+            <a:avLst/>
+          </a:prstGeom>
+          <a:solidFill>
+            <a:schemeClr val="bg1"/>
+          </a:solidFill>
+          <a:ln w="6350">
+            <a:solidFill>
+              <a:schemeClr val="tx1">
+                <a:lumMod val="65000"/>
+                <a:lumOff val="35000"/>
+              </a:schemeClr>
+            </a:solidFill>
+          </a:ln>
+        </p:spPr>
+        <p:style>
+          <a:lnRef idx="2">
+            <a:schemeClr val="accent1">
+              <a:shade val="50000"/>
+            </a:schemeClr>
+          </a:lnRef>
+          <a:fillRef idx="1">
+            <a:schemeClr val="accent1"/>
+          </a:fillRef>
+          <a:effectRef idx="0">
+            <a:schemeClr val="accent1"/>
+          </a:effectRef>
+          <a:fontRef idx="minor">
+            <a:schemeClr val="lt1"/>
+          </a:fontRef>
+        </p:style>
+        <p:txBody>
+          <a:bodyPr rtlCol="0" anchor="ctr"/>
+          <a:lstStyle/>
+          <a:p>
+            <a:r>
+              <a:rPr lang="en-US" altLang="ja-JP" sz="800" dirty="0">
+                <a:solidFill>
+                  <a:schemeClr val="tx1">
+                    <a:lumMod val="75000"/>
+                    <a:lumOff val="25000"/>
+                  </a:schemeClr>
+                </a:solidFill>
+              </a:rPr>
+              <a:t>3</a:t>
+            </a:r>
+            <a:endParaRPr kumimoji="1" lang="en-US" altLang="ja-JP" sz="800" dirty="0" smtClean="0">
+              <a:solidFill>
+                <a:schemeClr val="tx1">
+                  <a:lumMod val="75000"/>
+                  <a:lumOff val="25000"/>
+                </a:schemeClr>
+              </a:solidFill>
+            </a:endParaRPr>
+          </a:p>
+        </p:txBody>
+      </p:sp>
+      <p:sp>
+        <p:nvSpPr>
+          <p:cNvPr id="59" name="正方形/長方形 58"/>
+          <p:cNvSpPr/>
+          <p:nvPr/>
+        </p:nvSpPr>
+        <p:spPr>
+          <a:xfrm>
+            <a:off x="555034" y="3622314"/>
+            <a:ext cx="2072042" cy="529322"/>
+          </a:xfrm>
+          <a:prstGeom prst="rect">
+            <a:avLst/>
+          </a:prstGeom>
+          <a:solidFill>
+            <a:schemeClr val="bg1"/>
+          </a:solidFill>
+          <a:ln w="6350">
+            <a:solidFill>
+              <a:schemeClr val="tx1">
+                <a:lumMod val="65000"/>
+                <a:lumOff val="35000"/>
+              </a:schemeClr>
+            </a:solidFill>
+          </a:ln>
+        </p:spPr>
+        <p:style>
+          <a:lnRef idx="2">
+            <a:schemeClr val="accent1">
+              <a:shade val="50000"/>
+            </a:schemeClr>
+          </a:lnRef>
+          <a:fillRef idx="1">
+            <a:schemeClr val="accent1"/>
+          </a:fillRef>
+          <a:effectRef idx="0">
+            <a:schemeClr val="accent1"/>
+          </a:effectRef>
+          <a:fontRef idx="minor">
+            <a:schemeClr val="lt1"/>
+          </a:fontRef>
+        </p:style>
+        <p:txBody>
+          <a:bodyPr rtlCol="0" anchor="ctr"/>
+          <a:lstStyle/>
+          <a:p>
+            <a:r>
+              <a:rPr kumimoji="1" lang="en-US" altLang="ja-JP" sz="1050" dirty="0" smtClean="0">
+                <a:solidFill>
+                  <a:schemeClr val="tx1">
+                    <a:lumMod val="75000"/>
+                    <a:lumOff val="25000"/>
+                  </a:schemeClr>
+                </a:solidFill>
+              </a:rPr>
+              <a:t>XXXXX</a:t>
+            </a:r>
+            <a:r>
+              <a:rPr kumimoji="1" lang="ja-JP" altLang="en-US" sz="1050" dirty="0" smtClean="0">
+                <a:solidFill>
+                  <a:schemeClr val="tx1">
+                    <a:lumMod val="75000"/>
+                    <a:lumOff val="25000"/>
+                  </a:schemeClr>
+                </a:solidFill>
+              </a:rPr>
+              <a:t> </a:t>
+            </a:r>
+            <a:r>
+              <a:rPr kumimoji="1" lang="en-US" altLang="ja-JP" sz="1050" dirty="0" smtClean="0">
+                <a:solidFill>
+                  <a:schemeClr val="tx1">
+                    <a:lumMod val="75000"/>
+                    <a:lumOff val="25000"/>
+                  </a:schemeClr>
+                </a:solidFill>
+              </a:rPr>
+              <a:t>(</a:t>
+            </a:r>
+            <a:r>
+              <a:rPr kumimoji="1" lang="en-US" altLang="ja-JP" sz="1050" dirty="0" err="1" smtClean="0">
+                <a:solidFill>
+                  <a:schemeClr val="tx1">
+                    <a:lumMod val="75000"/>
+                    <a:lumOff val="25000"/>
+                  </a:schemeClr>
+                </a:solidFill>
+              </a:rPr>
+              <a:t>docD</a:t>
+            </a:r>
+            <a:r>
+              <a:rPr kumimoji="1" lang="en-US" altLang="ja-JP" sz="1050" dirty="0" smtClean="0">
+                <a:solidFill>
+                  <a:schemeClr val="tx1">
+                    <a:lumMod val="75000"/>
+                    <a:lumOff val="25000"/>
+                  </a:schemeClr>
+                </a:solidFill>
+              </a:rPr>
+              <a:t>)</a:t>
+            </a:r>
+            <a:endParaRPr kumimoji="1" lang="en-US" altLang="ja-JP" sz="1050" dirty="0" smtClean="0">
+              <a:solidFill>
+                <a:schemeClr val="tx1">
+                  <a:lumMod val="75000"/>
+                  <a:lumOff val="25000"/>
+                </a:schemeClr>
+              </a:solidFill>
+            </a:endParaRPr>
+          </a:p>
+          <a:p>
+            <a:r>
+              <a:rPr lang="ja-JP" altLang="en-US" sz="900" dirty="0" smtClean="0">
+                <a:solidFill>
+                  <a:schemeClr val="tx1">
+                    <a:lumMod val="75000"/>
+                    <a:lumOff val="25000"/>
+                  </a:schemeClr>
+                </a:solidFill>
+              </a:rPr>
+              <a:t> </a:t>
+            </a:r>
+            <a:r>
+              <a:rPr kumimoji="1" lang="en-US" altLang="ja-JP" sz="900" dirty="0" smtClean="0">
+                <a:solidFill>
+                  <a:schemeClr val="tx1">
+                    <a:lumMod val="75000"/>
+                    <a:lumOff val="25000"/>
+                  </a:schemeClr>
+                </a:solidFill>
+              </a:rPr>
+              <a:t>--  </a:t>
+            </a:r>
+            <a:r>
+              <a:rPr kumimoji="1" lang="en-US" altLang="ja-JP" sz="900" dirty="0" smtClean="0">
+                <a:solidFill>
+                  <a:schemeClr val="tx1">
+                    <a:lumMod val="75000"/>
+                    <a:lumOff val="25000"/>
+                  </a:schemeClr>
+                </a:solidFill>
+              </a:rPr>
+              <a:t>---  ---  ---  ---  ---  --- </a:t>
+            </a:r>
+            <a:endParaRPr kumimoji="1" lang="en-US" altLang="ja-JP" sz="900" dirty="0" smtClean="0">
+              <a:solidFill>
+                <a:schemeClr val="tx1">
+                  <a:lumMod val="75000"/>
+                  <a:lumOff val="25000"/>
+                </a:schemeClr>
+              </a:solidFill>
+            </a:endParaRPr>
+          </a:p>
+          <a:p>
+            <a:r>
+              <a:rPr lang="ja-JP" altLang="en-US" sz="900" dirty="0">
+                <a:solidFill>
+                  <a:schemeClr val="tx1">
+                    <a:lumMod val="75000"/>
+                    <a:lumOff val="25000"/>
+                  </a:schemeClr>
+                </a:solidFill>
+              </a:rPr>
+              <a:t> </a:t>
+            </a:r>
+            <a:r>
+              <a:rPr lang="en-US" altLang="ja-JP" sz="900" dirty="0">
+                <a:solidFill>
+                  <a:schemeClr val="tx1">
+                    <a:lumMod val="75000"/>
+                    <a:lumOff val="25000"/>
+                  </a:schemeClr>
+                </a:solidFill>
+              </a:rPr>
+              <a:t>--  ---  ---  ---  ---  ---  --- </a:t>
+            </a:r>
+            <a:endParaRPr lang="en-US" altLang="ja-JP" sz="900" dirty="0" smtClean="0">
+              <a:solidFill>
+                <a:schemeClr val="tx1">
+                  <a:lumMod val="75000"/>
+                  <a:lumOff val="25000"/>
+                </a:schemeClr>
+              </a:solidFill>
+            </a:endParaRPr>
+          </a:p>
+        </p:txBody>
+      </p:sp>
+      <p:sp>
+        <p:nvSpPr>
+          <p:cNvPr id="60" name="角丸四角形 59"/>
+          <p:cNvSpPr/>
+          <p:nvPr/>
+        </p:nvSpPr>
+        <p:spPr>
+          <a:xfrm>
+            <a:off x="1846588" y="3864362"/>
+            <a:ext cx="648072" cy="216024"/>
+          </a:xfrm>
+          <a:prstGeom prst="roundRect">
+            <a:avLst/>
+          </a:prstGeom>
+          <a:solidFill>
+            <a:schemeClr val="bg1"/>
+          </a:solidFill>
+          <a:ln w="12700">
+            <a:solidFill>
+              <a:schemeClr val="tx1">
+                <a:lumMod val="65000"/>
+                <a:lumOff val="35000"/>
+              </a:schemeClr>
+            </a:solidFill>
+          </a:ln>
+        </p:spPr>
+        <p:style>
+          <a:lnRef idx="2">
+            <a:schemeClr val="accent1">
+              <a:shade val="50000"/>
+            </a:schemeClr>
+          </a:lnRef>
+          <a:fillRef idx="1">
+            <a:schemeClr val="accent1"/>
+          </a:fillRef>
+          <a:effectRef idx="0">
+            <a:schemeClr val="accent1"/>
+          </a:effectRef>
+          <a:fontRef idx="minor">
+            <a:schemeClr val="lt1"/>
+          </a:fontRef>
+        </p:style>
+        <p:txBody>
+          <a:bodyPr rtlCol="0" anchor="ctr"/>
+          <a:lstStyle/>
+          <a:p>
+            <a:pPr algn="ctr"/>
+            <a:r>
+              <a:rPr lang="en-US" altLang="ja-JP" sz="1000" dirty="0" smtClean="0">
+                <a:solidFill>
+                  <a:schemeClr val="tx1">
+                    <a:lumMod val="75000"/>
+                    <a:lumOff val="25000"/>
+                  </a:schemeClr>
+                </a:solidFill>
+              </a:rPr>
+              <a:t>detail</a:t>
+            </a:r>
+            <a:endParaRPr kumimoji="1" lang="ja-JP" altLang="en-US" sz="1000" dirty="0" smtClean="0">
+              <a:solidFill>
+                <a:schemeClr val="tx1">
+                  <a:lumMod val="75000"/>
+                  <a:lumOff val="25000"/>
+                </a:schemeClr>
+              </a:solidFill>
+            </a:endParaRPr>
+          </a:p>
+        </p:txBody>
+      </p:sp>
+      <p:sp>
+        <p:nvSpPr>
+          <p:cNvPr id="61" name="正方形/長方形 60"/>
+          <p:cNvSpPr/>
+          <p:nvPr/>
+        </p:nvSpPr>
+        <p:spPr>
+          <a:xfrm>
+            <a:off x="305652" y="3622314"/>
+            <a:ext cx="249382" cy="529322"/>
+          </a:xfrm>
+          <a:prstGeom prst="rect">
+            <a:avLst/>
+          </a:prstGeom>
+          <a:solidFill>
+            <a:schemeClr val="bg1"/>
+          </a:solidFill>
+          <a:ln w="6350">
+            <a:solidFill>
+              <a:schemeClr val="tx1">
+                <a:lumMod val="65000"/>
+                <a:lumOff val="35000"/>
+              </a:schemeClr>
+            </a:solidFill>
+          </a:ln>
+        </p:spPr>
+        <p:style>
+          <a:lnRef idx="2">
+            <a:schemeClr val="accent1">
+              <a:shade val="50000"/>
+            </a:schemeClr>
+          </a:lnRef>
+          <a:fillRef idx="1">
+            <a:schemeClr val="accent1"/>
+          </a:fillRef>
+          <a:effectRef idx="0">
+            <a:schemeClr val="accent1"/>
+          </a:effectRef>
+          <a:fontRef idx="minor">
+            <a:schemeClr val="lt1"/>
+          </a:fontRef>
+        </p:style>
+        <p:txBody>
+          <a:bodyPr rtlCol="0" anchor="ctr"/>
+          <a:lstStyle/>
+          <a:p>
+            <a:r>
+              <a:rPr kumimoji="1" lang="en-US" altLang="ja-JP" sz="800" dirty="0" smtClean="0">
+                <a:solidFill>
+                  <a:schemeClr val="tx1">
+                    <a:lumMod val="75000"/>
+                    <a:lumOff val="25000"/>
+                  </a:schemeClr>
+                </a:solidFill>
+              </a:rPr>
+              <a:t>4</a:t>
+            </a:r>
+            <a:endParaRPr kumimoji="1" lang="en-US" altLang="ja-JP" sz="800" dirty="0" smtClean="0">
+              <a:solidFill>
+                <a:schemeClr val="tx1">
+                  <a:lumMod val="75000"/>
+                  <a:lumOff val="25000"/>
+                </a:schemeClr>
+              </a:solidFill>
+            </a:endParaRPr>
+          </a:p>
+        </p:txBody>
+      </p:sp>
+      <p:sp>
+        <p:nvSpPr>
+          <p:cNvPr id="63" name="正方形/長方形 62"/>
+          <p:cNvSpPr/>
+          <p:nvPr/>
+        </p:nvSpPr>
+        <p:spPr>
+          <a:xfrm>
+            <a:off x="552166" y="4145632"/>
+            <a:ext cx="2072042" cy="529322"/>
+          </a:xfrm>
+          <a:prstGeom prst="rect">
+            <a:avLst/>
+          </a:prstGeom>
+          <a:solidFill>
+            <a:schemeClr val="bg1"/>
+          </a:solidFill>
+          <a:ln w="6350">
+            <a:solidFill>
+              <a:schemeClr val="tx1">
+                <a:lumMod val="65000"/>
+                <a:lumOff val="35000"/>
+              </a:schemeClr>
+            </a:solidFill>
+          </a:ln>
+        </p:spPr>
+        <p:style>
+          <a:lnRef idx="2">
+            <a:schemeClr val="accent1">
+              <a:shade val="50000"/>
+            </a:schemeClr>
+          </a:lnRef>
+          <a:fillRef idx="1">
+            <a:schemeClr val="accent1"/>
+          </a:fillRef>
+          <a:effectRef idx="0">
+            <a:schemeClr val="accent1"/>
+          </a:effectRef>
+          <a:fontRef idx="minor">
+            <a:schemeClr val="lt1"/>
+          </a:fontRef>
+        </p:style>
+        <p:txBody>
+          <a:bodyPr rtlCol="0" anchor="ctr"/>
+          <a:lstStyle/>
+          <a:p>
+            <a:r>
+              <a:rPr kumimoji="1" lang="en-US" altLang="ja-JP" sz="1050" dirty="0" smtClean="0">
+                <a:solidFill>
+                  <a:schemeClr val="tx1">
+                    <a:lumMod val="75000"/>
+                    <a:lumOff val="25000"/>
+                  </a:schemeClr>
+                </a:solidFill>
+              </a:rPr>
+              <a:t>XXXXX</a:t>
+            </a:r>
+            <a:r>
+              <a:rPr kumimoji="1" lang="ja-JP" altLang="en-US" sz="1050" dirty="0" smtClean="0">
+                <a:solidFill>
+                  <a:schemeClr val="tx1">
+                    <a:lumMod val="75000"/>
+                    <a:lumOff val="25000"/>
+                  </a:schemeClr>
+                </a:solidFill>
+              </a:rPr>
+              <a:t> </a:t>
+            </a:r>
+            <a:r>
+              <a:rPr kumimoji="1" lang="en-US" altLang="ja-JP" sz="1050" dirty="0" smtClean="0">
+                <a:solidFill>
+                  <a:schemeClr val="tx1">
+                    <a:lumMod val="75000"/>
+                    <a:lumOff val="25000"/>
+                  </a:schemeClr>
+                </a:solidFill>
+              </a:rPr>
+              <a:t>(</a:t>
+            </a:r>
+            <a:r>
+              <a:rPr kumimoji="1" lang="en-US" altLang="ja-JP" sz="1050" dirty="0" err="1" smtClean="0">
+                <a:solidFill>
+                  <a:schemeClr val="tx1">
+                    <a:lumMod val="75000"/>
+                    <a:lumOff val="25000"/>
+                  </a:schemeClr>
+                </a:solidFill>
+              </a:rPr>
+              <a:t>docE</a:t>
+            </a:r>
+            <a:r>
+              <a:rPr kumimoji="1" lang="en-US" altLang="ja-JP" sz="1050" dirty="0" smtClean="0">
+                <a:solidFill>
+                  <a:schemeClr val="tx1">
+                    <a:lumMod val="75000"/>
+                    <a:lumOff val="25000"/>
+                  </a:schemeClr>
+                </a:solidFill>
+              </a:rPr>
+              <a:t>)</a:t>
+            </a:r>
+            <a:endParaRPr kumimoji="1" lang="en-US" altLang="ja-JP" sz="1050" dirty="0" smtClean="0">
+              <a:solidFill>
+                <a:schemeClr val="tx1">
+                  <a:lumMod val="75000"/>
+                  <a:lumOff val="25000"/>
+                </a:schemeClr>
+              </a:solidFill>
+            </a:endParaRPr>
+          </a:p>
+          <a:p>
+            <a:r>
+              <a:rPr lang="ja-JP" altLang="en-US" sz="900" dirty="0" smtClean="0">
+                <a:solidFill>
+                  <a:schemeClr val="tx1">
+                    <a:lumMod val="75000"/>
+                    <a:lumOff val="25000"/>
+                  </a:schemeClr>
+                </a:solidFill>
+              </a:rPr>
+              <a:t> </a:t>
+            </a:r>
+            <a:r>
+              <a:rPr kumimoji="1" lang="en-US" altLang="ja-JP" sz="900" dirty="0" smtClean="0">
+                <a:solidFill>
+                  <a:schemeClr val="tx1">
+                    <a:lumMod val="75000"/>
+                    <a:lumOff val="25000"/>
+                  </a:schemeClr>
+                </a:solidFill>
+              </a:rPr>
+              <a:t>--  </a:t>
+            </a:r>
+            <a:r>
+              <a:rPr kumimoji="1" lang="en-US" altLang="ja-JP" sz="900" dirty="0" smtClean="0">
+                <a:solidFill>
+                  <a:schemeClr val="tx1">
+                    <a:lumMod val="75000"/>
+                    <a:lumOff val="25000"/>
+                  </a:schemeClr>
+                </a:solidFill>
+              </a:rPr>
+              <a:t>---  ---  ---  ---  ---  --- </a:t>
+            </a:r>
+            <a:endParaRPr kumimoji="1" lang="en-US" altLang="ja-JP" sz="900" dirty="0" smtClean="0">
+              <a:solidFill>
+                <a:schemeClr val="tx1">
+                  <a:lumMod val="75000"/>
+                  <a:lumOff val="25000"/>
+                </a:schemeClr>
+              </a:solidFill>
+            </a:endParaRPr>
+          </a:p>
+          <a:p>
+            <a:r>
+              <a:rPr lang="ja-JP" altLang="en-US" sz="900" dirty="0">
+                <a:solidFill>
+                  <a:schemeClr val="tx1">
+                    <a:lumMod val="75000"/>
+                    <a:lumOff val="25000"/>
+                  </a:schemeClr>
+                </a:solidFill>
+              </a:rPr>
+              <a:t> </a:t>
+            </a:r>
+            <a:r>
+              <a:rPr lang="en-US" altLang="ja-JP" sz="900" dirty="0">
+                <a:solidFill>
+                  <a:schemeClr val="tx1">
+                    <a:lumMod val="75000"/>
+                    <a:lumOff val="25000"/>
+                  </a:schemeClr>
+                </a:solidFill>
+              </a:rPr>
+              <a:t>--  ---  ---  ---  ---  ---  --- </a:t>
+            </a:r>
+            <a:endParaRPr lang="en-US" altLang="ja-JP" sz="900" dirty="0" smtClean="0">
+              <a:solidFill>
+                <a:schemeClr val="tx1">
+                  <a:lumMod val="75000"/>
+                  <a:lumOff val="25000"/>
+                </a:schemeClr>
+              </a:solidFill>
+            </a:endParaRPr>
+          </a:p>
+        </p:txBody>
+      </p:sp>
+      <p:sp>
+        <p:nvSpPr>
+          <p:cNvPr id="64" name="角丸四角形 63"/>
+          <p:cNvSpPr/>
+          <p:nvPr/>
+        </p:nvSpPr>
+        <p:spPr>
+          <a:xfrm>
+            <a:off x="1843720" y="4387680"/>
+            <a:ext cx="648072" cy="216024"/>
+          </a:xfrm>
+          <a:prstGeom prst="roundRect">
+            <a:avLst/>
+          </a:prstGeom>
+          <a:solidFill>
+            <a:schemeClr val="bg1"/>
+          </a:solidFill>
+          <a:ln w="12700">
+            <a:solidFill>
+              <a:schemeClr val="tx1">
+                <a:lumMod val="65000"/>
+                <a:lumOff val="35000"/>
+              </a:schemeClr>
+            </a:solidFill>
+          </a:ln>
+        </p:spPr>
+        <p:style>
+          <a:lnRef idx="2">
+            <a:schemeClr val="accent1">
+              <a:shade val="50000"/>
+            </a:schemeClr>
+          </a:lnRef>
+          <a:fillRef idx="1">
+            <a:schemeClr val="accent1"/>
+          </a:fillRef>
+          <a:effectRef idx="0">
+            <a:schemeClr val="accent1"/>
+          </a:effectRef>
+          <a:fontRef idx="minor">
+            <a:schemeClr val="lt1"/>
+          </a:fontRef>
+        </p:style>
+        <p:txBody>
+          <a:bodyPr rtlCol="0" anchor="ctr"/>
+          <a:lstStyle/>
+          <a:p>
+            <a:pPr algn="ctr"/>
+            <a:r>
+              <a:rPr lang="en-US" altLang="ja-JP" sz="1000" dirty="0" smtClean="0">
+                <a:solidFill>
+                  <a:schemeClr val="tx1">
+                    <a:lumMod val="75000"/>
+                    <a:lumOff val="25000"/>
+                  </a:schemeClr>
+                </a:solidFill>
+              </a:rPr>
+              <a:t>detail</a:t>
+            </a:r>
+            <a:endParaRPr kumimoji="1" lang="ja-JP" altLang="en-US" sz="1000" dirty="0" smtClean="0">
+              <a:solidFill>
+                <a:schemeClr val="tx1">
+                  <a:lumMod val="75000"/>
+                  <a:lumOff val="25000"/>
+                </a:schemeClr>
+              </a:solidFill>
+            </a:endParaRPr>
+          </a:p>
+        </p:txBody>
+      </p:sp>
+      <p:sp>
+        <p:nvSpPr>
+          <p:cNvPr id="65" name="正方形/長方形 64"/>
+          <p:cNvSpPr/>
+          <p:nvPr/>
+        </p:nvSpPr>
+        <p:spPr>
+          <a:xfrm>
+            <a:off x="302784" y="4145632"/>
+            <a:ext cx="249382" cy="529322"/>
+          </a:xfrm>
+          <a:prstGeom prst="rect">
+            <a:avLst/>
+          </a:prstGeom>
+          <a:solidFill>
+            <a:schemeClr val="bg1"/>
+          </a:solidFill>
+          <a:ln w="6350">
+            <a:solidFill>
+              <a:schemeClr val="tx1">
+                <a:lumMod val="65000"/>
+                <a:lumOff val="35000"/>
+              </a:schemeClr>
+            </a:solidFill>
+          </a:ln>
+        </p:spPr>
+        <p:style>
+          <a:lnRef idx="2">
+            <a:schemeClr val="accent1">
+              <a:shade val="50000"/>
+            </a:schemeClr>
+          </a:lnRef>
+          <a:fillRef idx="1">
+            <a:schemeClr val="accent1"/>
+          </a:fillRef>
+          <a:effectRef idx="0">
+            <a:schemeClr val="accent1"/>
+          </a:effectRef>
+          <a:fontRef idx="minor">
+            <a:schemeClr val="lt1"/>
+          </a:fontRef>
+        </p:style>
+        <p:txBody>
+          <a:bodyPr rtlCol="0" anchor="ctr"/>
+          <a:lstStyle/>
+          <a:p>
+            <a:r>
+              <a:rPr lang="en-US" altLang="ja-JP" sz="800" dirty="0">
+                <a:solidFill>
+                  <a:schemeClr val="tx1">
+                    <a:lumMod val="75000"/>
+                    <a:lumOff val="25000"/>
+                  </a:schemeClr>
+                </a:solidFill>
+              </a:rPr>
+              <a:t>5</a:t>
+            </a:r>
+            <a:endParaRPr kumimoji="1" lang="en-US" altLang="ja-JP" sz="800" dirty="0" smtClean="0">
+              <a:solidFill>
+                <a:schemeClr val="tx1">
+                  <a:lumMod val="75000"/>
+                  <a:lumOff val="25000"/>
+                </a:schemeClr>
+              </a:solidFill>
+            </a:endParaRPr>
+          </a:p>
+        </p:txBody>
+      </p:sp>
+      <p:sp>
+        <p:nvSpPr>
+          <p:cNvPr id="67" name="テキスト ボックス 66"/>
+          <p:cNvSpPr txBox="1"/>
+          <p:nvPr/>
+        </p:nvSpPr>
+        <p:spPr>
+          <a:xfrm>
+            <a:off x="2966593" y="1902808"/>
+            <a:ext cx="958416" cy="1708160"/>
+          </a:xfrm>
+          <a:prstGeom prst="rect">
+            <a:avLst/>
+          </a:prstGeom>
+          <a:solidFill>
+            <a:schemeClr val="bg1"/>
+          </a:solidFill>
+          <a:ln w="9525">
+            <a:solidFill>
+              <a:schemeClr val="tx1"/>
+            </a:solidFill>
+          </a:ln>
+        </p:spPr>
+        <p:txBody>
+          <a:bodyPr wrap="square" rtlCol="0">
+            <a:spAutoFit/>
+          </a:bodyPr>
+          <a:lstStyle/>
+          <a:p>
+            <a:r>
+              <a:rPr lang="en-US" altLang="ja-JP" sz="1050" dirty="0" smtClean="0">
+                <a:solidFill>
+                  <a:schemeClr val="tx1">
+                    <a:lumMod val="75000"/>
+                    <a:lumOff val="25000"/>
+                  </a:schemeClr>
+                </a:solidFill>
+              </a:rPr>
+              <a:t>Query: iPhone</a:t>
+            </a:r>
+          </a:p>
+          <a:p>
+            <a:r>
+              <a:rPr lang="en-US" altLang="ja-JP" sz="1050" dirty="0" smtClean="0">
+                <a:solidFill>
+                  <a:schemeClr val="tx1">
+                    <a:lumMod val="75000"/>
+                    <a:lumOff val="25000"/>
+                  </a:schemeClr>
+                </a:solidFill>
+              </a:rPr>
+              <a:t>Impressions:</a:t>
+            </a:r>
+          </a:p>
+          <a:p>
+            <a:r>
+              <a:rPr lang="en-US" altLang="ja-JP" sz="1050" dirty="0">
+                <a:solidFill>
+                  <a:schemeClr val="tx1">
+                    <a:lumMod val="75000"/>
+                    <a:lumOff val="25000"/>
+                  </a:schemeClr>
+                </a:solidFill>
+              </a:rPr>
+              <a:t> </a:t>
+            </a:r>
+            <a:r>
+              <a:rPr lang="en-US" altLang="ja-JP" sz="1050" dirty="0" smtClean="0">
+                <a:solidFill>
+                  <a:schemeClr val="tx1">
+                    <a:lumMod val="75000"/>
+                    <a:lumOff val="25000"/>
+                  </a:schemeClr>
+                </a:solidFill>
+              </a:rPr>
+              <a:t>1. </a:t>
+            </a:r>
+            <a:r>
+              <a:rPr lang="en-US" altLang="ja-JP" sz="1050" dirty="0" err="1" smtClean="0">
+                <a:solidFill>
+                  <a:schemeClr val="tx1">
+                    <a:lumMod val="75000"/>
+                    <a:lumOff val="25000"/>
+                  </a:schemeClr>
+                </a:solidFill>
+              </a:rPr>
+              <a:t>docA</a:t>
+            </a:r>
+            <a:endParaRPr lang="en-US" altLang="ja-JP" sz="1050" dirty="0" smtClean="0">
+              <a:solidFill>
+                <a:schemeClr val="tx1">
+                  <a:lumMod val="75000"/>
+                  <a:lumOff val="25000"/>
+                </a:schemeClr>
+              </a:solidFill>
+            </a:endParaRPr>
+          </a:p>
+          <a:p>
+            <a:r>
+              <a:rPr lang="en-US" altLang="ja-JP" sz="1050" dirty="0">
+                <a:solidFill>
+                  <a:schemeClr val="tx1">
+                    <a:lumMod val="75000"/>
+                    <a:lumOff val="25000"/>
+                  </a:schemeClr>
+                </a:solidFill>
+              </a:rPr>
+              <a:t> </a:t>
+            </a:r>
+            <a:r>
+              <a:rPr lang="en-US" altLang="ja-JP" sz="1050" dirty="0" smtClean="0">
+                <a:solidFill>
+                  <a:schemeClr val="tx1">
+                    <a:lumMod val="75000"/>
+                    <a:lumOff val="25000"/>
+                  </a:schemeClr>
+                </a:solidFill>
+              </a:rPr>
+              <a:t>2. </a:t>
+            </a:r>
+            <a:r>
+              <a:rPr lang="en-US" altLang="ja-JP" sz="1050" dirty="0" err="1" smtClean="0">
+                <a:solidFill>
+                  <a:schemeClr val="tx1">
+                    <a:lumMod val="75000"/>
+                    <a:lumOff val="25000"/>
+                  </a:schemeClr>
+                </a:solidFill>
+              </a:rPr>
+              <a:t>docB</a:t>
+            </a:r>
+            <a:endParaRPr lang="en-US" altLang="ja-JP" sz="1050" dirty="0" smtClean="0">
+              <a:solidFill>
+                <a:schemeClr val="tx1">
+                  <a:lumMod val="75000"/>
+                  <a:lumOff val="25000"/>
+                </a:schemeClr>
+              </a:solidFill>
+            </a:endParaRPr>
+          </a:p>
+          <a:p>
+            <a:r>
+              <a:rPr lang="en-US" altLang="ja-JP" sz="1050" dirty="0" smtClean="0">
+                <a:solidFill>
+                  <a:schemeClr val="tx1">
+                    <a:lumMod val="75000"/>
+                    <a:lumOff val="25000"/>
+                  </a:schemeClr>
+                </a:solidFill>
+              </a:rPr>
+              <a:t> 3. </a:t>
+            </a:r>
+            <a:r>
+              <a:rPr lang="en-US" altLang="ja-JP" sz="1050" dirty="0" err="1" smtClean="0">
+                <a:solidFill>
+                  <a:schemeClr val="tx1">
+                    <a:lumMod val="75000"/>
+                    <a:lumOff val="25000"/>
+                  </a:schemeClr>
+                </a:solidFill>
+              </a:rPr>
+              <a:t>docC</a:t>
+            </a:r>
+            <a:endParaRPr lang="en-US" altLang="ja-JP" sz="1050" dirty="0" smtClean="0">
+              <a:solidFill>
+                <a:schemeClr val="tx1">
+                  <a:lumMod val="75000"/>
+                  <a:lumOff val="25000"/>
+                </a:schemeClr>
+              </a:solidFill>
+            </a:endParaRPr>
+          </a:p>
+          <a:p>
+            <a:r>
+              <a:rPr lang="en-US" altLang="ja-JP" sz="1050" dirty="0" smtClean="0">
+                <a:solidFill>
+                  <a:schemeClr val="tx1">
+                    <a:lumMod val="75000"/>
+                    <a:lumOff val="25000"/>
+                  </a:schemeClr>
+                </a:solidFill>
+              </a:rPr>
+              <a:t> 4. </a:t>
+            </a:r>
+            <a:r>
+              <a:rPr lang="en-US" altLang="ja-JP" sz="1050" dirty="0" err="1" smtClean="0">
+                <a:solidFill>
+                  <a:schemeClr val="tx1">
+                    <a:lumMod val="75000"/>
+                    <a:lumOff val="25000"/>
+                  </a:schemeClr>
+                </a:solidFill>
+              </a:rPr>
+              <a:t>docD</a:t>
+            </a:r>
+            <a:endParaRPr lang="en-US" altLang="ja-JP" sz="1050" dirty="0" smtClean="0">
+              <a:solidFill>
+                <a:schemeClr val="tx1">
+                  <a:lumMod val="75000"/>
+                  <a:lumOff val="25000"/>
+                </a:schemeClr>
+              </a:solidFill>
+            </a:endParaRPr>
+          </a:p>
+          <a:p>
+            <a:r>
+              <a:rPr lang="en-US" altLang="ja-JP" sz="1050" dirty="0" smtClean="0">
+                <a:solidFill>
+                  <a:schemeClr val="tx1">
+                    <a:lumMod val="75000"/>
+                    <a:lumOff val="25000"/>
+                  </a:schemeClr>
+                </a:solidFill>
+              </a:rPr>
+              <a:t> 5. </a:t>
+            </a:r>
+            <a:r>
+              <a:rPr lang="en-US" altLang="ja-JP" sz="1050" dirty="0" err="1" smtClean="0">
+                <a:solidFill>
+                  <a:schemeClr val="tx1">
+                    <a:lumMod val="75000"/>
+                    <a:lumOff val="25000"/>
+                  </a:schemeClr>
+                </a:solidFill>
+              </a:rPr>
+              <a:t>docE</a:t>
+            </a:r>
+            <a:endParaRPr lang="en-US" altLang="ja-JP" sz="1050" dirty="0" smtClean="0">
+              <a:solidFill>
+                <a:schemeClr val="tx1">
+                  <a:lumMod val="75000"/>
+                  <a:lumOff val="25000"/>
+                </a:schemeClr>
+              </a:solidFill>
+            </a:endParaRPr>
+          </a:p>
+          <a:p>
+            <a:r>
+              <a:rPr lang="en-US" altLang="ja-JP" sz="1050" dirty="0" smtClean="0">
+                <a:solidFill>
+                  <a:schemeClr val="tx1">
+                    <a:lumMod val="75000"/>
+                    <a:lumOff val="25000"/>
+                  </a:schemeClr>
+                </a:solidFill>
+              </a:rPr>
+              <a:t>Clicks</a:t>
+            </a:r>
+          </a:p>
+          <a:p>
+            <a:r>
+              <a:rPr lang="en-US" altLang="ja-JP" sz="1050" dirty="0">
+                <a:solidFill>
+                  <a:schemeClr val="tx1">
+                    <a:lumMod val="75000"/>
+                    <a:lumOff val="25000"/>
+                  </a:schemeClr>
+                </a:solidFill>
+              </a:rPr>
+              <a:t> </a:t>
+            </a:r>
+            <a:r>
+              <a:rPr lang="en-US" altLang="ja-JP" sz="1050" dirty="0" smtClean="0">
+                <a:solidFill>
+                  <a:schemeClr val="tx1">
+                    <a:lumMod val="75000"/>
+                    <a:lumOff val="25000"/>
+                  </a:schemeClr>
+                </a:solidFill>
+              </a:rPr>
+              <a:t> </a:t>
+            </a:r>
+            <a:r>
+              <a:rPr lang="en-US" altLang="ja-JP" sz="1050" dirty="0" err="1" smtClean="0">
+                <a:solidFill>
+                  <a:schemeClr val="tx1">
+                    <a:lumMod val="75000"/>
+                    <a:lumOff val="25000"/>
+                  </a:schemeClr>
+                </a:solidFill>
+              </a:rPr>
+              <a:t>docA</a:t>
+            </a:r>
+            <a:endParaRPr lang="en-US" altLang="ja-JP" sz="1050" dirty="0" smtClean="0">
+              <a:solidFill>
+                <a:schemeClr val="tx1">
+                  <a:lumMod val="75000"/>
+                  <a:lumOff val="25000"/>
+                </a:schemeClr>
+              </a:solidFill>
+            </a:endParaRPr>
+          </a:p>
+          <a:p>
+            <a:r>
+              <a:rPr lang="en-US" altLang="ja-JP" sz="1050" dirty="0">
+                <a:solidFill>
+                  <a:schemeClr val="tx1">
+                    <a:lumMod val="75000"/>
+                    <a:lumOff val="25000"/>
+                  </a:schemeClr>
+                </a:solidFill>
+              </a:rPr>
+              <a:t> </a:t>
+            </a:r>
+            <a:r>
+              <a:rPr lang="en-US" altLang="ja-JP" sz="1050" dirty="0" smtClean="0">
+                <a:solidFill>
+                  <a:schemeClr val="tx1">
+                    <a:lumMod val="75000"/>
+                    <a:lumOff val="25000"/>
+                  </a:schemeClr>
+                </a:solidFill>
+              </a:rPr>
+              <a:t> </a:t>
+            </a:r>
+            <a:r>
+              <a:rPr lang="en-US" altLang="ja-JP" sz="1050" dirty="0" err="1" smtClean="0">
+                <a:solidFill>
+                  <a:schemeClr val="tx1">
+                    <a:lumMod val="75000"/>
+                    <a:lumOff val="25000"/>
+                  </a:schemeClr>
+                </a:solidFill>
+              </a:rPr>
+              <a:t>docC</a:t>
+            </a:r>
+            <a:endParaRPr lang="en-US" altLang="ja-JP" sz="1050" dirty="0" smtClean="0">
+              <a:solidFill>
+                <a:schemeClr val="tx1">
+                  <a:lumMod val="75000"/>
+                  <a:lumOff val="25000"/>
+                </a:schemeClr>
+              </a:solidFill>
+            </a:endParaRPr>
+          </a:p>
+        </p:txBody>
+      </p:sp>
+      <p:sp>
+        <p:nvSpPr>
+          <p:cNvPr id="68" name="正方形/長方形 67"/>
+          <p:cNvSpPr/>
+          <p:nvPr/>
+        </p:nvSpPr>
+        <p:spPr>
+          <a:xfrm>
+            <a:off x="6770588" y="3740796"/>
+            <a:ext cx="1658851" cy="529322"/>
+          </a:xfrm>
+          <a:prstGeom prst="rect">
+            <a:avLst/>
+          </a:prstGeom>
+          <a:solidFill>
+            <a:schemeClr val="bg1"/>
+          </a:solidFill>
+          <a:ln w="6350">
+            <a:solidFill>
+              <a:schemeClr val="tx1">
+                <a:lumMod val="65000"/>
+                <a:lumOff val="35000"/>
+              </a:schemeClr>
+            </a:solidFill>
+          </a:ln>
+        </p:spPr>
+        <p:style>
+          <a:lnRef idx="2">
+            <a:schemeClr val="accent1">
+              <a:shade val="50000"/>
+            </a:schemeClr>
+          </a:lnRef>
+          <a:fillRef idx="1">
+            <a:schemeClr val="accent1"/>
+          </a:fillRef>
+          <a:effectRef idx="0">
+            <a:schemeClr val="accent1"/>
+          </a:effectRef>
+          <a:fontRef idx="minor">
+            <a:schemeClr val="lt1"/>
+          </a:fontRef>
+        </p:style>
+        <p:txBody>
+          <a:bodyPr rtlCol="0" anchor="ctr"/>
+          <a:lstStyle/>
+          <a:p>
+            <a:endParaRPr lang="en-US" altLang="ja-JP" sz="900" dirty="0" smtClean="0">
+              <a:solidFill>
+                <a:schemeClr val="tx1">
+                  <a:lumMod val="75000"/>
+                  <a:lumOff val="25000"/>
+                </a:schemeClr>
+              </a:solidFill>
+            </a:endParaRPr>
+          </a:p>
+        </p:txBody>
+      </p:sp>
+      <p:sp>
+        <p:nvSpPr>
+          <p:cNvPr id="69" name="テキスト ボックス 68"/>
+          <p:cNvSpPr txBox="1"/>
+          <p:nvPr/>
+        </p:nvSpPr>
+        <p:spPr>
+          <a:xfrm>
+            <a:off x="7193283" y="3904064"/>
+            <a:ext cx="1236157" cy="415498"/>
+          </a:xfrm>
+          <a:prstGeom prst="rect">
+            <a:avLst/>
+          </a:prstGeom>
+          <a:noFill/>
+        </p:spPr>
+        <p:txBody>
+          <a:bodyPr wrap="square" rtlCol="0">
+            <a:spAutoFit/>
+          </a:bodyPr>
+          <a:lstStyle/>
+          <a:p>
+            <a:r>
+              <a:rPr lang="en-US" altLang="ja-JP" sz="1050" dirty="0" smtClean="0">
+                <a:solidFill>
+                  <a:schemeClr val="tx1">
+                    <a:lumMod val="75000"/>
+                    <a:lumOff val="25000"/>
+                  </a:schemeClr>
+                </a:solidFill>
+              </a:rPr>
+              <a:t># Impression of d before position l</a:t>
+            </a:r>
+          </a:p>
+        </p:txBody>
+      </p:sp>
+      <p:sp>
+        <p:nvSpPr>
+          <p:cNvPr id="70" name="テキスト ボックス 69"/>
+          <p:cNvSpPr txBox="1"/>
+          <p:nvPr/>
+        </p:nvSpPr>
+        <p:spPr>
+          <a:xfrm>
+            <a:off x="7339926" y="3719156"/>
+            <a:ext cx="1089514" cy="253916"/>
+          </a:xfrm>
+          <a:prstGeom prst="rect">
+            <a:avLst/>
+          </a:prstGeom>
+          <a:noFill/>
+        </p:spPr>
+        <p:txBody>
+          <a:bodyPr wrap="square" rtlCol="0">
+            <a:spAutoFit/>
+          </a:bodyPr>
+          <a:lstStyle/>
+          <a:p>
+            <a:r>
+              <a:rPr lang="en-US" altLang="ja-JP" sz="1050" dirty="0" smtClean="0">
+                <a:solidFill>
+                  <a:schemeClr val="tx1">
+                    <a:lumMod val="75000"/>
+                    <a:lumOff val="25000"/>
+                  </a:schemeClr>
+                </a:solidFill>
+              </a:rPr>
+              <a:t># Click of d</a:t>
+            </a:r>
+          </a:p>
+        </p:txBody>
+      </p:sp>
+      <p:sp>
+        <p:nvSpPr>
+          <p:cNvPr id="71" name="テキスト ボックス 70"/>
+          <p:cNvSpPr txBox="1"/>
+          <p:nvPr/>
+        </p:nvSpPr>
+        <p:spPr>
+          <a:xfrm>
+            <a:off x="6770589" y="3818117"/>
+            <a:ext cx="226305" cy="276999"/>
+          </a:xfrm>
+          <a:prstGeom prst="rect">
+            <a:avLst/>
+          </a:prstGeom>
+          <a:noFill/>
+        </p:spPr>
+        <p:txBody>
+          <a:bodyPr wrap="square" rtlCol="0">
+            <a:spAutoFit/>
+          </a:bodyPr>
+          <a:lstStyle/>
+          <a:p>
+            <a:r>
+              <a:rPr lang="en-US" altLang="ja-JP" sz="1200" dirty="0" smtClean="0">
+                <a:solidFill>
+                  <a:schemeClr val="tx1">
+                    <a:lumMod val="75000"/>
+                    <a:lumOff val="25000"/>
+                  </a:schemeClr>
+                </a:solidFill>
+              </a:rPr>
+              <a:t>r</a:t>
+            </a:r>
+          </a:p>
+        </p:txBody>
+      </p:sp>
+      <p:sp>
+        <p:nvSpPr>
+          <p:cNvPr id="72" name="テキスト ボックス 71"/>
+          <p:cNvSpPr txBox="1"/>
+          <p:nvPr/>
+        </p:nvSpPr>
+        <p:spPr>
+          <a:xfrm>
+            <a:off x="6814732" y="3870421"/>
+            <a:ext cx="226305" cy="230832"/>
+          </a:xfrm>
+          <a:prstGeom prst="rect">
+            <a:avLst/>
+          </a:prstGeom>
+          <a:noFill/>
+        </p:spPr>
+        <p:txBody>
+          <a:bodyPr wrap="square" rtlCol="0">
+            <a:spAutoFit/>
+          </a:bodyPr>
+          <a:lstStyle/>
+          <a:p>
+            <a:r>
+              <a:rPr lang="en-US" altLang="ja-JP" sz="900" dirty="0" smtClean="0">
+                <a:solidFill>
+                  <a:schemeClr val="tx1">
+                    <a:lumMod val="75000"/>
+                    <a:lumOff val="25000"/>
+                  </a:schemeClr>
+                </a:solidFill>
+              </a:rPr>
+              <a:t>d</a:t>
+            </a:r>
+          </a:p>
+        </p:txBody>
+      </p:sp>
+      <p:cxnSp>
+        <p:nvCxnSpPr>
+          <p:cNvPr id="4" name="直線コネクタ 3"/>
+          <p:cNvCxnSpPr/>
+          <p:nvPr/>
+        </p:nvCxnSpPr>
+        <p:spPr>
+          <a:xfrm>
+            <a:off x="7176031" y="3945075"/>
+            <a:ext cx="1132078" cy="0"/>
+          </a:xfrm>
+          <a:prstGeom prst="line">
+            <a:avLst/>
+          </a:prstGeom>
+          <a:ln>
+            <a:solidFill>
+              <a:schemeClr val="tx1"/>
+            </a:solidFill>
+          </a:ln>
+        </p:spPr>
+        <p:style>
+          <a:lnRef idx="1">
+            <a:schemeClr val="accent1"/>
+          </a:lnRef>
+          <a:fillRef idx="0">
+            <a:schemeClr val="accent1"/>
+          </a:fillRef>
+          <a:effectRef idx="0">
+            <a:schemeClr val="accent1"/>
+          </a:effectRef>
+          <a:fontRef idx="minor">
+            <a:schemeClr val="tx1"/>
+          </a:fontRef>
+        </p:style>
+      </p:cxnSp>
+      <p:sp>
+        <p:nvSpPr>
+          <p:cNvPr id="74" name="テキスト ボックス 73"/>
+          <p:cNvSpPr txBox="1"/>
+          <p:nvPr/>
+        </p:nvSpPr>
+        <p:spPr>
+          <a:xfrm>
+            <a:off x="6945138" y="3827291"/>
+            <a:ext cx="309981" cy="253916"/>
+          </a:xfrm>
+          <a:prstGeom prst="rect">
+            <a:avLst/>
+          </a:prstGeom>
+          <a:noFill/>
+        </p:spPr>
+        <p:txBody>
+          <a:bodyPr wrap="square" rtlCol="0">
+            <a:spAutoFit/>
+          </a:bodyPr>
+          <a:lstStyle/>
+          <a:p>
+            <a:r>
+              <a:rPr lang="en-US" altLang="ja-JP" sz="1050" dirty="0" smtClean="0">
+                <a:solidFill>
+                  <a:schemeClr val="tx1">
+                    <a:lumMod val="75000"/>
+                    <a:lumOff val="25000"/>
+                  </a:schemeClr>
+                </a:solidFill>
+              </a:rPr>
+              <a:t>=</a:t>
+            </a:r>
+          </a:p>
+        </p:txBody>
+      </p:sp>
+      <p:sp>
+        <p:nvSpPr>
+          <p:cNvPr id="75" name="テキスト ボックス 74"/>
+          <p:cNvSpPr txBox="1"/>
+          <p:nvPr/>
+        </p:nvSpPr>
+        <p:spPr>
+          <a:xfrm>
+            <a:off x="4455716" y="2061667"/>
+            <a:ext cx="1768862" cy="1061829"/>
+          </a:xfrm>
+          <a:prstGeom prst="rect">
+            <a:avLst/>
+          </a:prstGeom>
+          <a:solidFill>
+            <a:schemeClr val="bg1"/>
+          </a:solidFill>
+          <a:ln w="9525">
+            <a:solidFill>
+              <a:schemeClr val="tx1"/>
+            </a:solidFill>
+          </a:ln>
+        </p:spPr>
+        <p:txBody>
+          <a:bodyPr wrap="square" rtlCol="0">
+            <a:spAutoFit/>
+          </a:bodyPr>
+          <a:lstStyle/>
+          <a:p>
+            <a:r>
+              <a:rPr lang="en-US" altLang="ja-JP" sz="1050" dirty="0" smtClean="0">
+                <a:solidFill>
+                  <a:schemeClr val="tx1">
+                    <a:lumMod val="75000"/>
+                    <a:lumOff val="25000"/>
+                  </a:schemeClr>
+                </a:solidFill>
+              </a:rPr>
+              <a:t>Query: iPhone</a:t>
+            </a:r>
+          </a:p>
+          <a:p>
+            <a:r>
+              <a:rPr lang="en-US" altLang="ja-JP" sz="1050" dirty="0" err="1" smtClean="0">
+                <a:solidFill>
+                  <a:schemeClr val="tx1">
+                    <a:lumMod val="75000"/>
+                    <a:lumOff val="25000"/>
+                  </a:schemeClr>
+                </a:solidFill>
+              </a:rPr>
+              <a:t>docA</a:t>
+            </a:r>
+            <a:r>
+              <a:rPr lang="en-US" altLang="ja-JP" sz="1050" dirty="0" smtClean="0">
+                <a:solidFill>
+                  <a:schemeClr val="tx1">
+                    <a:lumMod val="75000"/>
+                    <a:lumOff val="25000"/>
+                  </a:schemeClr>
+                </a:solidFill>
+              </a:rPr>
+              <a:t>: impression:+1 click:+1</a:t>
+            </a:r>
+          </a:p>
+          <a:p>
+            <a:r>
+              <a:rPr lang="en-US" altLang="ja-JP" sz="1050" dirty="0" err="1" smtClean="0">
+                <a:solidFill>
+                  <a:schemeClr val="tx1">
+                    <a:lumMod val="75000"/>
+                    <a:lumOff val="25000"/>
+                  </a:schemeClr>
+                </a:solidFill>
+              </a:rPr>
+              <a:t>docB</a:t>
+            </a:r>
+            <a:r>
+              <a:rPr lang="en-US" altLang="ja-JP" sz="1050" dirty="0" smtClean="0">
+                <a:solidFill>
+                  <a:schemeClr val="tx1">
+                    <a:lumMod val="75000"/>
+                    <a:lumOff val="25000"/>
+                  </a:schemeClr>
+                </a:solidFill>
+              </a:rPr>
+              <a:t>: </a:t>
+            </a:r>
+            <a:r>
+              <a:rPr lang="en-US" altLang="ja-JP" sz="1050" dirty="0">
+                <a:solidFill>
+                  <a:schemeClr val="tx1">
+                    <a:lumMod val="75000"/>
+                    <a:lumOff val="25000"/>
+                  </a:schemeClr>
+                </a:solidFill>
+              </a:rPr>
+              <a:t>impression:+</a:t>
+            </a:r>
+            <a:r>
+              <a:rPr lang="en-US" altLang="ja-JP" sz="1050" dirty="0" smtClean="0">
+                <a:solidFill>
+                  <a:schemeClr val="tx1">
+                    <a:lumMod val="75000"/>
+                    <a:lumOff val="25000"/>
+                  </a:schemeClr>
+                </a:solidFill>
+              </a:rPr>
+              <a:t>1</a:t>
+            </a:r>
+            <a:endParaRPr lang="en-US" altLang="ja-JP" sz="1050" dirty="0">
+              <a:solidFill>
+                <a:schemeClr val="tx1">
+                  <a:lumMod val="75000"/>
+                  <a:lumOff val="25000"/>
+                </a:schemeClr>
+              </a:solidFill>
+            </a:endParaRPr>
+          </a:p>
+          <a:p>
+            <a:r>
+              <a:rPr lang="en-US" altLang="ja-JP" sz="1050" dirty="0" err="1" smtClean="0">
+                <a:solidFill>
+                  <a:schemeClr val="tx1">
+                    <a:lumMod val="75000"/>
+                    <a:lumOff val="25000"/>
+                  </a:schemeClr>
+                </a:solidFill>
+              </a:rPr>
+              <a:t>docC</a:t>
+            </a:r>
+            <a:r>
+              <a:rPr lang="en-US" altLang="ja-JP" sz="1050" dirty="0" smtClean="0">
+                <a:solidFill>
+                  <a:schemeClr val="tx1">
+                    <a:lumMod val="75000"/>
+                    <a:lumOff val="25000"/>
+                  </a:schemeClr>
+                </a:solidFill>
+              </a:rPr>
+              <a:t>: </a:t>
+            </a:r>
+            <a:r>
+              <a:rPr lang="en-US" altLang="ja-JP" sz="1050" dirty="0">
+                <a:solidFill>
+                  <a:schemeClr val="tx1">
+                    <a:lumMod val="75000"/>
+                    <a:lumOff val="25000"/>
+                  </a:schemeClr>
+                </a:solidFill>
+              </a:rPr>
+              <a:t>impression:+</a:t>
+            </a:r>
+            <a:r>
+              <a:rPr lang="en-US" altLang="ja-JP" sz="1050" dirty="0" smtClean="0">
+                <a:solidFill>
+                  <a:schemeClr val="tx1">
+                    <a:lumMod val="75000"/>
+                    <a:lumOff val="25000"/>
+                  </a:schemeClr>
+                </a:solidFill>
+              </a:rPr>
+              <a:t>1</a:t>
+            </a:r>
+            <a:r>
+              <a:rPr lang="en-US" altLang="ja-JP" sz="1050" dirty="0">
+                <a:solidFill>
+                  <a:schemeClr val="tx1">
+                    <a:lumMod val="75000"/>
+                    <a:lumOff val="25000"/>
+                  </a:schemeClr>
+                </a:solidFill>
+              </a:rPr>
+              <a:t> click:+1</a:t>
+            </a:r>
+          </a:p>
+          <a:p>
+            <a:r>
+              <a:rPr lang="en-US" altLang="ja-JP" sz="1050" dirty="0" err="1" smtClean="0">
+                <a:solidFill>
+                  <a:schemeClr val="tx1">
+                    <a:lumMod val="75000"/>
+                    <a:lumOff val="25000"/>
+                  </a:schemeClr>
+                </a:solidFill>
+              </a:rPr>
+              <a:t>docD</a:t>
+            </a:r>
+            <a:r>
+              <a:rPr lang="en-US" altLang="ja-JP" sz="1050" dirty="0" smtClean="0">
+                <a:solidFill>
+                  <a:schemeClr val="tx1">
+                    <a:lumMod val="75000"/>
+                    <a:lumOff val="25000"/>
+                  </a:schemeClr>
+                </a:solidFill>
+              </a:rPr>
+              <a:t>: </a:t>
+            </a:r>
+            <a:r>
+              <a:rPr lang="en-US" altLang="ja-JP" sz="1050" dirty="0">
+                <a:solidFill>
+                  <a:schemeClr val="tx1">
+                    <a:lumMod val="75000"/>
+                    <a:lumOff val="25000"/>
+                  </a:schemeClr>
+                </a:solidFill>
+              </a:rPr>
+              <a:t>impression:+1</a:t>
+            </a:r>
+          </a:p>
+          <a:p>
+            <a:r>
+              <a:rPr lang="en-US" altLang="ja-JP" sz="1050" dirty="0" err="1" smtClean="0">
+                <a:solidFill>
+                  <a:schemeClr val="tx1">
+                    <a:lumMod val="75000"/>
+                    <a:lumOff val="25000"/>
+                  </a:schemeClr>
+                </a:solidFill>
+              </a:rPr>
+              <a:t>docE</a:t>
+            </a:r>
+            <a:r>
+              <a:rPr lang="en-US" altLang="ja-JP" sz="1050" dirty="0" smtClean="0">
+                <a:solidFill>
+                  <a:schemeClr val="tx1">
+                    <a:lumMod val="75000"/>
+                    <a:lumOff val="25000"/>
+                  </a:schemeClr>
+                </a:solidFill>
+              </a:rPr>
+              <a:t>: </a:t>
+            </a:r>
+            <a:r>
+              <a:rPr lang="en-US" altLang="ja-JP" sz="1050" dirty="0">
+                <a:solidFill>
+                  <a:schemeClr val="tx1">
+                    <a:lumMod val="75000"/>
+                    <a:lumOff val="25000"/>
+                  </a:schemeClr>
+                </a:solidFill>
+              </a:rPr>
+              <a:t>impression:+</a:t>
+            </a:r>
+            <a:r>
+              <a:rPr lang="en-US" altLang="ja-JP" sz="1050" dirty="0" smtClean="0">
+                <a:solidFill>
+                  <a:schemeClr val="tx1">
+                    <a:lumMod val="75000"/>
+                    <a:lumOff val="25000"/>
+                  </a:schemeClr>
+                </a:solidFill>
+              </a:rPr>
+              <a:t>1</a:t>
+            </a:r>
+            <a:endParaRPr lang="en-US" altLang="ja-JP" sz="1050" dirty="0">
+              <a:solidFill>
+                <a:schemeClr val="tx1">
+                  <a:lumMod val="75000"/>
+                  <a:lumOff val="25000"/>
+                </a:schemeClr>
+              </a:solidFill>
+            </a:endParaRPr>
+          </a:p>
+        </p:txBody>
+      </p:sp>
+      <p:sp>
+        <p:nvSpPr>
+          <p:cNvPr id="76" name="テキスト ボックス 75"/>
+          <p:cNvSpPr txBox="1"/>
+          <p:nvPr/>
+        </p:nvSpPr>
+        <p:spPr>
+          <a:xfrm>
+            <a:off x="4432531" y="1805778"/>
+            <a:ext cx="1337991" cy="307777"/>
+          </a:xfrm>
+          <a:prstGeom prst="rect">
+            <a:avLst/>
+          </a:prstGeom>
+          <a:noFill/>
+        </p:spPr>
+        <p:txBody>
+          <a:bodyPr wrap="square" rtlCol="0">
+            <a:spAutoFit/>
+          </a:bodyPr>
+          <a:lstStyle/>
+          <a:p>
+            <a:r>
+              <a:rPr lang="en-US" altLang="ja-JP" sz="1400" b="1" dirty="0" smtClean="0">
+                <a:solidFill>
+                  <a:schemeClr val="tx1">
+                    <a:lumMod val="75000"/>
+                    <a:lumOff val="25000"/>
+                  </a:schemeClr>
+                </a:solidFill>
+              </a:rPr>
+              <a:t>ICM</a:t>
+            </a:r>
+            <a:endParaRPr lang="en-US" altLang="ja-JP" sz="1400" b="1" dirty="0" smtClean="0">
+              <a:solidFill>
+                <a:schemeClr val="tx1">
+                  <a:lumMod val="75000"/>
+                  <a:lumOff val="25000"/>
+                </a:schemeClr>
+              </a:solidFill>
+            </a:endParaRPr>
+          </a:p>
+        </p:txBody>
+      </p:sp>
+      <p:sp>
+        <p:nvSpPr>
+          <p:cNvPr id="79" name="テキスト ボックス 78"/>
+          <p:cNvSpPr txBox="1"/>
+          <p:nvPr/>
+        </p:nvSpPr>
+        <p:spPr>
+          <a:xfrm>
+            <a:off x="4467035" y="3570849"/>
+            <a:ext cx="1768862" cy="1061829"/>
+          </a:xfrm>
+          <a:prstGeom prst="rect">
+            <a:avLst/>
+          </a:prstGeom>
+          <a:solidFill>
+            <a:schemeClr val="bg1"/>
+          </a:solidFill>
+          <a:ln w="9525">
+            <a:solidFill>
+              <a:schemeClr val="tx1"/>
+            </a:solidFill>
+          </a:ln>
+        </p:spPr>
+        <p:txBody>
+          <a:bodyPr wrap="square" rtlCol="0">
+            <a:spAutoFit/>
+          </a:bodyPr>
+          <a:lstStyle/>
+          <a:p>
+            <a:r>
+              <a:rPr lang="en-US" altLang="ja-JP" sz="1050" dirty="0" smtClean="0">
+                <a:solidFill>
+                  <a:schemeClr val="tx1">
+                    <a:lumMod val="75000"/>
+                    <a:lumOff val="25000"/>
+                  </a:schemeClr>
+                </a:solidFill>
+              </a:rPr>
+              <a:t>Query: iPhone</a:t>
+            </a:r>
+          </a:p>
+          <a:p>
+            <a:r>
+              <a:rPr lang="en-US" altLang="ja-JP" sz="1050" dirty="0" err="1" smtClean="0">
+                <a:solidFill>
+                  <a:schemeClr val="tx1">
+                    <a:lumMod val="75000"/>
+                    <a:lumOff val="25000"/>
+                  </a:schemeClr>
+                </a:solidFill>
+              </a:rPr>
+              <a:t>docA</a:t>
+            </a:r>
+            <a:r>
+              <a:rPr lang="en-US" altLang="ja-JP" sz="1050" dirty="0" smtClean="0">
+                <a:solidFill>
+                  <a:schemeClr val="tx1">
+                    <a:lumMod val="75000"/>
+                    <a:lumOff val="25000"/>
+                  </a:schemeClr>
+                </a:solidFill>
+              </a:rPr>
+              <a:t>: impression:+1 click:+1</a:t>
+            </a:r>
+          </a:p>
+          <a:p>
+            <a:r>
+              <a:rPr lang="en-US" altLang="ja-JP" sz="1050" dirty="0" err="1" smtClean="0">
+                <a:solidFill>
+                  <a:schemeClr val="tx1">
+                    <a:lumMod val="75000"/>
+                    <a:lumOff val="25000"/>
+                  </a:schemeClr>
+                </a:solidFill>
+              </a:rPr>
+              <a:t>docB</a:t>
+            </a:r>
+            <a:r>
+              <a:rPr lang="en-US" altLang="ja-JP" sz="1050" dirty="0" smtClean="0">
+                <a:solidFill>
+                  <a:schemeClr val="tx1">
+                    <a:lumMod val="75000"/>
+                    <a:lumOff val="25000"/>
+                  </a:schemeClr>
+                </a:solidFill>
+              </a:rPr>
+              <a:t>: </a:t>
+            </a:r>
+            <a:r>
+              <a:rPr lang="en-US" altLang="ja-JP" sz="1050" dirty="0">
+                <a:solidFill>
+                  <a:schemeClr val="tx1">
+                    <a:lumMod val="75000"/>
+                    <a:lumOff val="25000"/>
+                  </a:schemeClr>
+                </a:solidFill>
+              </a:rPr>
+              <a:t>impression:+</a:t>
+            </a:r>
+            <a:r>
+              <a:rPr lang="en-US" altLang="ja-JP" sz="1050" dirty="0" smtClean="0">
+                <a:solidFill>
+                  <a:schemeClr val="tx1">
+                    <a:lumMod val="75000"/>
+                    <a:lumOff val="25000"/>
+                  </a:schemeClr>
+                </a:solidFill>
+              </a:rPr>
+              <a:t>1</a:t>
+            </a:r>
+            <a:endParaRPr lang="en-US" altLang="ja-JP" sz="1050" dirty="0">
+              <a:solidFill>
+                <a:schemeClr val="tx1">
+                  <a:lumMod val="75000"/>
+                  <a:lumOff val="25000"/>
+                </a:schemeClr>
+              </a:solidFill>
+            </a:endParaRPr>
+          </a:p>
+          <a:p>
+            <a:r>
+              <a:rPr lang="en-US" altLang="ja-JP" sz="1050" dirty="0" err="1" smtClean="0">
+                <a:solidFill>
+                  <a:schemeClr val="tx1">
+                    <a:lumMod val="75000"/>
+                    <a:lumOff val="25000"/>
+                  </a:schemeClr>
+                </a:solidFill>
+              </a:rPr>
+              <a:t>docC</a:t>
+            </a:r>
+            <a:r>
+              <a:rPr lang="en-US" altLang="ja-JP" sz="1050" dirty="0" smtClean="0">
+                <a:solidFill>
+                  <a:schemeClr val="tx1">
+                    <a:lumMod val="75000"/>
+                    <a:lumOff val="25000"/>
+                  </a:schemeClr>
+                </a:solidFill>
+              </a:rPr>
+              <a:t>: </a:t>
+            </a:r>
+            <a:r>
+              <a:rPr lang="en-US" altLang="ja-JP" sz="1050" dirty="0">
+                <a:solidFill>
+                  <a:schemeClr val="tx1">
+                    <a:lumMod val="75000"/>
+                    <a:lumOff val="25000"/>
+                  </a:schemeClr>
+                </a:solidFill>
+              </a:rPr>
+              <a:t>impression:+</a:t>
+            </a:r>
+            <a:r>
+              <a:rPr lang="en-US" altLang="ja-JP" sz="1050" dirty="0" smtClean="0">
+                <a:solidFill>
+                  <a:schemeClr val="tx1">
+                    <a:lumMod val="75000"/>
+                    <a:lumOff val="25000"/>
+                  </a:schemeClr>
+                </a:solidFill>
+              </a:rPr>
+              <a:t>1</a:t>
+            </a:r>
+            <a:r>
+              <a:rPr lang="en-US" altLang="ja-JP" sz="1050" dirty="0">
+                <a:solidFill>
+                  <a:schemeClr val="tx1">
+                    <a:lumMod val="75000"/>
+                    <a:lumOff val="25000"/>
+                  </a:schemeClr>
+                </a:solidFill>
+              </a:rPr>
+              <a:t> click:+</a:t>
+            </a:r>
+            <a:r>
+              <a:rPr lang="en-US" altLang="ja-JP" sz="1050" dirty="0" smtClean="0">
+                <a:solidFill>
+                  <a:schemeClr val="tx1">
+                    <a:lumMod val="75000"/>
+                    <a:lumOff val="25000"/>
+                  </a:schemeClr>
+                </a:solidFill>
+              </a:rPr>
+              <a:t>1</a:t>
+            </a:r>
+          </a:p>
+          <a:p>
+            <a:endParaRPr lang="en-US" altLang="ja-JP" sz="1050" dirty="0">
+              <a:solidFill>
+                <a:schemeClr val="tx1">
+                  <a:lumMod val="75000"/>
+                  <a:lumOff val="25000"/>
+                </a:schemeClr>
+              </a:solidFill>
+            </a:endParaRPr>
+          </a:p>
+          <a:p>
+            <a:endParaRPr lang="en-US" altLang="ja-JP" sz="1050" dirty="0">
+              <a:solidFill>
+                <a:schemeClr val="tx1">
+                  <a:lumMod val="75000"/>
+                  <a:lumOff val="25000"/>
+                </a:schemeClr>
+              </a:solidFill>
+            </a:endParaRPr>
+          </a:p>
+        </p:txBody>
+      </p:sp>
+      <p:sp>
+        <p:nvSpPr>
+          <p:cNvPr id="80" name="テキスト ボックス 79"/>
+          <p:cNvSpPr txBox="1"/>
+          <p:nvPr/>
+        </p:nvSpPr>
+        <p:spPr>
+          <a:xfrm>
+            <a:off x="4426598" y="3340838"/>
+            <a:ext cx="1337991" cy="307777"/>
+          </a:xfrm>
+          <a:prstGeom prst="rect">
+            <a:avLst/>
+          </a:prstGeom>
+          <a:noFill/>
+        </p:spPr>
+        <p:txBody>
+          <a:bodyPr wrap="square" rtlCol="0">
+            <a:spAutoFit/>
+          </a:bodyPr>
+          <a:lstStyle/>
+          <a:p>
+            <a:r>
+              <a:rPr lang="en-US" altLang="ja-JP" sz="1400" b="1" dirty="0">
+                <a:solidFill>
+                  <a:schemeClr val="tx1">
+                    <a:lumMod val="75000"/>
+                    <a:lumOff val="25000"/>
+                  </a:schemeClr>
+                </a:solidFill>
+              </a:rPr>
+              <a:t>D</a:t>
+            </a:r>
+            <a:r>
+              <a:rPr lang="en-US" altLang="ja-JP" sz="1400" b="1" dirty="0" smtClean="0">
+                <a:solidFill>
+                  <a:schemeClr val="tx1">
+                    <a:lumMod val="75000"/>
+                    <a:lumOff val="25000"/>
+                  </a:schemeClr>
+                </a:solidFill>
+              </a:rPr>
+              <a:t>CM</a:t>
+            </a:r>
+            <a:endParaRPr lang="en-US" altLang="ja-JP" sz="1400" b="1" dirty="0" smtClean="0">
+              <a:solidFill>
+                <a:schemeClr val="tx1">
+                  <a:lumMod val="75000"/>
+                  <a:lumOff val="25000"/>
+                </a:schemeClr>
+              </a:solidFill>
+            </a:endParaRPr>
+          </a:p>
+        </p:txBody>
+      </p:sp>
+      <p:cxnSp>
+        <p:nvCxnSpPr>
+          <p:cNvPr id="6" name="カギ線コネクタ 5"/>
+          <p:cNvCxnSpPr>
+            <a:stCxn id="67" idx="3"/>
+            <a:endCxn id="75" idx="1"/>
+          </p:cNvCxnSpPr>
+          <p:nvPr/>
+        </p:nvCxnSpPr>
+        <p:spPr>
+          <a:xfrm flipV="1">
+            <a:off x="3925009" y="2592582"/>
+            <a:ext cx="530707" cy="164306"/>
+          </a:xfrm>
+          <a:prstGeom prst="bentConnector3">
+            <a:avLst/>
+          </a:prstGeom>
+          <a:ln>
+            <a:solidFill>
+              <a:schemeClr val="tx1"/>
+            </a:solidFill>
+            <a:tailEnd type="arrow"/>
+          </a:ln>
+        </p:spPr>
+        <p:style>
+          <a:lnRef idx="1">
+            <a:schemeClr val="accent1"/>
+          </a:lnRef>
+          <a:fillRef idx="0">
+            <a:schemeClr val="accent1"/>
+          </a:fillRef>
+          <a:effectRef idx="0">
+            <a:schemeClr val="accent1"/>
+          </a:effectRef>
+          <a:fontRef idx="minor">
+            <a:schemeClr val="tx1"/>
+          </a:fontRef>
+        </p:style>
+      </p:cxnSp>
+      <p:cxnSp>
+        <p:nvCxnSpPr>
+          <p:cNvPr id="81" name="カギ線コネクタ 80"/>
+          <p:cNvCxnSpPr>
+            <a:stCxn id="67" idx="3"/>
+            <a:endCxn id="79" idx="1"/>
+          </p:cNvCxnSpPr>
+          <p:nvPr/>
+        </p:nvCxnSpPr>
+        <p:spPr>
+          <a:xfrm>
+            <a:off x="3925009" y="2756888"/>
+            <a:ext cx="542026" cy="1344876"/>
+          </a:xfrm>
+          <a:prstGeom prst="bentConnector3">
+            <a:avLst/>
+          </a:prstGeom>
+          <a:ln>
+            <a:solidFill>
+              <a:schemeClr val="tx1"/>
+            </a:solidFill>
+            <a:tailEnd type="arrow"/>
+          </a:ln>
+        </p:spPr>
+        <p:style>
+          <a:lnRef idx="1">
+            <a:schemeClr val="accent1"/>
+          </a:lnRef>
+          <a:fillRef idx="0">
+            <a:schemeClr val="accent1"/>
+          </a:fillRef>
+          <a:effectRef idx="0">
+            <a:schemeClr val="accent1"/>
+          </a:effectRef>
+          <a:fontRef idx="minor">
+            <a:schemeClr val="tx1"/>
+          </a:fontRef>
+        </p:style>
+      </p:cxnSp>
+      <p:sp>
+        <p:nvSpPr>
+          <p:cNvPr id="99" name="正方形/長方形 98"/>
+          <p:cNvSpPr/>
+          <p:nvPr/>
+        </p:nvSpPr>
+        <p:spPr>
+          <a:xfrm>
+            <a:off x="6754218" y="2331498"/>
+            <a:ext cx="1658851" cy="529322"/>
+          </a:xfrm>
+          <a:prstGeom prst="rect">
+            <a:avLst/>
+          </a:prstGeom>
+          <a:solidFill>
+            <a:schemeClr val="bg1"/>
+          </a:solidFill>
+          <a:ln w="6350">
+            <a:solidFill>
+              <a:schemeClr val="tx1">
+                <a:lumMod val="65000"/>
+                <a:lumOff val="35000"/>
+              </a:schemeClr>
+            </a:solidFill>
+          </a:ln>
+        </p:spPr>
+        <p:style>
+          <a:lnRef idx="2">
+            <a:schemeClr val="accent1">
+              <a:shade val="50000"/>
+            </a:schemeClr>
+          </a:lnRef>
+          <a:fillRef idx="1">
+            <a:schemeClr val="accent1"/>
+          </a:fillRef>
+          <a:effectRef idx="0">
+            <a:schemeClr val="accent1"/>
+          </a:effectRef>
+          <a:fontRef idx="minor">
+            <a:schemeClr val="lt1"/>
+          </a:fontRef>
+        </p:style>
+        <p:txBody>
+          <a:bodyPr rtlCol="0" anchor="ctr"/>
+          <a:lstStyle/>
+          <a:p>
+            <a:endParaRPr lang="en-US" altLang="ja-JP" sz="900" dirty="0" smtClean="0">
+              <a:solidFill>
+                <a:schemeClr val="tx1">
+                  <a:lumMod val="75000"/>
+                  <a:lumOff val="25000"/>
+                </a:schemeClr>
+              </a:solidFill>
+            </a:endParaRPr>
+          </a:p>
+        </p:txBody>
+      </p:sp>
+      <p:sp>
+        <p:nvSpPr>
+          <p:cNvPr id="100" name="テキスト ボックス 99"/>
+          <p:cNvSpPr txBox="1"/>
+          <p:nvPr/>
+        </p:nvSpPr>
+        <p:spPr>
+          <a:xfrm>
+            <a:off x="7176913" y="2494766"/>
+            <a:ext cx="1236157" cy="253916"/>
+          </a:xfrm>
+          <a:prstGeom prst="rect">
+            <a:avLst/>
+          </a:prstGeom>
+          <a:noFill/>
+        </p:spPr>
+        <p:txBody>
+          <a:bodyPr wrap="square" rtlCol="0">
+            <a:spAutoFit/>
+          </a:bodyPr>
+          <a:lstStyle/>
+          <a:p>
+            <a:r>
+              <a:rPr lang="en-US" altLang="ja-JP" sz="1050" dirty="0" smtClean="0">
+                <a:solidFill>
+                  <a:schemeClr val="tx1">
+                    <a:lumMod val="75000"/>
+                    <a:lumOff val="25000"/>
+                  </a:schemeClr>
+                </a:solidFill>
+              </a:rPr>
+              <a:t># Impression of d</a:t>
+            </a:r>
+          </a:p>
+        </p:txBody>
+      </p:sp>
+      <p:sp>
+        <p:nvSpPr>
+          <p:cNvPr id="102" name="テキスト ボックス 101"/>
+          <p:cNvSpPr txBox="1"/>
+          <p:nvPr/>
+        </p:nvSpPr>
+        <p:spPr>
+          <a:xfrm>
+            <a:off x="7323556" y="2309858"/>
+            <a:ext cx="1089514" cy="253916"/>
+          </a:xfrm>
+          <a:prstGeom prst="rect">
+            <a:avLst/>
+          </a:prstGeom>
+          <a:noFill/>
+        </p:spPr>
+        <p:txBody>
+          <a:bodyPr wrap="square" rtlCol="0">
+            <a:spAutoFit/>
+          </a:bodyPr>
+          <a:lstStyle/>
+          <a:p>
+            <a:r>
+              <a:rPr lang="en-US" altLang="ja-JP" sz="1050" dirty="0" smtClean="0">
+                <a:solidFill>
+                  <a:schemeClr val="tx1">
+                    <a:lumMod val="75000"/>
+                    <a:lumOff val="25000"/>
+                  </a:schemeClr>
+                </a:solidFill>
+              </a:rPr>
+              <a:t># Click of d</a:t>
+            </a:r>
+          </a:p>
+        </p:txBody>
+      </p:sp>
+      <p:sp>
+        <p:nvSpPr>
+          <p:cNvPr id="103" name="テキスト ボックス 102"/>
+          <p:cNvSpPr txBox="1"/>
+          <p:nvPr/>
+        </p:nvSpPr>
+        <p:spPr>
+          <a:xfrm>
+            <a:off x="6754219" y="2408819"/>
+            <a:ext cx="226305" cy="276999"/>
+          </a:xfrm>
+          <a:prstGeom prst="rect">
+            <a:avLst/>
+          </a:prstGeom>
+          <a:noFill/>
+        </p:spPr>
+        <p:txBody>
+          <a:bodyPr wrap="square" rtlCol="0">
+            <a:spAutoFit/>
+          </a:bodyPr>
+          <a:lstStyle/>
+          <a:p>
+            <a:r>
+              <a:rPr lang="en-US" altLang="ja-JP" sz="1200" dirty="0" smtClean="0">
+                <a:solidFill>
+                  <a:schemeClr val="tx1">
+                    <a:lumMod val="75000"/>
+                    <a:lumOff val="25000"/>
+                  </a:schemeClr>
+                </a:solidFill>
+              </a:rPr>
+              <a:t>r</a:t>
+            </a:r>
+          </a:p>
+        </p:txBody>
+      </p:sp>
+      <p:sp>
+        <p:nvSpPr>
+          <p:cNvPr id="104" name="テキスト ボックス 103"/>
+          <p:cNvSpPr txBox="1"/>
+          <p:nvPr/>
+        </p:nvSpPr>
+        <p:spPr>
+          <a:xfrm>
+            <a:off x="6798362" y="2461123"/>
+            <a:ext cx="226305" cy="230832"/>
+          </a:xfrm>
+          <a:prstGeom prst="rect">
+            <a:avLst/>
+          </a:prstGeom>
+          <a:noFill/>
+        </p:spPr>
+        <p:txBody>
+          <a:bodyPr wrap="square" rtlCol="0">
+            <a:spAutoFit/>
+          </a:bodyPr>
+          <a:lstStyle/>
+          <a:p>
+            <a:r>
+              <a:rPr lang="en-US" altLang="ja-JP" sz="900" dirty="0" smtClean="0">
+                <a:solidFill>
+                  <a:schemeClr val="tx1">
+                    <a:lumMod val="75000"/>
+                    <a:lumOff val="25000"/>
+                  </a:schemeClr>
+                </a:solidFill>
+              </a:rPr>
+              <a:t>d</a:t>
+            </a:r>
+          </a:p>
+        </p:txBody>
+      </p:sp>
+      <p:cxnSp>
+        <p:nvCxnSpPr>
+          <p:cNvPr id="105" name="直線コネクタ 104"/>
+          <p:cNvCxnSpPr/>
+          <p:nvPr/>
+        </p:nvCxnSpPr>
+        <p:spPr>
+          <a:xfrm>
+            <a:off x="7159661" y="2535777"/>
+            <a:ext cx="1132078" cy="0"/>
+          </a:xfrm>
+          <a:prstGeom prst="line">
+            <a:avLst/>
+          </a:prstGeom>
+          <a:ln>
+            <a:solidFill>
+              <a:schemeClr val="tx1"/>
+            </a:solidFill>
+          </a:ln>
+        </p:spPr>
+        <p:style>
+          <a:lnRef idx="1">
+            <a:schemeClr val="accent1"/>
+          </a:lnRef>
+          <a:fillRef idx="0">
+            <a:schemeClr val="accent1"/>
+          </a:fillRef>
+          <a:effectRef idx="0">
+            <a:schemeClr val="accent1"/>
+          </a:effectRef>
+          <a:fontRef idx="minor">
+            <a:schemeClr val="tx1"/>
+          </a:fontRef>
+        </p:style>
+      </p:cxnSp>
+      <p:sp>
+        <p:nvSpPr>
+          <p:cNvPr id="106" name="テキスト ボックス 105"/>
+          <p:cNvSpPr txBox="1"/>
+          <p:nvPr/>
+        </p:nvSpPr>
+        <p:spPr>
+          <a:xfrm>
+            <a:off x="6928768" y="2417993"/>
+            <a:ext cx="309981" cy="253916"/>
+          </a:xfrm>
+          <a:prstGeom prst="rect">
+            <a:avLst/>
+          </a:prstGeom>
+          <a:noFill/>
+        </p:spPr>
+        <p:txBody>
+          <a:bodyPr wrap="square" rtlCol="0">
+            <a:spAutoFit/>
+          </a:bodyPr>
+          <a:lstStyle/>
+          <a:p>
+            <a:r>
+              <a:rPr lang="en-US" altLang="ja-JP" sz="1050" dirty="0" smtClean="0">
+                <a:solidFill>
+                  <a:schemeClr val="tx1">
+                    <a:lumMod val="75000"/>
+                    <a:lumOff val="25000"/>
+                  </a:schemeClr>
+                </a:solidFill>
+              </a:rPr>
+              <a:t>=</a:t>
+            </a:r>
+          </a:p>
+        </p:txBody>
+      </p:sp>
+      <p:sp>
+        <p:nvSpPr>
+          <p:cNvPr id="107" name="右矢印 106"/>
+          <p:cNvSpPr/>
+          <p:nvPr/>
+        </p:nvSpPr>
+        <p:spPr>
+          <a:xfrm>
+            <a:off x="6435072" y="2375264"/>
+            <a:ext cx="287687" cy="434634"/>
+          </a:xfrm>
+          <a:prstGeom prst="rightArrow">
+            <a:avLst/>
+          </a:prstGeom>
+          <a:noFill/>
+          <a:ln w="12700">
+            <a:solidFill>
+              <a:schemeClr val="tx1">
+                <a:lumMod val="65000"/>
+                <a:lumOff val="35000"/>
+              </a:schemeClr>
+            </a:solidFill>
+          </a:ln>
+        </p:spPr>
+        <p:style>
+          <a:lnRef idx="2">
+            <a:schemeClr val="accent1">
+              <a:shade val="50000"/>
+            </a:schemeClr>
+          </a:lnRef>
+          <a:fillRef idx="1">
+            <a:schemeClr val="accent1"/>
+          </a:fillRef>
+          <a:effectRef idx="0">
+            <a:schemeClr val="accent1"/>
+          </a:effectRef>
+          <a:fontRef idx="minor">
+            <a:schemeClr val="lt1"/>
+          </a:fontRef>
+        </p:style>
+        <p:txBody>
+          <a:bodyPr rtlCol="0" anchor="ctr"/>
+          <a:lstStyle/>
+          <a:p>
+            <a:pPr algn="ctr"/>
+            <a:endParaRPr kumimoji="1" lang="ja-JP" altLang="en-US"/>
+          </a:p>
+        </p:txBody>
+      </p:sp>
+      <p:sp>
+        <p:nvSpPr>
+          <p:cNvPr id="108" name="右矢印 107"/>
+          <p:cNvSpPr/>
+          <p:nvPr/>
+        </p:nvSpPr>
+        <p:spPr>
+          <a:xfrm>
+            <a:off x="6414775" y="3858569"/>
+            <a:ext cx="287687" cy="434634"/>
+          </a:xfrm>
+          <a:prstGeom prst="rightArrow">
+            <a:avLst/>
+          </a:prstGeom>
+          <a:noFill/>
+          <a:ln w="12700">
+            <a:solidFill>
+              <a:schemeClr val="tx1">
+                <a:lumMod val="65000"/>
+                <a:lumOff val="35000"/>
+              </a:schemeClr>
+            </a:solidFill>
+          </a:ln>
+        </p:spPr>
+        <p:style>
+          <a:lnRef idx="2">
+            <a:schemeClr val="accent1">
+              <a:shade val="50000"/>
+            </a:schemeClr>
+          </a:lnRef>
+          <a:fillRef idx="1">
+            <a:schemeClr val="accent1"/>
+          </a:fillRef>
+          <a:effectRef idx="0">
+            <a:schemeClr val="accent1"/>
+          </a:effectRef>
+          <a:fontRef idx="minor">
+            <a:schemeClr val="lt1"/>
+          </a:fontRef>
+        </p:style>
+        <p:txBody>
+          <a:bodyPr rtlCol="0" anchor="ctr"/>
+          <a:lstStyle/>
+          <a:p>
+            <a:pPr algn="ctr"/>
+            <a:endParaRPr kumimoji="1" lang="ja-JP" altLang="en-US"/>
+          </a:p>
+        </p:txBody>
+      </p:sp>
+      <p:sp>
+        <p:nvSpPr>
+          <p:cNvPr id="109" name="テキスト ボックス 108"/>
+          <p:cNvSpPr txBox="1"/>
+          <p:nvPr/>
+        </p:nvSpPr>
+        <p:spPr>
+          <a:xfrm>
+            <a:off x="2903332" y="1602277"/>
+            <a:ext cx="1337991" cy="276999"/>
+          </a:xfrm>
+          <a:prstGeom prst="rect">
+            <a:avLst/>
+          </a:prstGeom>
+          <a:noFill/>
+        </p:spPr>
+        <p:txBody>
+          <a:bodyPr wrap="square" rtlCol="0">
+            <a:spAutoFit/>
+          </a:bodyPr>
+          <a:lstStyle/>
+          <a:p>
+            <a:r>
+              <a:rPr lang="en-US" altLang="ja-JP" sz="1200" b="1" dirty="0" smtClean="0">
+                <a:solidFill>
+                  <a:schemeClr val="tx1">
+                    <a:lumMod val="75000"/>
+                    <a:lumOff val="25000"/>
+                  </a:schemeClr>
+                </a:solidFill>
+              </a:rPr>
+              <a:t>Impression log</a:t>
+            </a:r>
+            <a:endParaRPr lang="en-US" altLang="ja-JP" sz="1200" b="1" dirty="0" smtClean="0">
+              <a:solidFill>
+                <a:schemeClr val="tx1">
+                  <a:lumMod val="75000"/>
+                  <a:lumOff val="25000"/>
+                </a:schemeClr>
+              </a:solidFill>
+            </a:endParaRPr>
+          </a:p>
+        </p:txBody>
+      </p:sp>
+    </p:spTree>
+    <p:extLst>
+      <p:ext uri="{BB962C8B-B14F-4D97-AF65-F5344CB8AC3E}">
+        <p14:creationId xmlns:p14="http://schemas.microsoft.com/office/powerpoint/2010/main" val="2048536815"/>
       </p:ext>
     </p:extLst>
   </p:cSld>
